--- a/img/deployment-arch.pptx
+++ b/img/deployment-arch.pptx
@@ -2966,13 +2966,13 @@
       </p:grpSpPr>
       <p:sp>
         <p:nvSpPr>
-          <p:cNvPr id="4" name="Oval 3"/>
+          <p:cNvPr id="5" name="Oval 4"/>
           <p:cNvSpPr/>
           <p:nvPr/>
         </p:nvSpPr>
         <p:spPr>
           <a:xfrm>
-            <a:off x="119043" y="2057400"/>
+            <a:off x="9247997" y="2057400"/>
             <a:ext cx="2870200" cy="2095500"/>
           </a:xfrm>
           <a:prstGeom prst="ellipse">
@@ -3018,13 +3018,13 @@
       </p:sp>
       <p:sp>
         <p:nvSpPr>
-          <p:cNvPr id="5" name="Oval 4"/>
+          <p:cNvPr id="4" name="Oval 3"/>
           <p:cNvSpPr/>
           <p:nvPr/>
         </p:nvSpPr>
         <p:spPr>
           <a:xfrm>
-            <a:off x="9247997" y="2057400"/>
+            <a:off x="119043" y="2057400"/>
             <a:ext cx="2870200" cy="2095500"/>
           </a:xfrm>
           <a:prstGeom prst="ellipse">
@@ -3068,6 +3068,512 @@
           </a:p>
         </p:txBody>
       </p:sp>
+      <p:cxnSp>
+        <p:nvCxnSpPr>
+          <p:cNvPr id="121" name="Straight Connector 120"/>
+          <p:cNvCxnSpPr/>
+          <p:nvPr/>
+        </p:nvCxnSpPr>
+        <p:spPr>
+          <a:xfrm>
+            <a:off x="754951" y="2952365"/>
+            <a:ext cx="386865" cy="86307"/>
+          </a:xfrm>
+          <a:prstGeom prst="line">
+            <a:avLst/>
+          </a:prstGeom>
+          <a:ln w="38100">
+            <a:solidFill>
+              <a:schemeClr val="tx1"/>
+            </a:solidFill>
+            <a:prstDash val="solid"/>
+          </a:ln>
+        </p:spPr>
+        <p:style>
+          <a:lnRef idx="1">
+            <a:schemeClr val="accent1"/>
+          </a:lnRef>
+          <a:fillRef idx="0">
+            <a:schemeClr val="accent1"/>
+          </a:fillRef>
+          <a:effectRef idx="0">
+            <a:schemeClr val="accent1"/>
+          </a:effectRef>
+          <a:fontRef idx="minor">
+            <a:schemeClr val="tx1"/>
+          </a:fontRef>
+        </p:style>
+      </p:cxnSp>
+      <p:cxnSp>
+        <p:nvCxnSpPr>
+          <p:cNvPr id="126" name="Straight Connector 125"/>
+          <p:cNvCxnSpPr>
+            <a:endCxn id="40" idx="3"/>
+          </p:cNvCxnSpPr>
+          <p:nvPr/>
+        </p:nvCxnSpPr>
+        <p:spPr>
+          <a:xfrm flipV="1">
+            <a:off x="10999722" y="3005705"/>
+            <a:ext cx="587642" cy="115049"/>
+          </a:xfrm>
+          <a:prstGeom prst="line">
+            <a:avLst/>
+          </a:prstGeom>
+          <a:ln w="38100">
+            <a:solidFill>
+              <a:schemeClr val="tx1"/>
+            </a:solidFill>
+            <a:prstDash val="solid"/>
+          </a:ln>
+        </p:spPr>
+        <p:style>
+          <a:lnRef idx="1">
+            <a:schemeClr val="accent1"/>
+          </a:lnRef>
+          <a:fillRef idx="0">
+            <a:schemeClr val="accent1"/>
+          </a:fillRef>
+          <a:effectRef idx="0">
+            <a:schemeClr val="accent1"/>
+          </a:effectRef>
+          <a:fontRef idx="minor">
+            <a:schemeClr val="tx1"/>
+          </a:fontRef>
+        </p:style>
+      </p:cxnSp>
+      <p:cxnSp>
+        <p:nvCxnSpPr>
+          <p:cNvPr id="119" name="Straight Connector 118"/>
+          <p:cNvCxnSpPr/>
+          <p:nvPr/>
+        </p:nvCxnSpPr>
+        <p:spPr>
+          <a:xfrm flipV="1">
+            <a:off x="618059" y="3158703"/>
+            <a:ext cx="569963" cy="262172"/>
+          </a:xfrm>
+          <a:prstGeom prst="line">
+            <a:avLst/>
+          </a:prstGeom>
+          <a:ln w="38100">
+            <a:solidFill>
+              <a:schemeClr val="tx1"/>
+            </a:solidFill>
+            <a:prstDash val="solid"/>
+          </a:ln>
+        </p:spPr>
+        <p:style>
+          <a:lnRef idx="1">
+            <a:schemeClr val="accent1"/>
+          </a:lnRef>
+          <a:fillRef idx="0">
+            <a:schemeClr val="accent1"/>
+          </a:fillRef>
+          <a:effectRef idx="0">
+            <a:schemeClr val="accent1"/>
+          </a:effectRef>
+          <a:fontRef idx="minor">
+            <a:schemeClr val="tx1"/>
+          </a:fontRef>
+        </p:style>
+      </p:cxnSp>
+      <p:cxnSp>
+        <p:nvCxnSpPr>
+          <p:cNvPr id="123" name="Straight Connector 122"/>
+          <p:cNvCxnSpPr/>
+          <p:nvPr/>
+        </p:nvCxnSpPr>
+        <p:spPr>
+          <a:xfrm>
+            <a:off x="10938356" y="3208091"/>
+            <a:ext cx="500057" cy="212784"/>
+          </a:xfrm>
+          <a:prstGeom prst="line">
+            <a:avLst/>
+          </a:prstGeom>
+          <a:ln w="38100">
+            <a:solidFill>
+              <a:schemeClr val="tx1"/>
+            </a:solidFill>
+            <a:prstDash val="solid"/>
+          </a:ln>
+        </p:spPr>
+        <p:style>
+          <a:lnRef idx="1">
+            <a:schemeClr val="accent1"/>
+          </a:lnRef>
+          <a:fillRef idx="0">
+            <a:schemeClr val="accent1"/>
+          </a:fillRef>
+          <a:effectRef idx="0">
+            <a:schemeClr val="accent1"/>
+          </a:effectRef>
+          <a:fontRef idx="minor">
+            <a:schemeClr val="tx1"/>
+          </a:fontRef>
+        </p:style>
+      </p:cxnSp>
+      <p:cxnSp>
+        <p:nvCxnSpPr>
+          <p:cNvPr id="100" name="Straight Connector 99"/>
+          <p:cNvCxnSpPr/>
+          <p:nvPr/>
+        </p:nvCxnSpPr>
+        <p:spPr>
+          <a:xfrm>
+            <a:off x="1265620" y="3084996"/>
+            <a:ext cx="1583236" cy="34150"/>
+          </a:xfrm>
+          <a:prstGeom prst="line">
+            <a:avLst/>
+          </a:prstGeom>
+          <a:ln w="38100">
+            <a:solidFill>
+              <a:schemeClr val="tx1"/>
+            </a:solidFill>
+            <a:prstDash val="solid"/>
+          </a:ln>
+        </p:spPr>
+        <p:style>
+          <a:lnRef idx="1">
+            <a:schemeClr val="accent1"/>
+          </a:lnRef>
+          <a:fillRef idx="0">
+            <a:schemeClr val="accent1"/>
+          </a:fillRef>
+          <a:effectRef idx="0">
+            <a:schemeClr val="accent1"/>
+          </a:effectRef>
+          <a:fontRef idx="minor">
+            <a:schemeClr val="tx1"/>
+          </a:fontRef>
+        </p:style>
+      </p:cxnSp>
+      <p:cxnSp>
+        <p:nvCxnSpPr>
+          <p:cNvPr id="101" name="Straight Connector 100"/>
+          <p:cNvCxnSpPr/>
+          <p:nvPr/>
+        </p:nvCxnSpPr>
+        <p:spPr>
+          <a:xfrm>
+            <a:off x="9349774" y="3082405"/>
+            <a:ext cx="566928" cy="893"/>
+          </a:xfrm>
+          <a:prstGeom prst="line">
+            <a:avLst/>
+          </a:prstGeom>
+          <a:ln w="38100">
+            <a:solidFill>
+              <a:schemeClr val="tx1"/>
+            </a:solidFill>
+            <a:prstDash val="solid"/>
+          </a:ln>
+        </p:spPr>
+        <p:style>
+          <a:lnRef idx="1">
+            <a:schemeClr val="accent1"/>
+          </a:lnRef>
+          <a:fillRef idx="0">
+            <a:schemeClr val="accent1"/>
+          </a:fillRef>
+          <a:effectRef idx="0">
+            <a:schemeClr val="accent1"/>
+          </a:effectRef>
+          <a:fontRef idx="minor">
+            <a:schemeClr val="tx1"/>
+          </a:fontRef>
+        </p:style>
+      </p:cxnSp>
+      <p:cxnSp>
+        <p:nvCxnSpPr>
+          <p:cNvPr id="102" name="Straight Connector 101"/>
+          <p:cNvCxnSpPr/>
+          <p:nvPr/>
+        </p:nvCxnSpPr>
+        <p:spPr>
+          <a:xfrm flipV="1">
+            <a:off x="1311462" y="3350534"/>
+            <a:ext cx="541495" cy="417049"/>
+          </a:xfrm>
+          <a:prstGeom prst="line">
+            <a:avLst/>
+          </a:prstGeom>
+          <a:ln w="38100">
+            <a:solidFill>
+              <a:schemeClr val="tx1"/>
+            </a:solidFill>
+            <a:prstDash val="solid"/>
+          </a:ln>
+        </p:spPr>
+        <p:style>
+          <a:lnRef idx="1">
+            <a:schemeClr val="accent1"/>
+          </a:lnRef>
+          <a:fillRef idx="0">
+            <a:schemeClr val="accent1"/>
+          </a:fillRef>
+          <a:effectRef idx="0">
+            <a:schemeClr val="accent1"/>
+          </a:effectRef>
+          <a:fontRef idx="minor">
+            <a:schemeClr val="tx1"/>
+          </a:fontRef>
+        </p:style>
+      </p:cxnSp>
+      <p:cxnSp>
+        <p:nvCxnSpPr>
+          <p:cNvPr id="105" name="Straight Connector 104"/>
+          <p:cNvCxnSpPr/>
+          <p:nvPr/>
+        </p:nvCxnSpPr>
+        <p:spPr>
+          <a:xfrm>
+            <a:off x="10251639" y="3262504"/>
+            <a:ext cx="565234" cy="377108"/>
+          </a:xfrm>
+          <a:prstGeom prst="line">
+            <a:avLst/>
+          </a:prstGeom>
+          <a:ln w="38100">
+            <a:solidFill>
+              <a:schemeClr val="tx1"/>
+            </a:solidFill>
+            <a:prstDash val="solid"/>
+          </a:ln>
+        </p:spPr>
+        <p:style>
+          <a:lnRef idx="1">
+            <a:schemeClr val="accent1"/>
+          </a:lnRef>
+          <a:fillRef idx="0">
+            <a:schemeClr val="accent1"/>
+          </a:fillRef>
+          <a:effectRef idx="0">
+            <a:schemeClr val="accent1"/>
+          </a:effectRef>
+          <a:fontRef idx="minor">
+            <a:schemeClr val="tx1"/>
+          </a:fontRef>
+        </p:style>
+      </p:cxnSp>
+      <p:cxnSp>
+        <p:nvCxnSpPr>
+          <p:cNvPr id="98" name="Straight Connector 97"/>
+          <p:cNvCxnSpPr/>
+          <p:nvPr/>
+        </p:nvCxnSpPr>
+        <p:spPr>
+          <a:xfrm>
+            <a:off x="8631092" y="3083298"/>
+            <a:ext cx="566928" cy="893"/>
+          </a:xfrm>
+          <a:prstGeom prst="line">
+            <a:avLst/>
+          </a:prstGeom>
+          <a:ln w="50800">
+            <a:solidFill>
+              <a:schemeClr val="tx1"/>
+            </a:solidFill>
+            <a:prstDash val="solid"/>
+          </a:ln>
+        </p:spPr>
+        <p:style>
+          <a:lnRef idx="1">
+            <a:schemeClr val="accent1"/>
+          </a:lnRef>
+          <a:fillRef idx="0">
+            <a:schemeClr val="accent1"/>
+          </a:fillRef>
+          <a:effectRef idx="0">
+            <a:schemeClr val="accent1"/>
+          </a:effectRef>
+          <a:fontRef idx="minor">
+            <a:schemeClr val="tx1"/>
+          </a:fontRef>
+        </p:style>
+      </p:cxnSp>
+      <p:cxnSp>
+        <p:nvCxnSpPr>
+          <p:cNvPr id="108" name="Straight Connector 107"/>
+          <p:cNvCxnSpPr/>
+          <p:nvPr/>
+        </p:nvCxnSpPr>
+        <p:spPr>
+          <a:xfrm>
+            <a:off x="1399711" y="2705481"/>
+            <a:ext cx="456547" cy="214779"/>
+          </a:xfrm>
+          <a:prstGeom prst="line">
+            <a:avLst/>
+          </a:prstGeom>
+          <a:ln w="38100">
+            <a:solidFill>
+              <a:schemeClr val="tx1"/>
+            </a:solidFill>
+            <a:prstDash val="solid"/>
+          </a:ln>
+        </p:spPr>
+        <p:style>
+          <a:lnRef idx="1">
+            <a:schemeClr val="accent1"/>
+          </a:lnRef>
+          <a:fillRef idx="0">
+            <a:schemeClr val="accent1"/>
+          </a:fillRef>
+          <a:effectRef idx="0">
+            <a:schemeClr val="accent1"/>
+          </a:effectRef>
+          <a:fontRef idx="minor">
+            <a:schemeClr val="tx1"/>
+          </a:fontRef>
+        </p:style>
+      </p:cxnSp>
+      <p:cxnSp>
+        <p:nvCxnSpPr>
+          <p:cNvPr id="111" name="Straight Connector 110"/>
+          <p:cNvCxnSpPr/>
+          <p:nvPr/>
+        </p:nvCxnSpPr>
+        <p:spPr>
+          <a:xfrm flipV="1">
+            <a:off x="10279785" y="2763183"/>
+            <a:ext cx="424203" cy="287740"/>
+          </a:xfrm>
+          <a:prstGeom prst="line">
+            <a:avLst/>
+          </a:prstGeom>
+          <a:ln w="38100">
+            <a:solidFill>
+              <a:schemeClr val="tx1"/>
+            </a:solidFill>
+            <a:prstDash val="solid"/>
+          </a:ln>
+        </p:spPr>
+        <p:style>
+          <a:lnRef idx="1">
+            <a:schemeClr val="accent1"/>
+          </a:lnRef>
+          <a:fillRef idx="0">
+            <a:schemeClr val="accent1"/>
+          </a:fillRef>
+          <a:effectRef idx="0">
+            <a:schemeClr val="accent1"/>
+          </a:effectRef>
+          <a:fontRef idx="minor">
+            <a:schemeClr val="tx1"/>
+          </a:fontRef>
+        </p:style>
+      </p:cxnSp>
+      <p:cxnSp>
+        <p:nvCxnSpPr>
+          <p:cNvPr id="115" name="Straight Connector 114"/>
+          <p:cNvCxnSpPr/>
+          <p:nvPr/>
+        </p:nvCxnSpPr>
+        <p:spPr>
+          <a:xfrm>
+            <a:off x="10279246" y="3148128"/>
+            <a:ext cx="566928" cy="893"/>
+          </a:xfrm>
+          <a:prstGeom prst="line">
+            <a:avLst/>
+          </a:prstGeom>
+          <a:ln w="38100">
+            <a:solidFill>
+              <a:schemeClr val="tx1"/>
+            </a:solidFill>
+            <a:prstDash val="solid"/>
+          </a:ln>
+        </p:spPr>
+        <p:style>
+          <a:lnRef idx="1">
+            <a:schemeClr val="accent1"/>
+          </a:lnRef>
+          <a:fillRef idx="0">
+            <a:schemeClr val="accent1"/>
+          </a:fillRef>
+          <a:effectRef idx="0">
+            <a:schemeClr val="accent1"/>
+          </a:effectRef>
+          <a:fontRef idx="minor">
+            <a:schemeClr val="tx1"/>
+          </a:fontRef>
+        </p:style>
+      </p:cxnSp>
+      <p:cxnSp>
+        <p:nvCxnSpPr>
+          <p:cNvPr id="97" name="Straight Connector 96"/>
+          <p:cNvCxnSpPr/>
+          <p:nvPr/>
+        </p:nvCxnSpPr>
+        <p:spPr>
+          <a:xfrm>
+            <a:off x="5787078" y="3102096"/>
+            <a:ext cx="566928" cy="893"/>
+          </a:xfrm>
+          <a:prstGeom prst="line">
+            <a:avLst/>
+          </a:prstGeom>
+          <a:ln w="50800">
+            <a:solidFill>
+              <a:schemeClr val="tx1"/>
+            </a:solidFill>
+            <a:prstDash val="solid"/>
+          </a:ln>
+        </p:spPr>
+        <p:style>
+          <a:lnRef idx="1">
+            <a:schemeClr val="accent1"/>
+          </a:lnRef>
+          <a:fillRef idx="0">
+            <a:schemeClr val="accent1"/>
+          </a:fillRef>
+          <a:effectRef idx="0">
+            <a:schemeClr val="accent1"/>
+          </a:effectRef>
+          <a:fontRef idx="minor">
+            <a:schemeClr val="tx1"/>
+          </a:fontRef>
+        </p:style>
+      </p:cxnSp>
+      <p:cxnSp>
+        <p:nvCxnSpPr>
+          <p:cNvPr id="93" name="Straight Connector 92"/>
+          <p:cNvCxnSpPr/>
+          <p:nvPr/>
+        </p:nvCxnSpPr>
+        <p:spPr>
+          <a:xfrm>
+            <a:off x="3129181" y="3085889"/>
+            <a:ext cx="566928" cy="893"/>
+          </a:xfrm>
+          <a:prstGeom prst="line">
+            <a:avLst/>
+          </a:prstGeom>
+          <a:ln w="50800">
+            <a:solidFill>
+              <a:schemeClr val="tx1"/>
+            </a:solidFill>
+            <a:prstDash val="solid"/>
+          </a:ln>
+        </p:spPr>
+        <p:style>
+          <a:lnRef idx="1">
+            <a:schemeClr val="accent1"/>
+          </a:lnRef>
+          <a:fillRef idx="0">
+            <a:schemeClr val="accent1"/>
+          </a:fillRef>
+          <a:effectRef idx="0">
+            <a:schemeClr val="accent1"/>
+          </a:effectRef>
+          <a:fontRef idx="minor">
+            <a:schemeClr val="tx1"/>
+          </a:fontRef>
+        </p:style>
+      </p:cxnSp>
       <p:sp>
         <p:nvSpPr>
           <p:cNvPr id="8" name="Oval 7"/>
@@ -3076,7 +3582,7 @@
         </p:nvSpPr>
         <p:spPr>
           <a:xfrm>
-            <a:off x="3894537" y="2346385"/>
+            <a:off x="3739260" y="2346385"/>
             <a:ext cx="1988678" cy="1513217"/>
           </a:xfrm>
           <a:prstGeom prst="ellipse">
@@ -3161,7 +3667,7 @@
         </p:blipFill>
         <p:spPr bwMode="auto">
           <a:xfrm>
-            <a:off x="3677295" y="2944368"/>
+            <a:off x="3522018" y="2944368"/>
             <a:ext cx="438509" cy="319029"/>
           </a:xfrm>
           <a:prstGeom prst="rect">
@@ -3215,7 +3721,7 @@
         </p:blipFill>
         <p:spPr bwMode="auto">
           <a:xfrm>
-            <a:off x="5648119" y="2945198"/>
+            <a:off x="5492842" y="2945198"/>
             <a:ext cx="438509" cy="319029"/>
           </a:xfrm>
           <a:prstGeom prst="rect">
@@ -4088,7 +4594,7 @@
         </p:nvSpPr>
         <p:spPr>
           <a:xfrm flipH="1" flipV="1">
-            <a:off x="4127715" y="3537774"/>
+            <a:off x="3972438" y="3537774"/>
             <a:ext cx="182880" cy="182880"/>
           </a:xfrm>
           <a:prstGeom prst="ellipse">
@@ -4137,7 +4643,7 @@
         </p:nvSpPr>
         <p:spPr>
           <a:xfrm flipH="1" flipV="1">
-            <a:off x="4106717" y="2472717"/>
+            <a:off x="3951440" y="2472717"/>
             <a:ext cx="182880" cy="182880"/>
           </a:xfrm>
           <a:prstGeom prst="ellipse">
@@ -4186,7 +4692,7 @@
         </p:nvSpPr>
         <p:spPr>
           <a:xfrm flipH="1" flipV="1">
-            <a:off x="5422955" y="2417730"/>
+            <a:off x="5267678" y="2417730"/>
             <a:ext cx="182880" cy="182880"/>
           </a:xfrm>
           <a:prstGeom prst="ellipse">
@@ -4235,7 +4741,7 @@
         </p:nvSpPr>
         <p:spPr>
           <a:xfrm flipH="1" flipV="1">
-            <a:off x="5489877" y="3519784"/>
+            <a:off x="5334600" y="3519784"/>
             <a:ext cx="182880" cy="182880"/>
           </a:xfrm>
           <a:prstGeom prst="ellipse">
@@ -4286,7 +4792,7 @@
         </p:nvCxnSpPr>
         <p:spPr>
           <a:xfrm flipV="1">
-            <a:off x="3721148" y="3693872"/>
+            <a:off x="3565871" y="3693872"/>
             <a:ext cx="433349" cy="459028"/>
           </a:xfrm>
           <a:prstGeom prst="line">
@@ -4324,7 +4830,7 @@
         </p:nvCxnSpPr>
         <p:spPr>
           <a:xfrm flipH="1" flipV="1">
-            <a:off x="3740240" y="2179419"/>
+            <a:off x="3584963" y="2179419"/>
             <a:ext cx="393259" cy="320080"/>
           </a:xfrm>
           <a:prstGeom prst="line">
@@ -4362,7 +4868,7 @@
         </p:nvCxnSpPr>
         <p:spPr>
           <a:xfrm flipH="1" flipV="1">
-            <a:off x="5645975" y="3675882"/>
+            <a:off x="5490698" y="3675882"/>
             <a:ext cx="440653" cy="439277"/>
           </a:xfrm>
           <a:prstGeom prst="line">
@@ -4400,7 +4906,7 @@
         </p:nvCxnSpPr>
         <p:spPr>
           <a:xfrm flipV="1">
-            <a:off x="5579053" y="2027307"/>
+            <a:off x="5423776" y="2027307"/>
             <a:ext cx="304162" cy="417205"/>
           </a:xfrm>
           <a:prstGeom prst="line">
@@ -4436,7 +4942,7 @@
         </p:nvSpPr>
         <p:spPr>
           <a:xfrm>
-            <a:off x="6617904" y="2356783"/>
+            <a:off x="6462627" y="2356783"/>
             <a:ext cx="1988678" cy="1513217"/>
           </a:xfrm>
           <a:prstGeom prst="ellipse">
@@ -4521,7 +5027,7 @@
         </p:blipFill>
         <p:spPr bwMode="auto">
           <a:xfrm>
-            <a:off x="6400662" y="2954766"/>
+            <a:off x="6245385" y="2954766"/>
             <a:ext cx="438509" cy="319029"/>
           </a:xfrm>
           <a:prstGeom prst="rect">
@@ -4575,7 +5081,7 @@
         </p:blipFill>
         <p:spPr bwMode="auto">
           <a:xfrm>
-            <a:off x="8371486" y="2955596"/>
+            <a:off x="8216209" y="2955596"/>
             <a:ext cx="438509" cy="319029"/>
           </a:xfrm>
           <a:prstGeom prst="rect">
@@ -4614,7 +5120,7 @@
         </p:nvSpPr>
         <p:spPr>
           <a:xfrm flipH="1" flipV="1">
-            <a:off x="6851082" y="3548172"/>
+            <a:off x="6695805" y="3548172"/>
             <a:ext cx="182880" cy="182880"/>
           </a:xfrm>
           <a:prstGeom prst="ellipse">
@@ -4663,7 +5169,7 @@
         </p:nvSpPr>
         <p:spPr>
           <a:xfrm flipH="1" flipV="1">
-            <a:off x="6830084" y="2483115"/>
+            <a:off x="6674807" y="2483115"/>
             <a:ext cx="182880" cy="182880"/>
           </a:xfrm>
           <a:prstGeom prst="ellipse">
@@ -4712,7 +5218,7 @@
         </p:nvSpPr>
         <p:spPr>
           <a:xfrm flipH="1" flipV="1">
-            <a:off x="8146322" y="2428128"/>
+            <a:off x="7991045" y="2428128"/>
             <a:ext cx="182880" cy="182880"/>
           </a:xfrm>
           <a:prstGeom prst="ellipse">
@@ -4761,7 +5267,7 @@
         </p:nvSpPr>
         <p:spPr>
           <a:xfrm flipH="1" flipV="1">
-            <a:off x="8213244" y="3530182"/>
+            <a:off x="8057967" y="3530182"/>
             <a:ext cx="182880" cy="182880"/>
           </a:xfrm>
           <a:prstGeom prst="ellipse">
@@ -4810,7 +5316,7 @@
         </p:nvCxnSpPr>
         <p:spPr>
           <a:xfrm flipV="1">
-            <a:off x="6444515" y="3704270"/>
+            <a:off x="6289238" y="3704270"/>
             <a:ext cx="433349" cy="459028"/>
           </a:xfrm>
           <a:prstGeom prst="line">
@@ -4846,7 +5352,7 @@
         </p:nvCxnSpPr>
         <p:spPr>
           <a:xfrm flipH="1" flipV="1">
-            <a:off x="6463607" y="2189817"/>
+            <a:off x="6308330" y="2189817"/>
             <a:ext cx="393259" cy="320080"/>
           </a:xfrm>
           <a:prstGeom prst="line">
@@ -4882,7 +5388,7 @@
         </p:nvCxnSpPr>
         <p:spPr>
           <a:xfrm flipH="1" flipV="1">
-            <a:off x="8369342" y="3686280"/>
+            <a:off x="8214065" y="3686280"/>
             <a:ext cx="440653" cy="439277"/>
           </a:xfrm>
           <a:prstGeom prst="line">
@@ -4918,7 +5424,7 @@
         </p:nvCxnSpPr>
         <p:spPr>
           <a:xfrm flipV="1">
-            <a:off x="8302420" y="2037705"/>
+            <a:off x="8147143" y="2037705"/>
             <a:ext cx="304162" cy="417205"/>
           </a:xfrm>
           <a:prstGeom prst="line">

--- a/img/deployment-arch.pptx
+++ b/img/deployment-arch.pptx
@@ -104,6 +104,11 @@
       </a:defRPr>
     </a:lvl9pPr>
   </p:defaultTextStyle>
+  <p:extLst>
+    <p:ext uri="{EFAFB233-063F-42B5-8137-9DF3F51BA10A}">
+      <p15:sldGuideLst xmlns:p15="http://schemas.microsoft.com/office/powerpoint/2012/main"/>
+    </p:ext>
+  </p:extLst>
 </p:presentation>
 </file>
 
@@ -3374,7 +3379,7 @@
           </a:prstGeom>
           <a:ln w="50800">
             <a:solidFill>
-              <a:schemeClr val="tx1"/>
+              <a:srgbClr val="FF0000"/>
             </a:solidFill>
             <a:prstDash val="solid"/>
           </a:ln>
@@ -3518,7 +3523,7 @@
           </a:prstGeom>
           <a:ln w="50800">
             <a:solidFill>
-              <a:schemeClr val="tx1"/>
+              <a:srgbClr val="FF0000"/>
             </a:solidFill>
             <a:prstDash val="solid"/>
           </a:ln>
@@ -3554,7 +3559,7 @@
           </a:prstGeom>
           <a:ln w="50800">
             <a:solidFill>
-              <a:schemeClr val="tx1"/>
+              <a:srgbClr val="FF0000"/>
             </a:solidFill>
             <a:prstDash val="solid"/>
           </a:ln>
@@ -3679,14 +3684,14 @@
           </a:ln>
           <a:extLst>
             <a:ext uri="{909E8E84-426E-40dd-AFC4-6F175D3DCCD1}">
-              <a14:hiddenFill xmlns:a14="http://schemas.microsoft.com/office/drawing/2010/main" xmlns="">
+              <a14:hiddenFill xmlns="" xmlns:a14="http://schemas.microsoft.com/office/drawing/2010/main">
                 <a:solidFill>
                   <a:srgbClr val="FFFFFF"/>
                 </a:solidFill>
               </a14:hiddenFill>
             </a:ext>
             <a:ext uri="{91240B29-F687-4f45-9708-019B960494DF}">
-              <a14:hiddenLine xmlns:a14="http://schemas.microsoft.com/office/drawing/2010/main" xmlns="" w="9525">
+              <a14:hiddenLine xmlns="" xmlns:a14="http://schemas.microsoft.com/office/drawing/2010/main" w="9525">
                 <a:solidFill>
                   <a:srgbClr val="000000"/>
                 </a:solidFill>
@@ -3733,14 +3738,14 @@
           </a:ln>
           <a:extLst>
             <a:ext uri="{909E8E84-426E-40dd-AFC4-6F175D3DCCD1}">
-              <a14:hiddenFill xmlns:a14="http://schemas.microsoft.com/office/drawing/2010/main" xmlns="">
+              <a14:hiddenFill xmlns="" xmlns:a14="http://schemas.microsoft.com/office/drawing/2010/main">
                 <a:solidFill>
                   <a:srgbClr val="FFFFFF"/>
                 </a:solidFill>
               </a14:hiddenFill>
             </a:ext>
             <a:ext uri="{91240B29-F687-4f45-9708-019B960494DF}">
-              <a14:hiddenLine xmlns:a14="http://schemas.microsoft.com/office/drawing/2010/main" xmlns="" w="9525">
+              <a14:hiddenLine xmlns="" xmlns:a14="http://schemas.microsoft.com/office/drawing/2010/main" w="9525">
                 <a:solidFill>
                   <a:srgbClr val="000000"/>
                 </a:solidFill>
@@ -3787,14 +3792,14 @@
           </a:ln>
           <a:extLst>
             <a:ext uri="{909E8E84-426E-40dd-AFC4-6F175D3DCCD1}">
-              <a14:hiddenFill xmlns:a14="http://schemas.microsoft.com/office/drawing/2010/main" xmlns="">
+              <a14:hiddenFill xmlns="" xmlns:a14="http://schemas.microsoft.com/office/drawing/2010/main">
                 <a:solidFill>
                   <a:srgbClr val="FFFFFF"/>
                 </a:solidFill>
               </a14:hiddenFill>
             </a:ext>
             <a:ext uri="{91240B29-F687-4f45-9708-019B960494DF}">
-              <a14:hiddenLine xmlns:a14="http://schemas.microsoft.com/office/drawing/2010/main" xmlns="" w="9525">
+              <a14:hiddenLine xmlns="" xmlns:a14="http://schemas.microsoft.com/office/drawing/2010/main" w="9525">
                 <a:solidFill>
                   <a:srgbClr val="000000"/>
                 </a:solidFill>
@@ -3841,14 +3846,14 @@
           </a:ln>
           <a:extLst>
             <a:ext uri="{909E8E84-426E-40dd-AFC4-6F175D3DCCD1}">
-              <a14:hiddenFill xmlns:a14="http://schemas.microsoft.com/office/drawing/2010/main" xmlns="">
+              <a14:hiddenFill xmlns="" xmlns:a14="http://schemas.microsoft.com/office/drawing/2010/main">
                 <a:solidFill>
                   <a:srgbClr val="FFFFFF"/>
                 </a:solidFill>
               </a14:hiddenFill>
             </a:ext>
             <a:ext uri="{91240B29-F687-4f45-9708-019B960494DF}">
-              <a14:hiddenLine xmlns:a14="http://schemas.microsoft.com/office/drawing/2010/main" xmlns="" w="9525">
+              <a14:hiddenLine xmlns="" xmlns:a14="http://schemas.microsoft.com/office/drawing/2010/main" w="9525">
                 <a:solidFill>
                   <a:srgbClr val="000000"/>
                 </a:solidFill>
@@ -4077,14 +4082,14 @@
           </a:ln>
           <a:extLst>
             <a:ext uri="{909E8E84-426E-40dd-AFC4-6F175D3DCCD1}">
-              <a14:hiddenFill xmlns:a14="http://schemas.microsoft.com/office/drawing/2010/main" xmlns="">
+              <a14:hiddenFill xmlns="" xmlns:a14="http://schemas.microsoft.com/office/drawing/2010/main">
                 <a:solidFill>
                   <a:srgbClr val="FFFFFF"/>
                 </a:solidFill>
               </a14:hiddenFill>
             </a:ext>
             <a:ext uri="{91240B29-F687-4f45-9708-019B960494DF}">
-              <a14:hiddenLine xmlns:a14="http://schemas.microsoft.com/office/drawing/2010/main" xmlns="" w="9525">
+              <a14:hiddenLine xmlns="" xmlns:a14="http://schemas.microsoft.com/office/drawing/2010/main" w="9525">
                 <a:solidFill>
                   <a:srgbClr val="000000"/>
                 </a:solidFill>
@@ -4131,14 +4136,14 @@
           </a:ln>
           <a:extLst>
             <a:ext uri="{909E8E84-426E-40dd-AFC4-6F175D3DCCD1}">
-              <a14:hiddenFill xmlns:a14="http://schemas.microsoft.com/office/drawing/2010/main" xmlns="">
+              <a14:hiddenFill xmlns="" xmlns:a14="http://schemas.microsoft.com/office/drawing/2010/main">
                 <a:solidFill>
                   <a:srgbClr val="FFFFFF"/>
                 </a:solidFill>
               </a14:hiddenFill>
             </a:ext>
             <a:ext uri="{91240B29-F687-4f45-9708-019B960494DF}">
-              <a14:hiddenLine xmlns:a14="http://schemas.microsoft.com/office/drawing/2010/main" xmlns="" w="9525">
+              <a14:hiddenLine xmlns="" xmlns:a14="http://schemas.microsoft.com/office/drawing/2010/main" w="9525">
                 <a:solidFill>
                   <a:srgbClr val="000000"/>
                 </a:solidFill>
@@ -5039,14 +5044,14 @@
           </a:ln>
           <a:extLst>
             <a:ext uri="{909E8E84-426E-40dd-AFC4-6F175D3DCCD1}">
-              <a14:hiddenFill xmlns:a14="http://schemas.microsoft.com/office/drawing/2010/main" xmlns="">
+              <a14:hiddenFill xmlns="" xmlns:a14="http://schemas.microsoft.com/office/drawing/2010/main">
                 <a:solidFill>
                   <a:srgbClr val="FFFFFF"/>
                 </a:solidFill>
               </a14:hiddenFill>
             </a:ext>
             <a:ext uri="{91240B29-F687-4f45-9708-019B960494DF}">
-              <a14:hiddenLine xmlns:a14="http://schemas.microsoft.com/office/drawing/2010/main" xmlns="" w="9525">
+              <a14:hiddenLine xmlns="" xmlns:a14="http://schemas.microsoft.com/office/drawing/2010/main" w="9525">
                 <a:solidFill>
                   <a:srgbClr val="000000"/>
                 </a:solidFill>
@@ -5093,14 +5098,14 @@
           </a:ln>
           <a:extLst>
             <a:ext uri="{909E8E84-426E-40dd-AFC4-6F175D3DCCD1}">
-              <a14:hiddenFill xmlns:a14="http://schemas.microsoft.com/office/drawing/2010/main" xmlns="">
+              <a14:hiddenFill xmlns="" xmlns:a14="http://schemas.microsoft.com/office/drawing/2010/main">
                 <a:solidFill>
                   <a:srgbClr val="FFFFFF"/>
                 </a:solidFill>
               </a14:hiddenFill>
             </a:ext>
             <a:ext uri="{91240B29-F687-4f45-9708-019B960494DF}">
-              <a14:hiddenLine xmlns:a14="http://schemas.microsoft.com/office/drawing/2010/main" xmlns="" w="9525">
+              <a14:hiddenLine xmlns="" xmlns:a14="http://schemas.microsoft.com/office/drawing/2010/main" w="9525">
                 <a:solidFill>
                   <a:srgbClr val="000000"/>
                 </a:solidFill>

--- a/img/deployment-arch.pptx
+++ b/img/deployment-arch.pptx
@@ -2969,2494 +2969,2923 @@
           <a:chExt cx="0" cy="0"/>
         </a:xfrm>
       </p:grpSpPr>
-      <p:sp>
-        <p:nvSpPr>
-          <p:cNvPr id="5" name="Oval 4"/>
-          <p:cNvSpPr/>
+      <p:grpSp>
+        <p:nvGrpSpPr>
+          <p:cNvPr id="17" name="Group 16"/>
+          <p:cNvGrpSpPr/>
           <p:nvPr/>
-        </p:nvSpPr>
-        <p:spPr>
+        </p:nvGrpSpPr>
+        <p:grpSpPr>
           <a:xfrm>
-            <a:off x="9247997" y="2057400"/>
-            <a:ext cx="2870200" cy="2095500"/>
+            <a:off x="0" y="1724847"/>
+            <a:ext cx="12145502" cy="3188400"/>
+            <a:chOff x="0" y="1724847"/>
+            <a:chExt cx="12145502" cy="3188400"/>
           </a:xfrm>
-          <a:prstGeom prst="ellipse">
-            <a:avLst/>
-          </a:prstGeom>
-          <a:solidFill>
-            <a:schemeClr val="accent6">
-              <a:lumMod val="20000"/>
-              <a:lumOff val="80000"/>
-            </a:schemeClr>
-          </a:solidFill>
-          <a:ln>
-            <a:solidFill>
-              <a:schemeClr val="tx1"/>
-            </a:solidFill>
-          </a:ln>
-          <a:effectLst/>
-        </p:spPr>
-        <p:style>
-          <a:lnRef idx="2">
-            <a:schemeClr val="accent1">
-              <a:shade val="50000"/>
-            </a:schemeClr>
-          </a:lnRef>
-          <a:fillRef idx="1">
-            <a:schemeClr val="accent1"/>
-          </a:fillRef>
-          <a:effectRef idx="0">
-            <a:schemeClr val="accent1"/>
-          </a:effectRef>
-          <a:fontRef idx="minor">
-            <a:schemeClr val="lt1"/>
-          </a:fontRef>
-        </p:style>
-        <p:txBody>
-          <a:bodyPr rtlCol="0" anchor="ctr"/>
-          <a:lstStyle/>
-          <a:p>
-            <a:pPr algn="ctr"/>
-            <a:endParaRPr lang="en-US"/>
-          </a:p>
-        </p:txBody>
-      </p:sp>
-      <p:sp>
-        <p:nvSpPr>
-          <p:cNvPr id="4" name="Oval 3"/>
-          <p:cNvSpPr/>
-          <p:nvPr/>
-        </p:nvSpPr>
-        <p:spPr>
-          <a:xfrm>
-            <a:off x="119043" y="2057400"/>
-            <a:ext cx="2870200" cy="2095500"/>
-          </a:xfrm>
-          <a:prstGeom prst="ellipse">
-            <a:avLst/>
-          </a:prstGeom>
-          <a:solidFill>
-            <a:schemeClr val="accent6">
-              <a:lumMod val="20000"/>
-              <a:lumOff val="80000"/>
-            </a:schemeClr>
-          </a:solidFill>
-          <a:ln>
-            <a:solidFill>
-              <a:schemeClr val="tx1"/>
-            </a:solidFill>
-          </a:ln>
-          <a:effectLst/>
-        </p:spPr>
-        <p:style>
-          <a:lnRef idx="2">
-            <a:schemeClr val="accent1">
-              <a:shade val="50000"/>
-            </a:schemeClr>
-          </a:lnRef>
-          <a:fillRef idx="1">
-            <a:schemeClr val="accent1"/>
-          </a:fillRef>
-          <a:effectRef idx="0">
-            <a:schemeClr val="accent1"/>
-          </a:effectRef>
-          <a:fontRef idx="minor">
-            <a:schemeClr val="lt1"/>
-          </a:fontRef>
-        </p:style>
-        <p:txBody>
-          <a:bodyPr rtlCol="0" anchor="ctr"/>
-          <a:lstStyle/>
-          <a:p>
-            <a:pPr algn="ctr"/>
-            <a:endParaRPr lang="en-US"/>
-          </a:p>
-        </p:txBody>
-      </p:sp>
-      <p:cxnSp>
-        <p:nvCxnSpPr>
-          <p:cNvPr id="121" name="Straight Connector 120"/>
-          <p:cNvCxnSpPr/>
-          <p:nvPr/>
-        </p:nvCxnSpPr>
-        <p:spPr>
-          <a:xfrm>
-            <a:off x="754951" y="2952365"/>
-            <a:ext cx="386865" cy="86307"/>
-          </a:xfrm>
-          <a:prstGeom prst="line">
-            <a:avLst/>
-          </a:prstGeom>
-          <a:ln w="38100">
-            <a:solidFill>
-              <a:schemeClr val="tx1"/>
-            </a:solidFill>
-            <a:prstDash val="solid"/>
-          </a:ln>
-        </p:spPr>
-        <p:style>
-          <a:lnRef idx="1">
-            <a:schemeClr val="accent1"/>
-          </a:lnRef>
-          <a:fillRef idx="0">
-            <a:schemeClr val="accent1"/>
-          </a:fillRef>
-          <a:effectRef idx="0">
-            <a:schemeClr val="accent1"/>
-          </a:effectRef>
-          <a:fontRef idx="minor">
-            <a:schemeClr val="tx1"/>
-          </a:fontRef>
-        </p:style>
-      </p:cxnSp>
-      <p:cxnSp>
-        <p:nvCxnSpPr>
-          <p:cNvPr id="126" name="Straight Connector 125"/>
-          <p:cNvCxnSpPr>
-            <a:endCxn id="40" idx="3"/>
-          </p:cNvCxnSpPr>
-          <p:nvPr/>
-        </p:nvCxnSpPr>
-        <p:spPr>
-          <a:xfrm flipV="1">
-            <a:off x="10999722" y="3005705"/>
-            <a:ext cx="587642" cy="115049"/>
-          </a:xfrm>
-          <a:prstGeom prst="line">
-            <a:avLst/>
-          </a:prstGeom>
-          <a:ln w="38100">
-            <a:solidFill>
-              <a:schemeClr val="tx1"/>
-            </a:solidFill>
-            <a:prstDash val="solid"/>
-          </a:ln>
-        </p:spPr>
-        <p:style>
-          <a:lnRef idx="1">
-            <a:schemeClr val="accent1"/>
-          </a:lnRef>
-          <a:fillRef idx="0">
-            <a:schemeClr val="accent1"/>
-          </a:fillRef>
-          <a:effectRef idx="0">
-            <a:schemeClr val="accent1"/>
-          </a:effectRef>
-          <a:fontRef idx="minor">
-            <a:schemeClr val="tx1"/>
-          </a:fontRef>
-        </p:style>
-      </p:cxnSp>
-      <p:cxnSp>
-        <p:nvCxnSpPr>
-          <p:cNvPr id="119" name="Straight Connector 118"/>
-          <p:cNvCxnSpPr/>
-          <p:nvPr/>
-        </p:nvCxnSpPr>
-        <p:spPr>
-          <a:xfrm flipV="1">
-            <a:off x="618059" y="3158703"/>
-            <a:ext cx="569963" cy="262172"/>
-          </a:xfrm>
-          <a:prstGeom prst="line">
-            <a:avLst/>
-          </a:prstGeom>
-          <a:ln w="38100">
-            <a:solidFill>
-              <a:schemeClr val="tx1"/>
-            </a:solidFill>
-            <a:prstDash val="solid"/>
-          </a:ln>
-        </p:spPr>
-        <p:style>
-          <a:lnRef idx="1">
-            <a:schemeClr val="accent1"/>
-          </a:lnRef>
-          <a:fillRef idx="0">
-            <a:schemeClr val="accent1"/>
-          </a:fillRef>
-          <a:effectRef idx="0">
-            <a:schemeClr val="accent1"/>
-          </a:effectRef>
-          <a:fontRef idx="minor">
-            <a:schemeClr val="tx1"/>
-          </a:fontRef>
-        </p:style>
-      </p:cxnSp>
-      <p:cxnSp>
-        <p:nvCxnSpPr>
-          <p:cNvPr id="123" name="Straight Connector 122"/>
-          <p:cNvCxnSpPr/>
-          <p:nvPr/>
-        </p:nvCxnSpPr>
-        <p:spPr>
-          <a:xfrm>
-            <a:off x="10938356" y="3208091"/>
-            <a:ext cx="500057" cy="212784"/>
-          </a:xfrm>
-          <a:prstGeom prst="line">
-            <a:avLst/>
-          </a:prstGeom>
-          <a:ln w="38100">
-            <a:solidFill>
-              <a:schemeClr val="tx1"/>
-            </a:solidFill>
-            <a:prstDash val="solid"/>
-          </a:ln>
-        </p:spPr>
-        <p:style>
-          <a:lnRef idx="1">
-            <a:schemeClr val="accent1"/>
-          </a:lnRef>
-          <a:fillRef idx="0">
-            <a:schemeClr val="accent1"/>
-          </a:fillRef>
-          <a:effectRef idx="0">
-            <a:schemeClr val="accent1"/>
-          </a:effectRef>
-          <a:fontRef idx="minor">
-            <a:schemeClr val="tx1"/>
-          </a:fontRef>
-        </p:style>
-      </p:cxnSp>
-      <p:cxnSp>
-        <p:nvCxnSpPr>
-          <p:cNvPr id="100" name="Straight Connector 99"/>
-          <p:cNvCxnSpPr/>
-          <p:nvPr/>
-        </p:nvCxnSpPr>
-        <p:spPr>
-          <a:xfrm>
-            <a:off x="1265620" y="3084996"/>
-            <a:ext cx="1583236" cy="34150"/>
-          </a:xfrm>
-          <a:prstGeom prst="line">
-            <a:avLst/>
-          </a:prstGeom>
-          <a:ln w="38100">
-            <a:solidFill>
-              <a:schemeClr val="tx1"/>
-            </a:solidFill>
-            <a:prstDash val="solid"/>
-          </a:ln>
-        </p:spPr>
-        <p:style>
-          <a:lnRef idx="1">
-            <a:schemeClr val="accent1"/>
-          </a:lnRef>
-          <a:fillRef idx="0">
-            <a:schemeClr val="accent1"/>
-          </a:fillRef>
-          <a:effectRef idx="0">
-            <a:schemeClr val="accent1"/>
-          </a:effectRef>
-          <a:fontRef idx="minor">
-            <a:schemeClr val="tx1"/>
-          </a:fontRef>
-        </p:style>
-      </p:cxnSp>
-      <p:cxnSp>
-        <p:nvCxnSpPr>
-          <p:cNvPr id="101" name="Straight Connector 100"/>
-          <p:cNvCxnSpPr/>
-          <p:nvPr/>
-        </p:nvCxnSpPr>
-        <p:spPr>
-          <a:xfrm>
-            <a:off x="9349774" y="3082405"/>
-            <a:ext cx="566928" cy="893"/>
-          </a:xfrm>
-          <a:prstGeom prst="line">
-            <a:avLst/>
-          </a:prstGeom>
-          <a:ln w="38100">
-            <a:solidFill>
-              <a:schemeClr val="tx1"/>
-            </a:solidFill>
-            <a:prstDash val="solid"/>
-          </a:ln>
-        </p:spPr>
-        <p:style>
-          <a:lnRef idx="1">
-            <a:schemeClr val="accent1"/>
-          </a:lnRef>
-          <a:fillRef idx="0">
-            <a:schemeClr val="accent1"/>
-          </a:fillRef>
-          <a:effectRef idx="0">
-            <a:schemeClr val="accent1"/>
-          </a:effectRef>
-          <a:fontRef idx="minor">
-            <a:schemeClr val="tx1"/>
-          </a:fontRef>
-        </p:style>
-      </p:cxnSp>
-      <p:cxnSp>
-        <p:nvCxnSpPr>
-          <p:cNvPr id="102" name="Straight Connector 101"/>
-          <p:cNvCxnSpPr/>
-          <p:nvPr/>
-        </p:nvCxnSpPr>
-        <p:spPr>
-          <a:xfrm flipV="1">
-            <a:off x="1311462" y="3350534"/>
-            <a:ext cx="541495" cy="417049"/>
-          </a:xfrm>
-          <a:prstGeom prst="line">
-            <a:avLst/>
-          </a:prstGeom>
-          <a:ln w="38100">
-            <a:solidFill>
-              <a:schemeClr val="tx1"/>
-            </a:solidFill>
-            <a:prstDash val="solid"/>
-          </a:ln>
-        </p:spPr>
-        <p:style>
-          <a:lnRef idx="1">
-            <a:schemeClr val="accent1"/>
-          </a:lnRef>
-          <a:fillRef idx="0">
-            <a:schemeClr val="accent1"/>
-          </a:fillRef>
-          <a:effectRef idx="0">
-            <a:schemeClr val="accent1"/>
-          </a:effectRef>
-          <a:fontRef idx="minor">
-            <a:schemeClr val="tx1"/>
-          </a:fontRef>
-        </p:style>
-      </p:cxnSp>
-      <p:cxnSp>
-        <p:nvCxnSpPr>
-          <p:cNvPr id="105" name="Straight Connector 104"/>
-          <p:cNvCxnSpPr/>
-          <p:nvPr/>
-        </p:nvCxnSpPr>
-        <p:spPr>
-          <a:xfrm>
-            <a:off x="10251639" y="3262504"/>
-            <a:ext cx="565234" cy="377108"/>
-          </a:xfrm>
-          <a:prstGeom prst="line">
-            <a:avLst/>
-          </a:prstGeom>
-          <a:ln w="38100">
-            <a:solidFill>
-              <a:schemeClr val="tx1"/>
-            </a:solidFill>
-            <a:prstDash val="solid"/>
-          </a:ln>
-        </p:spPr>
-        <p:style>
-          <a:lnRef idx="1">
-            <a:schemeClr val="accent1"/>
-          </a:lnRef>
-          <a:fillRef idx="0">
-            <a:schemeClr val="accent1"/>
-          </a:fillRef>
-          <a:effectRef idx="0">
-            <a:schemeClr val="accent1"/>
-          </a:effectRef>
-          <a:fontRef idx="minor">
-            <a:schemeClr val="tx1"/>
-          </a:fontRef>
-        </p:style>
-      </p:cxnSp>
-      <p:cxnSp>
-        <p:nvCxnSpPr>
-          <p:cNvPr id="98" name="Straight Connector 97"/>
-          <p:cNvCxnSpPr/>
-          <p:nvPr/>
-        </p:nvCxnSpPr>
-        <p:spPr>
-          <a:xfrm>
-            <a:off x="8631092" y="3083298"/>
-            <a:ext cx="566928" cy="893"/>
-          </a:xfrm>
-          <a:prstGeom prst="line">
-            <a:avLst/>
-          </a:prstGeom>
-          <a:ln w="50800">
-            <a:solidFill>
-              <a:srgbClr val="FF0000"/>
-            </a:solidFill>
-            <a:prstDash val="solid"/>
-          </a:ln>
-        </p:spPr>
-        <p:style>
-          <a:lnRef idx="1">
-            <a:schemeClr val="accent1"/>
-          </a:lnRef>
-          <a:fillRef idx="0">
-            <a:schemeClr val="accent1"/>
-          </a:fillRef>
-          <a:effectRef idx="0">
-            <a:schemeClr val="accent1"/>
-          </a:effectRef>
-          <a:fontRef idx="minor">
-            <a:schemeClr val="tx1"/>
-          </a:fontRef>
-        </p:style>
-      </p:cxnSp>
-      <p:cxnSp>
-        <p:nvCxnSpPr>
-          <p:cNvPr id="108" name="Straight Connector 107"/>
-          <p:cNvCxnSpPr/>
-          <p:nvPr/>
-        </p:nvCxnSpPr>
-        <p:spPr>
-          <a:xfrm>
-            <a:off x="1399711" y="2705481"/>
-            <a:ext cx="456547" cy="214779"/>
-          </a:xfrm>
-          <a:prstGeom prst="line">
-            <a:avLst/>
-          </a:prstGeom>
-          <a:ln w="38100">
-            <a:solidFill>
-              <a:schemeClr val="tx1"/>
-            </a:solidFill>
-            <a:prstDash val="solid"/>
-          </a:ln>
-        </p:spPr>
-        <p:style>
-          <a:lnRef idx="1">
-            <a:schemeClr val="accent1"/>
-          </a:lnRef>
-          <a:fillRef idx="0">
-            <a:schemeClr val="accent1"/>
-          </a:fillRef>
-          <a:effectRef idx="0">
-            <a:schemeClr val="accent1"/>
-          </a:effectRef>
-          <a:fontRef idx="minor">
-            <a:schemeClr val="tx1"/>
-          </a:fontRef>
-        </p:style>
-      </p:cxnSp>
-      <p:cxnSp>
-        <p:nvCxnSpPr>
-          <p:cNvPr id="111" name="Straight Connector 110"/>
-          <p:cNvCxnSpPr/>
-          <p:nvPr/>
-        </p:nvCxnSpPr>
-        <p:spPr>
-          <a:xfrm flipV="1">
-            <a:off x="10279785" y="2763183"/>
-            <a:ext cx="424203" cy="287740"/>
-          </a:xfrm>
-          <a:prstGeom prst="line">
-            <a:avLst/>
-          </a:prstGeom>
-          <a:ln w="38100">
-            <a:solidFill>
-              <a:schemeClr val="tx1"/>
-            </a:solidFill>
-            <a:prstDash val="solid"/>
-          </a:ln>
-        </p:spPr>
-        <p:style>
-          <a:lnRef idx="1">
-            <a:schemeClr val="accent1"/>
-          </a:lnRef>
-          <a:fillRef idx="0">
-            <a:schemeClr val="accent1"/>
-          </a:fillRef>
-          <a:effectRef idx="0">
-            <a:schemeClr val="accent1"/>
-          </a:effectRef>
-          <a:fontRef idx="minor">
-            <a:schemeClr val="tx1"/>
-          </a:fontRef>
-        </p:style>
-      </p:cxnSp>
-      <p:cxnSp>
-        <p:nvCxnSpPr>
-          <p:cNvPr id="115" name="Straight Connector 114"/>
-          <p:cNvCxnSpPr/>
-          <p:nvPr/>
-        </p:nvCxnSpPr>
-        <p:spPr>
-          <a:xfrm>
-            <a:off x="10279246" y="3148128"/>
-            <a:ext cx="566928" cy="893"/>
-          </a:xfrm>
-          <a:prstGeom prst="line">
-            <a:avLst/>
-          </a:prstGeom>
-          <a:ln w="38100">
-            <a:solidFill>
-              <a:schemeClr val="tx1"/>
-            </a:solidFill>
-            <a:prstDash val="solid"/>
-          </a:ln>
-        </p:spPr>
-        <p:style>
-          <a:lnRef idx="1">
-            <a:schemeClr val="accent1"/>
-          </a:lnRef>
-          <a:fillRef idx="0">
-            <a:schemeClr val="accent1"/>
-          </a:fillRef>
-          <a:effectRef idx="0">
-            <a:schemeClr val="accent1"/>
-          </a:effectRef>
-          <a:fontRef idx="minor">
-            <a:schemeClr val="tx1"/>
-          </a:fontRef>
-        </p:style>
-      </p:cxnSp>
-      <p:cxnSp>
-        <p:nvCxnSpPr>
-          <p:cNvPr id="97" name="Straight Connector 96"/>
-          <p:cNvCxnSpPr/>
-          <p:nvPr/>
-        </p:nvCxnSpPr>
-        <p:spPr>
-          <a:xfrm>
-            <a:off x="5787078" y="3102096"/>
-            <a:ext cx="566928" cy="893"/>
-          </a:xfrm>
-          <a:prstGeom prst="line">
-            <a:avLst/>
-          </a:prstGeom>
-          <a:ln w="50800">
-            <a:solidFill>
-              <a:srgbClr val="FF0000"/>
-            </a:solidFill>
-            <a:prstDash val="solid"/>
-          </a:ln>
-        </p:spPr>
-        <p:style>
-          <a:lnRef idx="1">
-            <a:schemeClr val="accent1"/>
-          </a:lnRef>
-          <a:fillRef idx="0">
-            <a:schemeClr val="accent1"/>
-          </a:fillRef>
-          <a:effectRef idx="0">
-            <a:schemeClr val="accent1"/>
-          </a:effectRef>
-          <a:fontRef idx="minor">
-            <a:schemeClr val="tx1"/>
-          </a:fontRef>
-        </p:style>
-      </p:cxnSp>
-      <p:cxnSp>
-        <p:nvCxnSpPr>
-          <p:cNvPr id="93" name="Straight Connector 92"/>
-          <p:cNvCxnSpPr/>
-          <p:nvPr/>
-        </p:nvCxnSpPr>
-        <p:spPr>
-          <a:xfrm>
-            <a:off x="3129181" y="3085889"/>
-            <a:ext cx="566928" cy="893"/>
-          </a:xfrm>
-          <a:prstGeom prst="line">
-            <a:avLst/>
-          </a:prstGeom>
-          <a:ln w="50800">
-            <a:solidFill>
-              <a:srgbClr val="FF0000"/>
-            </a:solidFill>
-            <a:prstDash val="solid"/>
-          </a:ln>
-        </p:spPr>
-        <p:style>
-          <a:lnRef idx="1">
-            <a:schemeClr val="accent1"/>
-          </a:lnRef>
-          <a:fillRef idx="0">
-            <a:schemeClr val="accent1"/>
-          </a:fillRef>
-          <a:effectRef idx="0">
-            <a:schemeClr val="accent1"/>
-          </a:effectRef>
-          <a:fontRef idx="minor">
-            <a:schemeClr val="tx1"/>
-          </a:fontRef>
-        </p:style>
-      </p:cxnSp>
-      <p:sp>
-        <p:nvSpPr>
-          <p:cNvPr id="8" name="Oval 7"/>
-          <p:cNvSpPr/>
-          <p:nvPr/>
-        </p:nvSpPr>
-        <p:spPr>
-          <a:xfrm>
-            <a:off x="3739260" y="2346385"/>
-            <a:ext cx="1988678" cy="1513217"/>
-          </a:xfrm>
-          <a:prstGeom prst="ellipse">
-            <a:avLst/>
-          </a:prstGeom>
-          <a:solidFill>
-            <a:schemeClr val="accent5">
-              <a:lumMod val="20000"/>
-              <a:lumOff val="80000"/>
-            </a:schemeClr>
-          </a:solidFill>
-          <a:ln>
-            <a:solidFill>
-              <a:schemeClr val="tx1"/>
-            </a:solidFill>
-          </a:ln>
-          <a:effectLst/>
-        </p:spPr>
-        <p:style>
-          <a:lnRef idx="2">
-            <a:schemeClr val="accent1">
-              <a:shade val="50000"/>
-            </a:schemeClr>
-          </a:lnRef>
-          <a:fillRef idx="1">
-            <a:schemeClr val="accent1"/>
-          </a:fillRef>
-          <a:effectRef idx="0">
-            <a:schemeClr val="accent1"/>
-          </a:effectRef>
-          <a:fontRef idx="minor">
-            <a:schemeClr val="lt1"/>
-          </a:fontRef>
-        </p:style>
-        <p:txBody>
-          <a:bodyPr rtlCol="0" anchor="ctr"/>
-          <a:lstStyle/>
-          <a:p>
-            <a:pPr algn="ctr"/>
-            <a:r>
-              <a:rPr lang="en-US" b="1" dirty="0" smtClean="0">
+        </p:grpSpPr>
+        <p:grpSp>
+          <p:nvGrpSpPr>
+            <p:cNvPr id="2" name="Group 1"/>
+            <p:cNvGrpSpPr/>
+            <p:nvPr/>
+          </p:nvGrpSpPr>
+          <p:grpSpPr>
+            <a:xfrm>
+              <a:off x="0" y="1724847"/>
+              <a:ext cx="12145502" cy="3188400"/>
+              <a:chOff x="0" y="1724847"/>
+              <a:chExt cx="12145502" cy="3188400"/>
+            </a:xfrm>
+          </p:grpSpPr>
+          <p:sp>
+            <p:nvSpPr>
+              <p:cNvPr id="4" name="Oval 3"/>
+              <p:cNvSpPr/>
+              <p:nvPr/>
+            </p:nvSpPr>
+            <p:spPr>
+              <a:xfrm>
+                <a:off x="119043" y="2057400"/>
+                <a:ext cx="2870200" cy="2095500"/>
+              </a:xfrm>
+              <a:prstGeom prst="ellipse">
+                <a:avLst/>
+              </a:prstGeom>
+              <a:solidFill>
+                <a:schemeClr val="accent6">
+                  <a:lumMod val="20000"/>
+                  <a:lumOff val="80000"/>
+                </a:schemeClr>
+              </a:solidFill>
+              <a:ln>
                 <a:solidFill>
                   <a:schemeClr val="tx1"/>
                 </a:solidFill>
-                <a:latin typeface="Helvetica" charset="0"/>
-                <a:ea typeface="Helvetica" charset="0"/>
-                <a:cs typeface="Helvetica" charset="0"/>
-              </a:rPr>
-              <a:t>Carrier A</a:t>
-            </a:r>
-            <a:endParaRPr lang="en-US" b="1" dirty="0">
+              </a:ln>
+              <a:effectLst/>
+            </p:spPr>
+            <p:style>
+              <a:lnRef idx="2">
+                <a:schemeClr val="accent1">
+                  <a:shade val="50000"/>
+                </a:schemeClr>
+              </a:lnRef>
+              <a:fillRef idx="1">
+                <a:schemeClr val="accent1"/>
+              </a:fillRef>
+              <a:effectRef idx="0">
+                <a:schemeClr val="accent1"/>
+              </a:effectRef>
+              <a:fontRef idx="minor">
+                <a:schemeClr val="lt1"/>
+              </a:fontRef>
+            </p:style>
+            <p:txBody>
+              <a:bodyPr rtlCol="0" anchor="ctr"/>
+              <a:lstStyle/>
+              <a:p>
+                <a:pPr algn="ctr"/>
+                <a:endParaRPr lang="en-US"/>
+              </a:p>
+            </p:txBody>
+          </p:sp>
+          <p:cxnSp>
+            <p:nvCxnSpPr>
+              <p:cNvPr id="77" name="Straight Connector 76"/>
+              <p:cNvCxnSpPr>
+                <a:endCxn id="68" idx="1"/>
+              </p:cNvCxnSpPr>
+              <p:nvPr/>
+            </p:nvCxnSpPr>
+            <p:spPr>
+              <a:xfrm flipV="1">
+                <a:off x="705764" y="3103568"/>
+                <a:ext cx="383082" cy="362757"/>
+              </a:xfrm>
+              <a:prstGeom prst="line">
+                <a:avLst/>
+              </a:prstGeom>
+              <a:ln w="38100">
+                <a:solidFill>
+                  <a:schemeClr val="tx1"/>
+                </a:solidFill>
+                <a:prstDash val="solid"/>
+              </a:ln>
+            </p:spPr>
+            <p:style>
+              <a:lnRef idx="1">
+                <a:schemeClr val="accent1"/>
+              </a:lnRef>
+              <a:fillRef idx="0">
+                <a:schemeClr val="accent1"/>
+              </a:fillRef>
+              <a:effectRef idx="0">
+                <a:schemeClr val="accent1"/>
+              </a:effectRef>
+              <a:fontRef idx="minor">
+                <a:schemeClr val="tx1"/>
+              </a:fontRef>
+            </p:style>
+          </p:cxnSp>
+          <p:cxnSp>
+            <p:nvCxnSpPr>
+              <p:cNvPr id="94" name="Straight Connector 93"/>
+              <p:cNvCxnSpPr/>
+              <p:nvPr/>
+            </p:nvCxnSpPr>
+            <p:spPr>
+              <a:xfrm flipH="1">
+                <a:off x="1201257" y="3470085"/>
+                <a:ext cx="193887" cy="264539"/>
+              </a:xfrm>
+              <a:prstGeom prst="line">
+                <a:avLst/>
+              </a:prstGeom>
+              <a:ln w="38100">
+                <a:solidFill>
+                  <a:schemeClr val="tx1"/>
+                </a:solidFill>
+                <a:prstDash val="solid"/>
+              </a:ln>
+            </p:spPr>
+            <p:style>
+              <a:lnRef idx="1">
+                <a:schemeClr val="accent1"/>
+              </a:lnRef>
+              <a:fillRef idx="0">
+                <a:schemeClr val="accent1"/>
+              </a:fillRef>
+              <a:effectRef idx="0">
+                <a:schemeClr val="accent1"/>
+              </a:effectRef>
+              <a:fontRef idx="minor">
+                <a:schemeClr val="tx1"/>
+              </a:fontRef>
+            </p:style>
+          </p:cxnSp>
+          <p:cxnSp>
+            <p:nvCxnSpPr>
+              <p:cNvPr id="79" name="Straight Connector 78"/>
+              <p:cNvCxnSpPr>
+                <a:stCxn id="49" idx="1"/>
+              </p:cNvCxnSpPr>
+              <p:nvPr/>
+            </p:nvCxnSpPr>
+            <p:spPr>
+              <a:xfrm>
+                <a:off x="936271" y="2519568"/>
+                <a:ext cx="483284" cy="183142"/>
+              </a:xfrm>
+              <a:prstGeom prst="line">
+                <a:avLst/>
+              </a:prstGeom>
+              <a:ln w="38100">
+                <a:solidFill>
+                  <a:schemeClr val="tx1"/>
+                </a:solidFill>
+                <a:prstDash val="solid"/>
+              </a:ln>
+            </p:spPr>
+            <p:style>
+              <a:lnRef idx="1">
+                <a:schemeClr val="accent1"/>
+              </a:lnRef>
+              <a:fillRef idx="0">
+                <a:schemeClr val="accent1"/>
+              </a:fillRef>
+              <a:effectRef idx="0">
+                <a:schemeClr val="accent1"/>
+              </a:effectRef>
+              <a:fontRef idx="minor">
+                <a:schemeClr val="tx1"/>
+              </a:fontRef>
+            </p:style>
+          </p:cxnSp>
+          <p:sp>
+            <p:nvSpPr>
+              <p:cNvPr id="5" name="Oval 4"/>
+              <p:cNvSpPr/>
+              <p:nvPr/>
+            </p:nvSpPr>
+            <p:spPr>
+              <a:xfrm>
+                <a:off x="9247997" y="2057400"/>
+                <a:ext cx="2870200" cy="2095500"/>
+              </a:xfrm>
+              <a:prstGeom prst="ellipse">
+                <a:avLst/>
+              </a:prstGeom>
+              <a:solidFill>
+                <a:schemeClr val="accent6">
+                  <a:lumMod val="20000"/>
+                  <a:lumOff val="80000"/>
+                </a:schemeClr>
+              </a:solidFill>
+              <a:ln>
+                <a:solidFill>
+                  <a:schemeClr val="tx1"/>
+                </a:solidFill>
+              </a:ln>
+              <a:effectLst/>
+            </p:spPr>
+            <p:style>
+              <a:lnRef idx="2">
+                <a:schemeClr val="accent1">
+                  <a:shade val="50000"/>
+                </a:schemeClr>
+              </a:lnRef>
+              <a:fillRef idx="1">
+                <a:schemeClr val="accent1"/>
+              </a:fillRef>
+              <a:effectRef idx="0">
+                <a:schemeClr val="accent1"/>
+              </a:effectRef>
+              <a:fontRef idx="minor">
+                <a:schemeClr val="lt1"/>
+              </a:fontRef>
+            </p:style>
+            <p:txBody>
+              <a:bodyPr rtlCol="0" anchor="ctr"/>
+              <a:lstStyle/>
+              <a:p>
+                <a:pPr algn="ctr"/>
+                <a:endParaRPr lang="en-US"/>
+              </a:p>
+            </p:txBody>
+          </p:sp>
+          <p:cxnSp>
+            <p:nvCxnSpPr>
+              <p:cNvPr id="126" name="Straight Connector 125"/>
+              <p:cNvCxnSpPr>
+                <a:endCxn id="40" idx="3"/>
+              </p:cNvCxnSpPr>
+              <p:nvPr/>
+            </p:nvCxnSpPr>
+            <p:spPr>
+              <a:xfrm flipV="1">
+                <a:off x="10810840" y="3005196"/>
+                <a:ext cx="585521" cy="171080"/>
+              </a:xfrm>
+              <a:prstGeom prst="line">
+                <a:avLst/>
+              </a:prstGeom>
+              <a:ln w="38100">
+                <a:solidFill>
+                  <a:schemeClr val="tx1"/>
+                </a:solidFill>
+                <a:prstDash val="solid"/>
+              </a:ln>
+            </p:spPr>
+            <p:style>
+              <a:lnRef idx="1">
+                <a:schemeClr val="accent1"/>
+              </a:lnRef>
+              <a:fillRef idx="0">
+                <a:schemeClr val="accent1"/>
+              </a:fillRef>
+              <a:effectRef idx="0">
+                <a:schemeClr val="accent1"/>
+              </a:effectRef>
+              <a:fontRef idx="minor">
+                <a:schemeClr val="tx1"/>
+              </a:fontRef>
+            </p:style>
+          </p:cxnSp>
+          <p:cxnSp>
+            <p:nvCxnSpPr>
+              <p:cNvPr id="123" name="Straight Connector 122"/>
+              <p:cNvCxnSpPr/>
+              <p:nvPr/>
+            </p:nvCxnSpPr>
+            <p:spPr>
+              <a:xfrm>
+                <a:off x="10938356" y="3208091"/>
+                <a:ext cx="500057" cy="212784"/>
+              </a:xfrm>
+              <a:prstGeom prst="line">
+                <a:avLst/>
+              </a:prstGeom>
+              <a:ln w="38100">
+                <a:solidFill>
+                  <a:schemeClr val="tx1"/>
+                </a:solidFill>
+                <a:prstDash val="solid"/>
+              </a:ln>
+            </p:spPr>
+            <p:style>
+              <a:lnRef idx="1">
+                <a:schemeClr val="accent1"/>
+              </a:lnRef>
+              <a:fillRef idx="0">
+                <a:schemeClr val="accent1"/>
+              </a:fillRef>
+              <a:effectRef idx="0">
+                <a:schemeClr val="accent1"/>
+              </a:effectRef>
+              <a:fontRef idx="minor">
+                <a:schemeClr val="tx1"/>
+              </a:fontRef>
+            </p:style>
+          </p:cxnSp>
+          <p:cxnSp>
+            <p:nvCxnSpPr>
+              <p:cNvPr id="100" name="Straight Connector 99"/>
+              <p:cNvCxnSpPr/>
+              <p:nvPr/>
+            </p:nvCxnSpPr>
+            <p:spPr>
+              <a:xfrm>
+                <a:off x="1403644" y="3084996"/>
+                <a:ext cx="1583236" cy="34150"/>
+              </a:xfrm>
+              <a:prstGeom prst="line">
+                <a:avLst/>
+              </a:prstGeom>
+              <a:ln w="38100">
+                <a:solidFill>
+                  <a:schemeClr val="tx1"/>
+                </a:solidFill>
+                <a:prstDash val="solid"/>
+              </a:ln>
+            </p:spPr>
+            <p:style>
+              <a:lnRef idx="1">
+                <a:schemeClr val="accent1"/>
+              </a:lnRef>
+              <a:fillRef idx="0">
+                <a:schemeClr val="accent1"/>
+              </a:fillRef>
+              <a:effectRef idx="0">
+                <a:schemeClr val="accent1"/>
+              </a:effectRef>
+              <a:fontRef idx="minor">
+                <a:schemeClr val="tx1"/>
+              </a:fontRef>
+            </p:style>
+          </p:cxnSp>
+          <p:cxnSp>
+            <p:nvCxnSpPr>
+              <p:cNvPr id="101" name="Straight Connector 100"/>
+              <p:cNvCxnSpPr/>
+              <p:nvPr/>
+            </p:nvCxnSpPr>
+            <p:spPr>
+              <a:xfrm>
+                <a:off x="9349774" y="3082405"/>
+                <a:ext cx="566928" cy="893"/>
+              </a:xfrm>
+              <a:prstGeom prst="line">
+                <a:avLst/>
+              </a:prstGeom>
+              <a:ln w="38100">
+                <a:solidFill>
+                  <a:schemeClr val="tx1"/>
+                </a:solidFill>
+                <a:prstDash val="solid"/>
+              </a:ln>
+            </p:spPr>
+            <p:style>
+              <a:lnRef idx="1">
+                <a:schemeClr val="accent1"/>
+              </a:lnRef>
+              <a:fillRef idx="0">
+                <a:schemeClr val="accent1"/>
+              </a:fillRef>
+              <a:effectRef idx="0">
+                <a:schemeClr val="accent1"/>
+              </a:effectRef>
+              <a:fontRef idx="minor">
+                <a:schemeClr val="tx1"/>
+              </a:fontRef>
+            </p:style>
+          </p:cxnSp>
+          <p:cxnSp>
+            <p:nvCxnSpPr>
+              <p:cNvPr id="102" name="Straight Connector 101"/>
+              <p:cNvCxnSpPr/>
+              <p:nvPr/>
+            </p:nvCxnSpPr>
+            <p:spPr>
+              <a:xfrm flipV="1">
+                <a:off x="1379754" y="3093104"/>
+                <a:ext cx="541495" cy="417049"/>
+              </a:xfrm>
+              <a:prstGeom prst="line">
+                <a:avLst/>
+              </a:prstGeom>
+              <a:ln w="38100">
+                <a:solidFill>
+                  <a:schemeClr val="tx1"/>
+                </a:solidFill>
+                <a:prstDash val="solid"/>
+              </a:ln>
+            </p:spPr>
+            <p:style>
+              <a:lnRef idx="1">
+                <a:schemeClr val="accent1"/>
+              </a:lnRef>
+              <a:fillRef idx="0">
+                <a:schemeClr val="accent1"/>
+              </a:fillRef>
+              <a:effectRef idx="0">
+                <a:schemeClr val="accent1"/>
+              </a:effectRef>
+              <a:fontRef idx="minor">
+                <a:schemeClr val="tx1"/>
+              </a:fontRef>
+            </p:style>
+          </p:cxnSp>
+          <p:cxnSp>
+            <p:nvCxnSpPr>
+              <p:cNvPr id="105" name="Straight Connector 104"/>
+              <p:cNvCxnSpPr/>
+              <p:nvPr/>
+            </p:nvCxnSpPr>
+            <p:spPr>
+              <a:xfrm>
+                <a:off x="10251639" y="3262504"/>
+                <a:ext cx="565234" cy="377108"/>
+              </a:xfrm>
+              <a:prstGeom prst="line">
+                <a:avLst/>
+              </a:prstGeom>
+              <a:ln w="38100">
+                <a:solidFill>
+                  <a:schemeClr val="tx1"/>
+                </a:solidFill>
+                <a:prstDash val="solid"/>
+              </a:ln>
+            </p:spPr>
+            <p:style>
+              <a:lnRef idx="1">
+                <a:schemeClr val="accent1"/>
+              </a:lnRef>
+              <a:fillRef idx="0">
+                <a:schemeClr val="accent1"/>
+              </a:fillRef>
+              <a:effectRef idx="0">
+                <a:schemeClr val="accent1"/>
+              </a:effectRef>
+              <a:fontRef idx="minor">
+                <a:schemeClr val="tx1"/>
+              </a:fontRef>
+            </p:style>
+          </p:cxnSp>
+          <p:cxnSp>
+            <p:nvCxnSpPr>
+              <p:cNvPr id="98" name="Straight Connector 97"/>
+              <p:cNvCxnSpPr/>
+              <p:nvPr/>
+            </p:nvCxnSpPr>
+            <p:spPr>
+              <a:xfrm>
+                <a:off x="8631092" y="3083298"/>
+                <a:ext cx="566928" cy="893"/>
+              </a:xfrm>
+              <a:prstGeom prst="line">
+                <a:avLst/>
+              </a:prstGeom>
+              <a:ln w="50800">
+                <a:solidFill>
+                  <a:srgbClr val="FF0000"/>
+                </a:solidFill>
+                <a:prstDash val="solid"/>
+              </a:ln>
+            </p:spPr>
+            <p:style>
+              <a:lnRef idx="1">
+                <a:schemeClr val="accent1"/>
+              </a:lnRef>
+              <a:fillRef idx="0">
+                <a:schemeClr val="accent1"/>
+              </a:fillRef>
+              <a:effectRef idx="0">
+                <a:schemeClr val="accent1"/>
+              </a:effectRef>
+              <a:fontRef idx="minor">
+                <a:schemeClr val="tx1"/>
+              </a:fontRef>
+            </p:style>
+          </p:cxnSp>
+          <p:cxnSp>
+            <p:nvCxnSpPr>
+              <p:cNvPr id="108" name="Straight Connector 107"/>
+              <p:cNvCxnSpPr/>
+              <p:nvPr/>
+            </p:nvCxnSpPr>
+            <p:spPr>
+              <a:xfrm>
+                <a:off x="1399711" y="2705481"/>
+                <a:ext cx="456547" cy="214779"/>
+              </a:xfrm>
+              <a:prstGeom prst="line">
+                <a:avLst/>
+              </a:prstGeom>
+              <a:ln w="38100">
+                <a:solidFill>
+                  <a:schemeClr val="tx1"/>
+                </a:solidFill>
+                <a:prstDash val="solid"/>
+              </a:ln>
+            </p:spPr>
+            <p:style>
+              <a:lnRef idx="1">
+                <a:schemeClr val="accent1"/>
+              </a:lnRef>
+              <a:fillRef idx="0">
+                <a:schemeClr val="accent1"/>
+              </a:fillRef>
+              <a:effectRef idx="0">
+                <a:schemeClr val="accent1"/>
+              </a:effectRef>
+              <a:fontRef idx="minor">
+                <a:schemeClr val="tx1"/>
+              </a:fontRef>
+            </p:style>
+          </p:cxnSp>
+          <p:cxnSp>
+            <p:nvCxnSpPr>
+              <p:cNvPr id="111" name="Straight Connector 110"/>
+              <p:cNvCxnSpPr/>
+              <p:nvPr/>
+            </p:nvCxnSpPr>
+            <p:spPr>
+              <a:xfrm flipV="1">
+                <a:off x="10279785" y="2763183"/>
+                <a:ext cx="424203" cy="287740"/>
+              </a:xfrm>
+              <a:prstGeom prst="line">
+                <a:avLst/>
+              </a:prstGeom>
+              <a:ln w="38100">
+                <a:solidFill>
+                  <a:schemeClr val="tx1"/>
+                </a:solidFill>
+                <a:prstDash val="solid"/>
+              </a:ln>
+            </p:spPr>
+            <p:style>
+              <a:lnRef idx="1">
+                <a:schemeClr val="accent1"/>
+              </a:lnRef>
+              <a:fillRef idx="0">
+                <a:schemeClr val="accent1"/>
+              </a:fillRef>
+              <a:effectRef idx="0">
+                <a:schemeClr val="accent1"/>
+              </a:effectRef>
+              <a:fontRef idx="minor">
+                <a:schemeClr val="tx1"/>
+              </a:fontRef>
+            </p:style>
+          </p:cxnSp>
+          <p:cxnSp>
+            <p:nvCxnSpPr>
+              <p:cNvPr id="115" name="Straight Connector 114"/>
+              <p:cNvCxnSpPr/>
+              <p:nvPr/>
+            </p:nvCxnSpPr>
+            <p:spPr>
+              <a:xfrm>
+                <a:off x="10279246" y="3148128"/>
+                <a:ext cx="566928" cy="893"/>
+              </a:xfrm>
+              <a:prstGeom prst="line">
+                <a:avLst/>
+              </a:prstGeom>
+              <a:ln w="38100">
+                <a:solidFill>
+                  <a:schemeClr val="tx1"/>
+                </a:solidFill>
+                <a:prstDash val="solid"/>
+              </a:ln>
+            </p:spPr>
+            <p:style>
+              <a:lnRef idx="1">
+                <a:schemeClr val="accent1"/>
+              </a:lnRef>
+              <a:fillRef idx="0">
+                <a:schemeClr val="accent1"/>
+              </a:fillRef>
+              <a:effectRef idx="0">
+                <a:schemeClr val="accent1"/>
+              </a:effectRef>
+              <a:fontRef idx="minor">
+                <a:schemeClr val="tx1"/>
+              </a:fontRef>
+            </p:style>
+          </p:cxnSp>
+          <p:cxnSp>
+            <p:nvCxnSpPr>
+              <p:cNvPr id="97" name="Straight Connector 96"/>
+              <p:cNvCxnSpPr/>
+              <p:nvPr/>
+            </p:nvCxnSpPr>
+            <p:spPr>
+              <a:xfrm>
+                <a:off x="5787078" y="3102096"/>
+                <a:ext cx="566928" cy="893"/>
+              </a:xfrm>
+              <a:prstGeom prst="line">
+                <a:avLst/>
+              </a:prstGeom>
+              <a:ln w="50800">
+                <a:solidFill>
+                  <a:srgbClr val="FF0000"/>
+                </a:solidFill>
+                <a:prstDash val="solid"/>
+              </a:ln>
+            </p:spPr>
+            <p:style>
+              <a:lnRef idx="1">
+                <a:schemeClr val="accent1"/>
+              </a:lnRef>
+              <a:fillRef idx="0">
+                <a:schemeClr val="accent1"/>
+              </a:fillRef>
+              <a:effectRef idx="0">
+                <a:schemeClr val="accent1"/>
+              </a:effectRef>
+              <a:fontRef idx="minor">
+                <a:schemeClr val="tx1"/>
+              </a:fontRef>
+            </p:style>
+          </p:cxnSp>
+          <p:cxnSp>
+            <p:nvCxnSpPr>
+              <p:cNvPr id="93" name="Straight Connector 92"/>
+              <p:cNvCxnSpPr/>
+              <p:nvPr/>
+            </p:nvCxnSpPr>
+            <p:spPr>
+              <a:xfrm>
+                <a:off x="3129181" y="3085889"/>
+                <a:ext cx="566928" cy="893"/>
+              </a:xfrm>
+              <a:prstGeom prst="line">
+                <a:avLst/>
+              </a:prstGeom>
+              <a:ln w="50800">
+                <a:solidFill>
+                  <a:schemeClr val="tx1"/>
+                </a:solidFill>
+                <a:prstDash val="solid"/>
+              </a:ln>
+            </p:spPr>
+            <p:style>
+              <a:lnRef idx="1">
+                <a:schemeClr val="accent1"/>
+              </a:lnRef>
+              <a:fillRef idx="0">
+                <a:schemeClr val="accent1"/>
+              </a:fillRef>
+              <a:effectRef idx="0">
+                <a:schemeClr val="accent1"/>
+              </a:effectRef>
+              <a:fontRef idx="minor">
+                <a:schemeClr val="tx1"/>
+              </a:fontRef>
+            </p:style>
+          </p:cxnSp>
+          <p:sp>
+            <p:nvSpPr>
+              <p:cNvPr id="8" name="Oval 7"/>
+              <p:cNvSpPr/>
+              <p:nvPr/>
+            </p:nvSpPr>
+            <p:spPr>
+              <a:xfrm>
+                <a:off x="3739260" y="2346385"/>
+                <a:ext cx="1988678" cy="1513217"/>
+              </a:xfrm>
+              <a:prstGeom prst="ellipse">
+                <a:avLst/>
+              </a:prstGeom>
+              <a:solidFill>
+                <a:schemeClr val="accent5">
+                  <a:lumMod val="20000"/>
+                  <a:lumOff val="80000"/>
+                </a:schemeClr>
+              </a:solidFill>
+              <a:ln>
+                <a:solidFill>
+                  <a:schemeClr val="tx1"/>
+                </a:solidFill>
+              </a:ln>
+              <a:effectLst/>
+            </p:spPr>
+            <p:style>
+              <a:lnRef idx="2">
+                <a:schemeClr val="accent1">
+                  <a:shade val="50000"/>
+                </a:schemeClr>
+              </a:lnRef>
+              <a:fillRef idx="1">
+                <a:schemeClr val="accent1"/>
+              </a:fillRef>
+              <a:effectRef idx="0">
+                <a:schemeClr val="accent1"/>
+              </a:effectRef>
+              <a:fontRef idx="minor">
+                <a:schemeClr val="lt1"/>
+              </a:fontRef>
+            </p:style>
+            <p:txBody>
+              <a:bodyPr rtlCol="0" anchor="ctr"/>
+              <a:lstStyle/>
+              <a:p>
+                <a:pPr algn="ctr"/>
+                <a:r>
+                  <a:rPr lang="en-US" b="1" dirty="0" smtClean="0">
+                    <a:solidFill>
+                      <a:schemeClr val="tx1"/>
+                    </a:solidFill>
+                    <a:latin typeface="Helvetica" charset="0"/>
+                    <a:ea typeface="Helvetica" charset="0"/>
+                    <a:cs typeface="Helvetica" charset="0"/>
+                  </a:rPr>
+                  <a:t>Carrier A</a:t>
+                </a:r>
+                <a:endParaRPr lang="en-US" b="1" dirty="0">
+                  <a:solidFill>
+                    <a:schemeClr val="tx1"/>
+                  </a:solidFill>
+                  <a:latin typeface="Helvetica" charset="0"/>
+                  <a:ea typeface="Helvetica" charset="0"/>
+                  <a:cs typeface="Helvetica" charset="0"/>
+                </a:endParaRPr>
+              </a:p>
+            </p:txBody>
+          </p:sp>
+          <p:pic>
+            <p:nvPicPr>
+              <p:cNvPr id="10" name="Picture 55"/>
+              <p:cNvPicPr>
+                <a:picLocks noChangeArrowheads="1"/>
+              </p:cNvPicPr>
+              <p:nvPr/>
+            </p:nvPicPr>
+            <p:blipFill>
+              <a:blip r:embed="rId2">
+                <a:extLst>
+                  <a:ext uri="{28A0092B-C50C-407E-A947-70E740481C1C}">
+                    <a14:useLocalDpi xmlns:a14="http://schemas.microsoft.com/office/drawing/2010/main" val="0"/>
+                  </a:ext>
+                </a:extLst>
+              </a:blip>
+              <a:srcRect/>
+              <a:stretch>
+                <a:fillRect/>
+              </a:stretch>
+            </p:blipFill>
+            <p:spPr bwMode="auto">
+              <a:xfrm>
+                <a:off x="3522018" y="2944368"/>
+                <a:ext cx="438509" cy="319029"/>
+              </a:xfrm>
+              <a:prstGeom prst="rect">
+                <a:avLst/>
+              </a:prstGeom>
+              <a:noFill/>
+              <a:ln>
+                <a:noFill/>
+              </a:ln>
+              <a:extLst>
+                <a:ext uri="{909E8E84-426E-40dd-AFC4-6F175D3DCCD1}">
+                  <a14:hiddenFill xmlns:a14="http://schemas.microsoft.com/office/drawing/2010/main" xmlns="">
+                    <a:solidFill>
+                      <a:srgbClr val="FFFFFF"/>
+                    </a:solidFill>
+                  </a14:hiddenFill>
+                </a:ext>
+                <a:ext uri="{91240B29-F687-4f45-9708-019B960494DF}">
+                  <a14:hiddenLine xmlns:a14="http://schemas.microsoft.com/office/drawing/2010/main" xmlns="" w="9525">
+                    <a:solidFill>
+                      <a:srgbClr val="000000"/>
+                    </a:solidFill>
+                    <a:miter lim="800000"/>
+                    <a:headEnd/>
+                    <a:tailEnd/>
+                  </a14:hiddenLine>
+                </a:ext>
+              </a:extLst>
+            </p:spPr>
+          </p:pic>
+          <p:pic>
+            <p:nvPicPr>
+              <p:cNvPr id="11" name="Picture 55"/>
+              <p:cNvPicPr>
+                <a:picLocks noChangeArrowheads="1"/>
+              </p:cNvPicPr>
+              <p:nvPr/>
+            </p:nvPicPr>
+            <p:blipFill>
+              <a:blip r:embed="rId2">
+                <a:extLst>
+                  <a:ext uri="{28A0092B-C50C-407E-A947-70E740481C1C}">
+                    <a14:useLocalDpi xmlns:a14="http://schemas.microsoft.com/office/drawing/2010/main" val="0"/>
+                  </a:ext>
+                </a:extLst>
+              </a:blip>
+              <a:srcRect/>
+              <a:stretch>
+                <a:fillRect/>
+              </a:stretch>
+            </p:blipFill>
+            <p:spPr bwMode="auto">
+              <a:xfrm>
+                <a:off x="5492842" y="2945198"/>
+                <a:ext cx="438509" cy="319029"/>
+              </a:xfrm>
+              <a:prstGeom prst="rect">
+                <a:avLst/>
+              </a:prstGeom>
+              <a:noFill/>
+              <a:ln>
+                <a:noFill/>
+              </a:ln>
+              <a:extLst>
+                <a:ext uri="{909E8E84-426E-40dd-AFC4-6F175D3DCCD1}">
+                  <a14:hiddenFill xmlns:a14="http://schemas.microsoft.com/office/drawing/2010/main" xmlns="">
+                    <a:solidFill>
+                      <a:srgbClr val="FFFFFF"/>
+                    </a:solidFill>
+                  </a14:hiddenFill>
+                </a:ext>
+                <a:ext uri="{91240B29-F687-4f45-9708-019B960494DF}">
+                  <a14:hiddenLine xmlns:a14="http://schemas.microsoft.com/office/drawing/2010/main" xmlns="" w="9525">
+                    <a:solidFill>
+                      <a:srgbClr val="000000"/>
+                    </a:solidFill>
+                    <a:miter lim="800000"/>
+                    <a:headEnd/>
+                    <a:tailEnd/>
+                  </a14:hiddenLine>
+                </a:ext>
+              </a:extLst>
+            </p:spPr>
+          </p:pic>
+          <p:pic>
+            <p:nvPicPr>
+              <p:cNvPr id="14" name="Picture 55"/>
+              <p:cNvPicPr>
+                <a:picLocks noChangeArrowheads="1"/>
+              </p:cNvPicPr>
+              <p:nvPr/>
+            </p:nvPicPr>
+            <p:blipFill>
+              <a:blip r:embed="rId2">
+                <a:extLst>
+                  <a:ext uri="{28A0092B-C50C-407E-A947-70E740481C1C}">
+                    <a14:useLocalDpi xmlns:a14="http://schemas.microsoft.com/office/drawing/2010/main" val="0"/>
+                  </a:ext>
+                </a:extLst>
+              </a:blip>
+              <a:srcRect/>
+              <a:stretch>
+                <a:fillRect/>
+              </a:stretch>
+            </p:blipFill>
+            <p:spPr bwMode="auto">
+              <a:xfrm>
+                <a:off x="9044584" y="2943475"/>
+                <a:ext cx="438509" cy="319029"/>
+              </a:xfrm>
+              <a:prstGeom prst="rect">
+                <a:avLst/>
+              </a:prstGeom>
+              <a:noFill/>
+              <a:ln>
+                <a:noFill/>
+              </a:ln>
+              <a:extLst>
+                <a:ext uri="{909E8E84-426E-40dd-AFC4-6F175D3DCCD1}">
+                  <a14:hiddenFill xmlns:a14="http://schemas.microsoft.com/office/drawing/2010/main" xmlns="">
+                    <a:solidFill>
+                      <a:srgbClr val="FFFFFF"/>
+                    </a:solidFill>
+                  </a14:hiddenFill>
+                </a:ext>
+                <a:ext uri="{91240B29-F687-4f45-9708-019B960494DF}">
+                  <a14:hiddenLine xmlns:a14="http://schemas.microsoft.com/office/drawing/2010/main" xmlns="" w="9525">
+                    <a:solidFill>
+                      <a:srgbClr val="000000"/>
+                    </a:solidFill>
+                    <a:miter lim="800000"/>
+                    <a:headEnd/>
+                    <a:tailEnd/>
+                  </a14:hiddenLine>
+                </a:ext>
+              </a:extLst>
+            </p:spPr>
+          </p:pic>
+          <p:pic>
+            <p:nvPicPr>
+              <p:cNvPr id="15" name="Picture 55"/>
+              <p:cNvPicPr>
+                <a:picLocks noChangeArrowheads="1"/>
+              </p:cNvPicPr>
+              <p:nvPr/>
+            </p:nvPicPr>
+            <p:blipFill>
+              <a:blip r:embed="rId2">
+                <a:extLst>
+                  <a:ext uri="{28A0092B-C50C-407E-A947-70E740481C1C}">
+                    <a14:useLocalDpi xmlns:a14="http://schemas.microsoft.com/office/drawing/2010/main" val="0"/>
+                  </a:ext>
+                </a:extLst>
+              </a:blip>
+              <a:srcRect/>
+              <a:stretch>
+                <a:fillRect/>
+              </a:stretch>
+            </p:blipFill>
+            <p:spPr bwMode="auto">
+              <a:xfrm>
+                <a:off x="2724123" y="2943475"/>
+                <a:ext cx="438509" cy="319029"/>
+              </a:xfrm>
+              <a:prstGeom prst="rect">
+                <a:avLst/>
+              </a:prstGeom>
+              <a:noFill/>
+              <a:ln>
+                <a:noFill/>
+              </a:ln>
+              <a:extLst>
+                <a:ext uri="{909E8E84-426E-40dd-AFC4-6F175D3DCCD1}">
+                  <a14:hiddenFill xmlns:a14="http://schemas.microsoft.com/office/drawing/2010/main" xmlns="">
+                    <a:solidFill>
+                      <a:srgbClr val="FFFFFF"/>
+                    </a:solidFill>
+                  </a14:hiddenFill>
+                </a:ext>
+                <a:ext uri="{91240B29-F687-4f45-9708-019B960494DF}">
+                  <a14:hiddenLine xmlns:a14="http://schemas.microsoft.com/office/drawing/2010/main" xmlns="" w="9525">
+                    <a:solidFill>
+                      <a:srgbClr val="000000"/>
+                    </a:solidFill>
+                    <a:miter lim="800000"/>
+                    <a:headEnd/>
+                    <a:tailEnd/>
+                  </a14:hiddenLine>
+                </a:ext>
+              </a:extLst>
+            </p:spPr>
+          </p:pic>
+          <p:sp>
+            <p:nvSpPr>
+              <p:cNvPr id="28" name="Rectangle 27"/>
+              <p:cNvSpPr/>
+              <p:nvPr/>
+            </p:nvSpPr>
+            <p:spPr>
+              <a:xfrm>
+                <a:off x="1762900" y="2670653"/>
+                <a:ext cx="808534" cy="804672"/>
+              </a:xfrm>
+              <a:prstGeom prst="rect">
+                <a:avLst/>
+              </a:prstGeom>
+              <a:solidFill>
+                <a:srgbClr val="FBE5D6"/>
+              </a:solidFill>
+              <a:ln>
+                <a:solidFill>
+                  <a:schemeClr val="tx1"/>
+                </a:solidFill>
+              </a:ln>
+            </p:spPr>
+            <p:style>
+              <a:lnRef idx="2">
+                <a:schemeClr val="accent1">
+                  <a:shade val="50000"/>
+                </a:schemeClr>
+              </a:lnRef>
+              <a:fillRef idx="1">
+                <a:schemeClr val="accent1"/>
+              </a:fillRef>
+              <a:effectRef idx="0">
+                <a:schemeClr val="accent1"/>
+              </a:effectRef>
+              <a:fontRef idx="minor">
+                <a:schemeClr val="lt1"/>
+              </a:fontRef>
+            </p:style>
+            <p:txBody>
+              <a:bodyPr rtlCol="0" anchor="ctr"/>
+              <a:lstStyle/>
+              <a:p>
+                <a:pPr algn="ctr"/>
+                <a:r>
+                  <a:rPr lang="en-US" sz="1200" dirty="0" err="1" smtClean="0">
+                    <a:solidFill>
+                      <a:schemeClr val="tx1"/>
+                    </a:solidFill>
+                    <a:latin typeface="Helvetica" charset="0"/>
+                    <a:ea typeface="Helvetica" charset="0"/>
+                    <a:cs typeface="Helvetica" charset="0"/>
+                  </a:rPr>
+                  <a:t>Bunder’s</a:t>
+                </a:r>
+                <a:r>
+                  <a:rPr lang="en-US" sz="1200" dirty="0" smtClean="0">
+                    <a:solidFill>
+                      <a:schemeClr val="tx1"/>
+                    </a:solidFill>
+                    <a:latin typeface="Helvetica" charset="0"/>
+                    <a:ea typeface="Helvetica" charset="0"/>
+                    <a:cs typeface="Helvetica" charset="0"/>
+                  </a:rPr>
+                  <a:t> </a:t>
+                </a:r>
+                <a:r>
+                  <a:rPr lang="en-US" sz="1200" i="1" dirty="0" smtClean="0">
+                    <a:solidFill>
+                      <a:schemeClr val="tx1"/>
+                    </a:solidFill>
+                    <a:latin typeface="Helvetica" charset="0"/>
+                    <a:ea typeface="Helvetica" charset="0"/>
+                    <a:cs typeface="Helvetica" charset="0"/>
+                  </a:rPr>
+                  <a:t>send-</a:t>
+                </a:r>
+              </a:p>
+              <a:p>
+                <a:pPr algn="ctr"/>
+                <a:r>
+                  <a:rPr lang="en-US" sz="1200" i="1" dirty="0" smtClean="0">
+                    <a:solidFill>
+                      <a:schemeClr val="tx1"/>
+                    </a:solidFill>
+                    <a:latin typeface="Helvetica" charset="0"/>
+                    <a:ea typeface="Helvetica" charset="0"/>
+                    <a:cs typeface="Helvetica" charset="0"/>
+                  </a:rPr>
+                  <a:t>box</a:t>
+                </a:r>
+              </a:p>
+            </p:txBody>
+          </p:sp>
+          <p:sp>
+            <p:nvSpPr>
+              <p:cNvPr id="30" name="Rectangle 29"/>
+              <p:cNvSpPr/>
+              <p:nvPr/>
+            </p:nvSpPr>
+            <p:spPr>
+              <a:xfrm>
+                <a:off x="9630099" y="2665408"/>
+                <a:ext cx="804672" cy="804672"/>
+              </a:xfrm>
+              <a:prstGeom prst="rect">
+                <a:avLst/>
+              </a:prstGeom>
+              <a:solidFill>
+                <a:srgbClr val="FBE5D6"/>
+              </a:solidFill>
+              <a:ln>
+                <a:solidFill>
+                  <a:schemeClr val="tx1"/>
+                </a:solidFill>
+              </a:ln>
+            </p:spPr>
+            <p:style>
+              <a:lnRef idx="2">
+                <a:schemeClr val="accent1">
+                  <a:shade val="50000"/>
+                </a:schemeClr>
+              </a:lnRef>
+              <a:fillRef idx="1">
+                <a:schemeClr val="accent1"/>
+              </a:fillRef>
+              <a:effectRef idx="0">
+                <a:schemeClr val="accent1"/>
+              </a:effectRef>
+              <a:fontRef idx="minor">
+                <a:schemeClr val="lt1"/>
+              </a:fontRef>
+            </p:style>
+            <p:txBody>
+              <a:bodyPr rtlCol="0" anchor="ctr"/>
+              <a:lstStyle/>
+              <a:p>
+                <a:pPr algn="ctr"/>
+                <a:r>
+                  <a:rPr lang="en-US" sz="1200" dirty="0" err="1" smtClean="0">
+                    <a:solidFill>
+                      <a:schemeClr val="tx1"/>
+                    </a:solidFill>
+                    <a:latin typeface="Helvetica" charset="0"/>
+                    <a:ea typeface="Helvetica" charset="0"/>
+                    <a:cs typeface="Helvetica" charset="0"/>
+                  </a:rPr>
+                  <a:t>Bunder’s</a:t>
+                </a:r>
+                <a:r>
+                  <a:rPr lang="en-US" sz="1200" dirty="0" smtClean="0">
+                    <a:solidFill>
+                      <a:schemeClr val="tx1"/>
+                    </a:solidFill>
+                    <a:latin typeface="Helvetica" charset="0"/>
+                    <a:ea typeface="Helvetica" charset="0"/>
+                    <a:cs typeface="Helvetica" charset="0"/>
+                  </a:rPr>
+                  <a:t> </a:t>
+                </a:r>
+                <a:r>
+                  <a:rPr lang="en-US" sz="1200" i="1" dirty="0" smtClean="0">
+                    <a:solidFill>
+                      <a:schemeClr val="tx1"/>
+                    </a:solidFill>
+                    <a:latin typeface="Helvetica" charset="0"/>
+                    <a:ea typeface="Helvetica" charset="0"/>
+                    <a:cs typeface="Helvetica" charset="0"/>
+                  </a:rPr>
+                  <a:t>receive-box</a:t>
+                </a:r>
+                <a:endParaRPr lang="en-US" sz="1200" i="1" dirty="0">
+                  <a:solidFill>
+                    <a:schemeClr val="tx1"/>
+                  </a:solidFill>
+                  <a:latin typeface="Helvetica" charset="0"/>
+                  <a:ea typeface="Helvetica" charset="0"/>
+                  <a:cs typeface="Helvetica" charset="0"/>
+                </a:endParaRPr>
+              </a:p>
+            </p:txBody>
+          </p:sp>
+          <p:pic>
+            <p:nvPicPr>
+              <p:cNvPr id="34" name="Picture 55"/>
+              <p:cNvPicPr>
+                <a:picLocks noChangeArrowheads="1"/>
+              </p:cNvPicPr>
+              <p:nvPr/>
+            </p:nvPicPr>
+            <p:blipFill>
+              <a:blip r:embed="rId2">
+                <a:extLst>
+                  <a:ext uri="{28A0092B-C50C-407E-A947-70E740481C1C}">
+                    <a14:useLocalDpi xmlns:a14="http://schemas.microsoft.com/office/drawing/2010/main" val="0"/>
+                  </a:ext>
+                </a:extLst>
+              </a:blip>
+              <a:srcRect/>
+              <a:stretch>
+                <a:fillRect/>
+              </a:stretch>
+            </p:blipFill>
+            <p:spPr bwMode="auto">
+              <a:xfrm>
+                <a:off x="10662990" y="3023118"/>
+                <a:ext cx="438509" cy="319029"/>
+              </a:xfrm>
+              <a:prstGeom prst="rect">
+                <a:avLst/>
+              </a:prstGeom>
+              <a:noFill/>
+              <a:ln>
+                <a:noFill/>
+              </a:ln>
+              <a:extLst>
+                <a:ext uri="{909E8E84-426E-40dd-AFC4-6F175D3DCCD1}">
+                  <a14:hiddenFill xmlns:a14="http://schemas.microsoft.com/office/drawing/2010/main" xmlns="">
+                    <a:solidFill>
+                      <a:srgbClr val="FFFFFF"/>
+                    </a:solidFill>
+                  </a14:hiddenFill>
+                </a:ext>
+                <a:ext uri="{91240B29-F687-4f45-9708-019B960494DF}">
+                  <a14:hiddenLine xmlns:a14="http://schemas.microsoft.com/office/drawing/2010/main" xmlns="" w="9525">
+                    <a:solidFill>
+                      <a:srgbClr val="000000"/>
+                    </a:solidFill>
+                    <a:miter lim="800000"/>
+                    <a:headEnd/>
+                    <a:tailEnd/>
+                  </a14:hiddenLine>
+                </a:ext>
+              </a:extLst>
+            </p:spPr>
+          </p:pic>
+          <p:sp>
+            <p:nvSpPr>
+              <p:cNvPr id="35" name="TextBox 34"/>
+              <p:cNvSpPr txBox="1"/>
+              <p:nvPr/>
+            </p:nvSpPr>
+            <p:spPr>
+              <a:xfrm>
+                <a:off x="0" y="4199165"/>
+                <a:ext cx="3232744" cy="646331"/>
+              </a:xfrm>
+              <a:prstGeom prst="rect">
+                <a:avLst/>
+              </a:prstGeom>
+              <a:noFill/>
+            </p:spPr>
+            <p:txBody>
+              <a:bodyPr wrap="none" rtlCol="0">
+                <a:spAutoFit/>
+              </a:bodyPr>
+              <a:lstStyle/>
+              <a:p>
+                <a:pPr algn="ctr"/>
+                <a:r>
+                  <a:rPr lang="en-US" b="1" dirty="0" smtClean="0">
+                    <a:latin typeface="Helvetica" charset="0"/>
+                    <a:ea typeface="Helvetica" charset="0"/>
+                    <a:cs typeface="Helvetica" charset="0"/>
+                  </a:rPr>
+                  <a:t>Sending Domain</a:t>
+                </a:r>
+              </a:p>
+              <a:p>
+                <a:pPr algn="ctr"/>
+                <a:r>
+                  <a:rPr lang="en-US" dirty="0" smtClean="0">
+                    <a:latin typeface="Helvetica" charset="0"/>
+                    <a:ea typeface="Helvetica" charset="0"/>
+                    <a:cs typeface="Helvetica" charset="0"/>
+                  </a:rPr>
+                  <a:t>(say, a large content provider)</a:t>
+                </a:r>
+                <a:endParaRPr lang="en-US" dirty="0">
+                  <a:latin typeface="Helvetica" charset="0"/>
+                  <a:ea typeface="Helvetica" charset="0"/>
+                  <a:cs typeface="Helvetica" charset="0"/>
+                </a:endParaRPr>
+              </a:p>
+            </p:txBody>
+          </p:sp>
+          <p:sp>
+            <p:nvSpPr>
+              <p:cNvPr id="36" name="TextBox 35"/>
+              <p:cNvSpPr txBox="1"/>
+              <p:nvPr/>
+            </p:nvSpPr>
+            <p:spPr>
+              <a:xfrm>
+                <a:off x="9117942" y="4191549"/>
+                <a:ext cx="3027560" cy="646331"/>
+              </a:xfrm>
+              <a:prstGeom prst="rect">
+                <a:avLst/>
+              </a:prstGeom>
+              <a:noFill/>
+            </p:spPr>
+            <p:txBody>
+              <a:bodyPr wrap="none" rtlCol="0">
+                <a:spAutoFit/>
+              </a:bodyPr>
+              <a:lstStyle/>
+              <a:p>
+                <a:pPr algn="ctr"/>
+                <a:r>
+                  <a:rPr lang="en-US" b="1" dirty="0" smtClean="0">
+                    <a:latin typeface="Helvetica" charset="0"/>
+                    <a:ea typeface="Helvetica" charset="0"/>
+                    <a:cs typeface="Helvetica" charset="0"/>
+                  </a:rPr>
+                  <a:t>Receiving Domain</a:t>
+                </a:r>
+              </a:p>
+              <a:p>
+                <a:pPr algn="ctr"/>
+                <a:r>
+                  <a:rPr lang="en-US" dirty="0" smtClean="0">
+                    <a:latin typeface="Helvetica" charset="0"/>
+                    <a:ea typeface="Helvetica" charset="0"/>
+                    <a:cs typeface="Helvetica" charset="0"/>
+                  </a:rPr>
+                  <a:t>(say, an enterprise network)</a:t>
+                </a:r>
+                <a:endParaRPr lang="en-US" dirty="0">
+                  <a:latin typeface="Helvetica" charset="0"/>
+                  <a:ea typeface="Helvetica" charset="0"/>
+                  <a:cs typeface="Helvetica" charset="0"/>
+                </a:endParaRPr>
+              </a:p>
+            </p:txBody>
+          </p:sp>
+          <p:pic>
+            <p:nvPicPr>
+              <p:cNvPr id="38" name="Picture 37"/>
+              <p:cNvPicPr>
+                <a:picLocks noChangeAspect="1"/>
+              </p:cNvPicPr>
+              <p:nvPr/>
+            </p:nvPicPr>
+            <p:blipFill>
+              <a:blip r:embed="rId3">
+                <a:extLst>
+                  <a:ext uri="{28A0092B-C50C-407E-A947-70E740481C1C}">
+                    <a14:useLocalDpi xmlns:a14="http://schemas.microsoft.com/office/drawing/2010/main" val="0"/>
+                  </a:ext>
+                </a:extLst>
+              </a:blip>
+              <a:stretch>
+                <a:fillRect/>
+              </a:stretch>
+            </p:blipFill>
+            <p:spPr>
+              <a:xfrm flipH="1">
+                <a:off x="10638184" y="2481596"/>
+                <a:ext cx="429904" cy="281587"/>
+              </a:xfrm>
+              <a:prstGeom prst="rect">
+                <a:avLst/>
+              </a:prstGeom>
+            </p:spPr>
+          </p:pic>
+          <p:pic>
+            <p:nvPicPr>
+              <p:cNvPr id="39" name="Picture 38"/>
+              <p:cNvPicPr>
+                <a:picLocks/>
+              </p:cNvPicPr>
+              <p:nvPr/>
+            </p:nvPicPr>
+            <p:blipFill>
+              <a:blip r:embed="rId4">
+                <a:extLst>
+                  <a:ext uri="{28A0092B-C50C-407E-A947-70E740481C1C}">
+                    <a14:useLocalDpi xmlns:a14="http://schemas.microsoft.com/office/drawing/2010/main" val="0"/>
+                  </a:ext>
+                </a:extLst>
+              </a:blip>
+              <a:stretch>
+                <a:fillRect/>
+              </a:stretch>
+            </p:blipFill>
+            <p:spPr>
+              <a:xfrm flipH="1">
+                <a:off x="10687598" y="3520521"/>
+                <a:ext cx="363803" cy="420798"/>
+              </a:xfrm>
+              <a:prstGeom prst="rect">
+                <a:avLst/>
+              </a:prstGeom>
+            </p:spPr>
+          </p:pic>
+          <p:pic>
+            <p:nvPicPr>
+              <p:cNvPr id="40" name="Picture 39"/>
+              <p:cNvPicPr>
+                <a:picLocks/>
+              </p:cNvPicPr>
+              <p:nvPr/>
+            </p:nvPicPr>
+            <p:blipFill>
+              <a:blip r:embed="rId5">
+                <a:extLst>
+                  <a:ext uri="{28A0092B-C50C-407E-A947-70E740481C1C}">
+                    <a14:useLocalDpi xmlns:a14="http://schemas.microsoft.com/office/drawing/2010/main" val="0"/>
+                  </a:ext>
+                </a:extLst>
+              </a:blip>
+              <a:stretch>
+                <a:fillRect/>
+              </a:stretch>
+            </p:blipFill>
+            <p:spPr>
+              <a:xfrm flipH="1">
+                <a:off x="11396361" y="2810130"/>
+                <a:ext cx="279381" cy="390132"/>
+              </a:xfrm>
+              <a:prstGeom prst="rect">
+                <a:avLst/>
+              </a:prstGeom>
+            </p:spPr>
+          </p:pic>
+          <p:pic>
+            <p:nvPicPr>
+              <p:cNvPr id="41" name="Picture 40" descr="laptop.png"/>
+              <p:cNvPicPr>
+                <a:picLocks noChangeAspect="1"/>
+              </p:cNvPicPr>
+              <p:nvPr/>
+            </p:nvPicPr>
+            <p:blipFill>
+              <a:blip r:embed="rId6">
+                <a:extLst>
+                  <a:ext uri="{28A0092B-C50C-407E-A947-70E740481C1C}">
+                    <a14:useLocalDpi xmlns:a14="http://schemas.microsoft.com/office/drawing/2010/main" val="0"/>
+                  </a:ext>
+                </a:extLst>
+              </a:blip>
+              <a:stretch>
+                <a:fillRect/>
+              </a:stretch>
+            </p:blipFill>
+            <p:spPr>
+              <a:xfrm>
+                <a:off x="10955440" y="2096651"/>
+                <a:ext cx="409243" cy="409243"/>
+              </a:xfrm>
+              <a:prstGeom prst="rect">
+                <a:avLst/>
+              </a:prstGeom>
+            </p:spPr>
+          </p:pic>
+          <p:pic>
+            <p:nvPicPr>
+              <p:cNvPr id="43" name="Picture 42" descr="laptop.png"/>
+              <p:cNvPicPr>
+                <a:picLocks noChangeAspect="1"/>
+              </p:cNvPicPr>
+              <p:nvPr/>
+            </p:nvPicPr>
+            <p:blipFill>
+              <a:blip r:embed="rId6">
+                <a:extLst>
+                  <a:ext uri="{28A0092B-C50C-407E-A947-70E740481C1C}">
+                    <a14:useLocalDpi xmlns:a14="http://schemas.microsoft.com/office/drawing/2010/main" val="0"/>
+                  </a:ext>
+                </a:extLst>
+              </a:blip>
+              <a:stretch>
+                <a:fillRect/>
+              </a:stretch>
+            </p:blipFill>
+            <p:spPr>
+              <a:xfrm>
+                <a:off x="11306548" y="3240989"/>
+                <a:ext cx="409243" cy="409243"/>
+              </a:xfrm>
+              <a:prstGeom prst="rect">
+                <a:avLst/>
+              </a:prstGeom>
+            </p:spPr>
+          </p:pic>
+          <p:pic>
+            <p:nvPicPr>
+              <p:cNvPr id="49" name="Picture 48"/>
+              <p:cNvPicPr>
+                <a:picLocks/>
+              </p:cNvPicPr>
+              <p:nvPr/>
+            </p:nvPicPr>
+            <p:blipFill>
+              <a:blip r:embed="rId4">
+                <a:extLst>
+                  <a:ext uri="{28A0092B-C50C-407E-A947-70E740481C1C}">
+                    <a14:useLocalDpi xmlns:a14="http://schemas.microsoft.com/office/drawing/2010/main" val="0"/>
+                  </a:ext>
+                </a:extLst>
+              </a:blip>
+              <a:stretch>
+                <a:fillRect/>
+              </a:stretch>
+            </p:blipFill>
+            <p:spPr>
+              <a:xfrm flipH="1">
+                <a:off x="572468" y="2309169"/>
+                <a:ext cx="363803" cy="420798"/>
+              </a:xfrm>
+              <a:prstGeom prst="rect">
+                <a:avLst/>
+              </a:prstGeom>
+            </p:spPr>
+          </p:pic>
+          <p:sp>
+            <p:nvSpPr>
+              <p:cNvPr id="50" name="Oval 49"/>
+              <p:cNvSpPr/>
+              <p:nvPr/>
+            </p:nvSpPr>
+            <p:spPr>
+              <a:xfrm flipH="1" flipV="1">
+                <a:off x="3972438" y="3537774"/>
+                <a:ext cx="182880" cy="182880"/>
+              </a:xfrm>
+              <a:prstGeom prst="ellipse">
+                <a:avLst/>
+              </a:prstGeom>
               <a:solidFill>
                 <a:schemeClr val="tx1"/>
               </a:solidFill>
-              <a:latin typeface="Helvetica" charset="0"/>
-              <a:ea typeface="Helvetica" charset="0"/>
-              <a:cs typeface="Helvetica" charset="0"/>
-            </a:endParaRPr>
-          </a:p>
-        </p:txBody>
-      </p:sp>
-      <p:pic>
-        <p:nvPicPr>
-          <p:cNvPr id="10" name="Picture 55"/>
-          <p:cNvPicPr>
-            <a:picLocks noChangeArrowheads="1"/>
-          </p:cNvPicPr>
-          <p:nvPr/>
-        </p:nvPicPr>
-        <p:blipFill>
-          <a:blip r:embed="rId2">
-            <a:extLst>
-              <a:ext uri="{28A0092B-C50C-407E-A947-70E740481C1C}">
-                <a14:useLocalDpi xmlns:a14="http://schemas.microsoft.com/office/drawing/2010/main" val="0"/>
-              </a:ext>
-            </a:extLst>
-          </a:blip>
-          <a:srcRect/>
-          <a:stretch>
-            <a:fillRect/>
-          </a:stretch>
-        </p:blipFill>
-        <p:spPr bwMode="auto">
-          <a:xfrm>
-            <a:off x="3522018" y="2944368"/>
-            <a:ext cx="438509" cy="319029"/>
-          </a:xfrm>
-          <a:prstGeom prst="rect">
-            <a:avLst/>
-          </a:prstGeom>
-          <a:noFill/>
-          <a:ln>
-            <a:noFill/>
-          </a:ln>
-          <a:extLst>
-            <a:ext uri="{909E8E84-426E-40dd-AFC4-6F175D3DCCD1}">
-              <a14:hiddenFill xmlns="" xmlns:a14="http://schemas.microsoft.com/office/drawing/2010/main">
-                <a:solidFill>
-                  <a:srgbClr val="FFFFFF"/>
-                </a:solidFill>
-              </a14:hiddenFill>
-            </a:ext>
-            <a:ext uri="{91240B29-F687-4f45-9708-019B960494DF}">
-              <a14:hiddenLine xmlns="" xmlns:a14="http://schemas.microsoft.com/office/drawing/2010/main" w="9525">
-                <a:solidFill>
-                  <a:srgbClr val="000000"/>
-                </a:solidFill>
-                <a:miter lim="800000"/>
-                <a:headEnd/>
-                <a:tailEnd/>
-              </a14:hiddenLine>
-            </a:ext>
-          </a:extLst>
-        </p:spPr>
-      </p:pic>
-      <p:pic>
-        <p:nvPicPr>
-          <p:cNvPr id="11" name="Picture 55"/>
-          <p:cNvPicPr>
-            <a:picLocks noChangeArrowheads="1"/>
-          </p:cNvPicPr>
-          <p:nvPr/>
-        </p:nvPicPr>
-        <p:blipFill>
-          <a:blip r:embed="rId2">
-            <a:extLst>
-              <a:ext uri="{28A0092B-C50C-407E-A947-70E740481C1C}">
-                <a14:useLocalDpi xmlns:a14="http://schemas.microsoft.com/office/drawing/2010/main" val="0"/>
-              </a:ext>
-            </a:extLst>
-          </a:blip>
-          <a:srcRect/>
-          <a:stretch>
-            <a:fillRect/>
-          </a:stretch>
-        </p:blipFill>
-        <p:spPr bwMode="auto">
-          <a:xfrm>
-            <a:off x="5492842" y="2945198"/>
-            <a:ext cx="438509" cy="319029"/>
-          </a:xfrm>
-          <a:prstGeom prst="rect">
-            <a:avLst/>
-          </a:prstGeom>
-          <a:noFill/>
-          <a:ln>
-            <a:noFill/>
-          </a:ln>
-          <a:extLst>
-            <a:ext uri="{909E8E84-426E-40dd-AFC4-6F175D3DCCD1}">
-              <a14:hiddenFill xmlns="" xmlns:a14="http://schemas.microsoft.com/office/drawing/2010/main">
-                <a:solidFill>
-                  <a:srgbClr val="FFFFFF"/>
-                </a:solidFill>
-              </a14:hiddenFill>
-            </a:ext>
-            <a:ext uri="{91240B29-F687-4f45-9708-019B960494DF}">
-              <a14:hiddenLine xmlns="" xmlns:a14="http://schemas.microsoft.com/office/drawing/2010/main" w="9525">
-                <a:solidFill>
-                  <a:srgbClr val="000000"/>
-                </a:solidFill>
-                <a:miter lim="800000"/>
-                <a:headEnd/>
-                <a:tailEnd/>
-              </a14:hiddenLine>
-            </a:ext>
-          </a:extLst>
-        </p:spPr>
-      </p:pic>
-      <p:pic>
-        <p:nvPicPr>
-          <p:cNvPr id="14" name="Picture 55"/>
-          <p:cNvPicPr>
-            <a:picLocks noChangeArrowheads="1"/>
-          </p:cNvPicPr>
-          <p:nvPr/>
-        </p:nvPicPr>
-        <p:blipFill>
-          <a:blip r:embed="rId2">
-            <a:extLst>
-              <a:ext uri="{28A0092B-C50C-407E-A947-70E740481C1C}">
-                <a14:useLocalDpi xmlns:a14="http://schemas.microsoft.com/office/drawing/2010/main" val="0"/>
-              </a:ext>
-            </a:extLst>
-          </a:blip>
-          <a:srcRect/>
-          <a:stretch>
-            <a:fillRect/>
-          </a:stretch>
-        </p:blipFill>
-        <p:spPr bwMode="auto">
-          <a:xfrm>
-            <a:off x="9044584" y="2943475"/>
-            <a:ext cx="438509" cy="319029"/>
-          </a:xfrm>
-          <a:prstGeom prst="rect">
-            <a:avLst/>
-          </a:prstGeom>
-          <a:noFill/>
-          <a:ln>
-            <a:noFill/>
-          </a:ln>
-          <a:extLst>
-            <a:ext uri="{909E8E84-426E-40dd-AFC4-6F175D3DCCD1}">
-              <a14:hiddenFill xmlns="" xmlns:a14="http://schemas.microsoft.com/office/drawing/2010/main">
-                <a:solidFill>
-                  <a:srgbClr val="FFFFFF"/>
-                </a:solidFill>
-              </a14:hiddenFill>
-            </a:ext>
-            <a:ext uri="{91240B29-F687-4f45-9708-019B960494DF}">
-              <a14:hiddenLine xmlns="" xmlns:a14="http://schemas.microsoft.com/office/drawing/2010/main" w="9525">
-                <a:solidFill>
-                  <a:srgbClr val="000000"/>
-                </a:solidFill>
-                <a:miter lim="800000"/>
-                <a:headEnd/>
-                <a:tailEnd/>
-              </a14:hiddenLine>
-            </a:ext>
-          </a:extLst>
-        </p:spPr>
-      </p:pic>
-      <p:pic>
-        <p:nvPicPr>
-          <p:cNvPr id="15" name="Picture 55"/>
-          <p:cNvPicPr>
-            <a:picLocks noChangeArrowheads="1"/>
-          </p:cNvPicPr>
-          <p:nvPr/>
-        </p:nvPicPr>
-        <p:blipFill>
-          <a:blip r:embed="rId2">
-            <a:extLst>
-              <a:ext uri="{28A0092B-C50C-407E-A947-70E740481C1C}">
-                <a14:useLocalDpi xmlns:a14="http://schemas.microsoft.com/office/drawing/2010/main" val="0"/>
-              </a:ext>
-            </a:extLst>
-          </a:blip>
-          <a:srcRect/>
-          <a:stretch>
-            <a:fillRect/>
-          </a:stretch>
-        </p:blipFill>
-        <p:spPr bwMode="auto">
-          <a:xfrm>
-            <a:off x="2724123" y="2943475"/>
-            <a:ext cx="438509" cy="319029"/>
-          </a:xfrm>
-          <a:prstGeom prst="rect">
-            <a:avLst/>
-          </a:prstGeom>
-          <a:noFill/>
-          <a:ln>
-            <a:noFill/>
-          </a:ln>
-          <a:extLst>
-            <a:ext uri="{909E8E84-426E-40dd-AFC4-6F175D3DCCD1}">
-              <a14:hiddenFill xmlns="" xmlns:a14="http://schemas.microsoft.com/office/drawing/2010/main">
-                <a:solidFill>
-                  <a:srgbClr val="FFFFFF"/>
-                </a:solidFill>
-              </a14:hiddenFill>
-            </a:ext>
-            <a:ext uri="{91240B29-F687-4f45-9708-019B960494DF}">
-              <a14:hiddenLine xmlns="" xmlns:a14="http://schemas.microsoft.com/office/drawing/2010/main" w="9525">
-                <a:solidFill>
-                  <a:srgbClr val="000000"/>
-                </a:solidFill>
-                <a:miter lim="800000"/>
-                <a:headEnd/>
-                <a:tailEnd/>
-              </a14:hiddenLine>
-            </a:ext>
-          </a:extLst>
-        </p:spPr>
-      </p:pic>
-      <p:sp>
-        <p:nvSpPr>
-          <p:cNvPr id="28" name="Rectangle 27"/>
-          <p:cNvSpPr/>
-          <p:nvPr/>
-        </p:nvSpPr>
-        <p:spPr>
-          <a:xfrm>
-            <a:off x="1762900" y="2670653"/>
-            <a:ext cx="808534" cy="804672"/>
-          </a:xfrm>
-          <a:prstGeom prst="rect">
-            <a:avLst/>
-          </a:prstGeom>
-          <a:solidFill>
-            <a:srgbClr val="FBE5D6"/>
-          </a:solidFill>
-          <a:ln>
-            <a:solidFill>
-              <a:schemeClr val="tx1"/>
-            </a:solidFill>
-          </a:ln>
-        </p:spPr>
-        <p:style>
-          <a:lnRef idx="2">
-            <a:schemeClr val="accent1">
-              <a:shade val="50000"/>
-            </a:schemeClr>
-          </a:lnRef>
-          <a:fillRef idx="1">
-            <a:schemeClr val="accent1"/>
-          </a:fillRef>
-          <a:effectRef idx="0">
-            <a:schemeClr val="accent1"/>
-          </a:effectRef>
-          <a:fontRef idx="minor">
-            <a:schemeClr val="lt1"/>
-          </a:fontRef>
-        </p:style>
-        <p:txBody>
-          <a:bodyPr rtlCol="0" anchor="ctr"/>
-          <a:lstStyle/>
-          <a:p>
-            <a:pPr algn="ctr"/>
-            <a:r>
-              <a:rPr lang="en-US" sz="1200" dirty="0" err="1" smtClean="0">
+              <a:ln>
                 <a:solidFill>
                   <a:schemeClr val="tx1"/>
                 </a:solidFill>
-                <a:latin typeface="Helvetica" charset="0"/>
-                <a:ea typeface="Helvetica" charset="0"/>
-                <a:cs typeface="Helvetica" charset="0"/>
-              </a:rPr>
-              <a:t>Bunder’s</a:t>
-            </a:r>
-            <a:r>
-              <a:rPr lang="en-US" sz="1200" dirty="0" smtClean="0">
+              </a:ln>
+              <a:effectLst/>
+            </p:spPr>
+            <p:style>
+              <a:lnRef idx="2">
+                <a:schemeClr val="accent1">
+                  <a:shade val="50000"/>
+                </a:schemeClr>
+              </a:lnRef>
+              <a:fillRef idx="1">
+                <a:schemeClr val="accent1"/>
+              </a:fillRef>
+              <a:effectRef idx="0">
+                <a:schemeClr val="accent1"/>
+              </a:effectRef>
+              <a:fontRef idx="minor">
+                <a:schemeClr val="lt1"/>
+              </a:fontRef>
+            </p:style>
+            <p:txBody>
+              <a:bodyPr rtlCol="0" anchor="ctr"/>
+              <a:lstStyle/>
+              <a:p>
+                <a:pPr algn="ctr"/>
+                <a:endParaRPr lang="en-US"/>
+              </a:p>
+            </p:txBody>
+          </p:sp>
+          <p:sp>
+            <p:nvSpPr>
+              <p:cNvPr id="51" name="Oval 50"/>
+              <p:cNvSpPr/>
+              <p:nvPr/>
+            </p:nvSpPr>
+            <p:spPr>
+              <a:xfrm flipH="1" flipV="1">
+                <a:off x="3951440" y="2472717"/>
+                <a:ext cx="182880" cy="182880"/>
+              </a:xfrm>
+              <a:prstGeom prst="ellipse">
+                <a:avLst/>
+              </a:prstGeom>
+              <a:solidFill>
+                <a:schemeClr val="tx1"/>
+              </a:solidFill>
+              <a:ln>
                 <a:solidFill>
                   <a:schemeClr val="tx1"/>
                 </a:solidFill>
-                <a:latin typeface="Helvetica" charset="0"/>
-                <a:ea typeface="Helvetica" charset="0"/>
-                <a:cs typeface="Helvetica" charset="0"/>
-              </a:rPr>
-              <a:t> </a:t>
-            </a:r>
-            <a:r>
-              <a:rPr lang="en-US" sz="1200" i="1" dirty="0" smtClean="0">
+              </a:ln>
+              <a:effectLst/>
+            </p:spPr>
+            <p:style>
+              <a:lnRef idx="2">
+                <a:schemeClr val="accent1">
+                  <a:shade val="50000"/>
+                </a:schemeClr>
+              </a:lnRef>
+              <a:fillRef idx="1">
+                <a:schemeClr val="accent1"/>
+              </a:fillRef>
+              <a:effectRef idx="0">
+                <a:schemeClr val="accent1"/>
+              </a:effectRef>
+              <a:fontRef idx="minor">
+                <a:schemeClr val="lt1"/>
+              </a:fontRef>
+            </p:style>
+            <p:txBody>
+              <a:bodyPr rtlCol="0" anchor="ctr"/>
+              <a:lstStyle/>
+              <a:p>
+                <a:pPr algn="ctr"/>
+                <a:endParaRPr lang="en-US"/>
+              </a:p>
+            </p:txBody>
+          </p:sp>
+          <p:sp>
+            <p:nvSpPr>
+              <p:cNvPr id="54" name="Oval 53"/>
+              <p:cNvSpPr/>
+              <p:nvPr/>
+            </p:nvSpPr>
+            <p:spPr>
+              <a:xfrm flipH="1" flipV="1">
+                <a:off x="5267678" y="2417730"/>
+                <a:ext cx="182880" cy="182880"/>
+              </a:xfrm>
+              <a:prstGeom prst="ellipse">
+                <a:avLst/>
+              </a:prstGeom>
+              <a:solidFill>
+                <a:schemeClr val="tx1"/>
+              </a:solidFill>
+              <a:ln>
                 <a:solidFill>
                   <a:schemeClr val="tx1"/>
                 </a:solidFill>
-                <a:latin typeface="Helvetica" charset="0"/>
-                <a:ea typeface="Helvetica" charset="0"/>
-                <a:cs typeface="Helvetica" charset="0"/>
-              </a:rPr>
-              <a:t>send-</a:t>
-            </a:r>
-          </a:p>
-          <a:p>
-            <a:pPr algn="ctr"/>
-            <a:r>
-              <a:rPr lang="en-US" sz="1200" i="1" dirty="0" smtClean="0">
+              </a:ln>
+              <a:effectLst/>
+            </p:spPr>
+            <p:style>
+              <a:lnRef idx="2">
+                <a:schemeClr val="accent1">
+                  <a:shade val="50000"/>
+                </a:schemeClr>
+              </a:lnRef>
+              <a:fillRef idx="1">
+                <a:schemeClr val="accent1"/>
+              </a:fillRef>
+              <a:effectRef idx="0">
+                <a:schemeClr val="accent1"/>
+              </a:effectRef>
+              <a:fontRef idx="minor">
+                <a:schemeClr val="lt1"/>
+              </a:fontRef>
+            </p:style>
+            <p:txBody>
+              <a:bodyPr rtlCol="0" anchor="ctr"/>
+              <a:lstStyle/>
+              <a:p>
+                <a:pPr algn="ctr"/>
+                <a:endParaRPr lang="en-US"/>
+              </a:p>
+            </p:txBody>
+          </p:sp>
+          <p:sp>
+            <p:nvSpPr>
+              <p:cNvPr id="55" name="Oval 54"/>
+              <p:cNvSpPr/>
+              <p:nvPr/>
+            </p:nvSpPr>
+            <p:spPr>
+              <a:xfrm flipH="1" flipV="1">
+                <a:off x="5334600" y="3519784"/>
+                <a:ext cx="182880" cy="182880"/>
+              </a:xfrm>
+              <a:prstGeom prst="ellipse">
+                <a:avLst/>
+              </a:prstGeom>
+              <a:solidFill>
+                <a:schemeClr val="tx1"/>
+              </a:solidFill>
+              <a:ln>
                 <a:solidFill>
                   <a:schemeClr val="tx1"/>
                 </a:solidFill>
-                <a:latin typeface="Helvetica" charset="0"/>
-                <a:ea typeface="Helvetica" charset="0"/>
-                <a:cs typeface="Helvetica" charset="0"/>
-              </a:rPr>
-              <a:t>box</a:t>
-            </a:r>
-          </a:p>
-        </p:txBody>
-      </p:sp>
-      <p:sp>
-        <p:nvSpPr>
-          <p:cNvPr id="30" name="Rectangle 29"/>
-          <p:cNvSpPr/>
-          <p:nvPr/>
-        </p:nvSpPr>
-        <p:spPr>
-          <a:xfrm>
-            <a:off x="9630099" y="2665408"/>
-            <a:ext cx="804672" cy="804672"/>
-          </a:xfrm>
-          <a:prstGeom prst="rect">
-            <a:avLst/>
-          </a:prstGeom>
-          <a:solidFill>
-            <a:srgbClr val="FBE5D6"/>
-          </a:solidFill>
-          <a:ln>
-            <a:solidFill>
-              <a:schemeClr val="tx1"/>
-            </a:solidFill>
-          </a:ln>
-        </p:spPr>
-        <p:style>
-          <a:lnRef idx="2">
-            <a:schemeClr val="accent1">
-              <a:shade val="50000"/>
-            </a:schemeClr>
-          </a:lnRef>
-          <a:fillRef idx="1">
-            <a:schemeClr val="accent1"/>
-          </a:fillRef>
-          <a:effectRef idx="0">
-            <a:schemeClr val="accent1"/>
-          </a:effectRef>
-          <a:fontRef idx="minor">
-            <a:schemeClr val="lt1"/>
-          </a:fontRef>
-        </p:style>
-        <p:txBody>
-          <a:bodyPr rtlCol="0" anchor="ctr"/>
-          <a:lstStyle/>
-          <a:p>
-            <a:pPr algn="ctr"/>
-            <a:r>
-              <a:rPr lang="en-US" sz="1200" dirty="0" err="1" smtClean="0">
+              </a:ln>
+              <a:effectLst/>
+            </p:spPr>
+            <p:style>
+              <a:lnRef idx="2">
+                <a:schemeClr val="accent1">
+                  <a:shade val="50000"/>
+                </a:schemeClr>
+              </a:lnRef>
+              <a:fillRef idx="1">
+                <a:schemeClr val="accent1"/>
+              </a:fillRef>
+              <a:effectRef idx="0">
+                <a:schemeClr val="accent1"/>
+              </a:effectRef>
+              <a:fontRef idx="minor">
+                <a:schemeClr val="lt1"/>
+              </a:fontRef>
+            </p:style>
+            <p:txBody>
+              <a:bodyPr rtlCol="0" anchor="ctr"/>
+              <a:lstStyle/>
+              <a:p>
+                <a:pPr algn="ctr"/>
+                <a:endParaRPr lang="en-US"/>
+              </a:p>
+            </p:txBody>
+          </p:sp>
+          <p:cxnSp>
+            <p:nvCxnSpPr>
+              <p:cNvPr id="62" name="Straight Connector 61"/>
+              <p:cNvCxnSpPr>
+                <a:endCxn id="50" idx="7"/>
+              </p:cNvCxnSpPr>
+              <p:nvPr/>
+            </p:nvCxnSpPr>
+            <p:spPr>
+              <a:xfrm flipV="1">
+                <a:off x="3565871" y="3693872"/>
+                <a:ext cx="433349" cy="459028"/>
+              </a:xfrm>
+              <a:prstGeom prst="line">
+                <a:avLst/>
+              </a:prstGeom>
+              <a:ln w="31750">
                 <a:solidFill>
                   <a:schemeClr val="tx1"/>
                 </a:solidFill>
-                <a:latin typeface="Helvetica" charset="0"/>
-                <a:ea typeface="Helvetica" charset="0"/>
-                <a:cs typeface="Helvetica" charset="0"/>
-              </a:rPr>
-              <a:t>Bunder’s</a:t>
-            </a:r>
-            <a:r>
-              <a:rPr lang="en-US" sz="1200" dirty="0" smtClean="0">
+                <a:prstDash val="dash"/>
+              </a:ln>
+            </p:spPr>
+            <p:style>
+              <a:lnRef idx="1">
+                <a:schemeClr val="accent1"/>
+              </a:lnRef>
+              <a:fillRef idx="0">
+                <a:schemeClr val="accent1"/>
+              </a:fillRef>
+              <a:effectRef idx="0">
+                <a:schemeClr val="accent1"/>
+              </a:effectRef>
+              <a:fontRef idx="minor">
+                <a:schemeClr val="tx1"/>
+              </a:fontRef>
+            </p:style>
+          </p:cxnSp>
+          <p:cxnSp>
+            <p:nvCxnSpPr>
+              <p:cNvPr id="67" name="Straight Connector 66"/>
+              <p:cNvCxnSpPr>
+                <a:stCxn id="51" idx="5"/>
+              </p:cNvCxnSpPr>
+              <p:nvPr/>
+            </p:nvCxnSpPr>
+            <p:spPr>
+              <a:xfrm flipH="1" flipV="1">
+                <a:off x="3584963" y="2179419"/>
+                <a:ext cx="393259" cy="320080"/>
+              </a:xfrm>
+              <a:prstGeom prst="line">
+                <a:avLst/>
+              </a:prstGeom>
+              <a:ln w="31750">
                 <a:solidFill>
                   <a:schemeClr val="tx1"/>
                 </a:solidFill>
-                <a:latin typeface="Helvetica" charset="0"/>
-                <a:ea typeface="Helvetica" charset="0"/>
-                <a:cs typeface="Helvetica" charset="0"/>
-              </a:rPr>
-              <a:t> </a:t>
-            </a:r>
-            <a:r>
-              <a:rPr lang="en-US" sz="1200" i="1" dirty="0" smtClean="0">
+                <a:prstDash val="dash"/>
+              </a:ln>
+            </p:spPr>
+            <p:style>
+              <a:lnRef idx="1">
+                <a:schemeClr val="accent1"/>
+              </a:lnRef>
+              <a:fillRef idx="0">
+                <a:schemeClr val="accent1"/>
+              </a:fillRef>
+              <a:effectRef idx="0">
+                <a:schemeClr val="accent1"/>
+              </a:effectRef>
+              <a:fontRef idx="minor">
+                <a:schemeClr val="tx1"/>
+              </a:fontRef>
+            </p:style>
+          </p:cxnSp>
+          <p:cxnSp>
+            <p:nvCxnSpPr>
+              <p:cNvPr id="70" name="Straight Connector 69"/>
+              <p:cNvCxnSpPr>
+                <a:endCxn id="55" idx="1"/>
+              </p:cNvCxnSpPr>
+              <p:nvPr/>
+            </p:nvCxnSpPr>
+            <p:spPr>
+              <a:xfrm flipH="1" flipV="1">
+                <a:off x="5490698" y="3675882"/>
+                <a:ext cx="440653" cy="439277"/>
+              </a:xfrm>
+              <a:prstGeom prst="line">
+                <a:avLst/>
+              </a:prstGeom>
+              <a:ln w="31750">
                 <a:solidFill>
                   <a:schemeClr val="tx1"/>
                 </a:solidFill>
-                <a:latin typeface="Helvetica" charset="0"/>
-                <a:ea typeface="Helvetica" charset="0"/>
-                <a:cs typeface="Helvetica" charset="0"/>
-              </a:rPr>
-              <a:t>receive-box</a:t>
-            </a:r>
-            <a:endParaRPr lang="en-US" sz="1200" i="1" dirty="0">
+                <a:prstDash val="dash"/>
+              </a:ln>
+            </p:spPr>
+            <p:style>
+              <a:lnRef idx="1">
+                <a:schemeClr val="accent1"/>
+              </a:lnRef>
+              <a:fillRef idx="0">
+                <a:schemeClr val="accent1"/>
+              </a:fillRef>
+              <a:effectRef idx="0">
+                <a:schemeClr val="accent1"/>
+              </a:effectRef>
+              <a:fontRef idx="minor">
+                <a:schemeClr val="tx1"/>
+              </a:fontRef>
+            </p:style>
+          </p:cxnSp>
+          <p:cxnSp>
+            <p:nvCxnSpPr>
+              <p:cNvPr id="73" name="Straight Connector 72"/>
+              <p:cNvCxnSpPr>
+                <a:stCxn id="54" idx="3"/>
+              </p:cNvCxnSpPr>
+              <p:nvPr/>
+            </p:nvCxnSpPr>
+            <p:spPr>
+              <a:xfrm flipV="1">
+                <a:off x="5423776" y="2027307"/>
+                <a:ext cx="304162" cy="417205"/>
+              </a:xfrm>
+              <a:prstGeom prst="line">
+                <a:avLst/>
+              </a:prstGeom>
+              <a:ln w="31750">
+                <a:solidFill>
+                  <a:schemeClr val="tx1"/>
+                </a:solidFill>
+                <a:prstDash val="dash"/>
+              </a:ln>
+            </p:spPr>
+            <p:style>
+              <a:lnRef idx="1">
+                <a:schemeClr val="accent1"/>
+              </a:lnRef>
+              <a:fillRef idx="0">
+                <a:schemeClr val="accent1"/>
+              </a:fillRef>
+              <a:effectRef idx="0">
+                <a:schemeClr val="accent1"/>
+              </a:effectRef>
+              <a:fontRef idx="minor">
+                <a:schemeClr val="tx1"/>
+              </a:fontRef>
+            </p:style>
+          </p:cxnSp>
+          <p:sp>
+            <p:nvSpPr>
+              <p:cNvPr id="82" name="Oval 81"/>
+              <p:cNvSpPr/>
+              <p:nvPr/>
+            </p:nvSpPr>
+            <p:spPr>
+              <a:xfrm>
+                <a:off x="6462627" y="2356783"/>
+                <a:ext cx="1988678" cy="1513217"/>
+              </a:xfrm>
+              <a:prstGeom prst="ellipse">
+                <a:avLst/>
+              </a:prstGeom>
+              <a:solidFill>
+                <a:schemeClr val="accent5">
+                  <a:lumMod val="20000"/>
+                  <a:lumOff val="80000"/>
+                </a:schemeClr>
+              </a:solidFill>
+              <a:ln>
+                <a:solidFill>
+                  <a:schemeClr val="tx1"/>
+                </a:solidFill>
+              </a:ln>
+              <a:effectLst/>
+            </p:spPr>
+            <p:style>
+              <a:lnRef idx="2">
+                <a:schemeClr val="accent1">
+                  <a:shade val="50000"/>
+                </a:schemeClr>
+              </a:lnRef>
+              <a:fillRef idx="1">
+                <a:schemeClr val="accent1"/>
+              </a:fillRef>
+              <a:effectRef idx="0">
+                <a:schemeClr val="accent1"/>
+              </a:effectRef>
+              <a:fontRef idx="minor">
+                <a:schemeClr val="lt1"/>
+              </a:fontRef>
+            </p:style>
+            <p:txBody>
+              <a:bodyPr rtlCol="0" anchor="ctr"/>
+              <a:lstStyle/>
+              <a:p>
+                <a:pPr algn="ctr"/>
+                <a:r>
+                  <a:rPr lang="en-US" b="1" dirty="0" smtClean="0">
+                    <a:solidFill>
+                      <a:schemeClr val="tx1"/>
+                    </a:solidFill>
+                    <a:latin typeface="Helvetica" charset="0"/>
+                    <a:ea typeface="Helvetica" charset="0"/>
+                    <a:cs typeface="Helvetica" charset="0"/>
+                  </a:rPr>
+                  <a:t>Carrier B</a:t>
+                </a:r>
+                <a:endParaRPr lang="en-US" b="1" dirty="0">
+                  <a:solidFill>
+                    <a:schemeClr val="tx1"/>
+                  </a:solidFill>
+                  <a:latin typeface="Helvetica" charset="0"/>
+                  <a:ea typeface="Helvetica" charset="0"/>
+                  <a:cs typeface="Helvetica" charset="0"/>
+                </a:endParaRPr>
+              </a:p>
+            </p:txBody>
+          </p:sp>
+          <p:pic>
+            <p:nvPicPr>
+              <p:cNvPr id="83" name="Picture 55"/>
+              <p:cNvPicPr>
+                <a:picLocks noChangeArrowheads="1"/>
+              </p:cNvPicPr>
+              <p:nvPr/>
+            </p:nvPicPr>
+            <p:blipFill>
+              <a:blip r:embed="rId2">
+                <a:extLst>
+                  <a:ext uri="{28A0092B-C50C-407E-A947-70E740481C1C}">
+                    <a14:useLocalDpi xmlns:a14="http://schemas.microsoft.com/office/drawing/2010/main" val="0"/>
+                  </a:ext>
+                </a:extLst>
+              </a:blip>
+              <a:srcRect/>
+              <a:stretch>
+                <a:fillRect/>
+              </a:stretch>
+            </p:blipFill>
+            <p:spPr bwMode="auto">
+              <a:xfrm>
+                <a:off x="6245385" y="2954766"/>
+                <a:ext cx="438509" cy="319029"/>
+              </a:xfrm>
+              <a:prstGeom prst="rect">
+                <a:avLst/>
+              </a:prstGeom>
+              <a:noFill/>
+              <a:ln>
+                <a:noFill/>
+              </a:ln>
+              <a:extLst>
+                <a:ext uri="{909E8E84-426E-40dd-AFC4-6F175D3DCCD1}">
+                  <a14:hiddenFill xmlns:a14="http://schemas.microsoft.com/office/drawing/2010/main" xmlns="">
+                    <a:solidFill>
+                      <a:srgbClr val="FFFFFF"/>
+                    </a:solidFill>
+                  </a14:hiddenFill>
+                </a:ext>
+                <a:ext uri="{91240B29-F687-4f45-9708-019B960494DF}">
+                  <a14:hiddenLine xmlns:a14="http://schemas.microsoft.com/office/drawing/2010/main" xmlns="" w="9525">
+                    <a:solidFill>
+                      <a:srgbClr val="000000"/>
+                    </a:solidFill>
+                    <a:miter lim="800000"/>
+                    <a:headEnd/>
+                    <a:tailEnd/>
+                  </a14:hiddenLine>
+                </a:ext>
+              </a:extLst>
+            </p:spPr>
+          </p:pic>
+          <p:pic>
+            <p:nvPicPr>
+              <p:cNvPr id="84" name="Picture 55"/>
+              <p:cNvPicPr>
+                <a:picLocks noChangeArrowheads="1"/>
+              </p:cNvPicPr>
+              <p:nvPr/>
+            </p:nvPicPr>
+            <p:blipFill>
+              <a:blip r:embed="rId2">
+                <a:extLst>
+                  <a:ext uri="{28A0092B-C50C-407E-A947-70E740481C1C}">
+                    <a14:useLocalDpi xmlns:a14="http://schemas.microsoft.com/office/drawing/2010/main" val="0"/>
+                  </a:ext>
+                </a:extLst>
+              </a:blip>
+              <a:srcRect/>
+              <a:stretch>
+                <a:fillRect/>
+              </a:stretch>
+            </p:blipFill>
+            <p:spPr bwMode="auto">
+              <a:xfrm>
+                <a:off x="8216209" y="2955596"/>
+                <a:ext cx="438509" cy="319029"/>
+              </a:xfrm>
+              <a:prstGeom prst="rect">
+                <a:avLst/>
+              </a:prstGeom>
+              <a:noFill/>
+              <a:ln>
+                <a:noFill/>
+              </a:ln>
+              <a:extLst>
+                <a:ext uri="{909E8E84-426E-40dd-AFC4-6F175D3DCCD1}">
+                  <a14:hiddenFill xmlns:a14="http://schemas.microsoft.com/office/drawing/2010/main" xmlns="">
+                    <a:solidFill>
+                      <a:srgbClr val="FFFFFF"/>
+                    </a:solidFill>
+                  </a14:hiddenFill>
+                </a:ext>
+                <a:ext uri="{91240B29-F687-4f45-9708-019B960494DF}">
+                  <a14:hiddenLine xmlns:a14="http://schemas.microsoft.com/office/drawing/2010/main" xmlns="" w="9525">
+                    <a:solidFill>
+                      <a:srgbClr val="000000"/>
+                    </a:solidFill>
+                    <a:miter lim="800000"/>
+                    <a:headEnd/>
+                    <a:tailEnd/>
+                  </a14:hiddenLine>
+                </a:ext>
+              </a:extLst>
+            </p:spPr>
+          </p:pic>
+          <p:sp>
+            <p:nvSpPr>
+              <p:cNvPr id="85" name="Oval 84"/>
+              <p:cNvSpPr/>
+              <p:nvPr/>
+            </p:nvSpPr>
+            <p:spPr>
+              <a:xfrm flipH="1" flipV="1">
+                <a:off x="6695805" y="3548172"/>
+                <a:ext cx="182880" cy="182880"/>
+              </a:xfrm>
+              <a:prstGeom prst="ellipse">
+                <a:avLst/>
+              </a:prstGeom>
               <a:solidFill>
                 <a:schemeClr val="tx1"/>
               </a:solidFill>
-              <a:latin typeface="Helvetica" charset="0"/>
-              <a:ea typeface="Helvetica" charset="0"/>
-              <a:cs typeface="Helvetica" charset="0"/>
-            </a:endParaRPr>
-          </a:p>
-        </p:txBody>
-      </p:sp>
-      <p:pic>
-        <p:nvPicPr>
-          <p:cNvPr id="31" name="Picture 55"/>
-          <p:cNvPicPr>
-            <a:picLocks noChangeArrowheads="1"/>
-          </p:cNvPicPr>
-          <p:nvPr/>
-        </p:nvPicPr>
-        <p:blipFill>
-          <a:blip r:embed="rId2">
-            <a:extLst>
-              <a:ext uri="{28A0092B-C50C-407E-A947-70E740481C1C}">
-                <a14:useLocalDpi xmlns:a14="http://schemas.microsoft.com/office/drawing/2010/main" val="0"/>
-              </a:ext>
-            </a:extLst>
-          </a:blip>
-          <a:srcRect/>
-          <a:stretch>
-            <a:fillRect/>
-          </a:stretch>
-        </p:blipFill>
-        <p:spPr bwMode="auto">
-          <a:xfrm>
-            <a:off x="1072488" y="2930727"/>
-            <a:ext cx="438509" cy="319029"/>
-          </a:xfrm>
-          <a:prstGeom prst="rect">
-            <a:avLst/>
-          </a:prstGeom>
-          <a:noFill/>
-          <a:ln>
-            <a:noFill/>
-          </a:ln>
-          <a:extLst>
-            <a:ext uri="{909E8E84-426E-40dd-AFC4-6F175D3DCCD1}">
-              <a14:hiddenFill xmlns="" xmlns:a14="http://schemas.microsoft.com/office/drawing/2010/main">
-                <a:solidFill>
-                  <a:srgbClr val="FFFFFF"/>
-                </a:solidFill>
-              </a14:hiddenFill>
-            </a:ext>
-            <a:ext uri="{91240B29-F687-4f45-9708-019B960494DF}">
-              <a14:hiddenLine xmlns="" xmlns:a14="http://schemas.microsoft.com/office/drawing/2010/main" w="9525">
-                <a:solidFill>
-                  <a:srgbClr val="000000"/>
-                </a:solidFill>
-                <a:miter lim="800000"/>
-                <a:headEnd/>
-                <a:tailEnd/>
-              </a14:hiddenLine>
-            </a:ext>
-          </a:extLst>
-        </p:spPr>
-      </p:pic>
-      <p:pic>
-        <p:nvPicPr>
-          <p:cNvPr id="34" name="Picture 55"/>
-          <p:cNvPicPr>
-            <a:picLocks noChangeArrowheads="1"/>
-          </p:cNvPicPr>
-          <p:nvPr/>
-        </p:nvPicPr>
-        <p:blipFill>
-          <a:blip r:embed="rId2">
-            <a:extLst>
-              <a:ext uri="{28A0092B-C50C-407E-A947-70E740481C1C}">
-                <a14:useLocalDpi xmlns:a14="http://schemas.microsoft.com/office/drawing/2010/main" val="0"/>
-              </a:ext>
-            </a:extLst>
-          </a:blip>
-          <a:srcRect/>
-          <a:stretch>
-            <a:fillRect/>
-          </a:stretch>
-        </p:blipFill>
-        <p:spPr bwMode="auto">
-          <a:xfrm>
-            <a:off x="10662990" y="3023118"/>
-            <a:ext cx="438509" cy="319029"/>
-          </a:xfrm>
-          <a:prstGeom prst="rect">
-            <a:avLst/>
-          </a:prstGeom>
-          <a:noFill/>
-          <a:ln>
-            <a:noFill/>
-          </a:ln>
-          <a:extLst>
-            <a:ext uri="{909E8E84-426E-40dd-AFC4-6F175D3DCCD1}">
-              <a14:hiddenFill xmlns="" xmlns:a14="http://schemas.microsoft.com/office/drawing/2010/main">
-                <a:solidFill>
-                  <a:srgbClr val="FFFFFF"/>
-                </a:solidFill>
-              </a14:hiddenFill>
-            </a:ext>
-            <a:ext uri="{91240B29-F687-4f45-9708-019B960494DF}">
-              <a14:hiddenLine xmlns="" xmlns:a14="http://schemas.microsoft.com/office/drawing/2010/main" w="9525">
-                <a:solidFill>
-                  <a:srgbClr val="000000"/>
-                </a:solidFill>
-                <a:miter lim="800000"/>
-                <a:headEnd/>
-                <a:tailEnd/>
-              </a14:hiddenLine>
-            </a:ext>
-          </a:extLst>
-        </p:spPr>
-      </p:pic>
-      <p:sp>
-        <p:nvSpPr>
-          <p:cNvPr id="35" name="TextBox 34"/>
-          <p:cNvSpPr txBox="1"/>
-          <p:nvPr/>
-        </p:nvSpPr>
-        <p:spPr>
-          <a:xfrm>
-            <a:off x="554141" y="4174583"/>
-            <a:ext cx="2005677" cy="369332"/>
-          </a:xfrm>
-          <a:prstGeom prst="rect">
-            <a:avLst/>
-          </a:prstGeom>
-          <a:noFill/>
-        </p:spPr>
-        <p:txBody>
-          <a:bodyPr wrap="none" rtlCol="0">
-            <a:spAutoFit/>
-          </a:bodyPr>
-          <a:lstStyle/>
-          <a:p>
-            <a:r>
-              <a:rPr lang="en-US" b="1" smtClean="0">
-                <a:latin typeface="Helvetica" charset="0"/>
-                <a:ea typeface="Helvetica" charset="0"/>
-                <a:cs typeface="Helvetica" charset="0"/>
-              </a:rPr>
-              <a:t>Sending Domain</a:t>
-            </a:r>
-            <a:endParaRPr lang="en-US" b="1">
-              <a:latin typeface="Helvetica" charset="0"/>
-              <a:ea typeface="Helvetica" charset="0"/>
-              <a:cs typeface="Helvetica" charset="0"/>
-            </a:endParaRPr>
-          </a:p>
-        </p:txBody>
-      </p:sp>
-      <p:sp>
-        <p:nvSpPr>
-          <p:cNvPr id="36" name="TextBox 35"/>
-          <p:cNvSpPr txBox="1"/>
-          <p:nvPr/>
-        </p:nvSpPr>
-        <p:spPr>
-          <a:xfrm>
-            <a:off x="9706598" y="4209089"/>
-            <a:ext cx="2185214" cy="369332"/>
-          </a:xfrm>
-          <a:prstGeom prst="rect">
-            <a:avLst/>
-          </a:prstGeom>
-          <a:noFill/>
-        </p:spPr>
-        <p:txBody>
-          <a:bodyPr wrap="none" rtlCol="0">
-            <a:spAutoFit/>
-          </a:bodyPr>
-          <a:lstStyle/>
-          <a:p>
-            <a:r>
-              <a:rPr lang="en-US" b="1" dirty="0" smtClean="0">
-                <a:latin typeface="Helvetica" charset="0"/>
-                <a:ea typeface="Helvetica" charset="0"/>
-                <a:cs typeface="Helvetica" charset="0"/>
-              </a:rPr>
-              <a:t>Receiving Domain</a:t>
-            </a:r>
-            <a:endParaRPr lang="en-US" b="1" dirty="0">
-              <a:latin typeface="Helvetica" charset="0"/>
-              <a:ea typeface="Helvetica" charset="0"/>
-              <a:cs typeface="Helvetica" charset="0"/>
-            </a:endParaRPr>
-          </a:p>
-        </p:txBody>
-      </p:sp>
-      <p:pic>
-        <p:nvPicPr>
-          <p:cNvPr id="37" name="Picture 36"/>
-          <p:cNvPicPr>
-            <a:picLocks noChangeAspect="1"/>
-          </p:cNvPicPr>
-          <p:nvPr/>
-        </p:nvPicPr>
-        <p:blipFill>
-          <a:blip r:embed="rId3">
-            <a:extLst>
-              <a:ext uri="{28A0092B-C50C-407E-A947-70E740481C1C}">
-                <a14:useLocalDpi xmlns:a14="http://schemas.microsoft.com/office/drawing/2010/main" val="0"/>
-              </a:ext>
-            </a:extLst>
-          </a:blip>
-          <a:stretch>
-            <a:fillRect/>
-          </a:stretch>
-        </p:blipFill>
-        <p:spPr>
-          <a:xfrm>
-            <a:off x="1062089" y="2481596"/>
-            <a:ext cx="394490" cy="258391"/>
-          </a:xfrm>
-          <a:prstGeom prst="rect">
-            <a:avLst/>
-          </a:prstGeom>
-        </p:spPr>
-      </p:pic>
-      <p:pic>
-        <p:nvPicPr>
-          <p:cNvPr id="38" name="Picture 37"/>
-          <p:cNvPicPr>
-            <a:picLocks noChangeAspect="1"/>
-          </p:cNvPicPr>
-          <p:nvPr/>
-        </p:nvPicPr>
-        <p:blipFill>
-          <a:blip r:embed="rId3">
-            <a:extLst>
-              <a:ext uri="{28A0092B-C50C-407E-A947-70E740481C1C}">
-                <a14:useLocalDpi xmlns:a14="http://schemas.microsoft.com/office/drawing/2010/main" val="0"/>
-              </a:ext>
-            </a:extLst>
-          </a:blip>
-          <a:stretch>
-            <a:fillRect/>
-          </a:stretch>
-        </p:blipFill>
-        <p:spPr>
-          <a:xfrm flipH="1">
-            <a:off x="10638184" y="2481596"/>
-            <a:ext cx="429904" cy="281587"/>
-          </a:xfrm>
-          <a:prstGeom prst="rect">
-            <a:avLst/>
-          </a:prstGeom>
-        </p:spPr>
-      </p:pic>
-      <p:pic>
-        <p:nvPicPr>
-          <p:cNvPr id="39" name="Picture 38"/>
-          <p:cNvPicPr>
-            <a:picLocks/>
-          </p:cNvPicPr>
-          <p:nvPr/>
-        </p:nvPicPr>
-        <p:blipFill>
-          <a:blip r:embed="rId4">
-            <a:extLst>
-              <a:ext uri="{28A0092B-C50C-407E-A947-70E740481C1C}">
-                <a14:useLocalDpi xmlns:a14="http://schemas.microsoft.com/office/drawing/2010/main" val="0"/>
-              </a:ext>
-            </a:extLst>
-          </a:blip>
-          <a:stretch>
-            <a:fillRect/>
-          </a:stretch>
-        </p:blipFill>
-        <p:spPr>
-          <a:xfrm flipH="1">
-            <a:off x="10687598" y="3520521"/>
-            <a:ext cx="363803" cy="420798"/>
-          </a:xfrm>
-          <a:prstGeom prst="rect">
-            <a:avLst/>
-          </a:prstGeom>
-        </p:spPr>
-      </p:pic>
-      <p:pic>
-        <p:nvPicPr>
-          <p:cNvPr id="40" name="Picture 39"/>
-          <p:cNvPicPr>
-            <a:picLocks/>
-          </p:cNvPicPr>
-          <p:nvPr/>
-        </p:nvPicPr>
-        <p:blipFill>
-          <a:blip r:embed="rId5">
-            <a:extLst>
-              <a:ext uri="{28A0092B-C50C-407E-A947-70E740481C1C}">
-                <a14:useLocalDpi xmlns:a14="http://schemas.microsoft.com/office/drawing/2010/main" val="0"/>
-              </a:ext>
-            </a:extLst>
-          </a:blip>
-          <a:stretch>
-            <a:fillRect/>
-          </a:stretch>
-        </p:blipFill>
-        <p:spPr>
-          <a:xfrm flipH="1">
-            <a:off x="11587364" y="2810639"/>
-            <a:ext cx="279381" cy="390132"/>
-          </a:xfrm>
-          <a:prstGeom prst="rect">
-            <a:avLst/>
-          </a:prstGeom>
-        </p:spPr>
-      </p:pic>
-      <p:pic>
-        <p:nvPicPr>
-          <p:cNvPr id="41" name="Picture 40" descr="laptop.png"/>
-          <p:cNvPicPr>
-            <a:picLocks noChangeAspect="1"/>
-          </p:cNvPicPr>
-          <p:nvPr/>
-        </p:nvPicPr>
-        <p:blipFill>
-          <a:blip r:embed="rId6">
-            <a:extLst>
-              <a:ext uri="{28A0092B-C50C-407E-A947-70E740481C1C}">
-                <a14:useLocalDpi xmlns:a14="http://schemas.microsoft.com/office/drawing/2010/main" val="0"/>
-              </a:ext>
-            </a:extLst>
-          </a:blip>
-          <a:stretch>
-            <a:fillRect/>
-          </a:stretch>
-        </p:blipFill>
-        <p:spPr>
-          <a:xfrm>
-            <a:off x="10955440" y="2096651"/>
-            <a:ext cx="409243" cy="409243"/>
-          </a:xfrm>
-          <a:prstGeom prst="rect">
-            <a:avLst/>
-          </a:prstGeom>
-        </p:spPr>
-      </p:pic>
-      <p:pic>
-        <p:nvPicPr>
-          <p:cNvPr id="42" name="Picture 41" descr="laptop.png"/>
-          <p:cNvPicPr>
-            <a:picLocks noChangeAspect="1"/>
-          </p:cNvPicPr>
-          <p:nvPr/>
-        </p:nvPicPr>
-        <p:blipFill>
-          <a:blip r:embed="rId6">
-            <a:extLst>
-              <a:ext uri="{28A0092B-C50C-407E-A947-70E740481C1C}">
-                <a14:useLocalDpi xmlns:a14="http://schemas.microsoft.com/office/drawing/2010/main" val="0"/>
-              </a:ext>
-            </a:extLst>
-          </a:blip>
-          <a:stretch>
-            <a:fillRect/>
-          </a:stretch>
-        </p:blipFill>
-        <p:spPr>
-          <a:xfrm>
-            <a:off x="11206471" y="2428124"/>
-            <a:ext cx="409243" cy="409243"/>
-          </a:xfrm>
-          <a:prstGeom prst="rect">
-            <a:avLst/>
-          </a:prstGeom>
-        </p:spPr>
-      </p:pic>
-      <p:pic>
-        <p:nvPicPr>
-          <p:cNvPr id="43" name="Picture 42" descr="laptop.png"/>
-          <p:cNvPicPr>
-            <a:picLocks noChangeAspect="1"/>
-          </p:cNvPicPr>
-          <p:nvPr/>
-        </p:nvPicPr>
-        <p:blipFill>
-          <a:blip r:embed="rId6">
-            <a:extLst>
-              <a:ext uri="{28A0092B-C50C-407E-A947-70E740481C1C}">
-                <a14:useLocalDpi xmlns:a14="http://schemas.microsoft.com/office/drawing/2010/main" val="0"/>
-              </a:ext>
-            </a:extLst>
-          </a:blip>
-          <a:stretch>
-            <a:fillRect/>
-          </a:stretch>
-        </p:blipFill>
-        <p:spPr>
-          <a:xfrm>
-            <a:off x="11381824" y="3208091"/>
-            <a:ext cx="409243" cy="409243"/>
-          </a:xfrm>
-          <a:prstGeom prst="rect">
-            <a:avLst/>
-          </a:prstGeom>
-        </p:spPr>
-      </p:pic>
-      <p:pic>
-        <p:nvPicPr>
-          <p:cNvPr id="45" name="Picture 44" descr="laptop.png"/>
-          <p:cNvPicPr>
-            <a:picLocks noChangeAspect="1"/>
-          </p:cNvPicPr>
-          <p:nvPr/>
-        </p:nvPicPr>
-        <p:blipFill>
-          <a:blip r:embed="rId6">
-            <a:extLst>
-              <a:ext uri="{28A0092B-C50C-407E-A947-70E740481C1C}">
-                <a14:useLocalDpi xmlns:a14="http://schemas.microsoft.com/office/drawing/2010/main" val="0"/>
-              </a:ext>
-            </a:extLst>
-          </a:blip>
-          <a:stretch>
-            <a:fillRect/>
-          </a:stretch>
-        </p:blipFill>
-        <p:spPr>
-          <a:xfrm>
-            <a:off x="1062089" y="2096650"/>
-            <a:ext cx="409243" cy="409243"/>
-          </a:xfrm>
-          <a:prstGeom prst="rect">
-            <a:avLst/>
-          </a:prstGeom>
-        </p:spPr>
-      </p:pic>
-      <p:pic>
-        <p:nvPicPr>
-          <p:cNvPr id="46" name="Picture 45" descr="laptop.png"/>
-          <p:cNvPicPr>
-            <a:picLocks noChangeAspect="1"/>
-          </p:cNvPicPr>
-          <p:nvPr/>
-        </p:nvPicPr>
-        <p:blipFill>
-          <a:blip r:embed="rId6">
-            <a:extLst>
-              <a:ext uri="{28A0092B-C50C-407E-A947-70E740481C1C}">
-                <a14:useLocalDpi xmlns:a14="http://schemas.microsoft.com/office/drawing/2010/main" val="0"/>
-              </a:ext>
-            </a:extLst>
-          </a:blip>
-          <a:stretch>
-            <a:fillRect/>
-          </a:stretch>
-        </p:blipFill>
-        <p:spPr>
-          <a:xfrm>
-            <a:off x="602066" y="2280483"/>
-            <a:ext cx="409243" cy="409243"/>
-          </a:xfrm>
-          <a:prstGeom prst="rect">
-            <a:avLst/>
-          </a:prstGeom>
-        </p:spPr>
-      </p:pic>
-      <p:pic>
-        <p:nvPicPr>
-          <p:cNvPr id="47" name="Picture 46" descr="laptop.png"/>
-          <p:cNvPicPr>
-            <a:picLocks noChangeAspect="1"/>
-          </p:cNvPicPr>
-          <p:nvPr/>
-        </p:nvPicPr>
-        <p:blipFill>
-          <a:blip r:embed="rId6">
-            <a:extLst>
-              <a:ext uri="{28A0092B-C50C-407E-A947-70E740481C1C}">
-                <a14:useLocalDpi xmlns:a14="http://schemas.microsoft.com/office/drawing/2010/main" val="0"/>
-              </a:ext>
-            </a:extLst>
-          </a:blip>
-          <a:stretch>
-            <a:fillRect/>
-          </a:stretch>
-        </p:blipFill>
-        <p:spPr>
-          <a:xfrm>
-            <a:off x="370943" y="3168217"/>
-            <a:ext cx="409243" cy="409243"/>
-          </a:xfrm>
-          <a:prstGeom prst="rect">
-            <a:avLst/>
-          </a:prstGeom>
-        </p:spPr>
-      </p:pic>
-      <p:pic>
-        <p:nvPicPr>
-          <p:cNvPr id="48" name="Picture 47"/>
-          <p:cNvPicPr>
-            <a:picLocks/>
-          </p:cNvPicPr>
-          <p:nvPr/>
-        </p:nvPicPr>
-        <p:blipFill>
-          <a:blip r:embed="rId5">
-            <a:extLst>
-              <a:ext uri="{28A0092B-C50C-407E-A947-70E740481C1C}">
-                <a14:useLocalDpi xmlns:a14="http://schemas.microsoft.com/office/drawing/2010/main" val="0"/>
-              </a:ext>
-            </a:extLst>
-          </a:blip>
-          <a:stretch>
-            <a:fillRect/>
-          </a:stretch>
-        </p:blipFill>
-        <p:spPr>
-          <a:xfrm flipH="1">
-            <a:off x="545452" y="2748409"/>
-            <a:ext cx="279381" cy="390132"/>
-          </a:xfrm>
-          <a:prstGeom prst="rect">
-            <a:avLst/>
-          </a:prstGeom>
-        </p:spPr>
-      </p:pic>
-      <p:pic>
-        <p:nvPicPr>
-          <p:cNvPr id="49" name="Picture 48"/>
-          <p:cNvPicPr>
-            <a:picLocks/>
-          </p:cNvPicPr>
-          <p:nvPr/>
-        </p:nvPicPr>
-        <p:blipFill>
-          <a:blip r:embed="rId4">
-            <a:extLst>
-              <a:ext uri="{28A0092B-C50C-407E-A947-70E740481C1C}">
-                <a14:useLocalDpi xmlns:a14="http://schemas.microsoft.com/office/drawing/2010/main" val="0"/>
-              </a:ext>
-            </a:extLst>
-          </a:blip>
-          <a:stretch>
-            <a:fillRect/>
-          </a:stretch>
-        </p:blipFill>
-        <p:spPr>
-          <a:xfrm flipH="1">
-            <a:off x="1107052" y="3497160"/>
-            <a:ext cx="363803" cy="420798"/>
-          </a:xfrm>
-          <a:prstGeom prst="rect">
-            <a:avLst/>
-          </a:prstGeom>
-        </p:spPr>
-      </p:pic>
-      <p:sp>
-        <p:nvSpPr>
-          <p:cNvPr id="50" name="Oval 49"/>
-          <p:cNvSpPr/>
-          <p:nvPr/>
-        </p:nvSpPr>
-        <p:spPr>
-          <a:xfrm flipH="1" flipV="1">
-            <a:off x="3972438" y="3537774"/>
-            <a:ext cx="182880" cy="182880"/>
-          </a:xfrm>
-          <a:prstGeom prst="ellipse">
-            <a:avLst/>
-          </a:prstGeom>
-          <a:solidFill>
-            <a:schemeClr val="tx1"/>
-          </a:solidFill>
-          <a:ln>
-            <a:solidFill>
-              <a:schemeClr val="tx1"/>
-            </a:solidFill>
-          </a:ln>
-          <a:effectLst/>
-        </p:spPr>
-        <p:style>
-          <a:lnRef idx="2">
-            <a:schemeClr val="accent1">
-              <a:shade val="50000"/>
-            </a:schemeClr>
-          </a:lnRef>
-          <a:fillRef idx="1">
-            <a:schemeClr val="accent1"/>
-          </a:fillRef>
-          <a:effectRef idx="0">
-            <a:schemeClr val="accent1"/>
-          </a:effectRef>
-          <a:fontRef idx="minor">
-            <a:schemeClr val="lt1"/>
-          </a:fontRef>
-        </p:style>
-        <p:txBody>
-          <a:bodyPr rtlCol="0" anchor="ctr"/>
-          <a:lstStyle/>
-          <a:p>
-            <a:pPr algn="ctr"/>
-            <a:endParaRPr lang="en-US"/>
-          </a:p>
-        </p:txBody>
-      </p:sp>
-      <p:sp>
-        <p:nvSpPr>
-          <p:cNvPr id="51" name="Oval 50"/>
-          <p:cNvSpPr/>
-          <p:nvPr/>
-        </p:nvSpPr>
-        <p:spPr>
-          <a:xfrm flipH="1" flipV="1">
-            <a:off x="3951440" y="2472717"/>
-            <a:ext cx="182880" cy="182880"/>
-          </a:xfrm>
-          <a:prstGeom prst="ellipse">
-            <a:avLst/>
-          </a:prstGeom>
-          <a:solidFill>
-            <a:schemeClr val="tx1"/>
-          </a:solidFill>
-          <a:ln>
-            <a:solidFill>
-              <a:schemeClr val="tx1"/>
-            </a:solidFill>
-          </a:ln>
-          <a:effectLst/>
-        </p:spPr>
-        <p:style>
-          <a:lnRef idx="2">
-            <a:schemeClr val="accent1">
-              <a:shade val="50000"/>
-            </a:schemeClr>
-          </a:lnRef>
-          <a:fillRef idx="1">
-            <a:schemeClr val="accent1"/>
-          </a:fillRef>
-          <a:effectRef idx="0">
-            <a:schemeClr val="accent1"/>
-          </a:effectRef>
-          <a:fontRef idx="minor">
-            <a:schemeClr val="lt1"/>
-          </a:fontRef>
-        </p:style>
-        <p:txBody>
-          <a:bodyPr rtlCol="0" anchor="ctr"/>
-          <a:lstStyle/>
-          <a:p>
-            <a:pPr algn="ctr"/>
-            <a:endParaRPr lang="en-US"/>
-          </a:p>
-        </p:txBody>
-      </p:sp>
-      <p:sp>
-        <p:nvSpPr>
-          <p:cNvPr id="54" name="Oval 53"/>
-          <p:cNvSpPr/>
-          <p:nvPr/>
-        </p:nvSpPr>
-        <p:spPr>
-          <a:xfrm flipH="1" flipV="1">
-            <a:off x="5267678" y="2417730"/>
-            <a:ext cx="182880" cy="182880"/>
-          </a:xfrm>
-          <a:prstGeom prst="ellipse">
-            <a:avLst/>
-          </a:prstGeom>
-          <a:solidFill>
-            <a:schemeClr val="tx1"/>
-          </a:solidFill>
-          <a:ln>
-            <a:solidFill>
-              <a:schemeClr val="tx1"/>
-            </a:solidFill>
-          </a:ln>
-          <a:effectLst/>
-        </p:spPr>
-        <p:style>
-          <a:lnRef idx="2">
-            <a:schemeClr val="accent1">
-              <a:shade val="50000"/>
-            </a:schemeClr>
-          </a:lnRef>
-          <a:fillRef idx="1">
-            <a:schemeClr val="accent1"/>
-          </a:fillRef>
-          <a:effectRef idx="0">
-            <a:schemeClr val="accent1"/>
-          </a:effectRef>
-          <a:fontRef idx="minor">
-            <a:schemeClr val="lt1"/>
-          </a:fontRef>
-        </p:style>
-        <p:txBody>
-          <a:bodyPr rtlCol="0" anchor="ctr"/>
-          <a:lstStyle/>
-          <a:p>
-            <a:pPr algn="ctr"/>
-            <a:endParaRPr lang="en-US"/>
-          </a:p>
-        </p:txBody>
-      </p:sp>
-      <p:sp>
-        <p:nvSpPr>
-          <p:cNvPr id="55" name="Oval 54"/>
-          <p:cNvSpPr/>
-          <p:nvPr/>
-        </p:nvSpPr>
-        <p:spPr>
-          <a:xfrm flipH="1" flipV="1">
-            <a:off x="5334600" y="3519784"/>
-            <a:ext cx="182880" cy="182880"/>
-          </a:xfrm>
-          <a:prstGeom prst="ellipse">
-            <a:avLst/>
-          </a:prstGeom>
-          <a:solidFill>
-            <a:schemeClr val="tx1"/>
-          </a:solidFill>
-          <a:ln>
-            <a:solidFill>
-              <a:schemeClr val="tx1"/>
-            </a:solidFill>
-          </a:ln>
-          <a:effectLst/>
-        </p:spPr>
-        <p:style>
-          <a:lnRef idx="2">
-            <a:schemeClr val="accent1">
-              <a:shade val="50000"/>
-            </a:schemeClr>
-          </a:lnRef>
-          <a:fillRef idx="1">
-            <a:schemeClr val="accent1"/>
-          </a:fillRef>
-          <a:effectRef idx="0">
-            <a:schemeClr val="accent1"/>
-          </a:effectRef>
-          <a:fontRef idx="minor">
-            <a:schemeClr val="lt1"/>
-          </a:fontRef>
-        </p:style>
-        <p:txBody>
-          <a:bodyPr rtlCol="0" anchor="ctr"/>
-          <a:lstStyle/>
-          <a:p>
-            <a:pPr algn="ctr"/>
-            <a:endParaRPr lang="en-US"/>
-          </a:p>
-        </p:txBody>
-      </p:sp>
-      <p:cxnSp>
-        <p:nvCxnSpPr>
-          <p:cNvPr id="62" name="Straight Connector 61"/>
-          <p:cNvCxnSpPr>
-            <a:endCxn id="50" idx="7"/>
-          </p:cNvCxnSpPr>
-          <p:nvPr/>
-        </p:nvCxnSpPr>
-        <p:spPr>
-          <a:xfrm flipV="1">
-            <a:off x="3565871" y="3693872"/>
-            <a:ext cx="433349" cy="459028"/>
-          </a:xfrm>
-          <a:prstGeom prst="line">
-            <a:avLst/>
-          </a:prstGeom>
-          <a:ln w="31750">
-            <a:solidFill>
-              <a:schemeClr val="tx1"/>
-            </a:solidFill>
-            <a:prstDash val="dash"/>
-          </a:ln>
-        </p:spPr>
-        <p:style>
-          <a:lnRef idx="1">
-            <a:schemeClr val="accent1"/>
-          </a:lnRef>
-          <a:fillRef idx="0">
-            <a:schemeClr val="accent1"/>
-          </a:fillRef>
-          <a:effectRef idx="0">
-            <a:schemeClr val="accent1"/>
-          </a:effectRef>
-          <a:fontRef idx="minor">
-            <a:schemeClr val="tx1"/>
-          </a:fontRef>
-        </p:style>
-      </p:cxnSp>
-      <p:cxnSp>
-        <p:nvCxnSpPr>
-          <p:cNvPr id="67" name="Straight Connector 66"/>
-          <p:cNvCxnSpPr>
-            <a:stCxn id="51" idx="5"/>
-          </p:cNvCxnSpPr>
-          <p:nvPr/>
-        </p:nvCxnSpPr>
-        <p:spPr>
-          <a:xfrm flipH="1" flipV="1">
-            <a:off x="3584963" y="2179419"/>
-            <a:ext cx="393259" cy="320080"/>
-          </a:xfrm>
-          <a:prstGeom prst="line">
-            <a:avLst/>
-          </a:prstGeom>
-          <a:ln w="31750">
-            <a:solidFill>
-              <a:schemeClr val="tx1"/>
-            </a:solidFill>
-            <a:prstDash val="dash"/>
-          </a:ln>
-        </p:spPr>
-        <p:style>
-          <a:lnRef idx="1">
-            <a:schemeClr val="accent1"/>
-          </a:lnRef>
-          <a:fillRef idx="0">
-            <a:schemeClr val="accent1"/>
-          </a:fillRef>
-          <a:effectRef idx="0">
-            <a:schemeClr val="accent1"/>
-          </a:effectRef>
-          <a:fontRef idx="minor">
-            <a:schemeClr val="tx1"/>
-          </a:fontRef>
-        </p:style>
-      </p:cxnSp>
-      <p:cxnSp>
-        <p:nvCxnSpPr>
-          <p:cNvPr id="70" name="Straight Connector 69"/>
-          <p:cNvCxnSpPr>
-            <a:endCxn id="55" idx="1"/>
-          </p:cNvCxnSpPr>
-          <p:nvPr/>
-        </p:nvCxnSpPr>
-        <p:spPr>
-          <a:xfrm flipH="1" flipV="1">
-            <a:off x="5490698" y="3675882"/>
-            <a:ext cx="440653" cy="439277"/>
-          </a:xfrm>
-          <a:prstGeom prst="line">
-            <a:avLst/>
-          </a:prstGeom>
-          <a:ln w="31750">
-            <a:solidFill>
-              <a:schemeClr val="tx1"/>
-            </a:solidFill>
-            <a:prstDash val="dash"/>
-          </a:ln>
-        </p:spPr>
-        <p:style>
-          <a:lnRef idx="1">
-            <a:schemeClr val="accent1"/>
-          </a:lnRef>
-          <a:fillRef idx="0">
-            <a:schemeClr val="accent1"/>
-          </a:fillRef>
-          <a:effectRef idx="0">
-            <a:schemeClr val="accent1"/>
-          </a:effectRef>
-          <a:fontRef idx="minor">
-            <a:schemeClr val="tx1"/>
-          </a:fontRef>
-        </p:style>
-      </p:cxnSp>
-      <p:cxnSp>
-        <p:nvCxnSpPr>
-          <p:cNvPr id="73" name="Straight Connector 72"/>
-          <p:cNvCxnSpPr>
-            <a:stCxn id="54" idx="3"/>
-          </p:cNvCxnSpPr>
-          <p:nvPr/>
-        </p:nvCxnSpPr>
-        <p:spPr>
-          <a:xfrm flipV="1">
-            <a:off x="5423776" y="2027307"/>
-            <a:ext cx="304162" cy="417205"/>
-          </a:xfrm>
-          <a:prstGeom prst="line">
-            <a:avLst/>
-          </a:prstGeom>
-          <a:ln w="31750">
-            <a:solidFill>
-              <a:schemeClr val="tx1"/>
-            </a:solidFill>
-            <a:prstDash val="dash"/>
-          </a:ln>
-        </p:spPr>
-        <p:style>
-          <a:lnRef idx="1">
-            <a:schemeClr val="accent1"/>
-          </a:lnRef>
-          <a:fillRef idx="0">
-            <a:schemeClr val="accent1"/>
-          </a:fillRef>
-          <a:effectRef idx="0">
-            <a:schemeClr val="accent1"/>
-          </a:effectRef>
-          <a:fontRef idx="minor">
-            <a:schemeClr val="tx1"/>
-          </a:fontRef>
-        </p:style>
-      </p:cxnSp>
-      <p:sp>
-        <p:nvSpPr>
-          <p:cNvPr id="82" name="Oval 81"/>
-          <p:cNvSpPr/>
-          <p:nvPr/>
-        </p:nvSpPr>
-        <p:spPr>
-          <a:xfrm>
-            <a:off x="6462627" y="2356783"/>
-            <a:ext cx="1988678" cy="1513217"/>
-          </a:xfrm>
-          <a:prstGeom prst="ellipse">
-            <a:avLst/>
-          </a:prstGeom>
-          <a:solidFill>
-            <a:schemeClr val="accent5">
-              <a:lumMod val="20000"/>
-              <a:lumOff val="80000"/>
-            </a:schemeClr>
-          </a:solidFill>
-          <a:ln>
-            <a:solidFill>
-              <a:schemeClr val="tx1"/>
-            </a:solidFill>
-          </a:ln>
-          <a:effectLst/>
-        </p:spPr>
-        <p:style>
-          <a:lnRef idx="2">
-            <a:schemeClr val="accent1">
-              <a:shade val="50000"/>
-            </a:schemeClr>
-          </a:lnRef>
-          <a:fillRef idx="1">
-            <a:schemeClr val="accent1"/>
-          </a:fillRef>
-          <a:effectRef idx="0">
-            <a:schemeClr val="accent1"/>
-          </a:effectRef>
-          <a:fontRef idx="minor">
-            <a:schemeClr val="lt1"/>
-          </a:fontRef>
-        </p:style>
-        <p:txBody>
-          <a:bodyPr rtlCol="0" anchor="ctr"/>
-          <a:lstStyle/>
-          <a:p>
-            <a:pPr algn="ctr"/>
-            <a:r>
-              <a:rPr lang="en-US" b="1" dirty="0" smtClean="0">
+              <a:ln>
                 <a:solidFill>
                   <a:schemeClr val="tx1"/>
                 </a:solidFill>
-                <a:latin typeface="Helvetica" charset="0"/>
-                <a:ea typeface="Helvetica" charset="0"/>
-                <a:cs typeface="Helvetica" charset="0"/>
-              </a:rPr>
-              <a:t>Carrier B</a:t>
-            </a:r>
-            <a:endParaRPr lang="en-US" b="1" dirty="0">
+              </a:ln>
+              <a:effectLst/>
+            </p:spPr>
+            <p:style>
+              <a:lnRef idx="2">
+                <a:schemeClr val="accent1">
+                  <a:shade val="50000"/>
+                </a:schemeClr>
+              </a:lnRef>
+              <a:fillRef idx="1">
+                <a:schemeClr val="accent1"/>
+              </a:fillRef>
+              <a:effectRef idx="0">
+                <a:schemeClr val="accent1"/>
+              </a:effectRef>
+              <a:fontRef idx="minor">
+                <a:schemeClr val="lt1"/>
+              </a:fontRef>
+            </p:style>
+            <p:txBody>
+              <a:bodyPr rtlCol="0" anchor="ctr"/>
+              <a:lstStyle/>
+              <a:p>
+                <a:pPr algn="ctr"/>
+                <a:endParaRPr lang="en-US"/>
+              </a:p>
+            </p:txBody>
+          </p:sp>
+          <p:sp>
+            <p:nvSpPr>
+              <p:cNvPr id="86" name="Oval 85"/>
+              <p:cNvSpPr/>
+              <p:nvPr/>
+            </p:nvSpPr>
+            <p:spPr>
+              <a:xfrm flipH="1" flipV="1">
+                <a:off x="6674807" y="2483115"/>
+                <a:ext cx="182880" cy="182880"/>
+              </a:xfrm>
+              <a:prstGeom prst="ellipse">
+                <a:avLst/>
+              </a:prstGeom>
               <a:solidFill>
                 <a:schemeClr val="tx1"/>
               </a:solidFill>
-              <a:latin typeface="Helvetica" charset="0"/>
-              <a:ea typeface="Helvetica" charset="0"/>
-              <a:cs typeface="Helvetica" charset="0"/>
-            </a:endParaRPr>
-          </a:p>
-        </p:txBody>
-      </p:sp>
-      <p:pic>
-        <p:nvPicPr>
-          <p:cNvPr id="83" name="Picture 55"/>
-          <p:cNvPicPr>
-            <a:picLocks noChangeArrowheads="1"/>
-          </p:cNvPicPr>
-          <p:nvPr/>
-        </p:nvPicPr>
-        <p:blipFill>
-          <a:blip r:embed="rId2">
-            <a:extLst>
-              <a:ext uri="{28A0092B-C50C-407E-A947-70E740481C1C}">
-                <a14:useLocalDpi xmlns:a14="http://schemas.microsoft.com/office/drawing/2010/main" val="0"/>
-              </a:ext>
-            </a:extLst>
-          </a:blip>
-          <a:srcRect/>
-          <a:stretch>
-            <a:fillRect/>
-          </a:stretch>
-        </p:blipFill>
-        <p:spPr bwMode="auto">
-          <a:xfrm>
-            <a:off x="6245385" y="2954766"/>
-            <a:ext cx="438509" cy="319029"/>
-          </a:xfrm>
-          <a:prstGeom prst="rect">
-            <a:avLst/>
-          </a:prstGeom>
-          <a:noFill/>
-          <a:ln>
-            <a:noFill/>
-          </a:ln>
-          <a:extLst>
-            <a:ext uri="{909E8E84-426E-40dd-AFC4-6F175D3DCCD1}">
-              <a14:hiddenFill xmlns="" xmlns:a14="http://schemas.microsoft.com/office/drawing/2010/main">
+              <a:ln>
                 <a:solidFill>
-                  <a:srgbClr val="FFFFFF"/>
+                  <a:schemeClr val="tx1"/>
                 </a:solidFill>
-              </a14:hiddenFill>
-            </a:ext>
-            <a:ext uri="{91240B29-F687-4f45-9708-019B960494DF}">
-              <a14:hiddenLine xmlns="" xmlns:a14="http://schemas.microsoft.com/office/drawing/2010/main" w="9525">
+              </a:ln>
+              <a:effectLst/>
+            </p:spPr>
+            <p:style>
+              <a:lnRef idx="2">
+                <a:schemeClr val="accent1">
+                  <a:shade val="50000"/>
+                </a:schemeClr>
+              </a:lnRef>
+              <a:fillRef idx="1">
+                <a:schemeClr val="accent1"/>
+              </a:fillRef>
+              <a:effectRef idx="0">
+                <a:schemeClr val="accent1"/>
+              </a:effectRef>
+              <a:fontRef idx="minor">
+                <a:schemeClr val="lt1"/>
+              </a:fontRef>
+            </p:style>
+            <p:txBody>
+              <a:bodyPr rtlCol="0" anchor="ctr"/>
+              <a:lstStyle/>
+              <a:p>
+                <a:pPr algn="ctr"/>
+                <a:endParaRPr lang="en-US"/>
+              </a:p>
+            </p:txBody>
+          </p:sp>
+          <p:sp>
+            <p:nvSpPr>
+              <p:cNvPr id="87" name="Oval 86"/>
+              <p:cNvSpPr/>
+              <p:nvPr/>
+            </p:nvSpPr>
+            <p:spPr>
+              <a:xfrm flipH="1" flipV="1">
+                <a:off x="7991045" y="2428128"/>
+                <a:ext cx="182880" cy="182880"/>
+              </a:xfrm>
+              <a:prstGeom prst="ellipse">
+                <a:avLst/>
+              </a:prstGeom>
+              <a:solidFill>
+                <a:schemeClr val="tx1"/>
+              </a:solidFill>
+              <a:ln>
                 <a:solidFill>
-                  <a:srgbClr val="000000"/>
+                  <a:schemeClr val="tx1"/>
                 </a:solidFill>
-                <a:miter lim="800000"/>
-                <a:headEnd/>
-                <a:tailEnd/>
-              </a14:hiddenLine>
-            </a:ext>
-          </a:extLst>
-        </p:spPr>
-      </p:pic>
-      <p:pic>
-        <p:nvPicPr>
-          <p:cNvPr id="84" name="Picture 55"/>
-          <p:cNvPicPr>
-            <a:picLocks noChangeArrowheads="1"/>
-          </p:cNvPicPr>
-          <p:nvPr/>
-        </p:nvPicPr>
-        <p:blipFill>
-          <a:blip r:embed="rId2">
-            <a:extLst>
-              <a:ext uri="{28A0092B-C50C-407E-A947-70E740481C1C}">
-                <a14:useLocalDpi xmlns:a14="http://schemas.microsoft.com/office/drawing/2010/main" val="0"/>
-              </a:ext>
-            </a:extLst>
-          </a:blip>
-          <a:srcRect/>
-          <a:stretch>
-            <a:fillRect/>
-          </a:stretch>
-        </p:blipFill>
-        <p:spPr bwMode="auto">
-          <a:xfrm>
-            <a:off x="8216209" y="2955596"/>
-            <a:ext cx="438509" cy="319029"/>
-          </a:xfrm>
-          <a:prstGeom prst="rect">
-            <a:avLst/>
-          </a:prstGeom>
-          <a:noFill/>
-          <a:ln>
-            <a:noFill/>
-          </a:ln>
-          <a:extLst>
-            <a:ext uri="{909E8E84-426E-40dd-AFC4-6F175D3DCCD1}">
-              <a14:hiddenFill xmlns="" xmlns:a14="http://schemas.microsoft.com/office/drawing/2010/main">
+              </a:ln>
+              <a:effectLst/>
+            </p:spPr>
+            <p:style>
+              <a:lnRef idx="2">
+                <a:schemeClr val="accent1">
+                  <a:shade val="50000"/>
+                </a:schemeClr>
+              </a:lnRef>
+              <a:fillRef idx="1">
+                <a:schemeClr val="accent1"/>
+              </a:fillRef>
+              <a:effectRef idx="0">
+                <a:schemeClr val="accent1"/>
+              </a:effectRef>
+              <a:fontRef idx="minor">
+                <a:schemeClr val="lt1"/>
+              </a:fontRef>
+            </p:style>
+            <p:txBody>
+              <a:bodyPr rtlCol="0" anchor="ctr"/>
+              <a:lstStyle/>
+              <a:p>
+                <a:pPr algn="ctr"/>
+                <a:endParaRPr lang="en-US"/>
+              </a:p>
+            </p:txBody>
+          </p:sp>
+          <p:sp>
+            <p:nvSpPr>
+              <p:cNvPr id="88" name="Oval 87"/>
+              <p:cNvSpPr/>
+              <p:nvPr/>
+            </p:nvSpPr>
+            <p:spPr>
+              <a:xfrm flipH="1" flipV="1">
+                <a:off x="8057967" y="3530182"/>
+                <a:ext cx="182880" cy="182880"/>
+              </a:xfrm>
+              <a:prstGeom prst="ellipse">
+                <a:avLst/>
+              </a:prstGeom>
+              <a:solidFill>
+                <a:schemeClr val="tx1"/>
+              </a:solidFill>
+              <a:ln>
                 <a:solidFill>
-                  <a:srgbClr val="FFFFFF"/>
+                  <a:schemeClr val="tx1"/>
                 </a:solidFill>
-              </a14:hiddenFill>
-            </a:ext>
-            <a:ext uri="{91240B29-F687-4f45-9708-019B960494DF}">
-              <a14:hiddenLine xmlns="" xmlns:a14="http://schemas.microsoft.com/office/drawing/2010/main" w="9525">
+              </a:ln>
+              <a:effectLst/>
+            </p:spPr>
+            <p:style>
+              <a:lnRef idx="2">
+                <a:schemeClr val="accent1">
+                  <a:shade val="50000"/>
+                </a:schemeClr>
+              </a:lnRef>
+              <a:fillRef idx="1">
+                <a:schemeClr val="accent1"/>
+              </a:fillRef>
+              <a:effectRef idx="0">
+                <a:schemeClr val="accent1"/>
+              </a:effectRef>
+              <a:fontRef idx="minor">
+                <a:schemeClr val="lt1"/>
+              </a:fontRef>
+            </p:style>
+            <p:txBody>
+              <a:bodyPr rtlCol="0" anchor="ctr"/>
+              <a:lstStyle/>
+              <a:p>
+                <a:pPr algn="ctr"/>
+                <a:endParaRPr lang="en-US"/>
+              </a:p>
+            </p:txBody>
+          </p:sp>
+          <p:cxnSp>
+            <p:nvCxnSpPr>
+              <p:cNvPr id="89" name="Straight Connector 88"/>
+              <p:cNvCxnSpPr/>
+              <p:nvPr/>
+            </p:nvCxnSpPr>
+            <p:spPr>
+              <a:xfrm flipV="1">
+                <a:off x="6289238" y="3704270"/>
+                <a:ext cx="433349" cy="459028"/>
+              </a:xfrm>
+              <a:prstGeom prst="line">
+                <a:avLst/>
+              </a:prstGeom>
+              <a:ln w="31750">
                 <a:solidFill>
-                  <a:srgbClr val="000000"/>
+                  <a:schemeClr val="tx1"/>
                 </a:solidFill>
-                <a:miter lim="800000"/>
-                <a:headEnd/>
-                <a:tailEnd/>
-              </a14:hiddenLine>
-            </a:ext>
-          </a:extLst>
-        </p:spPr>
-      </p:pic>
-      <p:sp>
-        <p:nvSpPr>
-          <p:cNvPr id="85" name="Oval 84"/>
-          <p:cNvSpPr/>
-          <p:nvPr/>
-        </p:nvSpPr>
-        <p:spPr>
-          <a:xfrm flipH="1" flipV="1">
-            <a:off x="6695805" y="3548172"/>
-            <a:ext cx="182880" cy="182880"/>
-          </a:xfrm>
-          <a:prstGeom prst="ellipse">
-            <a:avLst/>
-          </a:prstGeom>
-          <a:solidFill>
-            <a:schemeClr val="tx1"/>
-          </a:solidFill>
-          <a:ln>
-            <a:solidFill>
-              <a:schemeClr val="tx1"/>
-            </a:solidFill>
-          </a:ln>
-          <a:effectLst/>
-        </p:spPr>
-        <p:style>
-          <a:lnRef idx="2">
-            <a:schemeClr val="accent1">
-              <a:shade val="50000"/>
-            </a:schemeClr>
-          </a:lnRef>
-          <a:fillRef idx="1">
-            <a:schemeClr val="accent1"/>
-          </a:fillRef>
-          <a:effectRef idx="0">
-            <a:schemeClr val="accent1"/>
-          </a:effectRef>
-          <a:fontRef idx="minor">
-            <a:schemeClr val="lt1"/>
-          </a:fontRef>
-        </p:style>
-        <p:txBody>
-          <a:bodyPr rtlCol="0" anchor="ctr"/>
-          <a:lstStyle/>
-          <a:p>
-            <a:pPr algn="ctr"/>
-            <a:endParaRPr lang="en-US"/>
-          </a:p>
-        </p:txBody>
-      </p:sp>
-      <p:sp>
-        <p:nvSpPr>
-          <p:cNvPr id="86" name="Oval 85"/>
-          <p:cNvSpPr/>
-          <p:nvPr/>
-        </p:nvSpPr>
-        <p:spPr>
-          <a:xfrm flipH="1" flipV="1">
-            <a:off x="6674807" y="2483115"/>
-            <a:ext cx="182880" cy="182880"/>
-          </a:xfrm>
-          <a:prstGeom prst="ellipse">
-            <a:avLst/>
-          </a:prstGeom>
-          <a:solidFill>
-            <a:schemeClr val="tx1"/>
-          </a:solidFill>
-          <a:ln>
-            <a:solidFill>
-              <a:schemeClr val="tx1"/>
-            </a:solidFill>
-          </a:ln>
-          <a:effectLst/>
-        </p:spPr>
-        <p:style>
-          <a:lnRef idx="2">
-            <a:schemeClr val="accent1">
-              <a:shade val="50000"/>
-            </a:schemeClr>
-          </a:lnRef>
-          <a:fillRef idx="1">
-            <a:schemeClr val="accent1"/>
-          </a:fillRef>
-          <a:effectRef idx="0">
-            <a:schemeClr val="accent1"/>
-          </a:effectRef>
-          <a:fontRef idx="minor">
-            <a:schemeClr val="lt1"/>
-          </a:fontRef>
-        </p:style>
-        <p:txBody>
-          <a:bodyPr rtlCol="0" anchor="ctr"/>
-          <a:lstStyle/>
-          <a:p>
-            <a:pPr algn="ctr"/>
-            <a:endParaRPr lang="en-US"/>
-          </a:p>
-        </p:txBody>
-      </p:sp>
-      <p:sp>
-        <p:nvSpPr>
-          <p:cNvPr id="87" name="Oval 86"/>
-          <p:cNvSpPr/>
-          <p:nvPr/>
-        </p:nvSpPr>
-        <p:spPr>
-          <a:xfrm flipH="1" flipV="1">
-            <a:off x="7991045" y="2428128"/>
-            <a:ext cx="182880" cy="182880"/>
-          </a:xfrm>
-          <a:prstGeom prst="ellipse">
-            <a:avLst/>
-          </a:prstGeom>
-          <a:solidFill>
-            <a:schemeClr val="tx1"/>
-          </a:solidFill>
-          <a:ln>
-            <a:solidFill>
-              <a:schemeClr val="tx1"/>
-            </a:solidFill>
-          </a:ln>
-          <a:effectLst/>
-        </p:spPr>
-        <p:style>
-          <a:lnRef idx="2">
-            <a:schemeClr val="accent1">
-              <a:shade val="50000"/>
-            </a:schemeClr>
-          </a:lnRef>
-          <a:fillRef idx="1">
-            <a:schemeClr val="accent1"/>
-          </a:fillRef>
-          <a:effectRef idx="0">
-            <a:schemeClr val="accent1"/>
-          </a:effectRef>
-          <a:fontRef idx="minor">
-            <a:schemeClr val="lt1"/>
-          </a:fontRef>
-        </p:style>
-        <p:txBody>
-          <a:bodyPr rtlCol="0" anchor="ctr"/>
-          <a:lstStyle/>
-          <a:p>
-            <a:pPr algn="ctr"/>
-            <a:endParaRPr lang="en-US"/>
-          </a:p>
-        </p:txBody>
-      </p:sp>
-      <p:sp>
-        <p:nvSpPr>
-          <p:cNvPr id="88" name="Oval 87"/>
-          <p:cNvSpPr/>
-          <p:nvPr/>
-        </p:nvSpPr>
-        <p:spPr>
-          <a:xfrm flipH="1" flipV="1">
-            <a:off x="8057967" y="3530182"/>
-            <a:ext cx="182880" cy="182880"/>
-          </a:xfrm>
-          <a:prstGeom prst="ellipse">
-            <a:avLst/>
-          </a:prstGeom>
-          <a:solidFill>
-            <a:schemeClr val="tx1"/>
-          </a:solidFill>
-          <a:ln>
-            <a:solidFill>
-              <a:schemeClr val="tx1"/>
-            </a:solidFill>
-          </a:ln>
-          <a:effectLst/>
-        </p:spPr>
-        <p:style>
-          <a:lnRef idx="2">
-            <a:schemeClr val="accent1">
-              <a:shade val="50000"/>
-            </a:schemeClr>
-          </a:lnRef>
-          <a:fillRef idx="1">
-            <a:schemeClr val="accent1"/>
-          </a:fillRef>
-          <a:effectRef idx="0">
-            <a:schemeClr val="accent1"/>
-          </a:effectRef>
-          <a:fontRef idx="minor">
-            <a:schemeClr val="lt1"/>
-          </a:fontRef>
-        </p:style>
-        <p:txBody>
-          <a:bodyPr rtlCol="0" anchor="ctr"/>
-          <a:lstStyle/>
-          <a:p>
-            <a:pPr algn="ctr"/>
-            <a:endParaRPr lang="en-US"/>
-          </a:p>
-        </p:txBody>
-      </p:sp>
-      <p:cxnSp>
-        <p:nvCxnSpPr>
-          <p:cNvPr id="89" name="Straight Connector 88"/>
-          <p:cNvCxnSpPr/>
-          <p:nvPr/>
-        </p:nvCxnSpPr>
-        <p:spPr>
-          <a:xfrm flipV="1">
-            <a:off x="6289238" y="3704270"/>
-            <a:ext cx="433349" cy="459028"/>
-          </a:xfrm>
-          <a:prstGeom prst="line">
-            <a:avLst/>
-          </a:prstGeom>
-          <a:ln w="31750">
-            <a:solidFill>
-              <a:schemeClr val="tx1"/>
-            </a:solidFill>
-            <a:prstDash val="dash"/>
-          </a:ln>
-        </p:spPr>
-        <p:style>
-          <a:lnRef idx="1">
-            <a:schemeClr val="accent1"/>
-          </a:lnRef>
-          <a:fillRef idx="0">
-            <a:schemeClr val="accent1"/>
-          </a:fillRef>
-          <a:effectRef idx="0">
-            <a:schemeClr val="accent1"/>
-          </a:effectRef>
-          <a:fontRef idx="minor">
-            <a:schemeClr val="tx1"/>
-          </a:fontRef>
-        </p:style>
-      </p:cxnSp>
-      <p:cxnSp>
-        <p:nvCxnSpPr>
-          <p:cNvPr id="90" name="Straight Connector 89"/>
-          <p:cNvCxnSpPr/>
-          <p:nvPr/>
-        </p:nvCxnSpPr>
-        <p:spPr>
-          <a:xfrm flipH="1" flipV="1">
-            <a:off x="6308330" y="2189817"/>
-            <a:ext cx="393259" cy="320080"/>
-          </a:xfrm>
-          <a:prstGeom prst="line">
-            <a:avLst/>
-          </a:prstGeom>
-          <a:ln w="31750">
-            <a:solidFill>
-              <a:schemeClr val="tx1"/>
-            </a:solidFill>
-            <a:prstDash val="dash"/>
-          </a:ln>
-        </p:spPr>
-        <p:style>
-          <a:lnRef idx="1">
-            <a:schemeClr val="accent1"/>
-          </a:lnRef>
-          <a:fillRef idx="0">
-            <a:schemeClr val="accent1"/>
-          </a:fillRef>
-          <a:effectRef idx="0">
-            <a:schemeClr val="accent1"/>
-          </a:effectRef>
-          <a:fontRef idx="minor">
-            <a:schemeClr val="tx1"/>
-          </a:fontRef>
-        </p:style>
-      </p:cxnSp>
-      <p:cxnSp>
-        <p:nvCxnSpPr>
-          <p:cNvPr id="91" name="Straight Connector 90"/>
-          <p:cNvCxnSpPr/>
-          <p:nvPr/>
-        </p:nvCxnSpPr>
-        <p:spPr>
-          <a:xfrm flipH="1" flipV="1">
-            <a:off x="8214065" y="3686280"/>
-            <a:ext cx="440653" cy="439277"/>
-          </a:xfrm>
-          <a:prstGeom prst="line">
-            <a:avLst/>
-          </a:prstGeom>
-          <a:ln w="31750">
-            <a:solidFill>
-              <a:schemeClr val="tx1"/>
-            </a:solidFill>
-            <a:prstDash val="dash"/>
-          </a:ln>
-        </p:spPr>
-        <p:style>
-          <a:lnRef idx="1">
-            <a:schemeClr val="accent1"/>
-          </a:lnRef>
-          <a:fillRef idx="0">
-            <a:schemeClr val="accent1"/>
-          </a:fillRef>
-          <a:effectRef idx="0">
-            <a:schemeClr val="accent1"/>
-          </a:effectRef>
-          <a:fontRef idx="minor">
-            <a:schemeClr val="tx1"/>
-          </a:fontRef>
-        </p:style>
-      </p:cxnSp>
-      <p:cxnSp>
-        <p:nvCxnSpPr>
-          <p:cNvPr id="92" name="Straight Connector 91"/>
-          <p:cNvCxnSpPr/>
-          <p:nvPr/>
-        </p:nvCxnSpPr>
-        <p:spPr>
-          <a:xfrm flipV="1">
-            <a:off x="8147143" y="2037705"/>
-            <a:ext cx="304162" cy="417205"/>
-          </a:xfrm>
-          <a:prstGeom prst="line">
-            <a:avLst/>
-          </a:prstGeom>
-          <a:ln w="31750">
-            <a:solidFill>
-              <a:schemeClr val="tx1"/>
-            </a:solidFill>
-            <a:prstDash val="dash"/>
-          </a:ln>
-        </p:spPr>
-        <p:style>
-          <a:lnRef idx="1">
-            <a:schemeClr val="accent1"/>
-          </a:lnRef>
-          <a:fillRef idx="0">
-            <a:schemeClr val="accent1"/>
-          </a:fillRef>
-          <a:effectRef idx="0">
-            <a:schemeClr val="accent1"/>
-          </a:effectRef>
-          <a:fontRef idx="minor">
-            <a:schemeClr val="tx1"/>
-          </a:fontRef>
-        </p:style>
-      </p:cxnSp>
+                <a:prstDash val="dash"/>
+              </a:ln>
+            </p:spPr>
+            <p:style>
+              <a:lnRef idx="1">
+                <a:schemeClr val="accent1"/>
+              </a:lnRef>
+              <a:fillRef idx="0">
+                <a:schemeClr val="accent1"/>
+              </a:fillRef>
+              <a:effectRef idx="0">
+                <a:schemeClr val="accent1"/>
+              </a:effectRef>
+              <a:fontRef idx="minor">
+                <a:schemeClr val="tx1"/>
+              </a:fontRef>
+            </p:style>
+          </p:cxnSp>
+          <p:cxnSp>
+            <p:nvCxnSpPr>
+              <p:cNvPr id="90" name="Straight Connector 89"/>
+              <p:cNvCxnSpPr/>
+              <p:nvPr/>
+            </p:nvCxnSpPr>
+            <p:spPr>
+              <a:xfrm flipH="1" flipV="1">
+                <a:off x="6308330" y="2189817"/>
+                <a:ext cx="393259" cy="320080"/>
+              </a:xfrm>
+              <a:prstGeom prst="line">
+                <a:avLst/>
+              </a:prstGeom>
+              <a:ln w="31750">
+                <a:solidFill>
+                  <a:schemeClr val="tx1"/>
+                </a:solidFill>
+                <a:prstDash val="dash"/>
+              </a:ln>
+            </p:spPr>
+            <p:style>
+              <a:lnRef idx="1">
+                <a:schemeClr val="accent1"/>
+              </a:lnRef>
+              <a:fillRef idx="0">
+                <a:schemeClr val="accent1"/>
+              </a:fillRef>
+              <a:effectRef idx="0">
+                <a:schemeClr val="accent1"/>
+              </a:effectRef>
+              <a:fontRef idx="minor">
+                <a:schemeClr val="tx1"/>
+              </a:fontRef>
+            </p:style>
+          </p:cxnSp>
+          <p:cxnSp>
+            <p:nvCxnSpPr>
+              <p:cNvPr id="91" name="Straight Connector 90"/>
+              <p:cNvCxnSpPr/>
+              <p:nvPr/>
+            </p:nvCxnSpPr>
+            <p:spPr>
+              <a:xfrm flipH="1" flipV="1">
+                <a:off x="8214065" y="3686280"/>
+                <a:ext cx="440653" cy="439277"/>
+              </a:xfrm>
+              <a:prstGeom prst="line">
+                <a:avLst/>
+              </a:prstGeom>
+              <a:ln w="31750">
+                <a:solidFill>
+                  <a:schemeClr val="tx1"/>
+                </a:solidFill>
+                <a:prstDash val="dash"/>
+              </a:ln>
+            </p:spPr>
+            <p:style>
+              <a:lnRef idx="1">
+                <a:schemeClr val="accent1"/>
+              </a:lnRef>
+              <a:fillRef idx="0">
+                <a:schemeClr val="accent1"/>
+              </a:fillRef>
+              <a:effectRef idx="0">
+                <a:schemeClr val="accent1"/>
+              </a:effectRef>
+              <a:fontRef idx="minor">
+                <a:schemeClr val="tx1"/>
+              </a:fontRef>
+            </p:style>
+          </p:cxnSp>
+          <p:cxnSp>
+            <p:nvCxnSpPr>
+              <p:cNvPr id="92" name="Straight Connector 91"/>
+              <p:cNvCxnSpPr/>
+              <p:nvPr/>
+            </p:nvCxnSpPr>
+            <p:spPr>
+              <a:xfrm flipV="1">
+                <a:off x="8147143" y="2037705"/>
+                <a:ext cx="304162" cy="417205"/>
+              </a:xfrm>
+              <a:prstGeom prst="line">
+                <a:avLst/>
+              </a:prstGeom>
+              <a:ln w="31750">
+                <a:solidFill>
+                  <a:schemeClr val="tx1"/>
+                </a:solidFill>
+                <a:prstDash val="dash"/>
+              </a:ln>
+            </p:spPr>
+            <p:style>
+              <a:lnRef idx="1">
+                <a:schemeClr val="accent1"/>
+              </a:lnRef>
+              <a:fillRef idx="0">
+                <a:schemeClr val="accent1"/>
+              </a:fillRef>
+              <a:effectRef idx="0">
+                <a:schemeClr val="accent1"/>
+              </a:effectRef>
+              <a:fontRef idx="minor">
+                <a:schemeClr val="tx1"/>
+              </a:fontRef>
+            </p:style>
+          </p:cxnSp>
+          <p:sp>
+            <p:nvSpPr>
+              <p:cNvPr id="63" name="TextBox 62"/>
+              <p:cNvSpPr txBox="1"/>
+              <p:nvPr/>
+            </p:nvSpPr>
+            <p:spPr>
+              <a:xfrm>
+                <a:off x="5267678" y="4543915"/>
+                <a:ext cx="1851789" cy="369332"/>
+              </a:xfrm>
+              <a:prstGeom prst="rect">
+                <a:avLst/>
+              </a:prstGeom>
+              <a:noFill/>
+            </p:spPr>
+            <p:txBody>
+              <a:bodyPr wrap="none" rtlCol="0">
+                <a:spAutoFit/>
+              </a:bodyPr>
+              <a:lstStyle/>
+              <a:p>
+                <a:r>
+                  <a:rPr lang="en-US" b="1" smtClean="0">
+                    <a:latin typeface="Helvetica" charset="0"/>
+                    <a:ea typeface="Helvetica" charset="0"/>
+                    <a:cs typeface="Helvetica" charset="0"/>
+                  </a:rPr>
+                  <a:t>Public Network</a:t>
+                </a:r>
+                <a:endParaRPr lang="en-US" b="1" dirty="0">
+                  <a:latin typeface="Helvetica" charset="0"/>
+                  <a:ea typeface="Helvetica" charset="0"/>
+                  <a:cs typeface="Helvetica" charset="0"/>
+                </a:endParaRPr>
+              </a:p>
+            </p:txBody>
+          </p:sp>
+          <p:sp>
+            <p:nvSpPr>
+              <p:cNvPr id="3" name="Rounded Rectangle 2"/>
+              <p:cNvSpPr/>
+              <p:nvPr/>
+            </p:nvSpPr>
+            <p:spPr>
+              <a:xfrm>
+                <a:off x="3193528" y="1724847"/>
+                <a:ext cx="5759607" cy="2715115"/>
+              </a:xfrm>
+              <a:prstGeom prst="roundRect">
+                <a:avLst/>
+              </a:prstGeom>
+              <a:solidFill>
+                <a:schemeClr val="bg1">
+                  <a:alpha val="0"/>
+                </a:schemeClr>
+              </a:solidFill>
+              <a:ln>
+                <a:solidFill>
+                  <a:schemeClr val="tx1"/>
+                </a:solidFill>
+              </a:ln>
+            </p:spPr>
+            <p:style>
+              <a:lnRef idx="2">
+                <a:schemeClr val="accent1">
+                  <a:shade val="50000"/>
+                </a:schemeClr>
+              </a:lnRef>
+              <a:fillRef idx="1">
+                <a:schemeClr val="accent1"/>
+              </a:fillRef>
+              <a:effectRef idx="0">
+                <a:schemeClr val="accent1"/>
+              </a:effectRef>
+              <a:fontRef idx="minor">
+                <a:schemeClr val="lt1"/>
+              </a:fontRef>
+            </p:style>
+            <p:txBody>
+              <a:bodyPr rtlCol="0" anchor="ctr"/>
+              <a:lstStyle/>
+              <a:p>
+                <a:pPr algn="ctr"/>
+                <a:endParaRPr lang="en-US"/>
+              </a:p>
+            </p:txBody>
+          </p:sp>
+          <p:pic>
+            <p:nvPicPr>
+              <p:cNvPr id="68" name="Picture 55"/>
+              <p:cNvPicPr>
+                <a:picLocks noChangeArrowheads="1"/>
+              </p:cNvPicPr>
+              <p:nvPr/>
+            </p:nvPicPr>
+            <p:blipFill>
+              <a:blip r:embed="rId2">
+                <a:extLst>
+                  <a:ext uri="{28A0092B-C50C-407E-A947-70E740481C1C}">
+                    <a14:useLocalDpi xmlns:a14="http://schemas.microsoft.com/office/drawing/2010/main" val="0"/>
+                  </a:ext>
+                </a:extLst>
+              </a:blip>
+              <a:srcRect/>
+              <a:stretch>
+                <a:fillRect/>
+              </a:stretch>
+            </p:blipFill>
+            <p:spPr bwMode="auto">
+              <a:xfrm>
+                <a:off x="1088846" y="2965217"/>
+                <a:ext cx="344414" cy="276702"/>
+              </a:xfrm>
+              <a:prstGeom prst="rect">
+                <a:avLst/>
+              </a:prstGeom>
+              <a:noFill/>
+              <a:ln>
+                <a:noFill/>
+              </a:ln>
+              <a:extLst>
+                <a:ext uri="{909E8E84-426E-40dd-AFC4-6F175D3DCCD1}">
+                  <a14:hiddenFill xmlns:a14="http://schemas.microsoft.com/office/drawing/2010/main" xmlns="">
+                    <a:solidFill>
+                      <a:srgbClr val="FFFFFF"/>
+                    </a:solidFill>
+                  </a14:hiddenFill>
+                </a:ext>
+                <a:ext uri="{91240B29-F687-4f45-9708-019B960494DF}">
+                  <a14:hiddenLine xmlns:a14="http://schemas.microsoft.com/office/drawing/2010/main" xmlns="" w="9525">
+                    <a:solidFill>
+                      <a:srgbClr val="000000"/>
+                    </a:solidFill>
+                    <a:miter lim="800000"/>
+                    <a:headEnd/>
+                    <a:tailEnd/>
+                  </a14:hiddenLine>
+                </a:ext>
+              </a:extLst>
+            </p:spPr>
+          </p:pic>
+          <p:pic>
+            <p:nvPicPr>
+              <p:cNvPr id="72" name="Picture 71"/>
+              <p:cNvPicPr>
+                <a:picLocks/>
+              </p:cNvPicPr>
+              <p:nvPr/>
+            </p:nvPicPr>
+            <p:blipFill>
+              <a:blip r:embed="rId4">
+                <a:extLst>
+                  <a:ext uri="{28A0092B-C50C-407E-A947-70E740481C1C}">
+                    <a14:useLocalDpi xmlns:a14="http://schemas.microsoft.com/office/drawing/2010/main" val="0"/>
+                  </a:ext>
+                </a:extLst>
+              </a:blip>
+              <a:stretch>
+                <a:fillRect/>
+              </a:stretch>
+            </p:blipFill>
+            <p:spPr>
+              <a:xfrm flipH="1">
+                <a:off x="413301" y="2754818"/>
+                <a:ext cx="363803" cy="420798"/>
+              </a:xfrm>
+              <a:prstGeom prst="rect">
+                <a:avLst/>
+              </a:prstGeom>
+            </p:spPr>
+          </p:pic>
+          <p:pic>
+            <p:nvPicPr>
+              <p:cNvPr id="74" name="Picture 73"/>
+              <p:cNvPicPr>
+                <a:picLocks/>
+              </p:cNvPicPr>
+              <p:nvPr/>
+            </p:nvPicPr>
+            <p:blipFill>
+              <a:blip r:embed="rId4">
+                <a:extLst>
+                  <a:ext uri="{28A0092B-C50C-407E-A947-70E740481C1C}">
+                    <a14:useLocalDpi xmlns:a14="http://schemas.microsoft.com/office/drawing/2010/main" val="0"/>
+                  </a:ext>
+                </a:extLst>
+              </a:blip>
+              <a:stretch>
+                <a:fillRect/>
+              </a:stretch>
+            </p:blipFill>
+            <p:spPr>
+              <a:xfrm flipH="1">
+                <a:off x="460880" y="3216986"/>
+                <a:ext cx="363803" cy="420798"/>
+              </a:xfrm>
+              <a:prstGeom prst="rect">
+                <a:avLst/>
+              </a:prstGeom>
+            </p:spPr>
+          </p:pic>
+          <p:pic>
+            <p:nvPicPr>
+              <p:cNvPr id="75" name="Picture 74"/>
+              <p:cNvPicPr>
+                <a:picLocks/>
+              </p:cNvPicPr>
+              <p:nvPr/>
+            </p:nvPicPr>
+            <p:blipFill>
+              <a:blip r:embed="rId4">
+                <a:extLst>
+                  <a:ext uri="{28A0092B-C50C-407E-A947-70E740481C1C}">
+                    <a14:useLocalDpi xmlns:a14="http://schemas.microsoft.com/office/drawing/2010/main" val="0"/>
+                  </a:ext>
+                </a:extLst>
+              </a:blip>
+              <a:stretch>
+                <a:fillRect/>
+              </a:stretch>
+            </p:blipFill>
+            <p:spPr>
+              <a:xfrm flipH="1">
+                <a:off x="871960" y="3524225"/>
+                <a:ext cx="363803" cy="420798"/>
+              </a:xfrm>
+              <a:prstGeom prst="rect">
+                <a:avLst/>
+              </a:prstGeom>
+            </p:spPr>
+          </p:pic>
+          <p:cxnSp>
+            <p:nvCxnSpPr>
+              <p:cNvPr id="76" name="Straight Connector 75"/>
+              <p:cNvCxnSpPr>
+                <a:stCxn id="72" idx="1"/>
+                <a:endCxn id="68" idx="1"/>
+              </p:cNvCxnSpPr>
+              <p:nvPr/>
+            </p:nvCxnSpPr>
+            <p:spPr>
+              <a:xfrm>
+                <a:off x="777104" y="2965217"/>
+                <a:ext cx="311742" cy="138351"/>
+              </a:xfrm>
+              <a:prstGeom prst="line">
+                <a:avLst/>
+              </a:prstGeom>
+              <a:ln w="38100">
+                <a:solidFill>
+                  <a:schemeClr val="tx1"/>
+                </a:solidFill>
+                <a:prstDash val="solid"/>
+              </a:ln>
+            </p:spPr>
+            <p:style>
+              <a:lnRef idx="1">
+                <a:schemeClr val="accent1"/>
+              </a:lnRef>
+              <a:fillRef idx="0">
+                <a:schemeClr val="accent1"/>
+              </a:fillRef>
+              <a:effectRef idx="0">
+                <a:schemeClr val="accent1"/>
+              </a:effectRef>
+              <a:fontRef idx="minor">
+                <a:schemeClr val="tx1"/>
+              </a:fontRef>
+            </p:style>
+          </p:cxnSp>
+          <p:pic>
+            <p:nvPicPr>
+              <p:cNvPr id="71" name="Picture 55"/>
+              <p:cNvPicPr>
+                <a:picLocks noChangeArrowheads="1"/>
+              </p:cNvPicPr>
+              <p:nvPr/>
+            </p:nvPicPr>
+            <p:blipFill>
+              <a:blip r:embed="rId2">
+                <a:extLst>
+                  <a:ext uri="{28A0092B-C50C-407E-A947-70E740481C1C}">
+                    <a14:useLocalDpi xmlns:a14="http://schemas.microsoft.com/office/drawing/2010/main" val="0"/>
+                  </a:ext>
+                </a:extLst>
+              </a:blip>
+              <a:srcRect/>
+              <a:stretch>
+                <a:fillRect/>
+              </a:stretch>
+            </p:blipFill>
+            <p:spPr bwMode="auto">
+              <a:xfrm>
+                <a:off x="1259773" y="2562123"/>
+                <a:ext cx="344414" cy="276702"/>
+              </a:xfrm>
+              <a:prstGeom prst="rect">
+                <a:avLst/>
+              </a:prstGeom>
+              <a:noFill/>
+              <a:ln>
+                <a:noFill/>
+              </a:ln>
+              <a:extLst>
+                <a:ext uri="{909E8E84-426E-40dd-AFC4-6F175D3DCCD1}">
+                  <a14:hiddenFill xmlns:a14="http://schemas.microsoft.com/office/drawing/2010/main" xmlns="">
+                    <a:solidFill>
+                      <a:srgbClr val="FFFFFF"/>
+                    </a:solidFill>
+                  </a14:hiddenFill>
+                </a:ext>
+                <a:ext uri="{91240B29-F687-4f45-9708-019B960494DF}">
+                  <a14:hiddenLine xmlns:a14="http://schemas.microsoft.com/office/drawing/2010/main" xmlns="" w="9525">
+                    <a:solidFill>
+                      <a:srgbClr val="000000"/>
+                    </a:solidFill>
+                    <a:miter lim="800000"/>
+                    <a:headEnd/>
+                    <a:tailEnd/>
+                  </a14:hiddenLine>
+                </a:ext>
+              </a:extLst>
+            </p:spPr>
+          </p:pic>
+          <p:pic>
+            <p:nvPicPr>
+              <p:cNvPr id="69" name="Picture 55"/>
+              <p:cNvPicPr>
+                <a:picLocks noChangeArrowheads="1"/>
+              </p:cNvPicPr>
+              <p:nvPr/>
+            </p:nvPicPr>
+            <p:blipFill>
+              <a:blip r:embed="rId2">
+                <a:extLst>
+                  <a:ext uri="{28A0092B-C50C-407E-A947-70E740481C1C}">
+                    <a14:useLocalDpi xmlns:a14="http://schemas.microsoft.com/office/drawing/2010/main" val="0"/>
+                  </a:ext>
+                </a:extLst>
+              </a:blip>
+              <a:srcRect/>
+              <a:stretch>
+                <a:fillRect/>
+              </a:stretch>
+            </p:blipFill>
+            <p:spPr bwMode="auto">
+              <a:xfrm>
+                <a:off x="1265308" y="3356909"/>
+                <a:ext cx="366643" cy="259993"/>
+              </a:xfrm>
+              <a:prstGeom prst="rect">
+                <a:avLst/>
+              </a:prstGeom>
+              <a:noFill/>
+              <a:ln>
+                <a:noFill/>
+              </a:ln>
+              <a:extLst>
+                <a:ext uri="{909E8E84-426E-40dd-AFC4-6F175D3DCCD1}">
+                  <a14:hiddenFill xmlns:a14="http://schemas.microsoft.com/office/drawing/2010/main" xmlns="">
+                    <a:solidFill>
+                      <a:srgbClr val="FFFFFF"/>
+                    </a:solidFill>
+                  </a14:hiddenFill>
+                </a:ext>
+                <a:ext uri="{91240B29-F687-4f45-9708-019B960494DF}">
+                  <a14:hiddenLine xmlns:a14="http://schemas.microsoft.com/office/drawing/2010/main" xmlns="" w="9525">
+                    <a:solidFill>
+                      <a:srgbClr val="000000"/>
+                    </a:solidFill>
+                    <a:miter lim="800000"/>
+                    <a:headEnd/>
+                    <a:tailEnd/>
+                  </a14:hiddenLine>
+                </a:ext>
+              </a:extLst>
+            </p:spPr>
+          </p:pic>
+        </p:grpSp>
+        <p:grpSp>
+          <p:nvGrpSpPr>
+            <p:cNvPr id="16" name="Group 15"/>
+            <p:cNvGrpSpPr>
+              <a:grpSpLocks noChangeAspect="1"/>
+            </p:cNvGrpSpPr>
+            <p:nvPr/>
+          </p:nvGrpSpPr>
+          <p:grpSpPr>
+            <a:xfrm>
+              <a:off x="11107504" y="2496692"/>
+              <a:ext cx="274320" cy="274320"/>
+              <a:chOff x="3584963" y="5322139"/>
+              <a:chExt cx="1187705" cy="1187705"/>
+            </a:xfrm>
+          </p:grpSpPr>
+          <p:sp>
+            <p:nvSpPr>
+              <p:cNvPr id="13" name="Rectangle 12"/>
+              <p:cNvSpPr/>
+              <p:nvPr/>
+            </p:nvSpPr>
+            <p:spPr>
+              <a:xfrm>
+                <a:off x="3864483" y="5372167"/>
+                <a:ext cx="552242" cy="1042419"/>
+              </a:xfrm>
+              <a:prstGeom prst="rect">
+                <a:avLst/>
+              </a:prstGeom>
+              <a:solidFill>
+                <a:schemeClr val="bg1"/>
+              </a:solidFill>
+              <a:ln>
+                <a:solidFill>
+                  <a:schemeClr val="bg1"/>
+                </a:solidFill>
+              </a:ln>
+            </p:spPr>
+            <p:style>
+              <a:lnRef idx="2">
+                <a:schemeClr val="accent1">
+                  <a:shade val="50000"/>
+                </a:schemeClr>
+              </a:lnRef>
+              <a:fillRef idx="1">
+                <a:schemeClr val="accent1"/>
+              </a:fillRef>
+              <a:effectRef idx="0">
+                <a:schemeClr val="accent1"/>
+              </a:effectRef>
+              <a:fontRef idx="minor">
+                <a:schemeClr val="lt1"/>
+              </a:fontRef>
+            </p:style>
+            <p:txBody>
+              <a:bodyPr rtlCol="0" anchor="ctr"/>
+              <a:lstStyle/>
+              <a:p>
+                <a:pPr algn="ctr"/>
+                <a:endParaRPr lang="en-US"/>
+              </a:p>
+            </p:txBody>
+          </p:sp>
+          <p:pic>
+            <p:nvPicPr>
+              <p:cNvPr id="12" name="Picture 11"/>
+              <p:cNvPicPr>
+                <a:picLocks noChangeAspect="1"/>
+              </p:cNvPicPr>
+              <p:nvPr/>
+            </p:nvPicPr>
+            <p:blipFill>
+              <a:blip r:embed="rId7">
+                <a:extLst>
+                  <a:ext uri="{28A0092B-C50C-407E-A947-70E740481C1C}">
+                    <a14:useLocalDpi xmlns:a14="http://schemas.microsoft.com/office/drawing/2010/main" val="0"/>
+                  </a:ext>
+                </a:extLst>
+              </a:blip>
+              <a:stretch>
+                <a:fillRect/>
+              </a:stretch>
+            </p:blipFill>
+            <p:spPr>
+              <a:xfrm flipH="1">
+                <a:off x="3584963" y="5322139"/>
+                <a:ext cx="1187705" cy="1187705"/>
+              </a:xfrm>
+              <a:prstGeom prst="rect">
+                <a:avLst/>
+              </a:prstGeom>
+            </p:spPr>
+          </p:pic>
+        </p:grpSp>
+        <p:grpSp>
+          <p:nvGrpSpPr>
+            <p:cNvPr id="78" name="Group 77"/>
+            <p:cNvGrpSpPr>
+              <a:grpSpLocks noChangeAspect="1"/>
+            </p:cNvGrpSpPr>
+            <p:nvPr/>
+          </p:nvGrpSpPr>
+          <p:grpSpPr>
+            <a:xfrm>
+              <a:off x="11362950" y="2391088"/>
+              <a:ext cx="274320" cy="274320"/>
+              <a:chOff x="3584963" y="5322139"/>
+              <a:chExt cx="1187705" cy="1187705"/>
+            </a:xfrm>
+          </p:grpSpPr>
+          <p:sp>
+            <p:nvSpPr>
+              <p:cNvPr id="80" name="Rectangle 79"/>
+              <p:cNvSpPr/>
+              <p:nvPr/>
+            </p:nvSpPr>
+            <p:spPr>
+              <a:xfrm>
+                <a:off x="3864483" y="5372167"/>
+                <a:ext cx="552242" cy="1042419"/>
+              </a:xfrm>
+              <a:prstGeom prst="rect">
+                <a:avLst/>
+              </a:prstGeom>
+              <a:solidFill>
+                <a:schemeClr val="bg1"/>
+              </a:solidFill>
+              <a:ln>
+                <a:solidFill>
+                  <a:schemeClr val="bg1"/>
+                </a:solidFill>
+              </a:ln>
+            </p:spPr>
+            <p:style>
+              <a:lnRef idx="2">
+                <a:schemeClr val="accent1">
+                  <a:shade val="50000"/>
+                </a:schemeClr>
+              </a:lnRef>
+              <a:fillRef idx="1">
+                <a:schemeClr val="accent1"/>
+              </a:fillRef>
+              <a:effectRef idx="0">
+                <a:schemeClr val="accent1"/>
+              </a:effectRef>
+              <a:fontRef idx="minor">
+                <a:schemeClr val="lt1"/>
+              </a:fontRef>
+            </p:style>
+            <p:txBody>
+              <a:bodyPr rtlCol="0" anchor="ctr"/>
+              <a:lstStyle/>
+              <a:p>
+                <a:pPr algn="ctr"/>
+                <a:endParaRPr lang="en-US"/>
+              </a:p>
+            </p:txBody>
+          </p:sp>
+          <p:pic>
+            <p:nvPicPr>
+              <p:cNvPr id="81" name="Picture 80"/>
+              <p:cNvPicPr>
+                <a:picLocks noChangeAspect="1"/>
+              </p:cNvPicPr>
+              <p:nvPr/>
+            </p:nvPicPr>
+            <p:blipFill>
+              <a:blip r:embed="rId7">
+                <a:extLst>
+                  <a:ext uri="{28A0092B-C50C-407E-A947-70E740481C1C}">
+                    <a14:useLocalDpi xmlns:a14="http://schemas.microsoft.com/office/drawing/2010/main" val="0"/>
+                  </a:ext>
+                </a:extLst>
+              </a:blip>
+              <a:stretch>
+                <a:fillRect/>
+              </a:stretch>
+            </p:blipFill>
+            <p:spPr>
+              <a:xfrm flipH="1">
+                <a:off x="3584963" y="5322139"/>
+                <a:ext cx="1187705" cy="1187705"/>
+              </a:xfrm>
+              <a:prstGeom prst="rect">
+                <a:avLst/>
+              </a:prstGeom>
+            </p:spPr>
+          </p:pic>
+        </p:grpSp>
+      </p:grpSp>
     </p:spTree>
     <p:extLst>
       <p:ext uri="{BB962C8B-B14F-4D97-AF65-F5344CB8AC3E}">

--- a/img/deployment-arch.pptx
+++ b/img/deployment-arch.pptx
@@ -243,7 +243,7 @@
           <a:p>
             <a:fld id="{2D7D0C2A-C703-0F46-8112-EFC63937C005}" type="datetimeFigureOut">
               <a:rPr lang="en-US" smtClean="0"/>
-              <a:t>1/29/19</a:t>
+              <a:t>1/30/19</a:t>
             </a:fld>
             <a:endParaRPr lang="en-US"/>
           </a:p>
@@ -413,7 +413,7 @@
           <a:p>
             <a:fld id="{2D7D0C2A-C703-0F46-8112-EFC63937C005}" type="datetimeFigureOut">
               <a:rPr lang="en-US" smtClean="0"/>
-              <a:t>1/29/19</a:t>
+              <a:t>1/30/19</a:t>
             </a:fld>
             <a:endParaRPr lang="en-US"/>
           </a:p>
@@ -593,7 +593,7 @@
           <a:p>
             <a:fld id="{2D7D0C2A-C703-0F46-8112-EFC63937C005}" type="datetimeFigureOut">
               <a:rPr lang="en-US" smtClean="0"/>
-              <a:t>1/29/19</a:t>
+              <a:t>1/30/19</a:t>
             </a:fld>
             <a:endParaRPr lang="en-US"/>
           </a:p>
@@ -763,7 +763,7 @@
           <a:p>
             <a:fld id="{2D7D0C2A-C703-0F46-8112-EFC63937C005}" type="datetimeFigureOut">
               <a:rPr lang="en-US" smtClean="0"/>
-              <a:t>1/29/19</a:t>
+              <a:t>1/30/19</a:t>
             </a:fld>
             <a:endParaRPr lang="en-US"/>
           </a:p>
@@ -1009,7 +1009,7 @@
           <a:p>
             <a:fld id="{2D7D0C2A-C703-0F46-8112-EFC63937C005}" type="datetimeFigureOut">
               <a:rPr lang="en-US" smtClean="0"/>
-              <a:t>1/29/19</a:t>
+              <a:t>1/30/19</a:t>
             </a:fld>
             <a:endParaRPr lang="en-US"/>
           </a:p>
@@ -1241,7 +1241,7 @@
           <a:p>
             <a:fld id="{2D7D0C2A-C703-0F46-8112-EFC63937C005}" type="datetimeFigureOut">
               <a:rPr lang="en-US" smtClean="0"/>
-              <a:t>1/29/19</a:t>
+              <a:t>1/30/19</a:t>
             </a:fld>
             <a:endParaRPr lang="en-US"/>
           </a:p>
@@ -1608,7 +1608,7 @@
           <a:p>
             <a:fld id="{2D7D0C2A-C703-0F46-8112-EFC63937C005}" type="datetimeFigureOut">
               <a:rPr lang="en-US" smtClean="0"/>
-              <a:t>1/29/19</a:t>
+              <a:t>1/30/19</a:t>
             </a:fld>
             <a:endParaRPr lang="en-US"/>
           </a:p>
@@ -1726,7 +1726,7 @@
           <a:p>
             <a:fld id="{2D7D0C2A-C703-0F46-8112-EFC63937C005}" type="datetimeFigureOut">
               <a:rPr lang="en-US" smtClean="0"/>
-              <a:t>1/29/19</a:t>
+              <a:t>1/30/19</a:t>
             </a:fld>
             <a:endParaRPr lang="en-US"/>
           </a:p>
@@ -1821,7 +1821,7 @@
           <a:p>
             <a:fld id="{2D7D0C2A-C703-0F46-8112-EFC63937C005}" type="datetimeFigureOut">
               <a:rPr lang="en-US" smtClean="0"/>
-              <a:t>1/29/19</a:t>
+              <a:t>1/30/19</a:t>
             </a:fld>
             <a:endParaRPr lang="en-US"/>
           </a:p>
@@ -2098,7 +2098,7 @@
           <a:p>
             <a:fld id="{2D7D0C2A-C703-0F46-8112-EFC63937C005}" type="datetimeFigureOut">
               <a:rPr lang="en-US" smtClean="0"/>
-              <a:t>1/29/19</a:t>
+              <a:t>1/30/19</a:t>
             </a:fld>
             <a:endParaRPr lang="en-US"/>
           </a:p>
@@ -2351,7 +2351,7 @@
           <a:p>
             <a:fld id="{2D7D0C2A-C703-0F46-8112-EFC63937C005}" type="datetimeFigureOut">
               <a:rPr lang="en-US" smtClean="0"/>
-              <a:t>1/29/19</a:t>
+              <a:t>1/30/19</a:t>
             </a:fld>
             <a:endParaRPr lang="en-US"/>
           </a:p>
@@ -2564,7 +2564,7 @@
           <a:p>
             <a:fld id="{2D7D0C2A-C703-0F46-8112-EFC63937C005}" type="datetimeFigureOut">
               <a:rPr lang="en-US" smtClean="0"/>
-              <a:t>1/29/19</a:t>
+              <a:t>1/30/19</a:t>
             </a:fld>
             <a:endParaRPr lang="en-US"/>
           </a:p>
@@ -2971,7 +2971,7 @@
       </p:grpSpPr>
       <p:grpSp>
         <p:nvGrpSpPr>
-          <p:cNvPr id="17" name="Group 16"/>
+          <p:cNvPr id="6" name="Group 5"/>
           <p:cNvGrpSpPr/>
           <p:nvPr/>
         </p:nvGrpSpPr>
@@ -2983,2908 +2983,2859 @@
             <a:chExt cx="12145502" cy="3188400"/>
           </a:xfrm>
         </p:grpSpPr>
-        <p:grpSp>
-          <p:nvGrpSpPr>
-            <p:cNvPr id="2" name="Group 1"/>
-            <p:cNvGrpSpPr/>
-            <p:nvPr/>
-          </p:nvGrpSpPr>
-          <p:grpSpPr>
+        <p:sp>
+          <p:nvSpPr>
+            <p:cNvPr id="4" name="Oval 3"/>
+            <p:cNvSpPr/>
+            <p:nvPr/>
+          </p:nvSpPr>
+          <p:spPr>
             <a:xfrm>
-              <a:off x="0" y="1724847"/>
-              <a:ext cx="12145502" cy="3188400"/>
-              <a:chOff x="0" y="1724847"/>
-              <a:chExt cx="12145502" cy="3188400"/>
-            </a:xfrm>
-          </p:grpSpPr>
-          <p:sp>
-            <p:nvSpPr>
-              <p:cNvPr id="4" name="Oval 3"/>
-              <p:cNvSpPr/>
-              <p:nvPr/>
-            </p:nvSpPr>
-            <p:spPr>
-              <a:xfrm>
-                <a:off x="119043" y="2057400"/>
-                <a:ext cx="2870200" cy="2095500"/>
-              </a:xfrm>
-              <a:prstGeom prst="ellipse">
-                <a:avLst/>
-              </a:prstGeom>
+              <a:off x="119043" y="2057400"/>
+              <a:ext cx="2870200" cy="2095500"/>
+            </a:xfrm>
+            <a:prstGeom prst="ellipse">
+              <a:avLst/>
+            </a:prstGeom>
+            <a:solidFill>
+              <a:schemeClr val="accent6">
+                <a:lumMod val="20000"/>
+                <a:lumOff val="80000"/>
+              </a:schemeClr>
+            </a:solidFill>
+            <a:ln>
               <a:solidFill>
-                <a:schemeClr val="accent6">
-                  <a:lumMod val="20000"/>
-                  <a:lumOff val="80000"/>
-                </a:schemeClr>
+                <a:schemeClr val="tx1"/>
               </a:solidFill>
-              <a:ln>
-                <a:solidFill>
-                  <a:schemeClr val="tx1"/>
-                </a:solidFill>
-              </a:ln>
-              <a:effectLst/>
-            </p:spPr>
-            <p:style>
-              <a:lnRef idx="2">
-                <a:schemeClr val="accent1">
-                  <a:shade val="50000"/>
-                </a:schemeClr>
-              </a:lnRef>
-              <a:fillRef idx="1">
-                <a:schemeClr val="accent1"/>
-              </a:fillRef>
-              <a:effectRef idx="0">
-                <a:schemeClr val="accent1"/>
-              </a:effectRef>
-              <a:fontRef idx="minor">
-                <a:schemeClr val="lt1"/>
-              </a:fontRef>
-            </p:style>
-            <p:txBody>
-              <a:bodyPr rtlCol="0" anchor="ctr"/>
-              <a:lstStyle/>
-              <a:p>
-                <a:pPr algn="ctr"/>
-                <a:endParaRPr lang="en-US"/>
-              </a:p>
-            </p:txBody>
-          </p:sp>
-          <p:cxnSp>
-            <p:nvCxnSpPr>
-              <p:cNvPr id="77" name="Straight Connector 76"/>
-              <p:cNvCxnSpPr>
-                <a:endCxn id="68" idx="1"/>
-              </p:cNvCxnSpPr>
-              <p:nvPr/>
-            </p:nvCxnSpPr>
-            <p:spPr>
-              <a:xfrm flipV="1">
-                <a:off x="705764" y="3103568"/>
-                <a:ext cx="383082" cy="362757"/>
-              </a:xfrm>
-              <a:prstGeom prst="line">
-                <a:avLst/>
-              </a:prstGeom>
-              <a:ln w="38100">
-                <a:solidFill>
-                  <a:schemeClr val="tx1"/>
-                </a:solidFill>
-                <a:prstDash val="solid"/>
-              </a:ln>
-            </p:spPr>
-            <p:style>
-              <a:lnRef idx="1">
-                <a:schemeClr val="accent1"/>
-              </a:lnRef>
-              <a:fillRef idx="0">
-                <a:schemeClr val="accent1"/>
-              </a:fillRef>
-              <a:effectRef idx="0">
-                <a:schemeClr val="accent1"/>
-              </a:effectRef>
-              <a:fontRef idx="minor">
+            </a:ln>
+            <a:effectLst/>
+          </p:spPr>
+          <p:style>
+            <a:lnRef idx="2">
+              <a:schemeClr val="accent1">
+                <a:shade val="50000"/>
+              </a:schemeClr>
+            </a:lnRef>
+            <a:fillRef idx="1">
+              <a:schemeClr val="accent1"/>
+            </a:fillRef>
+            <a:effectRef idx="0">
+              <a:schemeClr val="accent1"/>
+            </a:effectRef>
+            <a:fontRef idx="minor">
+              <a:schemeClr val="lt1"/>
+            </a:fontRef>
+          </p:style>
+          <p:txBody>
+            <a:bodyPr rtlCol="0" anchor="ctr"/>
+            <a:lstStyle/>
+            <a:p>
+              <a:pPr algn="ctr"/>
+              <a:endParaRPr lang="en-US"/>
+            </a:p>
+          </p:txBody>
+        </p:sp>
+        <p:cxnSp>
+          <p:nvCxnSpPr>
+            <p:cNvPr id="77" name="Straight Connector 76"/>
+            <p:cNvCxnSpPr>
+              <a:endCxn id="68" idx="1"/>
+            </p:cNvCxnSpPr>
+            <p:nvPr/>
+          </p:nvCxnSpPr>
+          <p:spPr>
+            <a:xfrm flipV="1">
+              <a:off x="705764" y="3103568"/>
+              <a:ext cx="383082" cy="362757"/>
+            </a:xfrm>
+            <a:prstGeom prst="line">
+              <a:avLst/>
+            </a:prstGeom>
+            <a:ln w="38100">
+              <a:solidFill>
                 <a:schemeClr val="tx1"/>
-              </a:fontRef>
-            </p:style>
-          </p:cxnSp>
-          <p:cxnSp>
-            <p:nvCxnSpPr>
-              <p:cNvPr id="94" name="Straight Connector 93"/>
-              <p:cNvCxnSpPr/>
-              <p:nvPr/>
-            </p:nvCxnSpPr>
-            <p:spPr>
-              <a:xfrm flipH="1">
-                <a:off x="1201257" y="3470085"/>
-                <a:ext cx="193887" cy="264539"/>
-              </a:xfrm>
-              <a:prstGeom prst="line">
-                <a:avLst/>
-              </a:prstGeom>
-              <a:ln w="38100">
-                <a:solidFill>
-                  <a:schemeClr val="tx1"/>
-                </a:solidFill>
-                <a:prstDash val="solid"/>
-              </a:ln>
-            </p:spPr>
-            <p:style>
-              <a:lnRef idx="1">
-                <a:schemeClr val="accent1"/>
-              </a:lnRef>
-              <a:fillRef idx="0">
-                <a:schemeClr val="accent1"/>
-              </a:fillRef>
-              <a:effectRef idx="0">
-                <a:schemeClr val="accent1"/>
-              </a:effectRef>
-              <a:fontRef idx="minor">
+              </a:solidFill>
+              <a:prstDash val="solid"/>
+            </a:ln>
+          </p:spPr>
+          <p:style>
+            <a:lnRef idx="1">
+              <a:schemeClr val="accent1"/>
+            </a:lnRef>
+            <a:fillRef idx="0">
+              <a:schemeClr val="accent1"/>
+            </a:fillRef>
+            <a:effectRef idx="0">
+              <a:schemeClr val="accent1"/>
+            </a:effectRef>
+            <a:fontRef idx="minor">
+              <a:schemeClr val="tx1"/>
+            </a:fontRef>
+          </p:style>
+        </p:cxnSp>
+        <p:cxnSp>
+          <p:nvCxnSpPr>
+            <p:cNvPr id="94" name="Straight Connector 93"/>
+            <p:cNvCxnSpPr/>
+            <p:nvPr/>
+          </p:nvCxnSpPr>
+          <p:spPr>
+            <a:xfrm flipH="1">
+              <a:off x="1201257" y="3470085"/>
+              <a:ext cx="193887" cy="264539"/>
+            </a:xfrm>
+            <a:prstGeom prst="line">
+              <a:avLst/>
+            </a:prstGeom>
+            <a:ln w="38100">
+              <a:solidFill>
                 <a:schemeClr val="tx1"/>
-              </a:fontRef>
-            </p:style>
-          </p:cxnSp>
-          <p:cxnSp>
-            <p:nvCxnSpPr>
-              <p:cNvPr id="79" name="Straight Connector 78"/>
-              <p:cNvCxnSpPr>
-                <a:stCxn id="49" idx="1"/>
-              </p:cNvCxnSpPr>
-              <p:nvPr/>
-            </p:nvCxnSpPr>
-            <p:spPr>
-              <a:xfrm>
-                <a:off x="936271" y="2519568"/>
-                <a:ext cx="483284" cy="183142"/>
-              </a:xfrm>
-              <a:prstGeom prst="line">
-                <a:avLst/>
-              </a:prstGeom>
-              <a:ln w="38100">
-                <a:solidFill>
-                  <a:schemeClr val="tx1"/>
-                </a:solidFill>
-                <a:prstDash val="solid"/>
-              </a:ln>
-            </p:spPr>
-            <p:style>
-              <a:lnRef idx="1">
-                <a:schemeClr val="accent1"/>
-              </a:lnRef>
-              <a:fillRef idx="0">
-                <a:schemeClr val="accent1"/>
-              </a:fillRef>
-              <a:effectRef idx="0">
-                <a:schemeClr val="accent1"/>
-              </a:effectRef>
-              <a:fontRef idx="minor">
+              </a:solidFill>
+              <a:prstDash val="solid"/>
+            </a:ln>
+          </p:spPr>
+          <p:style>
+            <a:lnRef idx="1">
+              <a:schemeClr val="accent1"/>
+            </a:lnRef>
+            <a:fillRef idx="0">
+              <a:schemeClr val="accent1"/>
+            </a:fillRef>
+            <a:effectRef idx="0">
+              <a:schemeClr val="accent1"/>
+            </a:effectRef>
+            <a:fontRef idx="minor">
+              <a:schemeClr val="tx1"/>
+            </a:fontRef>
+          </p:style>
+        </p:cxnSp>
+        <p:cxnSp>
+          <p:nvCxnSpPr>
+            <p:cNvPr id="79" name="Straight Connector 78"/>
+            <p:cNvCxnSpPr>
+              <a:stCxn id="49" idx="1"/>
+            </p:cNvCxnSpPr>
+            <p:nvPr/>
+          </p:nvCxnSpPr>
+          <p:spPr>
+            <a:xfrm>
+              <a:off x="936271" y="2519568"/>
+              <a:ext cx="483284" cy="183142"/>
+            </a:xfrm>
+            <a:prstGeom prst="line">
+              <a:avLst/>
+            </a:prstGeom>
+            <a:ln w="38100">
+              <a:solidFill>
                 <a:schemeClr val="tx1"/>
-              </a:fontRef>
-            </p:style>
-          </p:cxnSp>
-          <p:sp>
-            <p:nvSpPr>
-              <p:cNvPr id="5" name="Oval 4"/>
-              <p:cNvSpPr/>
-              <p:nvPr/>
-            </p:nvSpPr>
-            <p:spPr>
-              <a:xfrm>
-                <a:off x="9247997" y="2057400"/>
-                <a:ext cx="2870200" cy="2095500"/>
-              </a:xfrm>
-              <a:prstGeom prst="ellipse">
-                <a:avLst/>
-              </a:prstGeom>
+              </a:solidFill>
+              <a:prstDash val="solid"/>
+            </a:ln>
+          </p:spPr>
+          <p:style>
+            <a:lnRef idx="1">
+              <a:schemeClr val="accent1"/>
+            </a:lnRef>
+            <a:fillRef idx="0">
+              <a:schemeClr val="accent1"/>
+            </a:fillRef>
+            <a:effectRef idx="0">
+              <a:schemeClr val="accent1"/>
+            </a:effectRef>
+            <a:fontRef idx="minor">
+              <a:schemeClr val="tx1"/>
+            </a:fontRef>
+          </p:style>
+        </p:cxnSp>
+        <p:sp>
+          <p:nvSpPr>
+            <p:cNvPr id="5" name="Oval 4"/>
+            <p:cNvSpPr/>
+            <p:nvPr/>
+          </p:nvSpPr>
+          <p:spPr>
+            <a:xfrm>
+              <a:off x="9247997" y="2057400"/>
+              <a:ext cx="2870200" cy="2095500"/>
+            </a:xfrm>
+            <a:prstGeom prst="ellipse">
+              <a:avLst/>
+            </a:prstGeom>
+            <a:solidFill>
+              <a:schemeClr val="accent6">
+                <a:lumMod val="20000"/>
+                <a:lumOff val="80000"/>
+              </a:schemeClr>
+            </a:solidFill>
+            <a:ln>
               <a:solidFill>
-                <a:schemeClr val="accent6">
-                  <a:lumMod val="20000"/>
-                  <a:lumOff val="80000"/>
-                </a:schemeClr>
+                <a:schemeClr val="tx1"/>
               </a:solidFill>
-              <a:ln>
-                <a:solidFill>
-                  <a:schemeClr val="tx1"/>
-                </a:solidFill>
-              </a:ln>
-              <a:effectLst/>
-            </p:spPr>
-            <p:style>
-              <a:lnRef idx="2">
-                <a:schemeClr val="accent1">
-                  <a:shade val="50000"/>
-                </a:schemeClr>
-              </a:lnRef>
-              <a:fillRef idx="1">
-                <a:schemeClr val="accent1"/>
-              </a:fillRef>
-              <a:effectRef idx="0">
-                <a:schemeClr val="accent1"/>
-              </a:effectRef>
-              <a:fontRef idx="minor">
-                <a:schemeClr val="lt1"/>
-              </a:fontRef>
-            </p:style>
-            <p:txBody>
-              <a:bodyPr rtlCol="0" anchor="ctr"/>
-              <a:lstStyle/>
-              <a:p>
-                <a:pPr algn="ctr"/>
-                <a:endParaRPr lang="en-US"/>
-              </a:p>
-            </p:txBody>
-          </p:sp>
-          <p:cxnSp>
-            <p:nvCxnSpPr>
-              <p:cNvPr id="126" name="Straight Connector 125"/>
-              <p:cNvCxnSpPr>
-                <a:endCxn id="40" idx="3"/>
-              </p:cNvCxnSpPr>
-              <p:nvPr/>
-            </p:nvCxnSpPr>
-            <p:spPr>
-              <a:xfrm flipV="1">
-                <a:off x="10810840" y="3005196"/>
-                <a:ext cx="585521" cy="171080"/>
-              </a:xfrm>
-              <a:prstGeom prst="line">
-                <a:avLst/>
-              </a:prstGeom>
-              <a:ln w="38100">
-                <a:solidFill>
-                  <a:schemeClr val="tx1"/>
-                </a:solidFill>
-                <a:prstDash val="solid"/>
-              </a:ln>
-            </p:spPr>
-            <p:style>
-              <a:lnRef idx="1">
-                <a:schemeClr val="accent1"/>
-              </a:lnRef>
-              <a:fillRef idx="0">
-                <a:schemeClr val="accent1"/>
-              </a:fillRef>
-              <a:effectRef idx="0">
-                <a:schemeClr val="accent1"/>
-              </a:effectRef>
-              <a:fontRef idx="minor">
+            </a:ln>
+            <a:effectLst/>
+          </p:spPr>
+          <p:style>
+            <a:lnRef idx="2">
+              <a:schemeClr val="accent1">
+                <a:shade val="50000"/>
+              </a:schemeClr>
+            </a:lnRef>
+            <a:fillRef idx="1">
+              <a:schemeClr val="accent1"/>
+            </a:fillRef>
+            <a:effectRef idx="0">
+              <a:schemeClr val="accent1"/>
+            </a:effectRef>
+            <a:fontRef idx="minor">
+              <a:schemeClr val="lt1"/>
+            </a:fontRef>
+          </p:style>
+          <p:txBody>
+            <a:bodyPr rtlCol="0" anchor="ctr"/>
+            <a:lstStyle/>
+            <a:p>
+              <a:pPr algn="ctr"/>
+              <a:endParaRPr lang="en-US"/>
+            </a:p>
+          </p:txBody>
+        </p:sp>
+        <p:cxnSp>
+          <p:nvCxnSpPr>
+            <p:cNvPr id="126" name="Straight Connector 125"/>
+            <p:cNvCxnSpPr>
+              <a:endCxn id="40" idx="3"/>
+            </p:cNvCxnSpPr>
+            <p:nvPr/>
+          </p:nvCxnSpPr>
+          <p:spPr>
+            <a:xfrm flipV="1">
+              <a:off x="10810840" y="3005196"/>
+              <a:ext cx="585521" cy="171080"/>
+            </a:xfrm>
+            <a:prstGeom prst="line">
+              <a:avLst/>
+            </a:prstGeom>
+            <a:ln w="38100">
+              <a:solidFill>
                 <a:schemeClr val="tx1"/>
-              </a:fontRef>
-            </p:style>
-          </p:cxnSp>
-          <p:cxnSp>
-            <p:nvCxnSpPr>
-              <p:cNvPr id="123" name="Straight Connector 122"/>
-              <p:cNvCxnSpPr/>
-              <p:nvPr/>
-            </p:nvCxnSpPr>
-            <p:spPr>
-              <a:xfrm>
-                <a:off x="10938356" y="3208091"/>
-                <a:ext cx="500057" cy="212784"/>
-              </a:xfrm>
-              <a:prstGeom prst="line">
-                <a:avLst/>
-              </a:prstGeom>
-              <a:ln w="38100">
-                <a:solidFill>
-                  <a:schemeClr val="tx1"/>
-                </a:solidFill>
-                <a:prstDash val="solid"/>
-              </a:ln>
-            </p:spPr>
-            <p:style>
-              <a:lnRef idx="1">
-                <a:schemeClr val="accent1"/>
-              </a:lnRef>
-              <a:fillRef idx="0">
-                <a:schemeClr val="accent1"/>
-              </a:fillRef>
-              <a:effectRef idx="0">
-                <a:schemeClr val="accent1"/>
-              </a:effectRef>
-              <a:fontRef idx="minor">
+              </a:solidFill>
+              <a:prstDash val="solid"/>
+            </a:ln>
+          </p:spPr>
+          <p:style>
+            <a:lnRef idx="1">
+              <a:schemeClr val="accent1"/>
+            </a:lnRef>
+            <a:fillRef idx="0">
+              <a:schemeClr val="accent1"/>
+            </a:fillRef>
+            <a:effectRef idx="0">
+              <a:schemeClr val="accent1"/>
+            </a:effectRef>
+            <a:fontRef idx="minor">
+              <a:schemeClr val="tx1"/>
+            </a:fontRef>
+          </p:style>
+        </p:cxnSp>
+        <p:cxnSp>
+          <p:nvCxnSpPr>
+            <p:cNvPr id="123" name="Straight Connector 122"/>
+            <p:cNvCxnSpPr/>
+            <p:nvPr/>
+          </p:nvCxnSpPr>
+          <p:spPr>
+            <a:xfrm>
+              <a:off x="10938356" y="3208091"/>
+              <a:ext cx="500057" cy="212784"/>
+            </a:xfrm>
+            <a:prstGeom prst="line">
+              <a:avLst/>
+            </a:prstGeom>
+            <a:ln w="38100">
+              <a:solidFill>
                 <a:schemeClr val="tx1"/>
-              </a:fontRef>
-            </p:style>
-          </p:cxnSp>
-          <p:cxnSp>
-            <p:nvCxnSpPr>
-              <p:cNvPr id="100" name="Straight Connector 99"/>
-              <p:cNvCxnSpPr/>
-              <p:nvPr/>
-            </p:nvCxnSpPr>
-            <p:spPr>
-              <a:xfrm>
-                <a:off x="1403644" y="3084996"/>
-                <a:ext cx="1583236" cy="34150"/>
-              </a:xfrm>
-              <a:prstGeom prst="line">
-                <a:avLst/>
-              </a:prstGeom>
-              <a:ln w="38100">
-                <a:solidFill>
-                  <a:schemeClr val="tx1"/>
-                </a:solidFill>
-                <a:prstDash val="solid"/>
-              </a:ln>
-            </p:spPr>
-            <p:style>
-              <a:lnRef idx="1">
-                <a:schemeClr val="accent1"/>
-              </a:lnRef>
-              <a:fillRef idx="0">
-                <a:schemeClr val="accent1"/>
-              </a:fillRef>
-              <a:effectRef idx="0">
-                <a:schemeClr val="accent1"/>
-              </a:effectRef>
-              <a:fontRef idx="minor">
+              </a:solidFill>
+              <a:prstDash val="solid"/>
+            </a:ln>
+          </p:spPr>
+          <p:style>
+            <a:lnRef idx="1">
+              <a:schemeClr val="accent1"/>
+            </a:lnRef>
+            <a:fillRef idx="0">
+              <a:schemeClr val="accent1"/>
+            </a:fillRef>
+            <a:effectRef idx="0">
+              <a:schemeClr val="accent1"/>
+            </a:effectRef>
+            <a:fontRef idx="minor">
+              <a:schemeClr val="tx1"/>
+            </a:fontRef>
+          </p:style>
+        </p:cxnSp>
+        <p:cxnSp>
+          <p:nvCxnSpPr>
+            <p:cNvPr id="100" name="Straight Connector 99"/>
+            <p:cNvCxnSpPr/>
+            <p:nvPr/>
+          </p:nvCxnSpPr>
+          <p:spPr>
+            <a:xfrm>
+              <a:off x="1403644" y="3084996"/>
+              <a:ext cx="1583236" cy="34150"/>
+            </a:xfrm>
+            <a:prstGeom prst="line">
+              <a:avLst/>
+            </a:prstGeom>
+            <a:ln w="38100">
+              <a:solidFill>
                 <a:schemeClr val="tx1"/>
-              </a:fontRef>
-            </p:style>
-          </p:cxnSp>
-          <p:cxnSp>
-            <p:nvCxnSpPr>
-              <p:cNvPr id="101" name="Straight Connector 100"/>
-              <p:cNvCxnSpPr/>
-              <p:nvPr/>
-            </p:nvCxnSpPr>
-            <p:spPr>
-              <a:xfrm>
-                <a:off x="9349774" y="3082405"/>
-                <a:ext cx="566928" cy="893"/>
-              </a:xfrm>
-              <a:prstGeom prst="line">
-                <a:avLst/>
-              </a:prstGeom>
-              <a:ln w="38100">
-                <a:solidFill>
-                  <a:schemeClr val="tx1"/>
-                </a:solidFill>
-                <a:prstDash val="solid"/>
-              </a:ln>
-            </p:spPr>
-            <p:style>
-              <a:lnRef idx="1">
-                <a:schemeClr val="accent1"/>
-              </a:lnRef>
-              <a:fillRef idx="0">
-                <a:schemeClr val="accent1"/>
-              </a:fillRef>
-              <a:effectRef idx="0">
-                <a:schemeClr val="accent1"/>
-              </a:effectRef>
-              <a:fontRef idx="minor">
+              </a:solidFill>
+              <a:prstDash val="solid"/>
+            </a:ln>
+          </p:spPr>
+          <p:style>
+            <a:lnRef idx="1">
+              <a:schemeClr val="accent1"/>
+            </a:lnRef>
+            <a:fillRef idx="0">
+              <a:schemeClr val="accent1"/>
+            </a:fillRef>
+            <a:effectRef idx="0">
+              <a:schemeClr val="accent1"/>
+            </a:effectRef>
+            <a:fontRef idx="minor">
+              <a:schemeClr val="tx1"/>
+            </a:fontRef>
+          </p:style>
+        </p:cxnSp>
+        <p:cxnSp>
+          <p:nvCxnSpPr>
+            <p:cNvPr id="101" name="Straight Connector 100"/>
+            <p:cNvCxnSpPr/>
+            <p:nvPr/>
+          </p:nvCxnSpPr>
+          <p:spPr>
+            <a:xfrm>
+              <a:off x="9349774" y="3082405"/>
+              <a:ext cx="566928" cy="893"/>
+            </a:xfrm>
+            <a:prstGeom prst="line">
+              <a:avLst/>
+            </a:prstGeom>
+            <a:ln w="38100">
+              <a:solidFill>
                 <a:schemeClr val="tx1"/>
-              </a:fontRef>
-            </p:style>
-          </p:cxnSp>
-          <p:cxnSp>
-            <p:nvCxnSpPr>
-              <p:cNvPr id="102" name="Straight Connector 101"/>
-              <p:cNvCxnSpPr/>
-              <p:nvPr/>
-            </p:nvCxnSpPr>
-            <p:spPr>
-              <a:xfrm flipV="1">
-                <a:off x="1379754" y="3093104"/>
-                <a:ext cx="541495" cy="417049"/>
-              </a:xfrm>
-              <a:prstGeom prst="line">
-                <a:avLst/>
-              </a:prstGeom>
-              <a:ln w="38100">
-                <a:solidFill>
-                  <a:schemeClr val="tx1"/>
-                </a:solidFill>
-                <a:prstDash val="solid"/>
-              </a:ln>
-            </p:spPr>
-            <p:style>
-              <a:lnRef idx="1">
-                <a:schemeClr val="accent1"/>
-              </a:lnRef>
-              <a:fillRef idx="0">
-                <a:schemeClr val="accent1"/>
-              </a:fillRef>
-              <a:effectRef idx="0">
-                <a:schemeClr val="accent1"/>
-              </a:effectRef>
-              <a:fontRef idx="minor">
+              </a:solidFill>
+              <a:prstDash val="solid"/>
+            </a:ln>
+          </p:spPr>
+          <p:style>
+            <a:lnRef idx="1">
+              <a:schemeClr val="accent1"/>
+            </a:lnRef>
+            <a:fillRef idx="0">
+              <a:schemeClr val="accent1"/>
+            </a:fillRef>
+            <a:effectRef idx="0">
+              <a:schemeClr val="accent1"/>
+            </a:effectRef>
+            <a:fontRef idx="minor">
+              <a:schemeClr val="tx1"/>
+            </a:fontRef>
+          </p:style>
+        </p:cxnSp>
+        <p:cxnSp>
+          <p:nvCxnSpPr>
+            <p:cNvPr id="102" name="Straight Connector 101"/>
+            <p:cNvCxnSpPr/>
+            <p:nvPr/>
+          </p:nvCxnSpPr>
+          <p:spPr>
+            <a:xfrm flipV="1">
+              <a:off x="1379754" y="3093104"/>
+              <a:ext cx="541495" cy="417049"/>
+            </a:xfrm>
+            <a:prstGeom prst="line">
+              <a:avLst/>
+            </a:prstGeom>
+            <a:ln w="38100">
+              <a:solidFill>
                 <a:schemeClr val="tx1"/>
-              </a:fontRef>
-            </p:style>
-          </p:cxnSp>
-          <p:cxnSp>
-            <p:nvCxnSpPr>
-              <p:cNvPr id="105" name="Straight Connector 104"/>
-              <p:cNvCxnSpPr/>
-              <p:nvPr/>
-            </p:nvCxnSpPr>
-            <p:spPr>
-              <a:xfrm>
-                <a:off x="10251639" y="3262504"/>
-                <a:ext cx="565234" cy="377108"/>
-              </a:xfrm>
-              <a:prstGeom prst="line">
-                <a:avLst/>
-              </a:prstGeom>
-              <a:ln w="38100">
-                <a:solidFill>
-                  <a:schemeClr val="tx1"/>
-                </a:solidFill>
-                <a:prstDash val="solid"/>
-              </a:ln>
-            </p:spPr>
-            <p:style>
-              <a:lnRef idx="1">
-                <a:schemeClr val="accent1"/>
-              </a:lnRef>
-              <a:fillRef idx="0">
-                <a:schemeClr val="accent1"/>
-              </a:fillRef>
-              <a:effectRef idx="0">
-                <a:schemeClr val="accent1"/>
-              </a:effectRef>
-              <a:fontRef idx="minor">
+              </a:solidFill>
+              <a:prstDash val="solid"/>
+            </a:ln>
+          </p:spPr>
+          <p:style>
+            <a:lnRef idx="1">
+              <a:schemeClr val="accent1"/>
+            </a:lnRef>
+            <a:fillRef idx="0">
+              <a:schemeClr val="accent1"/>
+            </a:fillRef>
+            <a:effectRef idx="0">
+              <a:schemeClr val="accent1"/>
+            </a:effectRef>
+            <a:fontRef idx="minor">
+              <a:schemeClr val="tx1"/>
+            </a:fontRef>
+          </p:style>
+        </p:cxnSp>
+        <p:cxnSp>
+          <p:nvCxnSpPr>
+            <p:cNvPr id="105" name="Straight Connector 104"/>
+            <p:cNvCxnSpPr/>
+            <p:nvPr/>
+          </p:nvCxnSpPr>
+          <p:spPr>
+            <a:xfrm>
+              <a:off x="10251639" y="3262504"/>
+              <a:ext cx="565234" cy="377108"/>
+            </a:xfrm>
+            <a:prstGeom prst="line">
+              <a:avLst/>
+            </a:prstGeom>
+            <a:ln w="38100">
+              <a:solidFill>
                 <a:schemeClr val="tx1"/>
-              </a:fontRef>
-            </p:style>
-          </p:cxnSp>
-          <p:cxnSp>
-            <p:nvCxnSpPr>
-              <p:cNvPr id="98" name="Straight Connector 97"/>
-              <p:cNvCxnSpPr/>
-              <p:nvPr/>
-            </p:nvCxnSpPr>
-            <p:spPr>
-              <a:xfrm>
-                <a:off x="8631092" y="3083298"/>
-                <a:ext cx="566928" cy="893"/>
-              </a:xfrm>
-              <a:prstGeom prst="line">
-                <a:avLst/>
-              </a:prstGeom>
-              <a:ln w="50800">
-                <a:solidFill>
-                  <a:srgbClr val="FF0000"/>
-                </a:solidFill>
-                <a:prstDash val="solid"/>
-              </a:ln>
-            </p:spPr>
-            <p:style>
-              <a:lnRef idx="1">
-                <a:schemeClr val="accent1"/>
-              </a:lnRef>
-              <a:fillRef idx="0">
-                <a:schemeClr val="accent1"/>
-              </a:fillRef>
-              <a:effectRef idx="0">
-                <a:schemeClr val="accent1"/>
-              </a:effectRef>
-              <a:fontRef idx="minor">
+              </a:solidFill>
+              <a:prstDash val="solid"/>
+            </a:ln>
+          </p:spPr>
+          <p:style>
+            <a:lnRef idx="1">
+              <a:schemeClr val="accent1"/>
+            </a:lnRef>
+            <a:fillRef idx="0">
+              <a:schemeClr val="accent1"/>
+            </a:fillRef>
+            <a:effectRef idx="0">
+              <a:schemeClr val="accent1"/>
+            </a:effectRef>
+            <a:fontRef idx="minor">
+              <a:schemeClr val="tx1"/>
+            </a:fontRef>
+          </p:style>
+        </p:cxnSp>
+        <p:cxnSp>
+          <p:nvCxnSpPr>
+            <p:cNvPr id="98" name="Straight Connector 97"/>
+            <p:cNvCxnSpPr/>
+            <p:nvPr/>
+          </p:nvCxnSpPr>
+          <p:spPr>
+            <a:xfrm>
+              <a:off x="8631092" y="3083298"/>
+              <a:ext cx="566928" cy="893"/>
+            </a:xfrm>
+            <a:prstGeom prst="line">
+              <a:avLst/>
+            </a:prstGeom>
+            <a:ln w="50800">
+              <a:solidFill>
+                <a:srgbClr val="FF0000"/>
+              </a:solidFill>
+              <a:prstDash val="solid"/>
+            </a:ln>
+          </p:spPr>
+          <p:style>
+            <a:lnRef idx="1">
+              <a:schemeClr val="accent1"/>
+            </a:lnRef>
+            <a:fillRef idx="0">
+              <a:schemeClr val="accent1"/>
+            </a:fillRef>
+            <a:effectRef idx="0">
+              <a:schemeClr val="accent1"/>
+            </a:effectRef>
+            <a:fontRef idx="minor">
+              <a:schemeClr val="tx1"/>
+            </a:fontRef>
+          </p:style>
+        </p:cxnSp>
+        <p:cxnSp>
+          <p:nvCxnSpPr>
+            <p:cNvPr id="108" name="Straight Connector 107"/>
+            <p:cNvCxnSpPr/>
+            <p:nvPr/>
+          </p:nvCxnSpPr>
+          <p:spPr>
+            <a:xfrm>
+              <a:off x="1399711" y="2705481"/>
+              <a:ext cx="456547" cy="214779"/>
+            </a:xfrm>
+            <a:prstGeom prst="line">
+              <a:avLst/>
+            </a:prstGeom>
+            <a:ln w="38100">
+              <a:solidFill>
                 <a:schemeClr val="tx1"/>
-              </a:fontRef>
-            </p:style>
-          </p:cxnSp>
-          <p:cxnSp>
-            <p:nvCxnSpPr>
-              <p:cNvPr id="108" name="Straight Connector 107"/>
-              <p:cNvCxnSpPr/>
-              <p:nvPr/>
-            </p:nvCxnSpPr>
-            <p:spPr>
-              <a:xfrm>
-                <a:off x="1399711" y="2705481"/>
-                <a:ext cx="456547" cy="214779"/>
-              </a:xfrm>
-              <a:prstGeom prst="line">
-                <a:avLst/>
-              </a:prstGeom>
-              <a:ln w="38100">
-                <a:solidFill>
-                  <a:schemeClr val="tx1"/>
-                </a:solidFill>
-                <a:prstDash val="solid"/>
-              </a:ln>
-            </p:spPr>
-            <p:style>
-              <a:lnRef idx="1">
-                <a:schemeClr val="accent1"/>
-              </a:lnRef>
-              <a:fillRef idx="0">
-                <a:schemeClr val="accent1"/>
-              </a:fillRef>
-              <a:effectRef idx="0">
-                <a:schemeClr val="accent1"/>
-              </a:effectRef>
-              <a:fontRef idx="minor">
+              </a:solidFill>
+              <a:prstDash val="solid"/>
+            </a:ln>
+          </p:spPr>
+          <p:style>
+            <a:lnRef idx="1">
+              <a:schemeClr val="accent1"/>
+            </a:lnRef>
+            <a:fillRef idx="0">
+              <a:schemeClr val="accent1"/>
+            </a:fillRef>
+            <a:effectRef idx="0">
+              <a:schemeClr val="accent1"/>
+            </a:effectRef>
+            <a:fontRef idx="minor">
+              <a:schemeClr val="tx1"/>
+            </a:fontRef>
+          </p:style>
+        </p:cxnSp>
+        <p:cxnSp>
+          <p:nvCxnSpPr>
+            <p:cNvPr id="111" name="Straight Connector 110"/>
+            <p:cNvCxnSpPr/>
+            <p:nvPr/>
+          </p:nvCxnSpPr>
+          <p:spPr>
+            <a:xfrm flipV="1">
+              <a:off x="10279785" y="2763183"/>
+              <a:ext cx="424203" cy="287740"/>
+            </a:xfrm>
+            <a:prstGeom prst="line">
+              <a:avLst/>
+            </a:prstGeom>
+            <a:ln w="38100">
+              <a:solidFill>
                 <a:schemeClr val="tx1"/>
-              </a:fontRef>
-            </p:style>
-          </p:cxnSp>
-          <p:cxnSp>
-            <p:nvCxnSpPr>
-              <p:cNvPr id="111" name="Straight Connector 110"/>
-              <p:cNvCxnSpPr/>
-              <p:nvPr/>
-            </p:nvCxnSpPr>
-            <p:spPr>
-              <a:xfrm flipV="1">
-                <a:off x="10279785" y="2763183"/>
-                <a:ext cx="424203" cy="287740"/>
-              </a:xfrm>
-              <a:prstGeom prst="line">
-                <a:avLst/>
-              </a:prstGeom>
-              <a:ln w="38100">
-                <a:solidFill>
-                  <a:schemeClr val="tx1"/>
-                </a:solidFill>
-                <a:prstDash val="solid"/>
-              </a:ln>
-            </p:spPr>
-            <p:style>
-              <a:lnRef idx="1">
-                <a:schemeClr val="accent1"/>
-              </a:lnRef>
-              <a:fillRef idx="0">
-                <a:schemeClr val="accent1"/>
-              </a:fillRef>
-              <a:effectRef idx="0">
-                <a:schemeClr val="accent1"/>
-              </a:effectRef>
-              <a:fontRef idx="minor">
+              </a:solidFill>
+              <a:prstDash val="solid"/>
+            </a:ln>
+          </p:spPr>
+          <p:style>
+            <a:lnRef idx="1">
+              <a:schemeClr val="accent1"/>
+            </a:lnRef>
+            <a:fillRef idx="0">
+              <a:schemeClr val="accent1"/>
+            </a:fillRef>
+            <a:effectRef idx="0">
+              <a:schemeClr val="accent1"/>
+            </a:effectRef>
+            <a:fontRef idx="minor">
+              <a:schemeClr val="tx1"/>
+            </a:fontRef>
+          </p:style>
+        </p:cxnSp>
+        <p:cxnSp>
+          <p:nvCxnSpPr>
+            <p:cNvPr id="115" name="Straight Connector 114"/>
+            <p:cNvCxnSpPr/>
+            <p:nvPr/>
+          </p:nvCxnSpPr>
+          <p:spPr>
+            <a:xfrm>
+              <a:off x="10279246" y="3148128"/>
+              <a:ext cx="566928" cy="893"/>
+            </a:xfrm>
+            <a:prstGeom prst="line">
+              <a:avLst/>
+            </a:prstGeom>
+            <a:ln w="38100">
+              <a:solidFill>
                 <a:schemeClr val="tx1"/>
-              </a:fontRef>
-            </p:style>
-          </p:cxnSp>
-          <p:cxnSp>
-            <p:nvCxnSpPr>
-              <p:cNvPr id="115" name="Straight Connector 114"/>
-              <p:cNvCxnSpPr/>
-              <p:nvPr/>
-            </p:nvCxnSpPr>
-            <p:spPr>
-              <a:xfrm>
-                <a:off x="10279246" y="3148128"/>
-                <a:ext cx="566928" cy="893"/>
-              </a:xfrm>
-              <a:prstGeom prst="line">
-                <a:avLst/>
-              </a:prstGeom>
-              <a:ln w="38100">
-                <a:solidFill>
-                  <a:schemeClr val="tx1"/>
-                </a:solidFill>
-                <a:prstDash val="solid"/>
-              </a:ln>
-            </p:spPr>
-            <p:style>
-              <a:lnRef idx="1">
-                <a:schemeClr val="accent1"/>
-              </a:lnRef>
-              <a:fillRef idx="0">
-                <a:schemeClr val="accent1"/>
-              </a:fillRef>
-              <a:effectRef idx="0">
-                <a:schemeClr val="accent1"/>
-              </a:effectRef>
-              <a:fontRef idx="minor">
+              </a:solidFill>
+              <a:prstDash val="solid"/>
+            </a:ln>
+          </p:spPr>
+          <p:style>
+            <a:lnRef idx="1">
+              <a:schemeClr val="accent1"/>
+            </a:lnRef>
+            <a:fillRef idx="0">
+              <a:schemeClr val="accent1"/>
+            </a:fillRef>
+            <a:effectRef idx="0">
+              <a:schemeClr val="accent1"/>
+            </a:effectRef>
+            <a:fontRef idx="minor">
+              <a:schemeClr val="tx1"/>
+            </a:fontRef>
+          </p:style>
+        </p:cxnSp>
+        <p:cxnSp>
+          <p:nvCxnSpPr>
+            <p:cNvPr id="97" name="Straight Connector 96"/>
+            <p:cNvCxnSpPr/>
+            <p:nvPr/>
+          </p:nvCxnSpPr>
+          <p:spPr>
+            <a:xfrm>
+              <a:off x="5787078" y="3102096"/>
+              <a:ext cx="566928" cy="893"/>
+            </a:xfrm>
+            <a:prstGeom prst="line">
+              <a:avLst/>
+            </a:prstGeom>
+            <a:ln w="50800">
+              <a:solidFill>
+                <a:srgbClr val="FF0000"/>
+              </a:solidFill>
+              <a:prstDash val="solid"/>
+            </a:ln>
+          </p:spPr>
+          <p:style>
+            <a:lnRef idx="1">
+              <a:schemeClr val="accent1"/>
+            </a:lnRef>
+            <a:fillRef idx="0">
+              <a:schemeClr val="accent1"/>
+            </a:fillRef>
+            <a:effectRef idx="0">
+              <a:schemeClr val="accent1"/>
+            </a:effectRef>
+            <a:fontRef idx="minor">
+              <a:schemeClr val="tx1"/>
+            </a:fontRef>
+          </p:style>
+        </p:cxnSp>
+        <p:cxnSp>
+          <p:nvCxnSpPr>
+            <p:cNvPr id="93" name="Straight Connector 92"/>
+            <p:cNvCxnSpPr/>
+            <p:nvPr/>
+          </p:nvCxnSpPr>
+          <p:spPr>
+            <a:xfrm>
+              <a:off x="3129181" y="3085889"/>
+              <a:ext cx="566928" cy="893"/>
+            </a:xfrm>
+            <a:prstGeom prst="line">
+              <a:avLst/>
+            </a:prstGeom>
+            <a:ln w="50800">
+              <a:solidFill>
+                <a:srgbClr val="FF0000"/>
+              </a:solidFill>
+              <a:prstDash val="solid"/>
+            </a:ln>
+          </p:spPr>
+          <p:style>
+            <a:lnRef idx="1">
+              <a:schemeClr val="accent1"/>
+            </a:lnRef>
+            <a:fillRef idx="0">
+              <a:schemeClr val="accent1"/>
+            </a:fillRef>
+            <a:effectRef idx="0">
+              <a:schemeClr val="accent1"/>
+            </a:effectRef>
+            <a:fontRef idx="minor">
+              <a:schemeClr val="tx1"/>
+            </a:fontRef>
+          </p:style>
+        </p:cxnSp>
+        <p:sp>
+          <p:nvSpPr>
+            <p:cNvPr id="8" name="Oval 7"/>
+            <p:cNvSpPr/>
+            <p:nvPr/>
+          </p:nvSpPr>
+          <p:spPr>
+            <a:xfrm>
+              <a:off x="3739260" y="2346385"/>
+              <a:ext cx="1988678" cy="1513217"/>
+            </a:xfrm>
+            <a:prstGeom prst="ellipse">
+              <a:avLst/>
+            </a:prstGeom>
+            <a:solidFill>
+              <a:schemeClr val="accent5">
+                <a:lumMod val="20000"/>
+                <a:lumOff val="80000"/>
+              </a:schemeClr>
+            </a:solidFill>
+            <a:ln>
+              <a:solidFill>
                 <a:schemeClr val="tx1"/>
-              </a:fontRef>
-            </p:style>
-          </p:cxnSp>
-          <p:cxnSp>
-            <p:nvCxnSpPr>
-              <p:cNvPr id="97" name="Straight Connector 96"/>
-              <p:cNvCxnSpPr/>
-              <p:nvPr/>
-            </p:nvCxnSpPr>
-            <p:spPr>
-              <a:xfrm>
-                <a:off x="5787078" y="3102096"/>
-                <a:ext cx="566928" cy="893"/>
-              </a:xfrm>
-              <a:prstGeom prst="line">
-                <a:avLst/>
-              </a:prstGeom>
-              <a:ln w="50800">
-                <a:solidFill>
-                  <a:srgbClr val="FF0000"/>
-                </a:solidFill>
-                <a:prstDash val="solid"/>
-              </a:ln>
-            </p:spPr>
-            <p:style>
-              <a:lnRef idx="1">
-                <a:schemeClr val="accent1"/>
-              </a:lnRef>
-              <a:fillRef idx="0">
-                <a:schemeClr val="accent1"/>
-              </a:fillRef>
-              <a:effectRef idx="0">
-                <a:schemeClr val="accent1"/>
-              </a:effectRef>
-              <a:fontRef idx="minor">
-                <a:schemeClr val="tx1"/>
-              </a:fontRef>
-            </p:style>
-          </p:cxnSp>
-          <p:cxnSp>
-            <p:nvCxnSpPr>
-              <p:cNvPr id="93" name="Straight Connector 92"/>
-              <p:cNvCxnSpPr/>
-              <p:nvPr/>
-            </p:nvCxnSpPr>
-            <p:spPr>
-              <a:xfrm>
-                <a:off x="3129181" y="3085889"/>
-                <a:ext cx="566928" cy="893"/>
-              </a:xfrm>
-              <a:prstGeom prst="line">
-                <a:avLst/>
-              </a:prstGeom>
-              <a:ln w="50800">
-                <a:solidFill>
-                  <a:schemeClr val="tx1"/>
-                </a:solidFill>
-                <a:prstDash val="solid"/>
-              </a:ln>
-            </p:spPr>
-            <p:style>
-              <a:lnRef idx="1">
-                <a:schemeClr val="accent1"/>
-              </a:lnRef>
-              <a:fillRef idx="0">
-                <a:schemeClr val="accent1"/>
-              </a:fillRef>
-              <a:effectRef idx="0">
-                <a:schemeClr val="accent1"/>
-              </a:effectRef>
-              <a:fontRef idx="minor">
-                <a:schemeClr val="tx1"/>
-              </a:fontRef>
-            </p:style>
-          </p:cxnSp>
-          <p:sp>
-            <p:nvSpPr>
-              <p:cNvPr id="8" name="Oval 7"/>
-              <p:cNvSpPr/>
-              <p:nvPr/>
-            </p:nvSpPr>
-            <p:spPr>
-              <a:xfrm>
-                <a:off x="3739260" y="2346385"/>
-                <a:ext cx="1988678" cy="1513217"/>
-              </a:xfrm>
-              <a:prstGeom prst="ellipse">
-                <a:avLst/>
-              </a:prstGeom>
-              <a:solidFill>
-                <a:schemeClr val="accent5">
-                  <a:lumMod val="20000"/>
-                  <a:lumOff val="80000"/>
-                </a:schemeClr>
               </a:solidFill>
-              <a:ln>
-                <a:solidFill>
-                  <a:schemeClr val="tx1"/>
-                </a:solidFill>
-              </a:ln>
-              <a:effectLst/>
-            </p:spPr>
-            <p:style>
-              <a:lnRef idx="2">
-                <a:schemeClr val="accent1">
-                  <a:shade val="50000"/>
-                </a:schemeClr>
-              </a:lnRef>
-              <a:fillRef idx="1">
-                <a:schemeClr val="accent1"/>
-              </a:fillRef>
-              <a:effectRef idx="0">
-                <a:schemeClr val="accent1"/>
-              </a:effectRef>
-              <a:fontRef idx="minor">
-                <a:schemeClr val="lt1"/>
-              </a:fontRef>
-            </p:style>
-            <p:txBody>
-              <a:bodyPr rtlCol="0" anchor="ctr"/>
-              <a:lstStyle/>
-              <a:p>
-                <a:pPr algn="ctr"/>
-                <a:r>
-                  <a:rPr lang="en-US" b="1" dirty="0" smtClean="0">
-                    <a:solidFill>
-                      <a:schemeClr val="tx1"/>
-                    </a:solidFill>
-                    <a:latin typeface="Helvetica" charset="0"/>
-                    <a:ea typeface="Helvetica" charset="0"/>
-                    <a:cs typeface="Helvetica" charset="0"/>
-                  </a:rPr>
-                  <a:t>Carrier A</a:t>
-                </a:r>
-                <a:endParaRPr lang="en-US" b="1" dirty="0">
+            </a:ln>
+            <a:effectLst/>
+          </p:spPr>
+          <p:style>
+            <a:lnRef idx="2">
+              <a:schemeClr val="accent1">
+                <a:shade val="50000"/>
+              </a:schemeClr>
+            </a:lnRef>
+            <a:fillRef idx="1">
+              <a:schemeClr val="accent1"/>
+            </a:fillRef>
+            <a:effectRef idx="0">
+              <a:schemeClr val="accent1"/>
+            </a:effectRef>
+            <a:fontRef idx="minor">
+              <a:schemeClr val="lt1"/>
+            </a:fontRef>
+          </p:style>
+          <p:txBody>
+            <a:bodyPr rtlCol="0" anchor="ctr"/>
+            <a:lstStyle/>
+            <a:p>
+              <a:pPr algn="ctr"/>
+              <a:r>
+                <a:rPr lang="en-US" b="1" dirty="0" smtClean="0">
                   <a:solidFill>
                     <a:schemeClr val="tx1"/>
                   </a:solidFill>
                   <a:latin typeface="Helvetica" charset="0"/>
                   <a:ea typeface="Helvetica" charset="0"/>
                   <a:cs typeface="Helvetica" charset="0"/>
-                </a:endParaRPr>
-              </a:p>
-            </p:txBody>
-          </p:sp>
-          <p:pic>
-            <p:nvPicPr>
-              <p:cNvPr id="10" name="Picture 55"/>
-              <p:cNvPicPr>
-                <a:picLocks noChangeArrowheads="1"/>
-              </p:cNvPicPr>
-              <p:nvPr/>
-            </p:nvPicPr>
-            <p:blipFill>
-              <a:blip r:embed="rId2">
-                <a:extLst>
-                  <a:ext uri="{28A0092B-C50C-407E-A947-70E740481C1C}">
-                    <a14:useLocalDpi xmlns:a14="http://schemas.microsoft.com/office/drawing/2010/main" val="0"/>
-                  </a:ext>
-                </a:extLst>
-              </a:blip>
-              <a:srcRect/>
-              <a:stretch>
-                <a:fillRect/>
-              </a:stretch>
-            </p:blipFill>
-            <p:spPr bwMode="auto">
-              <a:xfrm>
-                <a:off x="3522018" y="2944368"/>
-                <a:ext cx="438509" cy="319029"/>
-              </a:xfrm>
-              <a:prstGeom prst="rect">
-                <a:avLst/>
-              </a:prstGeom>
-              <a:noFill/>
-              <a:ln>
-                <a:noFill/>
-              </a:ln>
-              <a:extLst>
-                <a:ext uri="{909E8E84-426E-40dd-AFC4-6F175D3DCCD1}">
-                  <a14:hiddenFill xmlns:a14="http://schemas.microsoft.com/office/drawing/2010/main" xmlns="">
-                    <a:solidFill>
-                      <a:srgbClr val="FFFFFF"/>
-                    </a:solidFill>
-                  </a14:hiddenFill>
-                </a:ext>
-                <a:ext uri="{91240B29-F687-4f45-9708-019B960494DF}">
-                  <a14:hiddenLine xmlns:a14="http://schemas.microsoft.com/office/drawing/2010/main" xmlns="" w="9525">
-                    <a:solidFill>
-                      <a:srgbClr val="000000"/>
-                    </a:solidFill>
-                    <a:miter lim="800000"/>
-                    <a:headEnd/>
-                    <a:tailEnd/>
-                  </a14:hiddenLine>
-                </a:ext>
-              </a:extLst>
-            </p:spPr>
-          </p:pic>
-          <p:pic>
-            <p:nvPicPr>
-              <p:cNvPr id="11" name="Picture 55"/>
-              <p:cNvPicPr>
-                <a:picLocks noChangeArrowheads="1"/>
-              </p:cNvPicPr>
-              <p:nvPr/>
-            </p:nvPicPr>
-            <p:blipFill>
-              <a:blip r:embed="rId2">
-                <a:extLst>
-                  <a:ext uri="{28A0092B-C50C-407E-A947-70E740481C1C}">
-                    <a14:useLocalDpi xmlns:a14="http://schemas.microsoft.com/office/drawing/2010/main" val="0"/>
-                  </a:ext>
-                </a:extLst>
-              </a:blip>
-              <a:srcRect/>
-              <a:stretch>
-                <a:fillRect/>
-              </a:stretch>
-            </p:blipFill>
-            <p:spPr bwMode="auto">
-              <a:xfrm>
-                <a:off x="5492842" y="2945198"/>
-                <a:ext cx="438509" cy="319029"/>
-              </a:xfrm>
-              <a:prstGeom prst="rect">
-                <a:avLst/>
-              </a:prstGeom>
-              <a:noFill/>
-              <a:ln>
-                <a:noFill/>
-              </a:ln>
-              <a:extLst>
-                <a:ext uri="{909E8E84-426E-40dd-AFC4-6F175D3DCCD1}">
-                  <a14:hiddenFill xmlns:a14="http://schemas.microsoft.com/office/drawing/2010/main" xmlns="">
-                    <a:solidFill>
-                      <a:srgbClr val="FFFFFF"/>
-                    </a:solidFill>
-                  </a14:hiddenFill>
-                </a:ext>
-                <a:ext uri="{91240B29-F687-4f45-9708-019B960494DF}">
-                  <a14:hiddenLine xmlns:a14="http://schemas.microsoft.com/office/drawing/2010/main" xmlns="" w="9525">
-                    <a:solidFill>
-                      <a:srgbClr val="000000"/>
-                    </a:solidFill>
-                    <a:miter lim="800000"/>
-                    <a:headEnd/>
-                    <a:tailEnd/>
-                  </a14:hiddenLine>
-                </a:ext>
-              </a:extLst>
-            </p:spPr>
-          </p:pic>
-          <p:pic>
-            <p:nvPicPr>
-              <p:cNvPr id="14" name="Picture 55"/>
-              <p:cNvPicPr>
-                <a:picLocks noChangeArrowheads="1"/>
-              </p:cNvPicPr>
-              <p:nvPr/>
-            </p:nvPicPr>
-            <p:blipFill>
-              <a:blip r:embed="rId2">
-                <a:extLst>
-                  <a:ext uri="{28A0092B-C50C-407E-A947-70E740481C1C}">
-                    <a14:useLocalDpi xmlns:a14="http://schemas.microsoft.com/office/drawing/2010/main" val="0"/>
-                  </a:ext>
-                </a:extLst>
-              </a:blip>
-              <a:srcRect/>
-              <a:stretch>
-                <a:fillRect/>
-              </a:stretch>
-            </p:blipFill>
-            <p:spPr bwMode="auto">
-              <a:xfrm>
-                <a:off x="9044584" y="2943475"/>
-                <a:ext cx="438509" cy="319029"/>
-              </a:xfrm>
-              <a:prstGeom prst="rect">
-                <a:avLst/>
-              </a:prstGeom>
-              <a:noFill/>
-              <a:ln>
-                <a:noFill/>
-              </a:ln>
-              <a:extLst>
-                <a:ext uri="{909E8E84-426E-40dd-AFC4-6F175D3DCCD1}">
-                  <a14:hiddenFill xmlns:a14="http://schemas.microsoft.com/office/drawing/2010/main" xmlns="">
-                    <a:solidFill>
-                      <a:srgbClr val="FFFFFF"/>
-                    </a:solidFill>
-                  </a14:hiddenFill>
-                </a:ext>
-                <a:ext uri="{91240B29-F687-4f45-9708-019B960494DF}">
-                  <a14:hiddenLine xmlns:a14="http://schemas.microsoft.com/office/drawing/2010/main" xmlns="" w="9525">
-                    <a:solidFill>
-                      <a:srgbClr val="000000"/>
-                    </a:solidFill>
-                    <a:miter lim="800000"/>
-                    <a:headEnd/>
-                    <a:tailEnd/>
-                  </a14:hiddenLine>
-                </a:ext>
-              </a:extLst>
-            </p:spPr>
-          </p:pic>
-          <p:pic>
-            <p:nvPicPr>
-              <p:cNvPr id="15" name="Picture 55"/>
-              <p:cNvPicPr>
-                <a:picLocks noChangeArrowheads="1"/>
-              </p:cNvPicPr>
-              <p:nvPr/>
-            </p:nvPicPr>
-            <p:blipFill>
-              <a:blip r:embed="rId2">
-                <a:extLst>
-                  <a:ext uri="{28A0092B-C50C-407E-A947-70E740481C1C}">
-                    <a14:useLocalDpi xmlns:a14="http://schemas.microsoft.com/office/drawing/2010/main" val="0"/>
-                  </a:ext>
-                </a:extLst>
-              </a:blip>
-              <a:srcRect/>
-              <a:stretch>
-                <a:fillRect/>
-              </a:stretch>
-            </p:blipFill>
-            <p:spPr bwMode="auto">
-              <a:xfrm>
-                <a:off x="2724123" y="2943475"/>
-                <a:ext cx="438509" cy="319029"/>
-              </a:xfrm>
-              <a:prstGeom prst="rect">
-                <a:avLst/>
-              </a:prstGeom>
-              <a:noFill/>
-              <a:ln>
-                <a:noFill/>
-              </a:ln>
-              <a:extLst>
-                <a:ext uri="{909E8E84-426E-40dd-AFC4-6F175D3DCCD1}">
-                  <a14:hiddenFill xmlns:a14="http://schemas.microsoft.com/office/drawing/2010/main" xmlns="">
-                    <a:solidFill>
-                      <a:srgbClr val="FFFFFF"/>
-                    </a:solidFill>
-                  </a14:hiddenFill>
-                </a:ext>
-                <a:ext uri="{91240B29-F687-4f45-9708-019B960494DF}">
-                  <a14:hiddenLine xmlns:a14="http://schemas.microsoft.com/office/drawing/2010/main" xmlns="" w="9525">
-                    <a:solidFill>
-                      <a:srgbClr val="000000"/>
-                    </a:solidFill>
-                    <a:miter lim="800000"/>
-                    <a:headEnd/>
-                    <a:tailEnd/>
-                  </a14:hiddenLine>
-                </a:ext>
-              </a:extLst>
-            </p:spPr>
-          </p:pic>
-          <p:sp>
-            <p:nvSpPr>
-              <p:cNvPr id="28" name="Rectangle 27"/>
-              <p:cNvSpPr/>
-              <p:nvPr/>
-            </p:nvSpPr>
-            <p:spPr>
-              <a:xfrm>
-                <a:off x="1762900" y="2670653"/>
-                <a:ext cx="808534" cy="804672"/>
-              </a:xfrm>
-              <a:prstGeom prst="rect">
-                <a:avLst/>
-              </a:prstGeom>
-              <a:solidFill>
-                <a:srgbClr val="FBE5D6"/>
-              </a:solidFill>
-              <a:ln>
+                </a:rPr>
+                <a:t>Carrier A</a:t>
+              </a:r>
+              <a:endParaRPr lang="en-US" b="1" dirty="0">
                 <a:solidFill>
                   <a:schemeClr val="tx1"/>
                 </a:solidFill>
-              </a:ln>
-            </p:spPr>
-            <p:style>
-              <a:lnRef idx="2">
-                <a:schemeClr val="accent1">
-                  <a:shade val="50000"/>
-                </a:schemeClr>
-              </a:lnRef>
-              <a:fillRef idx="1">
-                <a:schemeClr val="accent1"/>
-              </a:fillRef>
-              <a:effectRef idx="0">
-                <a:schemeClr val="accent1"/>
-              </a:effectRef>
-              <a:fontRef idx="minor">
-                <a:schemeClr val="lt1"/>
-              </a:fontRef>
-            </p:style>
-            <p:txBody>
-              <a:bodyPr rtlCol="0" anchor="ctr"/>
-              <a:lstStyle/>
-              <a:p>
-                <a:pPr algn="ctr"/>
-                <a:r>
-                  <a:rPr lang="en-US" sz="1200" dirty="0" err="1" smtClean="0">
-                    <a:solidFill>
-                      <a:schemeClr val="tx1"/>
-                    </a:solidFill>
-                    <a:latin typeface="Helvetica" charset="0"/>
-                    <a:ea typeface="Helvetica" charset="0"/>
-                    <a:cs typeface="Helvetica" charset="0"/>
-                  </a:rPr>
-                  <a:t>Bunder’s</a:t>
-                </a:r>
-                <a:r>
-                  <a:rPr lang="en-US" sz="1200" dirty="0" smtClean="0">
-                    <a:solidFill>
-                      <a:schemeClr val="tx1"/>
-                    </a:solidFill>
-                    <a:latin typeface="Helvetica" charset="0"/>
-                    <a:ea typeface="Helvetica" charset="0"/>
-                    <a:cs typeface="Helvetica" charset="0"/>
-                  </a:rPr>
-                  <a:t> </a:t>
-                </a:r>
-                <a:r>
-                  <a:rPr lang="en-US" sz="1200" i="1" dirty="0" smtClean="0">
-                    <a:solidFill>
-                      <a:schemeClr val="tx1"/>
-                    </a:solidFill>
-                    <a:latin typeface="Helvetica" charset="0"/>
-                    <a:ea typeface="Helvetica" charset="0"/>
-                    <a:cs typeface="Helvetica" charset="0"/>
-                  </a:rPr>
-                  <a:t>send-</a:t>
-                </a:r>
-              </a:p>
-              <a:p>
-                <a:pPr algn="ctr"/>
-                <a:r>
-                  <a:rPr lang="en-US" sz="1200" i="1" dirty="0" smtClean="0">
-                    <a:solidFill>
-                      <a:schemeClr val="tx1"/>
-                    </a:solidFill>
-                    <a:latin typeface="Helvetica" charset="0"/>
-                    <a:ea typeface="Helvetica" charset="0"/>
-                    <a:cs typeface="Helvetica" charset="0"/>
-                  </a:rPr>
-                  <a:t>box</a:t>
-                </a:r>
-              </a:p>
-            </p:txBody>
-          </p:sp>
-          <p:sp>
-            <p:nvSpPr>
-              <p:cNvPr id="30" name="Rectangle 29"/>
-              <p:cNvSpPr/>
-              <p:nvPr/>
-            </p:nvSpPr>
-            <p:spPr>
-              <a:xfrm>
-                <a:off x="9630099" y="2665408"/>
-                <a:ext cx="804672" cy="804672"/>
-              </a:xfrm>
-              <a:prstGeom prst="rect">
-                <a:avLst/>
-              </a:prstGeom>
+                <a:latin typeface="Helvetica" charset="0"/>
+                <a:ea typeface="Helvetica" charset="0"/>
+                <a:cs typeface="Helvetica" charset="0"/>
+              </a:endParaRPr>
+            </a:p>
+          </p:txBody>
+        </p:sp>
+        <p:pic>
+          <p:nvPicPr>
+            <p:cNvPr id="10" name="Picture 55"/>
+            <p:cNvPicPr>
+              <a:picLocks noChangeArrowheads="1"/>
+            </p:cNvPicPr>
+            <p:nvPr/>
+          </p:nvPicPr>
+          <p:blipFill>
+            <a:blip r:embed="rId2">
+              <a:extLst>
+                <a:ext uri="{28A0092B-C50C-407E-A947-70E740481C1C}">
+                  <a14:useLocalDpi xmlns:a14="http://schemas.microsoft.com/office/drawing/2010/main" val="0"/>
+                </a:ext>
+              </a:extLst>
+            </a:blip>
+            <a:srcRect/>
+            <a:stretch>
+              <a:fillRect/>
+            </a:stretch>
+          </p:blipFill>
+          <p:spPr bwMode="auto">
+            <a:xfrm>
+              <a:off x="3522018" y="2944368"/>
+              <a:ext cx="438509" cy="319029"/>
+            </a:xfrm>
+            <a:prstGeom prst="rect">
+              <a:avLst/>
+            </a:prstGeom>
+            <a:noFill/>
+            <a:ln>
+              <a:noFill/>
+            </a:ln>
+            <a:extLst>
+              <a:ext uri="{909E8E84-426E-40dd-AFC4-6F175D3DCCD1}">
+                <a14:hiddenFill xmlns:a14="http://schemas.microsoft.com/office/drawing/2010/main" xmlns="">
+                  <a:solidFill>
+                    <a:srgbClr val="FFFFFF"/>
+                  </a:solidFill>
+                </a14:hiddenFill>
+              </a:ext>
+              <a:ext uri="{91240B29-F687-4f45-9708-019B960494DF}">
+                <a14:hiddenLine xmlns:a14="http://schemas.microsoft.com/office/drawing/2010/main" xmlns="" w="9525">
+                  <a:solidFill>
+                    <a:srgbClr val="000000"/>
+                  </a:solidFill>
+                  <a:miter lim="800000"/>
+                  <a:headEnd/>
+                  <a:tailEnd/>
+                </a14:hiddenLine>
+              </a:ext>
+            </a:extLst>
+          </p:spPr>
+        </p:pic>
+        <p:pic>
+          <p:nvPicPr>
+            <p:cNvPr id="11" name="Picture 55"/>
+            <p:cNvPicPr>
+              <a:picLocks noChangeArrowheads="1"/>
+            </p:cNvPicPr>
+            <p:nvPr/>
+          </p:nvPicPr>
+          <p:blipFill>
+            <a:blip r:embed="rId2">
+              <a:extLst>
+                <a:ext uri="{28A0092B-C50C-407E-A947-70E740481C1C}">
+                  <a14:useLocalDpi xmlns:a14="http://schemas.microsoft.com/office/drawing/2010/main" val="0"/>
+                </a:ext>
+              </a:extLst>
+            </a:blip>
+            <a:srcRect/>
+            <a:stretch>
+              <a:fillRect/>
+            </a:stretch>
+          </p:blipFill>
+          <p:spPr bwMode="auto">
+            <a:xfrm>
+              <a:off x="5492842" y="2945198"/>
+              <a:ext cx="438509" cy="319029"/>
+            </a:xfrm>
+            <a:prstGeom prst="rect">
+              <a:avLst/>
+            </a:prstGeom>
+            <a:noFill/>
+            <a:ln>
+              <a:noFill/>
+            </a:ln>
+            <a:extLst>
+              <a:ext uri="{909E8E84-426E-40dd-AFC4-6F175D3DCCD1}">
+                <a14:hiddenFill xmlns:a14="http://schemas.microsoft.com/office/drawing/2010/main" xmlns="">
+                  <a:solidFill>
+                    <a:srgbClr val="FFFFFF"/>
+                  </a:solidFill>
+                </a14:hiddenFill>
+              </a:ext>
+              <a:ext uri="{91240B29-F687-4f45-9708-019B960494DF}">
+                <a14:hiddenLine xmlns:a14="http://schemas.microsoft.com/office/drawing/2010/main" xmlns="" w="9525">
+                  <a:solidFill>
+                    <a:srgbClr val="000000"/>
+                  </a:solidFill>
+                  <a:miter lim="800000"/>
+                  <a:headEnd/>
+                  <a:tailEnd/>
+                </a14:hiddenLine>
+              </a:ext>
+            </a:extLst>
+          </p:spPr>
+        </p:pic>
+        <p:pic>
+          <p:nvPicPr>
+            <p:cNvPr id="14" name="Picture 55"/>
+            <p:cNvPicPr>
+              <a:picLocks noChangeArrowheads="1"/>
+            </p:cNvPicPr>
+            <p:nvPr/>
+          </p:nvPicPr>
+          <p:blipFill>
+            <a:blip r:embed="rId2">
+              <a:extLst>
+                <a:ext uri="{28A0092B-C50C-407E-A947-70E740481C1C}">
+                  <a14:useLocalDpi xmlns:a14="http://schemas.microsoft.com/office/drawing/2010/main" val="0"/>
+                </a:ext>
+              </a:extLst>
+            </a:blip>
+            <a:srcRect/>
+            <a:stretch>
+              <a:fillRect/>
+            </a:stretch>
+          </p:blipFill>
+          <p:spPr bwMode="auto">
+            <a:xfrm>
+              <a:off x="9044584" y="2943475"/>
+              <a:ext cx="438509" cy="319029"/>
+            </a:xfrm>
+            <a:prstGeom prst="rect">
+              <a:avLst/>
+            </a:prstGeom>
+            <a:noFill/>
+            <a:ln>
+              <a:noFill/>
+            </a:ln>
+            <a:extLst>
+              <a:ext uri="{909E8E84-426E-40dd-AFC4-6F175D3DCCD1}">
+                <a14:hiddenFill xmlns:a14="http://schemas.microsoft.com/office/drawing/2010/main" xmlns="">
+                  <a:solidFill>
+                    <a:srgbClr val="FFFFFF"/>
+                  </a:solidFill>
+                </a14:hiddenFill>
+              </a:ext>
+              <a:ext uri="{91240B29-F687-4f45-9708-019B960494DF}">
+                <a14:hiddenLine xmlns:a14="http://schemas.microsoft.com/office/drawing/2010/main" xmlns="" w="9525">
+                  <a:solidFill>
+                    <a:srgbClr val="000000"/>
+                  </a:solidFill>
+                  <a:miter lim="800000"/>
+                  <a:headEnd/>
+                  <a:tailEnd/>
+                </a14:hiddenLine>
+              </a:ext>
+            </a:extLst>
+          </p:spPr>
+        </p:pic>
+        <p:pic>
+          <p:nvPicPr>
+            <p:cNvPr id="15" name="Picture 55"/>
+            <p:cNvPicPr>
+              <a:picLocks noChangeArrowheads="1"/>
+            </p:cNvPicPr>
+            <p:nvPr/>
+          </p:nvPicPr>
+          <p:blipFill>
+            <a:blip r:embed="rId2">
+              <a:extLst>
+                <a:ext uri="{28A0092B-C50C-407E-A947-70E740481C1C}">
+                  <a14:useLocalDpi xmlns:a14="http://schemas.microsoft.com/office/drawing/2010/main" val="0"/>
+                </a:ext>
+              </a:extLst>
+            </a:blip>
+            <a:srcRect/>
+            <a:stretch>
+              <a:fillRect/>
+            </a:stretch>
+          </p:blipFill>
+          <p:spPr bwMode="auto">
+            <a:xfrm>
+              <a:off x="2724123" y="2943475"/>
+              <a:ext cx="438509" cy="319029"/>
+            </a:xfrm>
+            <a:prstGeom prst="rect">
+              <a:avLst/>
+            </a:prstGeom>
+            <a:noFill/>
+            <a:ln>
+              <a:noFill/>
+            </a:ln>
+            <a:extLst>
+              <a:ext uri="{909E8E84-426E-40dd-AFC4-6F175D3DCCD1}">
+                <a14:hiddenFill xmlns:a14="http://schemas.microsoft.com/office/drawing/2010/main" xmlns="">
+                  <a:solidFill>
+                    <a:srgbClr val="FFFFFF"/>
+                  </a:solidFill>
+                </a14:hiddenFill>
+              </a:ext>
+              <a:ext uri="{91240B29-F687-4f45-9708-019B960494DF}">
+                <a14:hiddenLine xmlns:a14="http://schemas.microsoft.com/office/drawing/2010/main" xmlns="" w="9525">
+                  <a:solidFill>
+                    <a:srgbClr val="000000"/>
+                  </a:solidFill>
+                  <a:miter lim="800000"/>
+                  <a:headEnd/>
+                  <a:tailEnd/>
+                </a14:hiddenLine>
+              </a:ext>
+            </a:extLst>
+          </p:spPr>
+        </p:pic>
+        <p:sp>
+          <p:nvSpPr>
+            <p:cNvPr id="28" name="Rectangle 27"/>
+            <p:cNvSpPr/>
+            <p:nvPr/>
+          </p:nvSpPr>
+          <p:spPr>
+            <a:xfrm>
+              <a:off x="1762900" y="2670653"/>
+              <a:ext cx="808534" cy="804672"/>
+            </a:xfrm>
+            <a:prstGeom prst="rect">
+              <a:avLst/>
+            </a:prstGeom>
+            <a:solidFill>
+              <a:srgbClr val="FBE5D6"/>
+            </a:solidFill>
+            <a:ln>
               <a:solidFill>
-                <a:srgbClr val="FBE5D6"/>
+                <a:schemeClr val="tx1"/>
               </a:solidFill>
-              <a:ln>
-                <a:solidFill>
-                  <a:schemeClr val="tx1"/>
-                </a:solidFill>
-              </a:ln>
-            </p:spPr>
-            <p:style>
-              <a:lnRef idx="2">
-                <a:schemeClr val="accent1">
-                  <a:shade val="50000"/>
-                </a:schemeClr>
-              </a:lnRef>
-              <a:fillRef idx="1">
-                <a:schemeClr val="accent1"/>
-              </a:fillRef>
-              <a:effectRef idx="0">
-                <a:schemeClr val="accent1"/>
-              </a:effectRef>
-              <a:fontRef idx="minor">
-                <a:schemeClr val="lt1"/>
-              </a:fontRef>
-            </p:style>
-            <p:txBody>
-              <a:bodyPr rtlCol="0" anchor="ctr"/>
-              <a:lstStyle/>
-              <a:p>
-                <a:pPr algn="ctr"/>
-                <a:r>
-                  <a:rPr lang="en-US" sz="1200" dirty="0" err="1" smtClean="0">
-                    <a:solidFill>
-                      <a:schemeClr val="tx1"/>
-                    </a:solidFill>
-                    <a:latin typeface="Helvetica" charset="0"/>
-                    <a:ea typeface="Helvetica" charset="0"/>
-                    <a:cs typeface="Helvetica" charset="0"/>
-                  </a:rPr>
-                  <a:t>Bunder’s</a:t>
-                </a:r>
-                <a:r>
-                  <a:rPr lang="en-US" sz="1200" dirty="0" smtClean="0">
-                    <a:solidFill>
-                      <a:schemeClr val="tx1"/>
-                    </a:solidFill>
-                    <a:latin typeface="Helvetica" charset="0"/>
-                    <a:ea typeface="Helvetica" charset="0"/>
-                    <a:cs typeface="Helvetica" charset="0"/>
-                  </a:rPr>
-                  <a:t> </a:t>
-                </a:r>
-                <a:r>
-                  <a:rPr lang="en-US" sz="1200" i="1" dirty="0" smtClean="0">
-                    <a:solidFill>
-                      <a:schemeClr val="tx1"/>
-                    </a:solidFill>
-                    <a:latin typeface="Helvetica" charset="0"/>
-                    <a:ea typeface="Helvetica" charset="0"/>
-                    <a:cs typeface="Helvetica" charset="0"/>
-                  </a:rPr>
-                  <a:t>receive-box</a:t>
-                </a:r>
-                <a:endParaRPr lang="en-US" sz="1200" i="1" dirty="0">
+            </a:ln>
+          </p:spPr>
+          <p:style>
+            <a:lnRef idx="2">
+              <a:schemeClr val="accent1">
+                <a:shade val="50000"/>
+              </a:schemeClr>
+            </a:lnRef>
+            <a:fillRef idx="1">
+              <a:schemeClr val="accent1"/>
+            </a:fillRef>
+            <a:effectRef idx="0">
+              <a:schemeClr val="accent1"/>
+            </a:effectRef>
+            <a:fontRef idx="minor">
+              <a:schemeClr val="lt1"/>
+            </a:fontRef>
+          </p:style>
+          <p:txBody>
+            <a:bodyPr rtlCol="0" anchor="ctr"/>
+            <a:lstStyle/>
+            <a:p>
+              <a:pPr algn="ctr"/>
+              <a:r>
+                <a:rPr lang="en-US" sz="1200" dirty="0" err="1" smtClean="0">
                   <a:solidFill>
                     <a:schemeClr val="tx1"/>
                   </a:solidFill>
                   <a:latin typeface="Helvetica" charset="0"/>
                   <a:ea typeface="Helvetica" charset="0"/>
                   <a:cs typeface="Helvetica" charset="0"/>
-                </a:endParaRPr>
-              </a:p>
-            </p:txBody>
-          </p:sp>
-          <p:pic>
-            <p:nvPicPr>
-              <p:cNvPr id="34" name="Picture 55"/>
-              <p:cNvPicPr>
-                <a:picLocks noChangeArrowheads="1"/>
-              </p:cNvPicPr>
-              <p:nvPr/>
-            </p:nvPicPr>
-            <p:blipFill>
-              <a:blip r:embed="rId2">
-                <a:extLst>
-                  <a:ext uri="{28A0092B-C50C-407E-A947-70E740481C1C}">
-                    <a14:useLocalDpi xmlns:a14="http://schemas.microsoft.com/office/drawing/2010/main" val="0"/>
-                  </a:ext>
-                </a:extLst>
-              </a:blip>
-              <a:srcRect/>
-              <a:stretch>
-                <a:fillRect/>
-              </a:stretch>
-            </p:blipFill>
-            <p:spPr bwMode="auto">
-              <a:xfrm>
-                <a:off x="10662990" y="3023118"/>
-                <a:ext cx="438509" cy="319029"/>
-              </a:xfrm>
-              <a:prstGeom prst="rect">
-                <a:avLst/>
-              </a:prstGeom>
-              <a:noFill/>
-              <a:ln>
-                <a:noFill/>
-              </a:ln>
-              <a:extLst>
-                <a:ext uri="{909E8E84-426E-40dd-AFC4-6F175D3DCCD1}">
-                  <a14:hiddenFill xmlns:a14="http://schemas.microsoft.com/office/drawing/2010/main" xmlns="">
-                    <a:solidFill>
-                      <a:srgbClr val="FFFFFF"/>
-                    </a:solidFill>
-                  </a14:hiddenFill>
-                </a:ext>
-                <a:ext uri="{91240B29-F687-4f45-9708-019B960494DF}">
-                  <a14:hiddenLine xmlns:a14="http://schemas.microsoft.com/office/drawing/2010/main" xmlns="" w="9525">
-                    <a:solidFill>
-                      <a:srgbClr val="000000"/>
-                    </a:solidFill>
-                    <a:miter lim="800000"/>
-                    <a:headEnd/>
-                    <a:tailEnd/>
-                  </a14:hiddenLine>
-                </a:ext>
-              </a:extLst>
-            </p:spPr>
-          </p:pic>
-          <p:sp>
-            <p:nvSpPr>
-              <p:cNvPr id="35" name="TextBox 34"/>
-              <p:cNvSpPr txBox="1"/>
-              <p:nvPr/>
-            </p:nvSpPr>
-            <p:spPr>
-              <a:xfrm>
-                <a:off x="0" y="4199165"/>
-                <a:ext cx="3232744" cy="646331"/>
-              </a:xfrm>
-              <a:prstGeom prst="rect">
-                <a:avLst/>
-              </a:prstGeom>
-              <a:noFill/>
-            </p:spPr>
-            <p:txBody>
-              <a:bodyPr wrap="none" rtlCol="0">
-                <a:spAutoFit/>
-              </a:bodyPr>
-              <a:lstStyle/>
-              <a:p>
-                <a:pPr algn="ctr"/>
-                <a:r>
-                  <a:rPr lang="en-US" b="1" dirty="0" smtClean="0">
-                    <a:latin typeface="Helvetica" charset="0"/>
-                    <a:ea typeface="Helvetica" charset="0"/>
-                    <a:cs typeface="Helvetica" charset="0"/>
-                  </a:rPr>
-                  <a:t>Sending Domain</a:t>
-                </a:r>
-              </a:p>
-              <a:p>
-                <a:pPr algn="ctr"/>
-                <a:r>
-                  <a:rPr lang="en-US" dirty="0" smtClean="0">
-                    <a:latin typeface="Helvetica" charset="0"/>
-                    <a:ea typeface="Helvetica" charset="0"/>
-                    <a:cs typeface="Helvetica" charset="0"/>
-                  </a:rPr>
-                  <a:t>(say, a large content provider)</a:t>
-                </a:r>
-                <a:endParaRPr lang="en-US" dirty="0">
-                  <a:latin typeface="Helvetica" charset="0"/>
-                  <a:ea typeface="Helvetica" charset="0"/>
-                  <a:cs typeface="Helvetica" charset="0"/>
-                </a:endParaRPr>
-              </a:p>
-            </p:txBody>
-          </p:sp>
-          <p:sp>
-            <p:nvSpPr>
-              <p:cNvPr id="36" name="TextBox 35"/>
-              <p:cNvSpPr txBox="1"/>
-              <p:nvPr/>
-            </p:nvSpPr>
-            <p:spPr>
-              <a:xfrm>
-                <a:off x="9117942" y="4191549"/>
-                <a:ext cx="3027560" cy="646331"/>
-              </a:xfrm>
-              <a:prstGeom prst="rect">
-                <a:avLst/>
-              </a:prstGeom>
-              <a:noFill/>
-            </p:spPr>
-            <p:txBody>
-              <a:bodyPr wrap="none" rtlCol="0">
-                <a:spAutoFit/>
-              </a:bodyPr>
-              <a:lstStyle/>
-              <a:p>
-                <a:pPr algn="ctr"/>
-                <a:r>
-                  <a:rPr lang="en-US" b="1" dirty="0" smtClean="0">
-                    <a:latin typeface="Helvetica" charset="0"/>
-                    <a:ea typeface="Helvetica" charset="0"/>
-                    <a:cs typeface="Helvetica" charset="0"/>
-                  </a:rPr>
-                  <a:t>Receiving Domain</a:t>
-                </a:r>
-              </a:p>
-              <a:p>
-                <a:pPr algn="ctr"/>
-                <a:r>
-                  <a:rPr lang="en-US" dirty="0" smtClean="0">
-                    <a:latin typeface="Helvetica" charset="0"/>
-                    <a:ea typeface="Helvetica" charset="0"/>
-                    <a:cs typeface="Helvetica" charset="0"/>
-                  </a:rPr>
-                  <a:t>(say, an enterprise network)</a:t>
-                </a:r>
-                <a:endParaRPr lang="en-US" dirty="0">
-                  <a:latin typeface="Helvetica" charset="0"/>
-                  <a:ea typeface="Helvetica" charset="0"/>
-                  <a:cs typeface="Helvetica" charset="0"/>
-                </a:endParaRPr>
-              </a:p>
-            </p:txBody>
-          </p:sp>
-          <p:pic>
-            <p:nvPicPr>
-              <p:cNvPr id="38" name="Picture 37"/>
-              <p:cNvPicPr>
-                <a:picLocks noChangeAspect="1"/>
-              </p:cNvPicPr>
-              <p:nvPr/>
-            </p:nvPicPr>
-            <p:blipFill>
-              <a:blip r:embed="rId3">
-                <a:extLst>
-                  <a:ext uri="{28A0092B-C50C-407E-A947-70E740481C1C}">
-                    <a14:useLocalDpi xmlns:a14="http://schemas.microsoft.com/office/drawing/2010/main" val="0"/>
-                  </a:ext>
-                </a:extLst>
-              </a:blip>
-              <a:stretch>
-                <a:fillRect/>
-              </a:stretch>
-            </p:blipFill>
-            <p:spPr>
-              <a:xfrm flipH="1">
-                <a:off x="10638184" y="2481596"/>
-                <a:ext cx="429904" cy="281587"/>
-              </a:xfrm>
-              <a:prstGeom prst="rect">
-                <a:avLst/>
-              </a:prstGeom>
-            </p:spPr>
-          </p:pic>
-          <p:pic>
-            <p:nvPicPr>
-              <p:cNvPr id="39" name="Picture 38"/>
-              <p:cNvPicPr>
-                <a:picLocks/>
-              </p:cNvPicPr>
-              <p:nvPr/>
-            </p:nvPicPr>
-            <p:blipFill>
-              <a:blip r:embed="rId4">
-                <a:extLst>
-                  <a:ext uri="{28A0092B-C50C-407E-A947-70E740481C1C}">
-                    <a14:useLocalDpi xmlns:a14="http://schemas.microsoft.com/office/drawing/2010/main" val="0"/>
-                  </a:ext>
-                </a:extLst>
-              </a:blip>
-              <a:stretch>
-                <a:fillRect/>
-              </a:stretch>
-            </p:blipFill>
-            <p:spPr>
-              <a:xfrm flipH="1">
-                <a:off x="10687598" y="3520521"/>
-                <a:ext cx="363803" cy="420798"/>
-              </a:xfrm>
-              <a:prstGeom prst="rect">
-                <a:avLst/>
-              </a:prstGeom>
-            </p:spPr>
-          </p:pic>
-          <p:pic>
-            <p:nvPicPr>
-              <p:cNvPr id="40" name="Picture 39"/>
-              <p:cNvPicPr>
-                <a:picLocks/>
-              </p:cNvPicPr>
-              <p:nvPr/>
-            </p:nvPicPr>
-            <p:blipFill>
-              <a:blip r:embed="rId5">
-                <a:extLst>
-                  <a:ext uri="{28A0092B-C50C-407E-A947-70E740481C1C}">
-                    <a14:useLocalDpi xmlns:a14="http://schemas.microsoft.com/office/drawing/2010/main" val="0"/>
-                  </a:ext>
-                </a:extLst>
-              </a:blip>
-              <a:stretch>
-                <a:fillRect/>
-              </a:stretch>
-            </p:blipFill>
-            <p:spPr>
-              <a:xfrm flipH="1">
-                <a:off x="11396361" y="2810130"/>
-                <a:ext cx="279381" cy="390132"/>
-              </a:xfrm>
-              <a:prstGeom prst="rect">
-                <a:avLst/>
-              </a:prstGeom>
-            </p:spPr>
-          </p:pic>
-          <p:pic>
-            <p:nvPicPr>
-              <p:cNvPr id="41" name="Picture 40" descr="laptop.png"/>
-              <p:cNvPicPr>
-                <a:picLocks noChangeAspect="1"/>
-              </p:cNvPicPr>
-              <p:nvPr/>
-            </p:nvPicPr>
-            <p:blipFill>
-              <a:blip r:embed="rId6">
-                <a:extLst>
-                  <a:ext uri="{28A0092B-C50C-407E-A947-70E740481C1C}">
-                    <a14:useLocalDpi xmlns:a14="http://schemas.microsoft.com/office/drawing/2010/main" val="0"/>
-                  </a:ext>
-                </a:extLst>
-              </a:blip>
-              <a:stretch>
-                <a:fillRect/>
-              </a:stretch>
-            </p:blipFill>
-            <p:spPr>
-              <a:xfrm>
-                <a:off x="10955440" y="2096651"/>
-                <a:ext cx="409243" cy="409243"/>
-              </a:xfrm>
-              <a:prstGeom prst="rect">
-                <a:avLst/>
-              </a:prstGeom>
-            </p:spPr>
-          </p:pic>
-          <p:pic>
-            <p:nvPicPr>
-              <p:cNvPr id="43" name="Picture 42" descr="laptop.png"/>
-              <p:cNvPicPr>
-                <a:picLocks noChangeAspect="1"/>
-              </p:cNvPicPr>
-              <p:nvPr/>
-            </p:nvPicPr>
-            <p:blipFill>
-              <a:blip r:embed="rId6">
-                <a:extLst>
-                  <a:ext uri="{28A0092B-C50C-407E-A947-70E740481C1C}">
-                    <a14:useLocalDpi xmlns:a14="http://schemas.microsoft.com/office/drawing/2010/main" val="0"/>
-                  </a:ext>
-                </a:extLst>
-              </a:blip>
-              <a:stretch>
-                <a:fillRect/>
-              </a:stretch>
-            </p:blipFill>
-            <p:spPr>
-              <a:xfrm>
-                <a:off x="11306548" y="3240989"/>
-                <a:ext cx="409243" cy="409243"/>
-              </a:xfrm>
-              <a:prstGeom prst="rect">
-                <a:avLst/>
-              </a:prstGeom>
-            </p:spPr>
-          </p:pic>
-          <p:pic>
-            <p:nvPicPr>
-              <p:cNvPr id="49" name="Picture 48"/>
-              <p:cNvPicPr>
-                <a:picLocks/>
-              </p:cNvPicPr>
-              <p:nvPr/>
-            </p:nvPicPr>
-            <p:blipFill>
-              <a:blip r:embed="rId4">
-                <a:extLst>
-                  <a:ext uri="{28A0092B-C50C-407E-A947-70E740481C1C}">
-                    <a14:useLocalDpi xmlns:a14="http://schemas.microsoft.com/office/drawing/2010/main" val="0"/>
-                  </a:ext>
-                </a:extLst>
-              </a:blip>
-              <a:stretch>
-                <a:fillRect/>
-              </a:stretch>
-            </p:blipFill>
-            <p:spPr>
-              <a:xfrm flipH="1">
-                <a:off x="572468" y="2309169"/>
-                <a:ext cx="363803" cy="420798"/>
-              </a:xfrm>
-              <a:prstGeom prst="rect">
-                <a:avLst/>
-              </a:prstGeom>
-            </p:spPr>
-          </p:pic>
-          <p:sp>
-            <p:nvSpPr>
-              <p:cNvPr id="50" name="Oval 49"/>
-              <p:cNvSpPr/>
-              <p:nvPr/>
-            </p:nvSpPr>
-            <p:spPr>
-              <a:xfrm flipH="1" flipV="1">
-                <a:off x="3972438" y="3537774"/>
-                <a:ext cx="182880" cy="182880"/>
-              </a:xfrm>
-              <a:prstGeom prst="ellipse">
-                <a:avLst/>
-              </a:prstGeom>
-              <a:solidFill>
-                <a:schemeClr val="tx1"/>
-              </a:solidFill>
-              <a:ln>
-                <a:solidFill>
-                  <a:schemeClr val="tx1"/>
-                </a:solidFill>
-              </a:ln>
-              <a:effectLst/>
-            </p:spPr>
-            <p:style>
-              <a:lnRef idx="2">
-                <a:schemeClr val="accent1">
-                  <a:shade val="50000"/>
-                </a:schemeClr>
-              </a:lnRef>
-              <a:fillRef idx="1">
-                <a:schemeClr val="accent1"/>
-              </a:fillRef>
-              <a:effectRef idx="0">
-                <a:schemeClr val="accent1"/>
-              </a:effectRef>
-              <a:fontRef idx="minor">
-                <a:schemeClr val="lt1"/>
-              </a:fontRef>
-            </p:style>
-            <p:txBody>
-              <a:bodyPr rtlCol="0" anchor="ctr"/>
-              <a:lstStyle/>
-              <a:p>
-                <a:pPr algn="ctr"/>
-                <a:endParaRPr lang="en-US"/>
-              </a:p>
-            </p:txBody>
-          </p:sp>
-          <p:sp>
-            <p:nvSpPr>
-              <p:cNvPr id="51" name="Oval 50"/>
-              <p:cNvSpPr/>
-              <p:nvPr/>
-            </p:nvSpPr>
-            <p:spPr>
-              <a:xfrm flipH="1" flipV="1">
-                <a:off x="3951440" y="2472717"/>
-                <a:ext cx="182880" cy="182880"/>
-              </a:xfrm>
-              <a:prstGeom prst="ellipse">
-                <a:avLst/>
-              </a:prstGeom>
-              <a:solidFill>
-                <a:schemeClr val="tx1"/>
-              </a:solidFill>
-              <a:ln>
-                <a:solidFill>
-                  <a:schemeClr val="tx1"/>
-                </a:solidFill>
-              </a:ln>
-              <a:effectLst/>
-            </p:spPr>
-            <p:style>
-              <a:lnRef idx="2">
-                <a:schemeClr val="accent1">
-                  <a:shade val="50000"/>
-                </a:schemeClr>
-              </a:lnRef>
-              <a:fillRef idx="1">
-                <a:schemeClr val="accent1"/>
-              </a:fillRef>
-              <a:effectRef idx="0">
-                <a:schemeClr val="accent1"/>
-              </a:effectRef>
-              <a:fontRef idx="minor">
-                <a:schemeClr val="lt1"/>
-              </a:fontRef>
-            </p:style>
-            <p:txBody>
-              <a:bodyPr rtlCol="0" anchor="ctr"/>
-              <a:lstStyle/>
-              <a:p>
-                <a:pPr algn="ctr"/>
-                <a:endParaRPr lang="en-US"/>
-              </a:p>
-            </p:txBody>
-          </p:sp>
-          <p:sp>
-            <p:nvSpPr>
-              <p:cNvPr id="54" name="Oval 53"/>
-              <p:cNvSpPr/>
-              <p:nvPr/>
-            </p:nvSpPr>
-            <p:spPr>
-              <a:xfrm flipH="1" flipV="1">
-                <a:off x="5267678" y="2417730"/>
-                <a:ext cx="182880" cy="182880"/>
-              </a:xfrm>
-              <a:prstGeom prst="ellipse">
-                <a:avLst/>
-              </a:prstGeom>
-              <a:solidFill>
-                <a:schemeClr val="tx1"/>
-              </a:solidFill>
-              <a:ln>
-                <a:solidFill>
-                  <a:schemeClr val="tx1"/>
-                </a:solidFill>
-              </a:ln>
-              <a:effectLst/>
-            </p:spPr>
-            <p:style>
-              <a:lnRef idx="2">
-                <a:schemeClr val="accent1">
-                  <a:shade val="50000"/>
-                </a:schemeClr>
-              </a:lnRef>
-              <a:fillRef idx="1">
-                <a:schemeClr val="accent1"/>
-              </a:fillRef>
-              <a:effectRef idx="0">
-                <a:schemeClr val="accent1"/>
-              </a:effectRef>
-              <a:fontRef idx="minor">
-                <a:schemeClr val="lt1"/>
-              </a:fontRef>
-            </p:style>
-            <p:txBody>
-              <a:bodyPr rtlCol="0" anchor="ctr"/>
-              <a:lstStyle/>
-              <a:p>
-                <a:pPr algn="ctr"/>
-                <a:endParaRPr lang="en-US"/>
-              </a:p>
-            </p:txBody>
-          </p:sp>
-          <p:sp>
-            <p:nvSpPr>
-              <p:cNvPr id="55" name="Oval 54"/>
-              <p:cNvSpPr/>
-              <p:nvPr/>
-            </p:nvSpPr>
-            <p:spPr>
-              <a:xfrm flipH="1" flipV="1">
-                <a:off x="5334600" y="3519784"/>
-                <a:ext cx="182880" cy="182880"/>
-              </a:xfrm>
-              <a:prstGeom prst="ellipse">
-                <a:avLst/>
-              </a:prstGeom>
-              <a:solidFill>
-                <a:schemeClr val="tx1"/>
-              </a:solidFill>
-              <a:ln>
-                <a:solidFill>
-                  <a:schemeClr val="tx1"/>
-                </a:solidFill>
-              </a:ln>
-              <a:effectLst/>
-            </p:spPr>
-            <p:style>
-              <a:lnRef idx="2">
-                <a:schemeClr val="accent1">
-                  <a:shade val="50000"/>
-                </a:schemeClr>
-              </a:lnRef>
-              <a:fillRef idx="1">
-                <a:schemeClr val="accent1"/>
-              </a:fillRef>
-              <a:effectRef idx="0">
-                <a:schemeClr val="accent1"/>
-              </a:effectRef>
-              <a:fontRef idx="minor">
-                <a:schemeClr val="lt1"/>
-              </a:fontRef>
-            </p:style>
-            <p:txBody>
-              <a:bodyPr rtlCol="0" anchor="ctr"/>
-              <a:lstStyle/>
-              <a:p>
-                <a:pPr algn="ctr"/>
-                <a:endParaRPr lang="en-US"/>
-              </a:p>
-            </p:txBody>
-          </p:sp>
-          <p:cxnSp>
-            <p:nvCxnSpPr>
-              <p:cNvPr id="62" name="Straight Connector 61"/>
-              <p:cNvCxnSpPr>
-                <a:endCxn id="50" idx="7"/>
-              </p:cNvCxnSpPr>
-              <p:nvPr/>
-            </p:nvCxnSpPr>
-            <p:spPr>
-              <a:xfrm flipV="1">
-                <a:off x="3565871" y="3693872"/>
-                <a:ext cx="433349" cy="459028"/>
-              </a:xfrm>
-              <a:prstGeom prst="line">
-                <a:avLst/>
-              </a:prstGeom>
-              <a:ln w="31750">
-                <a:solidFill>
-                  <a:schemeClr val="tx1"/>
-                </a:solidFill>
-                <a:prstDash val="dash"/>
-              </a:ln>
-            </p:spPr>
-            <p:style>
-              <a:lnRef idx="1">
-                <a:schemeClr val="accent1"/>
-              </a:lnRef>
-              <a:fillRef idx="0">
-                <a:schemeClr val="accent1"/>
-              </a:fillRef>
-              <a:effectRef idx="0">
-                <a:schemeClr val="accent1"/>
-              </a:effectRef>
-              <a:fontRef idx="minor">
-                <a:schemeClr val="tx1"/>
-              </a:fontRef>
-            </p:style>
-          </p:cxnSp>
-          <p:cxnSp>
-            <p:nvCxnSpPr>
-              <p:cNvPr id="67" name="Straight Connector 66"/>
-              <p:cNvCxnSpPr>
-                <a:stCxn id="51" idx="5"/>
-              </p:cNvCxnSpPr>
-              <p:nvPr/>
-            </p:nvCxnSpPr>
-            <p:spPr>
-              <a:xfrm flipH="1" flipV="1">
-                <a:off x="3584963" y="2179419"/>
-                <a:ext cx="393259" cy="320080"/>
-              </a:xfrm>
-              <a:prstGeom prst="line">
-                <a:avLst/>
-              </a:prstGeom>
-              <a:ln w="31750">
-                <a:solidFill>
-                  <a:schemeClr val="tx1"/>
-                </a:solidFill>
-                <a:prstDash val="dash"/>
-              </a:ln>
-            </p:spPr>
-            <p:style>
-              <a:lnRef idx="1">
-                <a:schemeClr val="accent1"/>
-              </a:lnRef>
-              <a:fillRef idx="0">
-                <a:schemeClr val="accent1"/>
-              </a:fillRef>
-              <a:effectRef idx="0">
-                <a:schemeClr val="accent1"/>
-              </a:effectRef>
-              <a:fontRef idx="minor">
-                <a:schemeClr val="tx1"/>
-              </a:fontRef>
-            </p:style>
-          </p:cxnSp>
-          <p:cxnSp>
-            <p:nvCxnSpPr>
-              <p:cNvPr id="70" name="Straight Connector 69"/>
-              <p:cNvCxnSpPr>
-                <a:endCxn id="55" idx="1"/>
-              </p:cNvCxnSpPr>
-              <p:nvPr/>
-            </p:nvCxnSpPr>
-            <p:spPr>
-              <a:xfrm flipH="1" flipV="1">
-                <a:off x="5490698" y="3675882"/>
-                <a:ext cx="440653" cy="439277"/>
-              </a:xfrm>
-              <a:prstGeom prst="line">
-                <a:avLst/>
-              </a:prstGeom>
-              <a:ln w="31750">
-                <a:solidFill>
-                  <a:schemeClr val="tx1"/>
-                </a:solidFill>
-                <a:prstDash val="dash"/>
-              </a:ln>
-            </p:spPr>
-            <p:style>
-              <a:lnRef idx="1">
-                <a:schemeClr val="accent1"/>
-              </a:lnRef>
-              <a:fillRef idx="0">
-                <a:schemeClr val="accent1"/>
-              </a:fillRef>
-              <a:effectRef idx="0">
-                <a:schemeClr val="accent1"/>
-              </a:effectRef>
-              <a:fontRef idx="minor">
-                <a:schemeClr val="tx1"/>
-              </a:fontRef>
-            </p:style>
-          </p:cxnSp>
-          <p:cxnSp>
-            <p:nvCxnSpPr>
-              <p:cNvPr id="73" name="Straight Connector 72"/>
-              <p:cNvCxnSpPr>
-                <a:stCxn id="54" idx="3"/>
-              </p:cNvCxnSpPr>
-              <p:nvPr/>
-            </p:nvCxnSpPr>
-            <p:spPr>
-              <a:xfrm flipV="1">
-                <a:off x="5423776" y="2027307"/>
-                <a:ext cx="304162" cy="417205"/>
-              </a:xfrm>
-              <a:prstGeom prst="line">
-                <a:avLst/>
-              </a:prstGeom>
-              <a:ln w="31750">
-                <a:solidFill>
-                  <a:schemeClr val="tx1"/>
-                </a:solidFill>
-                <a:prstDash val="dash"/>
-              </a:ln>
-            </p:spPr>
-            <p:style>
-              <a:lnRef idx="1">
-                <a:schemeClr val="accent1"/>
-              </a:lnRef>
-              <a:fillRef idx="0">
-                <a:schemeClr val="accent1"/>
-              </a:fillRef>
-              <a:effectRef idx="0">
-                <a:schemeClr val="accent1"/>
-              </a:effectRef>
-              <a:fontRef idx="minor">
-                <a:schemeClr val="tx1"/>
-              </a:fontRef>
-            </p:style>
-          </p:cxnSp>
-          <p:sp>
-            <p:nvSpPr>
-              <p:cNvPr id="82" name="Oval 81"/>
-              <p:cNvSpPr/>
-              <p:nvPr/>
-            </p:nvSpPr>
-            <p:spPr>
-              <a:xfrm>
-                <a:off x="6462627" y="2356783"/>
-                <a:ext cx="1988678" cy="1513217"/>
-              </a:xfrm>
-              <a:prstGeom prst="ellipse">
-                <a:avLst/>
-              </a:prstGeom>
-              <a:solidFill>
-                <a:schemeClr val="accent5">
-                  <a:lumMod val="20000"/>
-                  <a:lumOff val="80000"/>
-                </a:schemeClr>
-              </a:solidFill>
-              <a:ln>
-                <a:solidFill>
-                  <a:schemeClr val="tx1"/>
-                </a:solidFill>
-              </a:ln>
-              <a:effectLst/>
-            </p:spPr>
-            <p:style>
-              <a:lnRef idx="2">
-                <a:schemeClr val="accent1">
-                  <a:shade val="50000"/>
-                </a:schemeClr>
-              </a:lnRef>
-              <a:fillRef idx="1">
-                <a:schemeClr val="accent1"/>
-              </a:fillRef>
-              <a:effectRef idx="0">
-                <a:schemeClr val="accent1"/>
-              </a:effectRef>
-              <a:fontRef idx="minor">
-                <a:schemeClr val="lt1"/>
-              </a:fontRef>
-            </p:style>
-            <p:txBody>
-              <a:bodyPr rtlCol="0" anchor="ctr"/>
-              <a:lstStyle/>
-              <a:p>
-                <a:pPr algn="ctr"/>
-                <a:r>
-                  <a:rPr lang="en-US" b="1" dirty="0" smtClean="0">
-                    <a:solidFill>
-                      <a:schemeClr val="tx1"/>
-                    </a:solidFill>
-                    <a:latin typeface="Helvetica" charset="0"/>
-                    <a:ea typeface="Helvetica" charset="0"/>
-                    <a:cs typeface="Helvetica" charset="0"/>
-                  </a:rPr>
-                  <a:t>Carrier B</a:t>
-                </a:r>
-                <a:endParaRPr lang="en-US" b="1" dirty="0">
+                </a:rPr>
+                <a:t>Bunder’s</a:t>
+              </a:r>
+              <a:r>
+                <a:rPr lang="en-US" sz="1200" dirty="0" smtClean="0">
                   <a:solidFill>
                     <a:schemeClr val="tx1"/>
                   </a:solidFill>
                   <a:latin typeface="Helvetica" charset="0"/>
                   <a:ea typeface="Helvetica" charset="0"/>
                   <a:cs typeface="Helvetica" charset="0"/>
-                </a:endParaRPr>
-              </a:p>
-            </p:txBody>
-          </p:sp>
-          <p:pic>
-            <p:nvPicPr>
-              <p:cNvPr id="83" name="Picture 55"/>
-              <p:cNvPicPr>
-                <a:picLocks noChangeArrowheads="1"/>
-              </p:cNvPicPr>
-              <p:nvPr/>
-            </p:nvPicPr>
-            <p:blipFill>
-              <a:blip r:embed="rId2">
-                <a:extLst>
-                  <a:ext uri="{28A0092B-C50C-407E-A947-70E740481C1C}">
-                    <a14:useLocalDpi xmlns:a14="http://schemas.microsoft.com/office/drawing/2010/main" val="0"/>
-                  </a:ext>
-                </a:extLst>
-              </a:blip>
-              <a:srcRect/>
-              <a:stretch>
-                <a:fillRect/>
-              </a:stretch>
-            </p:blipFill>
-            <p:spPr bwMode="auto">
-              <a:xfrm>
-                <a:off x="6245385" y="2954766"/>
-                <a:ext cx="438509" cy="319029"/>
-              </a:xfrm>
-              <a:prstGeom prst="rect">
-                <a:avLst/>
-              </a:prstGeom>
-              <a:noFill/>
-              <a:ln>
-                <a:noFill/>
-              </a:ln>
-              <a:extLst>
-                <a:ext uri="{909E8E84-426E-40dd-AFC4-6F175D3DCCD1}">
-                  <a14:hiddenFill xmlns:a14="http://schemas.microsoft.com/office/drawing/2010/main" xmlns="">
-                    <a:solidFill>
-                      <a:srgbClr val="FFFFFF"/>
-                    </a:solidFill>
-                  </a14:hiddenFill>
-                </a:ext>
-                <a:ext uri="{91240B29-F687-4f45-9708-019B960494DF}">
-                  <a14:hiddenLine xmlns:a14="http://schemas.microsoft.com/office/drawing/2010/main" xmlns="" w="9525">
-                    <a:solidFill>
-                      <a:srgbClr val="000000"/>
-                    </a:solidFill>
-                    <a:miter lim="800000"/>
-                    <a:headEnd/>
-                    <a:tailEnd/>
-                  </a14:hiddenLine>
-                </a:ext>
-              </a:extLst>
-            </p:spPr>
-          </p:pic>
-          <p:pic>
-            <p:nvPicPr>
-              <p:cNvPr id="84" name="Picture 55"/>
-              <p:cNvPicPr>
-                <a:picLocks noChangeArrowheads="1"/>
-              </p:cNvPicPr>
-              <p:nvPr/>
-            </p:nvPicPr>
-            <p:blipFill>
-              <a:blip r:embed="rId2">
-                <a:extLst>
-                  <a:ext uri="{28A0092B-C50C-407E-A947-70E740481C1C}">
-                    <a14:useLocalDpi xmlns:a14="http://schemas.microsoft.com/office/drawing/2010/main" val="0"/>
-                  </a:ext>
-                </a:extLst>
-              </a:blip>
-              <a:srcRect/>
-              <a:stretch>
-                <a:fillRect/>
-              </a:stretch>
-            </p:blipFill>
-            <p:spPr bwMode="auto">
-              <a:xfrm>
-                <a:off x="8216209" y="2955596"/>
-                <a:ext cx="438509" cy="319029"/>
-              </a:xfrm>
-              <a:prstGeom prst="rect">
-                <a:avLst/>
-              </a:prstGeom>
-              <a:noFill/>
-              <a:ln>
-                <a:noFill/>
-              </a:ln>
-              <a:extLst>
-                <a:ext uri="{909E8E84-426E-40dd-AFC4-6F175D3DCCD1}">
-                  <a14:hiddenFill xmlns:a14="http://schemas.microsoft.com/office/drawing/2010/main" xmlns="">
-                    <a:solidFill>
-                      <a:srgbClr val="FFFFFF"/>
-                    </a:solidFill>
-                  </a14:hiddenFill>
-                </a:ext>
-                <a:ext uri="{91240B29-F687-4f45-9708-019B960494DF}">
-                  <a14:hiddenLine xmlns:a14="http://schemas.microsoft.com/office/drawing/2010/main" xmlns="" w="9525">
-                    <a:solidFill>
-                      <a:srgbClr val="000000"/>
-                    </a:solidFill>
-                    <a:miter lim="800000"/>
-                    <a:headEnd/>
-                    <a:tailEnd/>
-                  </a14:hiddenLine>
-                </a:ext>
-              </a:extLst>
-            </p:spPr>
-          </p:pic>
-          <p:sp>
-            <p:nvSpPr>
-              <p:cNvPr id="85" name="Oval 84"/>
-              <p:cNvSpPr/>
-              <p:nvPr/>
-            </p:nvSpPr>
-            <p:spPr>
-              <a:xfrm flipH="1" flipV="1">
-                <a:off x="6695805" y="3548172"/>
-                <a:ext cx="182880" cy="182880"/>
-              </a:xfrm>
-              <a:prstGeom prst="ellipse">
-                <a:avLst/>
-              </a:prstGeom>
+                </a:rPr>
+                <a:t> </a:t>
+              </a:r>
+              <a:r>
+                <a:rPr lang="en-US" sz="1200" i="1" dirty="0" smtClean="0">
+                  <a:solidFill>
+                    <a:schemeClr val="tx1"/>
+                  </a:solidFill>
+                  <a:latin typeface="Helvetica" charset="0"/>
+                  <a:ea typeface="Helvetica" charset="0"/>
+                  <a:cs typeface="Helvetica" charset="0"/>
+                </a:rPr>
+                <a:t>send-</a:t>
+              </a:r>
+            </a:p>
+            <a:p>
+              <a:pPr algn="ctr"/>
+              <a:r>
+                <a:rPr lang="en-US" sz="1200" i="1" dirty="0" smtClean="0">
+                  <a:solidFill>
+                    <a:schemeClr val="tx1"/>
+                  </a:solidFill>
+                  <a:latin typeface="Helvetica" charset="0"/>
+                  <a:ea typeface="Helvetica" charset="0"/>
+                  <a:cs typeface="Helvetica" charset="0"/>
+                </a:rPr>
+                <a:t>box</a:t>
+              </a:r>
+            </a:p>
+          </p:txBody>
+        </p:sp>
+        <p:sp>
+          <p:nvSpPr>
+            <p:cNvPr id="30" name="Rectangle 29"/>
+            <p:cNvSpPr/>
+            <p:nvPr/>
+          </p:nvSpPr>
+          <p:spPr>
+            <a:xfrm>
+              <a:off x="9630099" y="2665408"/>
+              <a:ext cx="804672" cy="804672"/>
+            </a:xfrm>
+            <a:prstGeom prst="rect">
+              <a:avLst/>
+            </a:prstGeom>
+            <a:solidFill>
+              <a:srgbClr val="FBE5D6"/>
+            </a:solidFill>
+            <a:ln>
               <a:solidFill>
                 <a:schemeClr val="tx1"/>
               </a:solidFill>
-              <a:ln>
+            </a:ln>
+          </p:spPr>
+          <p:style>
+            <a:lnRef idx="2">
+              <a:schemeClr val="accent1">
+                <a:shade val="50000"/>
+              </a:schemeClr>
+            </a:lnRef>
+            <a:fillRef idx="1">
+              <a:schemeClr val="accent1"/>
+            </a:fillRef>
+            <a:effectRef idx="0">
+              <a:schemeClr val="accent1"/>
+            </a:effectRef>
+            <a:fontRef idx="minor">
+              <a:schemeClr val="lt1"/>
+            </a:fontRef>
+          </p:style>
+          <p:txBody>
+            <a:bodyPr rtlCol="0" anchor="ctr"/>
+            <a:lstStyle/>
+            <a:p>
+              <a:pPr algn="ctr"/>
+              <a:r>
+                <a:rPr lang="en-US" sz="1200" dirty="0" err="1" smtClean="0">
+                  <a:solidFill>
+                    <a:schemeClr val="tx1"/>
+                  </a:solidFill>
+                  <a:latin typeface="Helvetica" charset="0"/>
+                  <a:ea typeface="Helvetica" charset="0"/>
+                  <a:cs typeface="Helvetica" charset="0"/>
+                </a:rPr>
+                <a:t>Bunder’s</a:t>
+              </a:r>
+              <a:r>
+                <a:rPr lang="en-US" sz="1200" dirty="0" smtClean="0">
+                  <a:solidFill>
+                    <a:schemeClr val="tx1"/>
+                  </a:solidFill>
+                  <a:latin typeface="Helvetica" charset="0"/>
+                  <a:ea typeface="Helvetica" charset="0"/>
+                  <a:cs typeface="Helvetica" charset="0"/>
+                </a:rPr>
+                <a:t> </a:t>
+              </a:r>
+              <a:r>
+                <a:rPr lang="en-US" sz="1200" i="1" dirty="0" smtClean="0">
+                  <a:solidFill>
+                    <a:schemeClr val="tx1"/>
+                  </a:solidFill>
+                  <a:latin typeface="Helvetica" charset="0"/>
+                  <a:ea typeface="Helvetica" charset="0"/>
+                  <a:cs typeface="Helvetica" charset="0"/>
+                </a:rPr>
+                <a:t>receive-box</a:t>
+              </a:r>
+              <a:endParaRPr lang="en-US" sz="1200" i="1" dirty="0">
                 <a:solidFill>
                   <a:schemeClr val="tx1"/>
                 </a:solidFill>
-              </a:ln>
-              <a:effectLst/>
-            </p:spPr>
-            <p:style>
-              <a:lnRef idx="2">
-                <a:schemeClr val="accent1">
-                  <a:shade val="50000"/>
-                </a:schemeClr>
-              </a:lnRef>
-              <a:fillRef idx="1">
-                <a:schemeClr val="accent1"/>
-              </a:fillRef>
-              <a:effectRef idx="0">
-                <a:schemeClr val="accent1"/>
-              </a:effectRef>
-              <a:fontRef idx="minor">
-                <a:schemeClr val="lt1"/>
-              </a:fontRef>
-            </p:style>
-            <p:txBody>
-              <a:bodyPr rtlCol="0" anchor="ctr"/>
-              <a:lstStyle/>
-              <a:p>
-                <a:pPr algn="ctr"/>
-                <a:endParaRPr lang="en-US"/>
-              </a:p>
-            </p:txBody>
-          </p:sp>
-          <p:sp>
-            <p:nvSpPr>
-              <p:cNvPr id="86" name="Oval 85"/>
-              <p:cNvSpPr/>
-              <p:nvPr/>
-            </p:nvSpPr>
-            <p:spPr>
-              <a:xfrm flipH="1" flipV="1">
-                <a:off x="6674807" y="2483115"/>
-                <a:ext cx="182880" cy="182880"/>
-              </a:xfrm>
-              <a:prstGeom prst="ellipse">
-                <a:avLst/>
-              </a:prstGeom>
+                <a:latin typeface="Helvetica" charset="0"/>
+                <a:ea typeface="Helvetica" charset="0"/>
+                <a:cs typeface="Helvetica" charset="0"/>
+              </a:endParaRPr>
+            </a:p>
+          </p:txBody>
+        </p:sp>
+        <p:pic>
+          <p:nvPicPr>
+            <p:cNvPr id="34" name="Picture 55"/>
+            <p:cNvPicPr>
+              <a:picLocks noChangeArrowheads="1"/>
+            </p:cNvPicPr>
+            <p:nvPr/>
+          </p:nvPicPr>
+          <p:blipFill>
+            <a:blip r:embed="rId2">
+              <a:extLst>
+                <a:ext uri="{28A0092B-C50C-407E-A947-70E740481C1C}">
+                  <a14:useLocalDpi xmlns:a14="http://schemas.microsoft.com/office/drawing/2010/main" val="0"/>
+                </a:ext>
+              </a:extLst>
+            </a:blip>
+            <a:srcRect/>
+            <a:stretch>
+              <a:fillRect/>
+            </a:stretch>
+          </p:blipFill>
+          <p:spPr bwMode="auto">
+            <a:xfrm>
+              <a:off x="10662990" y="3023118"/>
+              <a:ext cx="438509" cy="319029"/>
+            </a:xfrm>
+            <a:prstGeom prst="rect">
+              <a:avLst/>
+            </a:prstGeom>
+            <a:noFill/>
+            <a:ln>
+              <a:noFill/>
+            </a:ln>
+            <a:extLst>
+              <a:ext uri="{909E8E84-426E-40dd-AFC4-6F175D3DCCD1}">
+                <a14:hiddenFill xmlns:a14="http://schemas.microsoft.com/office/drawing/2010/main" xmlns="">
+                  <a:solidFill>
+                    <a:srgbClr val="FFFFFF"/>
+                  </a:solidFill>
+                </a14:hiddenFill>
+              </a:ext>
+              <a:ext uri="{91240B29-F687-4f45-9708-019B960494DF}">
+                <a14:hiddenLine xmlns:a14="http://schemas.microsoft.com/office/drawing/2010/main" xmlns="" w="9525">
+                  <a:solidFill>
+                    <a:srgbClr val="000000"/>
+                  </a:solidFill>
+                  <a:miter lim="800000"/>
+                  <a:headEnd/>
+                  <a:tailEnd/>
+                </a14:hiddenLine>
+              </a:ext>
+            </a:extLst>
+          </p:spPr>
+        </p:pic>
+        <p:sp>
+          <p:nvSpPr>
+            <p:cNvPr id="35" name="TextBox 34"/>
+            <p:cNvSpPr txBox="1"/>
+            <p:nvPr/>
+          </p:nvSpPr>
+          <p:spPr>
+            <a:xfrm>
+              <a:off x="0" y="4199165"/>
+              <a:ext cx="3232744" cy="646331"/>
+            </a:xfrm>
+            <a:prstGeom prst="rect">
+              <a:avLst/>
+            </a:prstGeom>
+            <a:noFill/>
+          </p:spPr>
+          <p:txBody>
+            <a:bodyPr wrap="none" rtlCol="0">
+              <a:spAutoFit/>
+            </a:bodyPr>
+            <a:lstStyle/>
+            <a:p>
+              <a:pPr algn="ctr"/>
+              <a:r>
+                <a:rPr lang="en-US" b="1" dirty="0" smtClean="0">
+                  <a:latin typeface="Helvetica" charset="0"/>
+                  <a:ea typeface="Helvetica" charset="0"/>
+                  <a:cs typeface="Helvetica" charset="0"/>
+                </a:rPr>
+                <a:t>Sending Domain</a:t>
+              </a:r>
+            </a:p>
+            <a:p>
+              <a:pPr algn="ctr"/>
+              <a:r>
+                <a:rPr lang="en-US" dirty="0" smtClean="0">
+                  <a:latin typeface="Helvetica" charset="0"/>
+                  <a:ea typeface="Helvetica" charset="0"/>
+                  <a:cs typeface="Helvetica" charset="0"/>
+                </a:rPr>
+                <a:t>(say, a large content provider)</a:t>
+              </a:r>
+              <a:endParaRPr lang="en-US" dirty="0">
+                <a:latin typeface="Helvetica" charset="0"/>
+                <a:ea typeface="Helvetica" charset="0"/>
+                <a:cs typeface="Helvetica" charset="0"/>
+              </a:endParaRPr>
+            </a:p>
+          </p:txBody>
+        </p:sp>
+        <p:sp>
+          <p:nvSpPr>
+            <p:cNvPr id="36" name="TextBox 35"/>
+            <p:cNvSpPr txBox="1"/>
+            <p:nvPr/>
+          </p:nvSpPr>
+          <p:spPr>
+            <a:xfrm>
+              <a:off x="9117942" y="4191549"/>
+              <a:ext cx="3027560" cy="646331"/>
+            </a:xfrm>
+            <a:prstGeom prst="rect">
+              <a:avLst/>
+            </a:prstGeom>
+            <a:noFill/>
+          </p:spPr>
+          <p:txBody>
+            <a:bodyPr wrap="none" rtlCol="0">
+              <a:spAutoFit/>
+            </a:bodyPr>
+            <a:lstStyle/>
+            <a:p>
+              <a:pPr algn="ctr"/>
+              <a:r>
+                <a:rPr lang="en-US" b="1" dirty="0" smtClean="0">
+                  <a:latin typeface="Helvetica" charset="0"/>
+                  <a:ea typeface="Helvetica" charset="0"/>
+                  <a:cs typeface="Helvetica" charset="0"/>
+                </a:rPr>
+                <a:t>Receiving Domain</a:t>
+              </a:r>
+            </a:p>
+            <a:p>
+              <a:pPr algn="ctr"/>
+              <a:r>
+                <a:rPr lang="en-US" dirty="0" smtClean="0">
+                  <a:latin typeface="Helvetica" charset="0"/>
+                  <a:ea typeface="Helvetica" charset="0"/>
+                  <a:cs typeface="Helvetica" charset="0"/>
+                </a:rPr>
+                <a:t>(say, an enterprise network)</a:t>
+              </a:r>
+              <a:endParaRPr lang="en-US" dirty="0">
+                <a:latin typeface="Helvetica" charset="0"/>
+                <a:ea typeface="Helvetica" charset="0"/>
+                <a:cs typeface="Helvetica" charset="0"/>
+              </a:endParaRPr>
+            </a:p>
+          </p:txBody>
+        </p:sp>
+        <p:pic>
+          <p:nvPicPr>
+            <p:cNvPr id="38" name="Picture 37"/>
+            <p:cNvPicPr>
+              <a:picLocks noChangeAspect="1"/>
+            </p:cNvPicPr>
+            <p:nvPr/>
+          </p:nvPicPr>
+          <p:blipFill>
+            <a:blip r:embed="rId3">
+              <a:extLst>
+                <a:ext uri="{28A0092B-C50C-407E-A947-70E740481C1C}">
+                  <a14:useLocalDpi xmlns:a14="http://schemas.microsoft.com/office/drawing/2010/main" val="0"/>
+                </a:ext>
+              </a:extLst>
+            </a:blip>
+            <a:stretch>
+              <a:fillRect/>
+            </a:stretch>
+          </p:blipFill>
+          <p:spPr>
+            <a:xfrm flipH="1">
+              <a:off x="10638184" y="2481596"/>
+              <a:ext cx="429904" cy="281587"/>
+            </a:xfrm>
+            <a:prstGeom prst="rect">
+              <a:avLst/>
+            </a:prstGeom>
+          </p:spPr>
+        </p:pic>
+        <p:pic>
+          <p:nvPicPr>
+            <p:cNvPr id="39" name="Picture 38"/>
+            <p:cNvPicPr>
+              <a:picLocks/>
+            </p:cNvPicPr>
+            <p:nvPr/>
+          </p:nvPicPr>
+          <p:blipFill>
+            <a:blip r:embed="rId4">
+              <a:extLst>
+                <a:ext uri="{28A0092B-C50C-407E-A947-70E740481C1C}">
+                  <a14:useLocalDpi xmlns:a14="http://schemas.microsoft.com/office/drawing/2010/main" val="0"/>
+                </a:ext>
+              </a:extLst>
+            </a:blip>
+            <a:stretch>
+              <a:fillRect/>
+            </a:stretch>
+          </p:blipFill>
+          <p:spPr>
+            <a:xfrm flipH="1">
+              <a:off x="10687598" y="3520521"/>
+              <a:ext cx="363803" cy="420798"/>
+            </a:xfrm>
+            <a:prstGeom prst="rect">
+              <a:avLst/>
+            </a:prstGeom>
+          </p:spPr>
+        </p:pic>
+        <p:pic>
+          <p:nvPicPr>
+            <p:cNvPr id="40" name="Picture 39"/>
+            <p:cNvPicPr>
+              <a:picLocks/>
+            </p:cNvPicPr>
+            <p:nvPr/>
+          </p:nvPicPr>
+          <p:blipFill>
+            <a:blip r:embed="rId5">
+              <a:extLst>
+                <a:ext uri="{28A0092B-C50C-407E-A947-70E740481C1C}">
+                  <a14:useLocalDpi xmlns:a14="http://schemas.microsoft.com/office/drawing/2010/main" val="0"/>
+                </a:ext>
+              </a:extLst>
+            </a:blip>
+            <a:stretch>
+              <a:fillRect/>
+            </a:stretch>
+          </p:blipFill>
+          <p:spPr>
+            <a:xfrm flipH="1">
+              <a:off x="11396361" y="2810130"/>
+              <a:ext cx="279381" cy="390132"/>
+            </a:xfrm>
+            <a:prstGeom prst="rect">
+              <a:avLst/>
+            </a:prstGeom>
+          </p:spPr>
+        </p:pic>
+        <p:pic>
+          <p:nvPicPr>
+            <p:cNvPr id="41" name="Picture 40" descr="laptop.png"/>
+            <p:cNvPicPr>
+              <a:picLocks noChangeAspect="1"/>
+            </p:cNvPicPr>
+            <p:nvPr/>
+          </p:nvPicPr>
+          <p:blipFill>
+            <a:blip r:embed="rId6">
+              <a:extLst>
+                <a:ext uri="{28A0092B-C50C-407E-A947-70E740481C1C}">
+                  <a14:useLocalDpi xmlns:a14="http://schemas.microsoft.com/office/drawing/2010/main" val="0"/>
+                </a:ext>
+              </a:extLst>
+            </a:blip>
+            <a:stretch>
+              <a:fillRect/>
+            </a:stretch>
+          </p:blipFill>
+          <p:spPr>
+            <a:xfrm>
+              <a:off x="10955440" y="2096651"/>
+              <a:ext cx="409243" cy="409243"/>
+            </a:xfrm>
+            <a:prstGeom prst="rect">
+              <a:avLst/>
+            </a:prstGeom>
+          </p:spPr>
+        </p:pic>
+        <p:pic>
+          <p:nvPicPr>
+            <p:cNvPr id="43" name="Picture 42" descr="laptop.png"/>
+            <p:cNvPicPr>
+              <a:picLocks noChangeAspect="1"/>
+            </p:cNvPicPr>
+            <p:nvPr/>
+          </p:nvPicPr>
+          <p:blipFill>
+            <a:blip r:embed="rId6">
+              <a:extLst>
+                <a:ext uri="{28A0092B-C50C-407E-A947-70E740481C1C}">
+                  <a14:useLocalDpi xmlns:a14="http://schemas.microsoft.com/office/drawing/2010/main" val="0"/>
+                </a:ext>
+              </a:extLst>
+            </a:blip>
+            <a:stretch>
+              <a:fillRect/>
+            </a:stretch>
+          </p:blipFill>
+          <p:spPr>
+            <a:xfrm>
+              <a:off x="11306548" y="3240989"/>
+              <a:ext cx="409243" cy="409243"/>
+            </a:xfrm>
+            <a:prstGeom prst="rect">
+              <a:avLst/>
+            </a:prstGeom>
+          </p:spPr>
+        </p:pic>
+        <p:pic>
+          <p:nvPicPr>
+            <p:cNvPr id="49" name="Picture 48"/>
+            <p:cNvPicPr>
+              <a:picLocks/>
+            </p:cNvPicPr>
+            <p:nvPr/>
+          </p:nvPicPr>
+          <p:blipFill>
+            <a:blip r:embed="rId4">
+              <a:extLst>
+                <a:ext uri="{28A0092B-C50C-407E-A947-70E740481C1C}">
+                  <a14:useLocalDpi xmlns:a14="http://schemas.microsoft.com/office/drawing/2010/main" val="0"/>
+                </a:ext>
+              </a:extLst>
+            </a:blip>
+            <a:stretch>
+              <a:fillRect/>
+            </a:stretch>
+          </p:blipFill>
+          <p:spPr>
+            <a:xfrm flipH="1">
+              <a:off x="572468" y="2309169"/>
+              <a:ext cx="363803" cy="420798"/>
+            </a:xfrm>
+            <a:prstGeom prst="rect">
+              <a:avLst/>
+            </a:prstGeom>
+          </p:spPr>
+        </p:pic>
+        <p:sp>
+          <p:nvSpPr>
+            <p:cNvPr id="50" name="Oval 49"/>
+            <p:cNvSpPr/>
+            <p:nvPr/>
+          </p:nvSpPr>
+          <p:spPr>
+            <a:xfrm flipH="1" flipV="1">
+              <a:off x="3972438" y="3537774"/>
+              <a:ext cx="182880" cy="182880"/>
+            </a:xfrm>
+            <a:prstGeom prst="ellipse">
+              <a:avLst/>
+            </a:prstGeom>
+            <a:solidFill>
+              <a:schemeClr val="tx1"/>
+            </a:solidFill>
+            <a:ln>
               <a:solidFill>
                 <a:schemeClr val="tx1"/>
               </a:solidFill>
-              <a:ln>
+            </a:ln>
+            <a:effectLst/>
+          </p:spPr>
+          <p:style>
+            <a:lnRef idx="2">
+              <a:schemeClr val="accent1">
+                <a:shade val="50000"/>
+              </a:schemeClr>
+            </a:lnRef>
+            <a:fillRef idx="1">
+              <a:schemeClr val="accent1"/>
+            </a:fillRef>
+            <a:effectRef idx="0">
+              <a:schemeClr val="accent1"/>
+            </a:effectRef>
+            <a:fontRef idx="minor">
+              <a:schemeClr val="lt1"/>
+            </a:fontRef>
+          </p:style>
+          <p:txBody>
+            <a:bodyPr rtlCol="0" anchor="ctr"/>
+            <a:lstStyle/>
+            <a:p>
+              <a:pPr algn="ctr"/>
+              <a:endParaRPr lang="en-US"/>
+            </a:p>
+          </p:txBody>
+        </p:sp>
+        <p:sp>
+          <p:nvSpPr>
+            <p:cNvPr id="51" name="Oval 50"/>
+            <p:cNvSpPr/>
+            <p:nvPr/>
+          </p:nvSpPr>
+          <p:spPr>
+            <a:xfrm flipH="1" flipV="1">
+              <a:off x="3951440" y="2472717"/>
+              <a:ext cx="182880" cy="182880"/>
+            </a:xfrm>
+            <a:prstGeom prst="ellipse">
+              <a:avLst/>
+            </a:prstGeom>
+            <a:solidFill>
+              <a:schemeClr val="tx1"/>
+            </a:solidFill>
+            <a:ln>
+              <a:solidFill>
+                <a:schemeClr val="tx1"/>
+              </a:solidFill>
+            </a:ln>
+            <a:effectLst/>
+          </p:spPr>
+          <p:style>
+            <a:lnRef idx="2">
+              <a:schemeClr val="accent1">
+                <a:shade val="50000"/>
+              </a:schemeClr>
+            </a:lnRef>
+            <a:fillRef idx="1">
+              <a:schemeClr val="accent1"/>
+            </a:fillRef>
+            <a:effectRef idx="0">
+              <a:schemeClr val="accent1"/>
+            </a:effectRef>
+            <a:fontRef idx="minor">
+              <a:schemeClr val="lt1"/>
+            </a:fontRef>
+          </p:style>
+          <p:txBody>
+            <a:bodyPr rtlCol="0" anchor="ctr"/>
+            <a:lstStyle/>
+            <a:p>
+              <a:pPr algn="ctr"/>
+              <a:endParaRPr lang="en-US"/>
+            </a:p>
+          </p:txBody>
+        </p:sp>
+        <p:sp>
+          <p:nvSpPr>
+            <p:cNvPr id="54" name="Oval 53"/>
+            <p:cNvSpPr/>
+            <p:nvPr/>
+          </p:nvSpPr>
+          <p:spPr>
+            <a:xfrm flipH="1" flipV="1">
+              <a:off x="5267678" y="2417730"/>
+              <a:ext cx="182880" cy="182880"/>
+            </a:xfrm>
+            <a:prstGeom prst="ellipse">
+              <a:avLst/>
+            </a:prstGeom>
+            <a:solidFill>
+              <a:schemeClr val="tx1"/>
+            </a:solidFill>
+            <a:ln>
+              <a:solidFill>
+                <a:schemeClr val="tx1"/>
+              </a:solidFill>
+            </a:ln>
+            <a:effectLst/>
+          </p:spPr>
+          <p:style>
+            <a:lnRef idx="2">
+              <a:schemeClr val="accent1">
+                <a:shade val="50000"/>
+              </a:schemeClr>
+            </a:lnRef>
+            <a:fillRef idx="1">
+              <a:schemeClr val="accent1"/>
+            </a:fillRef>
+            <a:effectRef idx="0">
+              <a:schemeClr val="accent1"/>
+            </a:effectRef>
+            <a:fontRef idx="minor">
+              <a:schemeClr val="lt1"/>
+            </a:fontRef>
+          </p:style>
+          <p:txBody>
+            <a:bodyPr rtlCol="0" anchor="ctr"/>
+            <a:lstStyle/>
+            <a:p>
+              <a:pPr algn="ctr"/>
+              <a:endParaRPr lang="en-US"/>
+            </a:p>
+          </p:txBody>
+        </p:sp>
+        <p:sp>
+          <p:nvSpPr>
+            <p:cNvPr id="55" name="Oval 54"/>
+            <p:cNvSpPr/>
+            <p:nvPr/>
+          </p:nvSpPr>
+          <p:spPr>
+            <a:xfrm flipH="1" flipV="1">
+              <a:off x="5334600" y="3519784"/>
+              <a:ext cx="182880" cy="182880"/>
+            </a:xfrm>
+            <a:prstGeom prst="ellipse">
+              <a:avLst/>
+            </a:prstGeom>
+            <a:solidFill>
+              <a:schemeClr val="tx1"/>
+            </a:solidFill>
+            <a:ln>
+              <a:solidFill>
+                <a:schemeClr val="tx1"/>
+              </a:solidFill>
+            </a:ln>
+            <a:effectLst/>
+          </p:spPr>
+          <p:style>
+            <a:lnRef idx="2">
+              <a:schemeClr val="accent1">
+                <a:shade val="50000"/>
+              </a:schemeClr>
+            </a:lnRef>
+            <a:fillRef idx="1">
+              <a:schemeClr val="accent1"/>
+            </a:fillRef>
+            <a:effectRef idx="0">
+              <a:schemeClr val="accent1"/>
+            </a:effectRef>
+            <a:fontRef idx="minor">
+              <a:schemeClr val="lt1"/>
+            </a:fontRef>
+          </p:style>
+          <p:txBody>
+            <a:bodyPr rtlCol="0" anchor="ctr"/>
+            <a:lstStyle/>
+            <a:p>
+              <a:pPr algn="ctr"/>
+              <a:endParaRPr lang="en-US"/>
+            </a:p>
+          </p:txBody>
+        </p:sp>
+        <p:cxnSp>
+          <p:nvCxnSpPr>
+            <p:cNvPr id="62" name="Straight Connector 61"/>
+            <p:cNvCxnSpPr>
+              <a:endCxn id="50" idx="7"/>
+            </p:cNvCxnSpPr>
+            <p:nvPr/>
+          </p:nvCxnSpPr>
+          <p:spPr>
+            <a:xfrm flipV="1">
+              <a:off x="3565871" y="3693872"/>
+              <a:ext cx="433349" cy="459028"/>
+            </a:xfrm>
+            <a:prstGeom prst="line">
+              <a:avLst/>
+            </a:prstGeom>
+            <a:ln w="31750">
+              <a:solidFill>
+                <a:schemeClr val="tx1"/>
+              </a:solidFill>
+              <a:prstDash val="dash"/>
+            </a:ln>
+          </p:spPr>
+          <p:style>
+            <a:lnRef idx="1">
+              <a:schemeClr val="accent1"/>
+            </a:lnRef>
+            <a:fillRef idx="0">
+              <a:schemeClr val="accent1"/>
+            </a:fillRef>
+            <a:effectRef idx="0">
+              <a:schemeClr val="accent1"/>
+            </a:effectRef>
+            <a:fontRef idx="minor">
+              <a:schemeClr val="tx1"/>
+            </a:fontRef>
+          </p:style>
+        </p:cxnSp>
+        <p:cxnSp>
+          <p:nvCxnSpPr>
+            <p:cNvPr id="67" name="Straight Connector 66"/>
+            <p:cNvCxnSpPr>
+              <a:stCxn id="51" idx="5"/>
+            </p:cNvCxnSpPr>
+            <p:nvPr/>
+          </p:nvCxnSpPr>
+          <p:spPr>
+            <a:xfrm flipH="1" flipV="1">
+              <a:off x="3584963" y="2179419"/>
+              <a:ext cx="393259" cy="320080"/>
+            </a:xfrm>
+            <a:prstGeom prst="line">
+              <a:avLst/>
+            </a:prstGeom>
+            <a:ln w="31750">
+              <a:solidFill>
+                <a:schemeClr val="tx1"/>
+              </a:solidFill>
+              <a:prstDash val="dash"/>
+            </a:ln>
+          </p:spPr>
+          <p:style>
+            <a:lnRef idx="1">
+              <a:schemeClr val="accent1"/>
+            </a:lnRef>
+            <a:fillRef idx="0">
+              <a:schemeClr val="accent1"/>
+            </a:fillRef>
+            <a:effectRef idx="0">
+              <a:schemeClr val="accent1"/>
+            </a:effectRef>
+            <a:fontRef idx="minor">
+              <a:schemeClr val="tx1"/>
+            </a:fontRef>
+          </p:style>
+        </p:cxnSp>
+        <p:cxnSp>
+          <p:nvCxnSpPr>
+            <p:cNvPr id="70" name="Straight Connector 69"/>
+            <p:cNvCxnSpPr>
+              <a:endCxn id="55" idx="1"/>
+            </p:cNvCxnSpPr>
+            <p:nvPr/>
+          </p:nvCxnSpPr>
+          <p:spPr>
+            <a:xfrm flipH="1" flipV="1">
+              <a:off x="5490698" y="3675882"/>
+              <a:ext cx="440653" cy="439277"/>
+            </a:xfrm>
+            <a:prstGeom prst="line">
+              <a:avLst/>
+            </a:prstGeom>
+            <a:ln w="31750">
+              <a:solidFill>
+                <a:schemeClr val="tx1"/>
+              </a:solidFill>
+              <a:prstDash val="dash"/>
+            </a:ln>
+          </p:spPr>
+          <p:style>
+            <a:lnRef idx="1">
+              <a:schemeClr val="accent1"/>
+            </a:lnRef>
+            <a:fillRef idx="0">
+              <a:schemeClr val="accent1"/>
+            </a:fillRef>
+            <a:effectRef idx="0">
+              <a:schemeClr val="accent1"/>
+            </a:effectRef>
+            <a:fontRef idx="minor">
+              <a:schemeClr val="tx1"/>
+            </a:fontRef>
+          </p:style>
+        </p:cxnSp>
+        <p:cxnSp>
+          <p:nvCxnSpPr>
+            <p:cNvPr id="73" name="Straight Connector 72"/>
+            <p:cNvCxnSpPr>
+              <a:stCxn id="54" idx="3"/>
+            </p:cNvCxnSpPr>
+            <p:nvPr/>
+          </p:nvCxnSpPr>
+          <p:spPr>
+            <a:xfrm flipV="1">
+              <a:off x="5423776" y="2027307"/>
+              <a:ext cx="304162" cy="417205"/>
+            </a:xfrm>
+            <a:prstGeom prst="line">
+              <a:avLst/>
+            </a:prstGeom>
+            <a:ln w="31750">
+              <a:solidFill>
+                <a:schemeClr val="tx1"/>
+              </a:solidFill>
+              <a:prstDash val="dash"/>
+            </a:ln>
+          </p:spPr>
+          <p:style>
+            <a:lnRef idx="1">
+              <a:schemeClr val="accent1"/>
+            </a:lnRef>
+            <a:fillRef idx="0">
+              <a:schemeClr val="accent1"/>
+            </a:fillRef>
+            <a:effectRef idx="0">
+              <a:schemeClr val="accent1"/>
+            </a:effectRef>
+            <a:fontRef idx="minor">
+              <a:schemeClr val="tx1"/>
+            </a:fontRef>
+          </p:style>
+        </p:cxnSp>
+        <p:sp>
+          <p:nvSpPr>
+            <p:cNvPr id="82" name="Oval 81"/>
+            <p:cNvSpPr/>
+            <p:nvPr/>
+          </p:nvSpPr>
+          <p:spPr>
+            <a:xfrm>
+              <a:off x="6462627" y="2356783"/>
+              <a:ext cx="1988678" cy="1513217"/>
+            </a:xfrm>
+            <a:prstGeom prst="ellipse">
+              <a:avLst/>
+            </a:prstGeom>
+            <a:solidFill>
+              <a:schemeClr val="accent5">
+                <a:lumMod val="20000"/>
+                <a:lumOff val="80000"/>
+              </a:schemeClr>
+            </a:solidFill>
+            <a:ln>
+              <a:solidFill>
+                <a:schemeClr val="tx1"/>
+              </a:solidFill>
+            </a:ln>
+            <a:effectLst/>
+          </p:spPr>
+          <p:style>
+            <a:lnRef idx="2">
+              <a:schemeClr val="accent1">
+                <a:shade val="50000"/>
+              </a:schemeClr>
+            </a:lnRef>
+            <a:fillRef idx="1">
+              <a:schemeClr val="accent1"/>
+            </a:fillRef>
+            <a:effectRef idx="0">
+              <a:schemeClr val="accent1"/>
+            </a:effectRef>
+            <a:fontRef idx="minor">
+              <a:schemeClr val="lt1"/>
+            </a:fontRef>
+          </p:style>
+          <p:txBody>
+            <a:bodyPr rtlCol="0" anchor="ctr"/>
+            <a:lstStyle/>
+            <a:p>
+              <a:pPr algn="ctr"/>
+              <a:r>
+                <a:rPr lang="en-US" b="1" dirty="0" smtClean="0">
+                  <a:solidFill>
+                    <a:schemeClr val="tx1"/>
+                  </a:solidFill>
+                  <a:latin typeface="Helvetica" charset="0"/>
+                  <a:ea typeface="Helvetica" charset="0"/>
+                  <a:cs typeface="Helvetica" charset="0"/>
+                </a:rPr>
+                <a:t>Carrier B</a:t>
+              </a:r>
+              <a:endParaRPr lang="en-US" b="1" dirty="0">
                 <a:solidFill>
                   <a:schemeClr val="tx1"/>
                 </a:solidFill>
-              </a:ln>
-              <a:effectLst/>
-            </p:spPr>
-            <p:style>
-              <a:lnRef idx="2">
-                <a:schemeClr val="accent1">
-                  <a:shade val="50000"/>
-                </a:schemeClr>
-              </a:lnRef>
-              <a:fillRef idx="1">
-                <a:schemeClr val="accent1"/>
-              </a:fillRef>
-              <a:effectRef idx="0">
-                <a:schemeClr val="accent1"/>
-              </a:effectRef>
-              <a:fontRef idx="minor">
-                <a:schemeClr val="lt1"/>
-              </a:fontRef>
-            </p:style>
-            <p:txBody>
-              <a:bodyPr rtlCol="0" anchor="ctr"/>
-              <a:lstStyle/>
-              <a:p>
-                <a:pPr algn="ctr"/>
-                <a:endParaRPr lang="en-US"/>
-              </a:p>
-            </p:txBody>
-          </p:sp>
-          <p:sp>
-            <p:nvSpPr>
-              <p:cNvPr id="87" name="Oval 86"/>
-              <p:cNvSpPr/>
-              <p:nvPr/>
-            </p:nvSpPr>
-            <p:spPr>
-              <a:xfrm flipH="1" flipV="1">
-                <a:off x="7991045" y="2428128"/>
-                <a:ext cx="182880" cy="182880"/>
-              </a:xfrm>
-              <a:prstGeom prst="ellipse">
-                <a:avLst/>
-              </a:prstGeom>
+                <a:latin typeface="Helvetica" charset="0"/>
+                <a:ea typeface="Helvetica" charset="0"/>
+                <a:cs typeface="Helvetica" charset="0"/>
+              </a:endParaRPr>
+            </a:p>
+          </p:txBody>
+        </p:sp>
+        <p:pic>
+          <p:nvPicPr>
+            <p:cNvPr id="83" name="Picture 55"/>
+            <p:cNvPicPr>
+              <a:picLocks noChangeArrowheads="1"/>
+            </p:cNvPicPr>
+            <p:nvPr/>
+          </p:nvPicPr>
+          <p:blipFill>
+            <a:blip r:embed="rId2">
+              <a:extLst>
+                <a:ext uri="{28A0092B-C50C-407E-A947-70E740481C1C}">
+                  <a14:useLocalDpi xmlns:a14="http://schemas.microsoft.com/office/drawing/2010/main" val="0"/>
+                </a:ext>
+              </a:extLst>
+            </a:blip>
+            <a:srcRect/>
+            <a:stretch>
+              <a:fillRect/>
+            </a:stretch>
+          </p:blipFill>
+          <p:spPr bwMode="auto">
+            <a:xfrm>
+              <a:off x="6245385" y="2954766"/>
+              <a:ext cx="438509" cy="319029"/>
+            </a:xfrm>
+            <a:prstGeom prst="rect">
+              <a:avLst/>
+            </a:prstGeom>
+            <a:noFill/>
+            <a:ln>
+              <a:noFill/>
+            </a:ln>
+            <a:extLst>
+              <a:ext uri="{909E8E84-426E-40dd-AFC4-6F175D3DCCD1}">
+                <a14:hiddenFill xmlns:a14="http://schemas.microsoft.com/office/drawing/2010/main" xmlns="">
+                  <a:solidFill>
+                    <a:srgbClr val="FFFFFF"/>
+                  </a:solidFill>
+                </a14:hiddenFill>
+              </a:ext>
+              <a:ext uri="{91240B29-F687-4f45-9708-019B960494DF}">
+                <a14:hiddenLine xmlns:a14="http://schemas.microsoft.com/office/drawing/2010/main" xmlns="" w="9525">
+                  <a:solidFill>
+                    <a:srgbClr val="000000"/>
+                  </a:solidFill>
+                  <a:miter lim="800000"/>
+                  <a:headEnd/>
+                  <a:tailEnd/>
+                </a14:hiddenLine>
+              </a:ext>
+            </a:extLst>
+          </p:spPr>
+        </p:pic>
+        <p:pic>
+          <p:nvPicPr>
+            <p:cNvPr id="84" name="Picture 55"/>
+            <p:cNvPicPr>
+              <a:picLocks noChangeArrowheads="1"/>
+            </p:cNvPicPr>
+            <p:nvPr/>
+          </p:nvPicPr>
+          <p:blipFill>
+            <a:blip r:embed="rId2">
+              <a:extLst>
+                <a:ext uri="{28A0092B-C50C-407E-A947-70E740481C1C}">
+                  <a14:useLocalDpi xmlns:a14="http://schemas.microsoft.com/office/drawing/2010/main" val="0"/>
+                </a:ext>
+              </a:extLst>
+            </a:blip>
+            <a:srcRect/>
+            <a:stretch>
+              <a:fillRect/>
+            </a:stretch>
+          </p:blipFill>
+          <p:spPr bwMode="auto">
+            <a:xfrm>
+              <a:off x="8216209" y="2955596"/>
+              <a:ext cx="438509" cy="319029"/>
+            </a:xfrm>
+            <a:prstGeom prst="rect">
+              <a:avLst/>
+            </a:prstGeom>
+            <a:noFill/>
+            <a:ln>
+              <a:noFill/>
+            </a:ln>
+            <a:extLst>
+              <a:ext uri="{909E8E84-426E-40dd-AFC4-6F175D3DCCD1}">
+                <a14:hiddenFill xmlns:a14="http://schemas.microsoft.com/office/drawing/2010/main" xmlns="">
+                  <a:solidFill>
+                    <a:srgbClr val="FFFFFF"/>
+                  </a:solidFill>
+                </a14:hiddenFill>
+              </a:ext>
+              <a:ext uri="{91240B29-F687-4f45-9708-019B960494DF}">
+                <a14:hiddenLine xmlns:a14="http://schemas.microsoft.com/office/drawing/2010/main" xmlns="" w="9525">
+                  <a:solidFill>
+                    <a:srgbClr val="000000"/>
+                  </a:solidFill>
+                  <a:miter lim="800000"/>
+                  <a:headEnd/>
+                  <a:tailEnd/>
+                </a14:hiddenLine>
+              </a:ext>
+            </a:extLst>
+          </p:spPr>
+        </p:pic>
+        <p:sp>
+          <p:nvSpPr>
+            <p:cNvPr id="85" name="Oval 84"/>
+            <p:cNvSpPr/>
+            <p:nvPr/>
+          </p:nvSpPr>
+          <p:spPr>
+            <a:xfrm flipH="1" flipV="1">
+              <a:off x="6695805" y="3548172"/>
+              <a:ext cx="182880" cy="182880"/>
+            </a:xfrm>
+            <a:prstGeom prst="ellipse">
+              <a:avLst/>
+            </a:prstGeom>
+            <a:solidFill>
+              <a:schemeClr val="tx1"/>
+            </a:solidFill>
+            <a:ln>
               <a:solidFill>
                 <a:schemeClr val="tx1"/>
               </a:solidFill>
-              <a:ln>
-                <a:solidFill>
-                  <a:schemeClr val="tx1"/>
-                </a:solidFill>
-              </a:ln>
-              <a:effectLst/>
-            </p:spPr>
-            <p:style>
-              <a:lnRef idx="2">
-                <a:schemeClr val="accent1">
-                  <a:shade val="50000"/>
-                </a:schemeClr>
-              </a:lnRef>
-              <a:fillRef idx="1">
-                <a:schemeClr val="accent1"/>
-              </a:fillRef>
-              <a:effectRef idx="0">
-                <a:schemeClr val="accent1"/>
-              </a:effectRef>
-              <a:fontRef idx="minor">
-                <a:schemeClr val="lt1"/>
-              </a:fontRef>
-            </p:style>
-            <p:txBody>
-              <a:bodyPr rtlCol="0" anchor="ctr"/>
-              <a:lstStyle/>
-              <a:p>
-                <a:pPr algn="ctr"/>
-                <a:endParaRPr lang="en-US"/>
-              </a:p>
-            </p:txBody>
-          </p:sp>
-          <p:sp>
-            <p:nvSpPr>
-              <p:cNvPr id="88" name="Oval 87"/>
-              <p:cNvSpPr/>
-              <p:nvPr/>
-            </p:nvSpPr>
-            <p:spPr>
-              <a:xfrm flipH="1" flipV="1">
-                <a:off x="8057967" y="3530182"/>
-                <a:ext cx="182880" cy="182880"/>
-              </a:xfrm>
-              <a:prstGeom prst="ellipse">
-                <a:avLst/>
-              </a:prstGeom>
+            </a:ln>
+            <a:effectLst/>
+          </p:spPr>
+          <p:style>
+            <a:lnRef idx="2">
+              <a:schemeClr val="accent1">
+                <a:shade val="50000"/>
+              </a:schemeClr>
+            </a:lnRef>
+            <a:fillRef idx="1">
+              <a:schemeClr val="accent1"/>
+            </a:fillRef>
+            <a:effectRef idx="0">
+              <a:schemeClr val="accent1"/>
+            </a:effectRef>
+            <a:fontRef idx="minor">
+              <a:schemeClr val="lt1"/>
+            </a:fontRef>
+          </p:style>
+          <p:txBody>
+            <a:bodyPr rtlCol="0" anchor="ctr"/>
+            <a:lstStyle/>
+            <a:p>
+              <a:pPr algn="ctr"/>
+              <a:endParaRPr lang="en-US"/>
+            </a:p>
+          </p:txBody>
+        </p:sp>
+        <p:sp>
+          <p:nvSpPr>
+            <p:cNvPr id="86" name="Oval 85"/>
+            <p:cNvSpPr/>
+            <p:nvPr/>
+          </p:nvSpPr>
+          <p:spPr>
+            <a:xfrm flipH="1" flipV="1">
+              <a:off x="6674807" y="2483115"/>
+              <a:ext cx="182880" cy="182880"/>
+            </a:xfrm>
+            <a:prstGeom prst="ellipse">
+              <a:avLst/>
+            </a:prstGeom>
+            <a:solidFill>
+              <a:schemeClr val="tx1"/>
+            </a:solidFill>
+            <a:ln>
               <a:solidFill>
                 <a:schemeClr val="tx1"/>
               </a:solidFill>
-              <a:ln>
-                <a:solidFill>
-                  <a:schemeClr val="tx1"/>
-                </a:solidFill>
-              </a:ln>
-              <a:effectLst/>
-            </p:spPr>
-            <p:style>
-              <a:lnRef idx="2">
-                <a:schemeClr val="accent1">
-                  <a:shade val="50000"/>
-                </a:schemeClr>
-              </a:lnRef>
-              <a:fillRef idx="1">
-                <a:schemeClr val="accent1"/>
-              </a:fillRef>
-              <a:effectRef idx="0">
-                <a:schemeClr val="accent1"/>
-              </a:effectRef>
-              <a:fontRef idx="minor">
-                <a:schemeClr val="lt1"/>
-              </a:fontRef>
-            </p:style>
-            <p:txBody>
-              <a:bodyPr rtlCol="0" anchor="ctr"/>
-              <a:lstStyle/>
-              <a:p>
-                <a:pPr algn="ctr"/>
-                <a:endParaRPr lang="en-US"/>
-              </a:p>
-            </p:txBody>
-          </p:sp>
-          <p:cxnSp>
-            <p:nvCxnSpPr>
-              <p:cNvPr id="89" name="Straight Connector 88"/>
-              <p:cNvCxnSpPr/>
-              <p:nvPr/>
-            </p:nvCxnSpPr>
-            <p:spPr>
-              <a:xfrm flipV="1">
-                <a:off x="6289238" y="3704270"/>
-                <a:ext cx="433349" cy="459028"/>
-              </a:xfrm>
-              <a:prstGeom prst="line">
-                <a:avLst/>
-              </a:prstGeom>
-              <a:ln w="31750">
-                <a:solidFill>
-                  <a:schemeClr val="tx1"/>
-                </a:solidFill>
-                <a:prstDash val="dash"/>
-              </a:ln>
-            </p:spPr>
-            <p:style>
-              <a:lnRef idx="1">
-                <a:schemeClr val="accent1"/>
-              </a:lnRef>
-              <a:fillRef idx="0">
-                <a:schemeClr val="accent1"/>
-              </a:fillRef>
-              <a:effectRef idx="0">
-                <a:schemeClr val="accent1"/>
-              </a:effectRef>
-              <a:fontRef idx="minor">
+            </a:ln>
+            <a:effectLst/>
+          </p:spPr>
+          <p:style>
+            <a:lnRef idx="2">
+              <a:schemeClr val="accent1">
+                <a:shade val="50000"/>
+              </a:schemeClr>
+            </a:lnRef>
+            <a:fillRef idx="1">
+              <a:schemeClr val="accent1"/>
+            </a:fillRef>
+            <a:effectRef idx="0">
+              <a:schemeClr val="accent1"/>
+            </a:effectRef>
+            <a:fontRef idx="minor">
+              <a:schemeClr val="lt1"/>
+            </a:fontRef>
+          </p:style>
+          <p:txBody>
+            <a:bodyPr rtlCol="0" anchor="ctr"/>
+            <a:lstStyle/>
+            <a:p>
+              <a:pPr algn="ctr"/>
+              <a:endParaRPr lang="en-US"/>
+            </a:p>
+          </p:txBody>
+        </p:sp>
+        <p:sp>
+          <p:nvSpPr>
+            <p:cNvPr id="87" name="Oval 86"/>
+            <p:cNvSpPr/>
+            <p:nvPr/>
+          </p:nvSpPr>
+          <p:spPr>
+            <a:xfrm flipH="1" flipV="1">
+              <a:off x="7991045" y="2428128"/>
+              <a:ext cx="182880" cy="182880"/>
+            </a:xfrm>
+            <a:prstGeom prst="ellipse">
+              <a:avLst/>
+            </a:prstGeom>
+            <a:solidFill>
+              <a:schemeClr val="tx1"/>
+            </a:solidFill>
+            <a:ln>
+              <a:solidFill>
                 <a:schemeClr val="tx1"/>
-              </a:fontRef>
-            </p:style>
-          </p:cxnSp>
-          <p:cxnSp>
-            <p:nvCxnSpPr>
-              <p:cNvPr id="90" name="Straight Connector 89"/>
-              <p:cNvCxnSpPr/>
-              <p:nvPr/>
-            </p:nvCxnSpPr>
-            <p:spPr>
-              <a:xfrm flipH="1" flipV="1">
-                <a:off x="6308330" y="2189817"/>
-                <a:ext cx="393259" cy="320080"/>
-              </a:xfrm>
-              <a:prstGeom prst="line">
-                <a:avLst/>
-              </a:prstGeom>
-              <a:ln w="31750">
-                <a:solidFill>
-                  <a:schemeClr val="tx1"/>
-                </a:solidFill>
-                <a:prstDash val="dash"/>
-              </a:ln>
-            </p:spPr>
-            <p:style>
-              <a:lnRef idx="1">
-                <a:schemeClr val="accent1"/>
-              </a:lnRef>
-              <a:fillRef idx="0">
-                <a:schemeClr val="accent1"/>
-              </a:fillRef>
-              <a:effectRef idx="0">
-                <a:schemeClr val="accent1"/>
-              </a:effectRef>
-              <a:fontRef idx="minor">
+              </a:solidFill>
+            </a:ln>
+            <a:effectLst/>
+          </p:spPr>
+          <p:style>
+            <a:lnRef idx="2">
+              <a:schemeClr val="accent1">
+                <a:shade val="50000"/>
+              </a:schemeClr>
+            </a:lnRef>
+            <a:fillRef idx="1">
+              <a:schemeClr val="accent1"/>
+            </a:fillRef>
+            <a:effectRef idx="0">
+              <a:schemeClr val="accent1"/>
+            </a:effectRef>
+            <a:fontRef idx="minor">
+              <a:schemeClr val="lt1"/>
+            </a:fontRef>
+          </p:style>
+          <p:txBody>
+            <a:bodyPr rtlCol="0" anchor="ctr"/>
+            <a:lstStyle/>
+            <a:p>
+              <a:pPr algn="ctr"/>
+              <a:endParaRPr lang="en-US"/>
+            </a:p>
+          </p:txBody>
+        </p:sp>
+        <p:sp>
+          <p:nvSpPr>
+            <p:cNvPr id="88" name="Oval 87"/>
+            <p:cNvSpPr/>
+            <p:nvPr/>
+          </p:nvSpPr>
+          <p:spPr>
+            <a:xfrm flipH="1" flipV="1">
+              <a:off x="8057967" y="3530182"/>
+              <a:ext cx="182880" cy="182880"/>
+            </a:xfrm>
+            <a:prstGeom prst="ellipse">
+              <a:avLst/>
+            </a:prstGeom>
+            <a:solidFill>
+              <a:schemeClr val="tx1"/>
+            </a:solidFill>
+            <a:ln>
+              <a:solidFill>
                 <a:schemeClr val="tx1"/>
-              </a:fontRef>
-            </p:style>
-          </p:cxnSp>
-          <p:cxnSp>
-            <p:nvCxnSpPr>
-              <p:cNvPr id="91" name="Straight Connector 90"/>
-              <p:cNvCxnSpPr/>
-              <p:nvPr/>
-            </p:nvCxnSpPr>
-            <p:spPr>
-              <a:xfrm flipH="1" flipV="1">
-                <a:off x="8214065" y="3686280"/>
-                <a:ext cx="440653" cy="439277"/>
-              </a:xfrm>
-              <a:prstGeom prst="line">
-                <a:avLst/>
-              </a:prstGeom>
-              <a:ln w="31750">
-                <a:solidFill>
-                  <a:schemeClr val="tx1"/>
-                </a:solidFill>
-                <a:prstDash val="dash"/>
-              </a:ln>
-            </p:spPr>
-            <p:style>
-              <a:lnRef idx="1">
-                <a:schemeClr val="accent1"/>
-              </a:lnRef>
-              <a:fillRef idx="0">
-                <a:schemeClr val="accent1"/>
-              </a:fillRef>
-              <a:effectRef idx="0">
-                <a:schemeClr val="accent1"/>
-              </a:effectRef>
-              <a:fontRef idx="minor">
+              </a:solidFill>
+            </a:ln>
+            <a:effectLst/>
+          </p:spPr>
+          <p:style>
+            <a:lnRef idx="2">
+              <a:schemeClr val="accent1">
+                <a:shade val="50000"/>
+              </a:schemeClr>
+            </a:lnRef>
+            <a:fillRef idx="1">
+              <a:schemeClr val="accent1"/>
+            </a:fillRef>
+            <a:effectRef idx="0">
+              <a:schemeClr val="accent1"/>
+            </a:effectRef>
+            <a:fontRef idx="minor">
+              <a:schemeClr val="lt1"/>
+            </a:fontRef>
+          </p:style>
+          <p:txBody>
+            <a:bodyPr rtlCol="0" anchor="ctr"/>
+            <a:lstStyle/>
+            <a:p>
+              <a:pPr algn="ctr"/>
+              <a:endParaRPr lang="en-US"/>
+            </a:p>
+          </p:txBody>
+        </p:sp>
+        <p:cxnSp>
+          <p:nvCxnSpPr>
+            <p:cNvPr id="89" name="Straight Connector 88"/>
+            <p:cNvCxnSpPr/>
+            <p:nvPr/>
+          </p:nvCxnSpPr>
+          <p:spPr>
+            <a:xfrm flipV="1">
+              <a:off x="6289238" y="3704270"/>
+              <a:ext cx="433349" cy="459028"/>
+            </a:xfrm>
+            <a:prstGeom prst="line">
+              <a:avLst/>
+            </a:prstGeom>
+            <a:ln w="31750">
+              <a:solidFill>
                 <a:schemeClr val="tx1"/>
-              </a:fontRef>
-            </p:style>
-          </p:cxnSp>
-          <p:cxnSp>
-            <p:nvCxnSpPr>
-              <p:cNvPr id="92" name="Straight Connector 91"/>
-              <p:cNvCxnSpPr/>
-              <p:nvPr/>
-            </p:nvCxnSpPr>
-            <p:spPr>
-              <a:xfrm flipV="1">
-                <a:off x="8147143" y="2037705"/>
-                <a:ext cx="304162" cy="417205"/>
-              </a:xfrm>
-              <a:prstGeom prst="line">
-                <a:avLst/>
-              </a:prstGeom>
-              <a:ln w="31750">
-                <a:solidFill>
-                  <a:schemeClr val="tx1"/>
-                </a:solidFill>
-                <a:prstDash val="dash"/>
-              </a:ln>
-            </p:spPr>
-            <p:style>
-              <a:lnRef idx="1">
-                <a:schemeClr val="accent1"/>
-              </a:lnRef>
-              <a:fillRef idx="0">
-                <a:schemeClr val="accent1"/>
-              </a:fillRef>
-              <a:effectRef idx="0">
-                <a:schemeClr val="accent1"/>
-              </a:effectRef>
-              <a:fontRef idx="minor">
+              </a:solidFill>
+              <a:prstDash val="dash"/>
+            </a:ln>
+          </p:spPr>
+          <p:style>
+            <a:lnRef idx="1">
+              <a:schemeClr val="accent1"/>
+            </a:lnRef>
+            <a:fillRef idx="0">
+              <a:schemeClr val="accent1"/>
+            </a:fillRef>
+            <a:effectRef idx="0">
+              <a:schemeClr val="accent1"/>
+            </a:effectRef>
+            <a:fontRef idx="minor">
+              <a:schemeClr val="tx1"/>
+            </a:fontRef>
+          </p:style>
+        </p:cxnSp>
+        <p:cxnSp>
+          <p:nvCxnSpPr>
+            <p:cNvPr id="90" name="Straight Connector 89"/>
+            <p:cNvCxnSpPr/>
+            <p:nvPr/>
+          </p:nvCxnSpPr>
+          <p:spPr>
+            <a:xfrm flipH="1" flipV="1">
+              <a:off x="6308330" y="2189817"/>
+              <a:ext cx="393259" cy="320080"/>
+            </a:xfrm>
+            <a:prstGeom prst="line">
+              <a:avLst/>
+            </a:prstGeom>
+            <a:ln w="31750">
+              <a:solidFill>
                 <a:schemeClr val="tx1"/>
-              </a:fontRef>
-            </p:style>
-          </p:cxnSp>
-          <p:sp>
-            <p:nvSpPr>
-              <p:cNvPr id="63" name="TextBox 62"/>
-              <p:cNvSpPr txBox="1"/>
-              <p:nvPr/>
-            </p:nvSpPr>
-            <p:spPr>
-              <a:xfrm>
-                <a:off x="5267678" y="4543915"/>
-                <a:ext cx="1851789" cy="369332"/>
-              </a:xfrm>
-              <a:prstGeom prst="rect">
-                <a:avLst/>
-              </a:prstGeom>
-              <a:noFill/>
-            </p:spPr>
-            <p:txBody>
-              <a:bodyPr wrap="none" rtlCol="0">
-                <a:spAutoFit/>
-              </a:bodyPr>
-              <a:lstStyle/>
-              <a:p>
-                <a:r>
-                  <a:rPr lang="en-US" b="1" smtClean="0">
-                    <a:latin typeface="Helvetica" charset="0"/>
-                    <a:ea typeface="Helvetica" charset="0"/>
-                    <a:cs typeface="Helvetica" charset="0"/>
-                  </a:rPr>
-                  <a:t>Public Network</a:t>
-                </a:r>
-                <a:endParaRPr lang="en-US" b="1" dirty="0">
+              </a:solidFill>
+              <a:prstDash val="dash"/>
+            </a:ln>
+          </p:spPr>
+          <p:style>
+            <a:lnRef idx="1">
+              <a:schemeClr val="accent1"/>
+            </a:lnRef>
+            <a:fillRef idx="0">
+              <a:schemeClr val="accent1"/>
+            </a:fillRef>
+            <a:effectRef idx="0">
+              <a:schemeClr val="accent1"/>
+            </a:effectRef>
+            <a:fontRef idx="minor">
+              <a:schemeClr val="tx1"/>
+            </a:fontRef>
+          </p:style>
+        </p:cxnSp>
+        <p:cxnSp>
+          <p:nvCxnSpPr>
+            <p:cNvPr id="91" name="Straight Connector 90"/>
+            <p:cNvCxnSpPr/>
+            <p:nvPr/>
+          </p:nvCxnSpPr>
+          <p:spPr>
+            <a:xfrm flipH="1" flipV="1">
+              <a:off x="8214065" y="3686280"/>
+              <a:ext cx="440653" cy="439277"/>
+            </a:xfrm>
+            <a:prstGeom prst="line">
+              <a:avLst/>
+            </a:prstGeom>
+            <a:ln w="31750">
+              <a:solidFill>
+                <a:schemeClr val="tx1"/>
+              </a:solidFill>
+              <a:prstDash val="dash"/>
+            </a:ln>
+          </p:spPr>
+          <p:style>
+            <a:lnRef idx="1">
+              <a:schemeClr val="accent1"/>
+            </a:lnRef>
+            <a:fillRef idx="0">
+              <a:schemeClr val="accent1"/>
+            </a:fillRef>
+            <a:effectRef idx="0">
+              <a:schemeClr val="accent1"/>
+            </a:effectRef>
+            <a:fontRef idx="minor">
+              <a:schemeClr val="tx1"/>
+            </a:fontRef>
+          </p:style>
+        </p:cxnSp>
+        <p:cxnSp>
+          <p:nvCxnSpPr>
+            <p:cNvPr id="92" name="Straight Connector 91"/>
+            <p:cNvCxnSpPr/>
+            <p:nvPr/>
+          </p:nvCxnSpPr>
+          <p:spPr>
+            <a:xfrm flipV="1">
+              <a:off x="8147143" y="2037705"/>
+              <a:ext cx="304162" cy="417205"/>
+            </a:xfrm>
+            <a:prstGeom prst="line">
+              <a:avLst/>
+            </a:prstGeom>
+            <a:ln w="31750">
+              <a:solidFill>
+                <a:schemeClr val="tx1"/>
+              </a:solidFill>
+              <a:prstDash val="dash"/>
+            </a:ln>
+          </p:spPr>
+          <p:style>
+            <a:lnRef idx="1">
+              <a:schemeClr val="accent1"/>
+            </a:lnRef>
+            <a:fillRef idx="0">
+              <a:schemeClr val="accent1"/>
+            </a:fillRef>
+            <a:effectRef idx="0">
+              <a:schemeClr val="accent1"/>
+            </a:effectRef>
+            <a:fontRef idx="minor">
+              <a:schemeClr val="tx1"/>
+            </a:fontRef>
+          </p:style>
+        </p:cxnSp>
+        <p:sp>
+          <p:nvSpPr>
+            <p:cNvPr id="63" name="TextBox 62"/>
+            <p:cNvSpPr txBox="1"/>
+            <p:nvPr/>
+          </p:nvSpPr>
+          <p:spPr>
+            <a:xfrm>
+              <a:off x="5267678" y="4543915"/>
+              <a:ext cx="1851789" cy="369332"/>
+            </a:xfrm>
+            <a:prstGeom prst="rect">
+              <a:avLst/>
+            </a:prstGeom>
+            <a:noFill/>
+          </p:spPr>
+          <p:txBody>
+            <a:bodyPr wrap="none" rtlCol="0">
+              <a:spAutoFit/>
+            </a:bodyPr>
+            <a:lstStyle/>
+            <a:p>
+              <a:r>
+                <a:rPr lang="en-US" b="1" smtClean="0">
                   <a:latin typeface="Helvetica" charset="0"/>
                   <a:ea typeface="Helvetica" charset="0"/>
                   <a:cs typeface="Helvetica" charset="0"/>
-                </a:endParaRPr>
-              </a:p>
-            </p:txBody>
-          </p:sp>
-          <p:sp>
-            <p:nvSpPr>
-              <p:cNvPr id="3" name="Rounded Rectangle 2"/>
-              <p:cNvSpPr/>
-              <p:nvPr/>
-            </p:nvSpPr>
-            <p:spPr>
-              <a:xfrm>
-                <a:off x="3193528" y="1724847"/>
-                <a:ext cx="5759607" cy="2715115"/>
-              </a:xfrm>
-              <a:prstGeom prst="roundRect">
-                <a:avLst/>
-              </a:prstGeom>
-              <a:solidFill>
-                <a:schemeClr val="bg1">
-                  <a:alpha val="0"/>
-                </a:schemeClr>
-              </a:solidFill>
-              <a:ln>
-                <a:solidFill>
-                  <a:schemeClr val="tx1"/>
-                </a:solidFill>
-              </a:ln>
-            </p:spPr>
-            <p:style>
-              <a:lnRef idx="2">
-                <a:schemeClr val="accent1">
-                  <a:shade val="50000"/>
-                </a:schemeClr>
-              </a:lnRef>
-              <a:fillRef idx="1">
-                <a:schemeClr val="accent1"/>
-              </a:fillRef>
-              <a:effectRef idx="0">
-                <a:schemeClr val="accent1"/>
-              </a:effectRef>
-              <a:fontRef idx="minor">
-                <a:schemeClr val="lt1"/>
-              </a:fontRef>
-            </p:style>
-            <p:txBody>
-              <a:bodyPr rtlCol="0" anchor="ctr"/>
-              <a:lstStyle/>
-              <a:p>
-                <a:pPr algn="ctr"/>
-                <a:endParaRPr lang="en-US"/>
-              </a:p>
-            </p:txBody>
-          </p:sp>
-          <p:pic>
-            <p:nvPicPr>
-              <p:cNvPr id="68" name="Picture 55"/>
-              <p:cNvPicPr>
-                <a:picLocks noChangeArrowheads="1"/>
-              </p:cNvPicPr>
-              <p:nvPr/>
-            </p:nvPicPr>
-            <p:blipFill>
-              <a:blip r:embed="rId2">
-                <a:extLst>
-                  <a:ext uri="{28A0092B-C50C-407E-A947-70E740481C1C}">
-                    <a14:useLocalDpi xmlns:a14="http://schemas.microsoft.com/office/drawing/2010/main" val="0"/>
-                  </a:ext>
-                </a:extLst>
-              </a:blip>
-              <a:srcRect/>
-              <a:stretch>
-                <a:fillRect/>
-              </a:stretch>
-            </p:blipFill>
-            <p:spPr bwMode="auto">
-              <a:xfrm>
-                <a:off x="1088846" y="2965217"/>
-                <a:ext cx="344414" cy="276702"/>
-              </a:xfrm>
-              <a:prstGeom prst="rect">
-                <a:avLst/>
-              </a:prstGeom>
-              <a:noFill/>
-              <a:ln>
-                <a:noFill/>
-              </a:ln>
+                </a:rPr>
+                <a:t>Public Network</a:t>
+              </a:r>
+              <a:endParaRPr lang="en-US" b="1" dirty="0">
+                <a:latin typeface="Helvetica" charset="0"/>
+                <a:ea typeface="Helvetica" charset="0"/>
+                <a:cs typeface="Helvetica" charset="0"/>
+              </a:endParaRPr>
+            </a:p>
+          </p:txBody>
+        </p:sp>
+        <p:pic>
+          <p:nvPicPr>
+            <p:cNvPr id="68" name="Picture 55"/>
+            <p:cNvPicPr>
+              <a:picLocks noChangeArrowheads="1"/>
+            </p:cNvPicPr>
+            <p:nvPr/>
+          </p:nvPicPr>
+          <p:blipFill>
+            <a:blip r:embed="rId2">
               <a:extLst>
-                <a:ext uri="{909E8E84-426E-40dd-AFC4-6F175D3DCCD1}">
-                  <a14:hiddenFill xmlns:a14="http://schemas.microsoft.com/office/drawing/2010/main" xmlns="">
-                    <a:solidFill>
-                      <a:srgbClr val="FFFFFF"/>
-                    </a:solidFill>
-                  </a14:hiddenFill>
-                </a:ext>
-                <a:ext uri="{91240B29-F687-4f45-9708-019B960494DF}">
-                  <a14:hiddenLine xmlns:a14="http://schemas.microsoft.com/office/drawing/2010/main" xmlns="" w="9525">
-                    <a:solidFill>
-                      <a:srgbClr val="000000"/>
-                    </a:solidFill>
-                    <a:miter lim="800000"/>
-                    <a:headEnd/>
-                    <a:tailEnd/>
-                  </a14:hiddenLine>
+                <a:ext uri="{28A0092B-C50C-407E-A947-70E740481C1C}">
+                  <a14:useLocalDpi xmlns:a14="http://schemas.microsoft.com/office/drawing/2010/main" val="0"/>
                 </a:ext>
               </a:extLst>
-            </p:spPr>
-          </p:pic>
-          <p:pic>
-            <p:nvPicPr>
-              <p:cNvPr id="72" name="Picture 71"/>
-              <p:cNvPicPr>
-                <a:picLocks/>
-              </p:cNvPicPr>
-              <p:nvPr/>
-            </p:nvPicPr>
-            <p:blipFill>
-              <a:blip r:embed="rId4">
-                <a:extLst>
-                  <a:ext uri="{28A0092B-C50C-407E-A947-70E740481C1C}">
-                    <a14:useLocalDpi xmlns:a14="http://schemas.microsoft.com/office/drawing/2010/main" val="0"/>
-                  </a:ext>
-                </a:extLst>
-              </a:blip>
-              <a:stretch>
-                <a:fillRect/>
-              </a:stretch>
-            </p:blipFill>
-            <p:spPr>
-              <a:xfrm flipH="1">
-                <a:off x="413301" y="2754818"/>
-                <a:ext cx="363803" cy="420798"/>
-              </a:xfrm>
-              <a:prstGeom prst="rect">
-                <a:avLst/>
-              </a:prstGeom>
-            </p:spPr>
-          </p:pic>
-          <p:pic>
-            <p:nvPicPr>
-              <p:cNvPr id="74" name="Picture 73"/>
-              <p:cNvPicPr>
-                <a:picLocks/>
-              </p:cNvPicPr>
-              <p:nvPr/>
-            </p:nvPicPr>
-            <p:blipFill>
-              <a:blip r:embed="rId4">
-                <a:extLst>
-                  <a:ext uri="{28A0092B-C50C-407E-A947-70E740481C1C}">
-                    <a14:useLocalDpi xmlns:a14="http://schemas.microsoft.com/office/drawing/2010/main" val="0"/>
-                  </a:ext>
-                </a:extLst>
-              </a:blip>
-              <a:stretch>
-                <a:fillRect/>
-              </a:stretch>
-            </p:blipFill>
-            <p:spPr>
-              <a:xfrm flipH="1">
-                <a:off x="460880" y="3216986"/>
-                <a:ext cx="363803" cy="420798"/>
-              </a:xfrm>
-              <a:prstGeom prst="rect">
-                <a:avLst/>
-              </a:prstGeom>
-            </p:spPr>
-          </p:pic>
-          <p:pic>
-            <p:nvPicPr>
-              <p:cNvPr id="75" name="Picture 74"/>
-              <p:cNvPicPr>
-                <a:picLocks/>
-              </p:cNvPicPr>
-              <p:nvPr/>
-            </p:nvPicPr>
-            <p:blipFill>
-              <a:blip r:embed="rId4">
-                <a:extLst>
-                  <a:ext uri="{28A0092B-C50C-407E-A947-70E740481C1C}">
-                    <a14:useLocalDpi xmlns:a14="http://schemas.microsoft.com/office/drawing/2010/main" val="0"/>
-                  </a:ext>
-                </a:extLst>
-              </a:blip>
-              <a:stretch>
-                <a:fillRect/>
-              </a:stretch>
-            </p:blipFill>
-            <p:spPr>
-              <a:xfrm flipH="1">
-                <a:off x="871960" y="3524225"/>
-                <a:ext cx="363803" cy="420798"/>
-              </a:xfrm>
-              <a:prstGeom prst="rect">
-                <a:avLst/>
-              </a:prstGeom>
-            </p:spPr>
-          </p:pic>
-          <p:cxnSp>
-            <p:nvCxnSpPr>
-              <p:cNvPr id="76" name="Straight Connector 75"/>
-              <p:cNvCxnSpPr>
-                <a:stCxn id="72" idx="1"/>
-                <a:endCxn id="68" idx="1"/>
-              </p:cNvCxnSpPr>
-              <p:nvPr/>
-            </p:nvCxnSpPr>
-            <p:spPr>
-              <a:xfrm>
-                <a:off x="777104" y="2965217"/>
-                <a:ext cx="311742" cy="138351"/>
-              </a:xfrm>
-              <a:prstGeom prst="line">
-                <a:avLst/>
-              </a:prstGeom>
-              <a:ln w="38100">
-                <a:solidFill>
-                  <a:schemeClr val="tx1"/>
-                </a:solidFill>
-                <a:prstDash val="solid"/>
-              </a:ln>
-            </p:spPr>
-            <p:style>
-              <a:lnRef idx="1">
-                <a:schemeClr val="accent1"/>
-              </a:lnRef>
-              <a:fillRef idx="0">
-                <a:schemeClr val="accent1"/>
-              </a:fillRef>
-              <a:effectRef idx="0">
-                <a:schemeClr val="accent1"/>
-              </a:effectRef>
-              <a:fontRef idx="minor">
-                <a:schemeClr val="tx1"/>
-              </a:fontRef>
-            </p:style>
-          </p:cxnSp>
-          <p:pic>
-            <p:nvPicPr>
-              <p:cNvPr id="71" name="Picture 55"/>
-              <p:cNvPicPr>
-                <a:picLocks noChangeArrowheads="1"/>
-              </p:cNvPicPr>
-              <p:nvPr/>
-            </p:nvPicPr>
-            <p:blipFill>
-              <a:blip r:embed="rId2">
-                <a:extLst>
-                  <a:ext uri="{28A0092B-C50C-407E-A947-70E740481C1C}">
-                    <a14:useLocalDpi xmlns:a14="http://schemas.microsoft.com/office/drawing/2010/main" val="0"/>
-                  </a:ext>
-                </a:extLst>
-              </a:blip>
-              <a:srcRect/>
-              <a:stretch>
-                <a:fillRect/>
-              </a:stretch>
-            </p:blipFill>
-            <p:spPr bwMode="auto">
-              <a:xfrm>
-                <a:off x="1259773" y="2562123"/>
-                <a:ext cx="344414" cy="276702"/>
-              </a:xfrm>
-              <a:prstGeom prst="rect">
-                <a:avLst/>
-              </a:prstGeom>
+            </a:blip>
+            <a:srcRect/>
+            <a:stretch>
+              <a:fillRect/>
+            </a:stretch>
+          </p:blipFill>
+          <p:spPr bwMode="auto">
+            <a:xfrm>
+              <a:off x="1088846" y="2965217"/>
+              <a:ext cx="344414" cy="276702"/>
+            </a:xfrm>
+            <a:prstGeom prst="rect">
+              <a:avLst/>
+            </a:prstGeom>
+            <a:noFill/>
+            <a:ln>
               <a:noFill/>
-              <a:ln>
-                <a:noFill/>
-              </a:ln>
+            </a:ln>
+            <a:extLst>
+              <a:ext uri="{909E8E84-426E-40dd-AFC4-6F175D3DCCD1}">
+                <a14:hiddenFill xmlns:a14="http://schemas.microsoft.com/office/drawing/2010/main" xmlns="">
+                  <a:solidFill>
+                    <a:srgbClr val="FFFFFF"/>
+                  </a:solidFill>
+                </a14:hiddenFill>
+              </a:ext>
+              <a:ext uri="{91240B29-F687-4f45-9708-019B960494DF}">
+                <a14:hiddenLine xmlns:a14="http://schemas.microsoft.com/office/drawing/2010/main" xmlns="" w="9525">
+                  <a:solidFill>
+                    <a:srgbClr val="000000"/>
+                  </a:solidFill>
+                  <a:miter lim="800000"/>
+                  <a:headEnd/>
+                  <a:tailEnd/>
+                </a14:hiddenLine>
+              </a:ext>
+            </a:extLst>
+          </p:spPr>
+        </p:pic>
+        <p:pic>
+          <p:nvPicPr>
+            <p:cNvPr id="72" name="Picture 71"/>
+            <p:cNvPicPr>
+              <a:picLocks/>
+            </p:cNvPicPr>
+            <p:nvPr/>
+          </p:nvPicPr>
+          <p:blipFill>
+            <a:blip r:embed="rId4">
               <a:extLst>
-                <a:ext uri="{909E8E84-426E-40dd-AFC4-6F175D3DCCD1}">
-                  <a14:hiddenFill xmlns:a14="http://schemas.microsoft.com/office/drawing/2010/main" xmlns="">
-                    <a:solidFill>
-                      <a:srgbClr val="FFFFFF"/>
-                    </a:solidFill>
-                  </a14:hiddenFill>
-                </a:ext>
-                <a:ext uri="{91240B29-F687-4f45-9708-019B960494DF}">
-                  <a14:hiddenLine xmlns:a14="http://schemas.microsoft.com/office/drawing/2010/main" xmlns="" w="9525">
-                    <a:solidFill>
-                      <a:srgbClr val="000000"/>
-                    </a:solidFill>
-                    <a:miter lim="800000"/>
-                    <a:headEnd/>
-                    <a:tailEnd/>
-                  </a14:hiddenLine>
+                <a:ext uri="{28A0092B-C50C-407E-A947-70E740481C1C}">
+                  <a14:useLocalDpi xmlns:a14="http://schemas.microsoft.com/office/drawing/2010/main" val="0"/>
                 </a:ext>
               </a:extLst>
-            </p:spPr>
-          </p:pic>
-          <p:pic>
-            <p:nvPicPr>
-              <p:cNvPr id="69" name="Picture 55"/>
-              <p:cNvPicPr>
-                <a:picLocks noChangeArrowheads="1"/>
-              </p:cNvPicPr>
-              <p:nvPr/>
-            </p:nvPicPr>
-            <p:blipFill>
-              <a:blip r:embed="rId2">
-                <a:extLst>
-                  <a:ext uri="{28A0092B-C50C-407E-A947-70E740481C1C}">
-                    <a14:useLocalDpi xmlns:a14="http://schemas.microsoft.com/office/drawing/2010/main" val="0"/>
-                  </a:ext>
-                </a:extLst>
-              </a:blip>
-              <a:srcRect/>
-              <a:stretch>
-                <a:fillRect/>
-              </a:stretch>
-            </p:blipFill>
-            <p:spPr bwMode="auto">
-              <a:xfrm>
-                <a:off x="1265308" y="3356909"/>
-                <a:ext cx="366643" cy="259993"/>
-              </a:xfrm>
-              <a:prstGeom prst="rect">
-                <a:avLst/>
-              </a:prstGeom>
-              <a:noFill/>
-              <a:ln>
-                <a:noFill/>
-              </a:ln>
+            </a:blip>
+            <a:stretch>
+              <a:fillRect/>
+            </a:stretch>
+          </p:blipFill>
+          <p:spPr>
+            <a:xfrm flipH="1">
+              <a:off x="413301" y="2754818"/>
+              <a:ext cx="363803" cy="420798"/>
+            </a:xfrm>
+            <a:prstGeom prst="rect">
+              <a:avLst/>
+            </a:prstGeom>
+          </p:spPr>
+        </p:pic>
+        <p:pic>
+          <p:nvPicPr>
+            <p:cNvPr id="74" name="Picture 73"/>
+            <p:cNvPicPr>
+              <a:picLocks/>
+            </p:cNvPicPr>
+            <p:nvPr/>
+          </p:nvPicPr>
+          <p:blipFill>
+            <a:blip r:embed="rId4">
               <a:extLst>
-                <a:ext uri="{909E8E84-426E-40dd-AFC4-6F175D3DCCD1}">
-                  <a14:hiddenFill xmlns:a14="http://schemas.microsoft.com/office/drawing/2010/main" xmlns="">
-                    <a:solidFill>
-                      <a:srgbClr val="FFFFFF"/>
-                    </a:solidFill>
-                  </a14:hiddenFill>
-                </a:ext>
-                <a:ext uri="{91240B29-F687-4f45-9708-019B960494DF}">
-                  <a14:hiddenLine xmlns:a14="http://schemas.microsoft.com/office/drawing/2010/main" xmlns="" w="9525">
-                    <a:solidFill>
-                      <a:srgbClr val="000000"/>
-                    </a:solidFill>
-                    <a:miter lim="800000"/>
-                    <a:headEnd/>
-                    <a:tailEnd/>
-                  </a14:hiddenLine>
+                <a:ext uri="{28A0092B-C50C-407E-A947-70E740481C1C}">
+                  <a14:useLocalDpi xmlns:a14="http://schemas.microsoft.com/office/drawing/2010/main" val="0"/>
                 </a:ext>
               </a:extLst>
-            </p:spPr>
-          </p:pic>
-        </p:grpSp>
-        <p:grpSp>
-          <p:nvGrpSpPr>
-            <p:cNvPr id="16" name="Group 15"/>
-            <p:cNvGrpSpPr>
-              <a:grpSpLocks noChangeAspect="1"/>
-            </p:cNvGrpSpPr>
-            <p:nvPr/>
-          </p:nvGrpSpPr>
-          <p:grpSpPr>
+            </a:blip>
+            <a:stretch>
+              <a:fillRect/>
+            </a:stretch>
+          </p:blipFill>
+          <p:spPr>
+            <a:xfrm flipH="1">
+              <a:off x="460880" y="3216986"/>
+              <a:ext cx="363803" cy="420798"/>
+            </a:xfrm>
+            <a:prstGeom prst="rect">
+              <a:avLst/>
+            </a:prstGeom>
+          </p:spPr>
+        </p:pic>
+        <p:pic>
+          <p:nvPicPr>
+            <p:cNvPr id="75" name="Picture 74"/>
+            <p:cNvPicPr>
+              <a:picLocks/>
+            </p:cNvPicPr>
+            <p:nvPr/>
+          </p:nvPicPr>
+          <p:blipFill>
+            <a:blip r:embed="rId4">
+              <a:extLst>
+                <a:ext uri="{28A0092B-C50C-407E-A947-70E740481C1C}">
+                  <a14:useLocalDpi xmlns:a14="http://schemas.microsoft.com/office/drawing/2010/main" val="0"/>
+                </a:ext>
+              </a:extLst>
+            </a:blip>
+            <a:stretch>
+              <a:fillRect/>
+            </a:stretch>
+          </p:blipFill>
+          <p:spPr>
+            <a:xfrm flipH="1">
+              <a:off x="871960" y="3524225"/>
+              <a:ext cx="363803" cy="420798"/>
+            </a:xfrm>
+            <a:prstGeom prst="rect">
+              <a:avLst/>
+            </a:prstGeom>
+          </p:spPr>
+        </p:pic>
+        <p:cxnSp>
+          <p:nvCxnSpPr>
+            <p:cNvPr id="76" name="Straight Connector 75"/>
+            <p:cNvCxnSpPr>
+              <a:stCxn id="72" idx="1"/>
+              <a:endCxn id="68" idx="1"/>
+            </p:cNvCxnSpPr>
+            <p:nvPr/>
+          </p:nvCxnSpPr>
+          <p:spPr>
             <a:xfrm>
-              <a:off x="11107504" y="2496692"/>
-              <a:ext cx="274320" cy="274320"/>
-              <a:chOff x="3584963" y="5322139"/>
-              <a:chExt cx="1187705" cy="1187705"/>
-            </a:xfrm>
-          </p:grpSpPr>
-          <p:sp>
-            <p:nvSpPr>
-              <p:cNvPr id="13" name="Rectangle 12"/>
-              <p:cNvSpPr/>
-              <p:nvPr/>
-            </p:nvSpPr>
-            <p:spPr>
-              <a:xfrm>
-                <a:off x="3864483" y="5372167"/>
-                <a:ext cx="552242" cy="1042419"/>
-              </a:xfrm>
-              <a:prstGeom prst="rect">
-                <a:avLst/>
-              </a:prstGeom>
+              <a:off x="777104" y="2965217"/>
+              <a:ext cx="311742" cy="138351"/>
+            </a:xfrm>
+            <a:prstGeom prst="line">
+              <a:avLst/>
+            </a:prstGeom>
+            <a:ln w="38100">
+              <a:solidFill>
+                <a:schemeClr val="tx1"/>
+              </a:solidFill>
+              <a:prstDash val="solid"/>
+            </a:ln>
+          </p:spPr>
+          <p:style>
+            <a:lnRef idx="1">
+              <a:schemeClr val="accent1"/>
+            </a:lnRef>
+            <a:fillRef idx="0">
+              <a:schemeClr val="accent1"/>
+            </a:fillRef>
+            <a:effectRef idx="0">
+              <a:schemeClr val="accent1"/>
+            </a:effectRef>
+            <a:fontRef idx="minor">
+              <a:schemeClr val="tx1"/>
+            </a:fontRef>
+          </p:style>
+        </p:cxnSp>
+        <p:pic>
+          <p:nvPicPr>
+            <p:cNvPr id="71" name="Picture 55"/>
+            <p:cNvPicPr>
+              <a:picLocks noChangeArrowheads="1"/>
+            </p:cNvPicPr>
+            <p:nvPr/>
+          </p:nvPicPr>
+          <p:blipFill>
+            <a:blip r:embed="rId2">
+              <a:extLst>
+                <a:ext uri="{28A0092B-C50C-407E-A947-70E740481C1C}">
+                  <a14:useLocalDpi xmlns:a14="http://schemas.microsoft.com/office/drawing/2010/main" val="0"/>
+                </a:ext>
+              </a:extLst>
+            </a:blip>
+            <a:srcRect/>
+            <a:stretch>
+              <a:fillRect/>
+            </a:stretch>
+          </p:blipFill>
+          <p:spPr bwMode="auto">
+            <a:xfrm>
+              <a:off x="1259773" y="2562123"/>
+              <a:ext cx="344414" cy="276702"/>
+            </a:xfrm>
+            <a:prstGeom prst="rect">
+              <a:avLst/>
+            </a:prstGeom>
+            <a:noFill/>
+            <a:ln>
+              <a:noFill/>
+            </a:ln>
+            <a:extLst>
+              <a:ext uri="{909E8E84-426E-40dd-AFC4-6F175D3DCCD1}">
+                <a14:hiddenFill xmlns:a14="http://schemas.microsoft.com/office/drawing/2010/main" xmlns="">
+                  <a:solidFill>
+                    <a:srgbClr val="FFFFFF"/>
+                  </a:solidFill>
+                </a14:hiddenFill>
+              </a:ext>
+              <a:ext uri="{91240B29-F687-4f45-9708-019B960494DF}">
+                <a14:hiddenLine xmlns:a14="http://schemas.microsoft.com/office/drawing/2010/main" xmlns="" w="9525">
+                  <a:solidFill>
+                    <a:srgbClr val="000000"/>
+                  </a:solidFill>
+                  <a:miter lim="800000"/>
+                  <a:headEnd/>
+                  <a:tailEnd/>
+                </a14:hiddenLine>
+              </a:ext>
+            </a:extLst>
+          </p:spPr>
+        </p:pic>
+        <p:pic>
+          <p:nvPicPr>
+            <p:cNvPr id="69" name="Picture 55"/>
+            <p:cNvPicPr>
+              <a:picLocks noChangeArrowheads="1"/>
+            </p:cNvPicPr>
+            <p:nvPr/>
+          </p:nvPicPr>
+          <p:blipFill>
+            <a:blip r:embed="rId2">
+              <a:extLst>
+                <a:ext uri="{28A0092B-C50C-407E-A947-70E740481C1C}">
+                  <a14:useLocalDpi xmlns:a14="http://schemas.microsoft.com/office/drawing/2010/main" val="0"/>
+                </a:ext>
+              </a:extLst>
+            </a:blip>
+            <a:srcRect/>
+            <a:stretch>
+              <a:fillRect/>
+            </a:stretch>
+          </p:blipFill>
+          <p:spPr bwMode="auto">
+            <a:xfrm>
+              <a:off x="1265308" y="3356909"/>
+              <a:ext cx="366643" cy="259993"/>
+            </a:xfrm>
+            <a:prstGeom prst="rect">
+              <a:avLst/>
+            </a:prstGeom>
+            <a:noFill/>
+            <a:ln>
+              <a:noFill/>
+            </a:ln>
+            <a:extLst>
+              <a:ext uri="{909E8E84-426E-40dd-AFC4-6F175D3DCCD1}">
+                <a14:hiddenFill xmlns:a14="http://schemas.microsoft.com/office/drawing/2010/main" xmlns="">
+                  <a:solidFill>
+                    <a:srgbClr val="FFFFFF"/>
+                  </a:solidFill>
+                </a14:hiddenFill>
+              </a:ext>
+              <a:ext uri="{91240B29-F687-4f45-9708-019B960494DF}">
+                <a14:hiddenLine xmlns:a14="http://schemas.microsoft.com/office/drawing/2010/main" xmlns="" w="9525">
+                  <a:solidFill>
+                    <a:srgbClr val="000000"/>
+                  </a:solidFill>
+                  <a:miter lim="800000"/>
+                  <a:headEnd/>
+                  <a:tailEnd/>
+                </a14:hiddenLine>
+              </a:ext>
+            </a:extLst>
+          </p:spPr>
+        </p:pic>
+        <p:sp>
+          <p:nvSpPr>
+            <p:cNvPr id="13" name="Rectangle 12"/>
+            <p:cNvSpPr/>
+            <p:nvPr/>
+          </p:nvSpPr>
+          <p:spPr>
+            <a:xfrm>
+              <a:off x="11172064" y="2508247"/>
+              <a:ext cx="127549" cy="240764"/>
+            </a:xfrm>
+            <a:prstGeom prst="rect">
+              <a:avLst/>
+            </a:prstGeom>
+            <a:solidFill>
+              <a:schemeClr val="bg1"/>
+            </a:solidFill>
+            <a:ln>
               <a:solidFill>
                 <a:schemeClr val="bg1"/>
               </a:solidFill>
-              <a:ln>
-                <a:solidFill>
-                  <a:schemeClr val="bg1"/>
-                </a:solidFill>
-              </a:ln>
-            </p:spPr>
-            <p:style>
-              <a:lnRef idx="2">
-                <a:schemeClr val="accent1">
-                  <a:shade val="50000"/>
-                </a:schemeClr>
-              </a:lnRef>
-              <a:fillRef idx="1">
-                <a:schemeClr val="accent1"/>
-              </a:fillRef>
-              <a:effectRef idx="0">
-                <a:schemeClr val="accent1"/>
-              </a:effectRef>
-              <a:fontRef idx="minor">
-                <a:schemeClr val="lt1"/>
-              </a:fontRef>
-            </p:style>
-            <p:txBody>
-              <a:bodyPr rtlCol="0" anchor="ctr"/>
-              <a:lstStyle/>
-              <a:p>
-                <a:pPr algn="ctr"/>
-                <a:endParaRPr lang="en-US"/>
-              </a:p>
-            </p:txBody>
-          </p:sp>
-          <p:pic>
-            <p:nvPicPr>
-              <p:cNvPr id="12" name="Picture 11"/>
-              <p:cNvPicPr>
-                <a:picLocks noChangeAspect="1"/>
-              </p:cNvPicPr>
-              <p:nvPr/>
-            </p:nvPicPr>
-            <p:blipFill>
-              <a:blip r:embed="rId7">
-                <a:extLst>
-                  <a:ext uri="{28A0092B-C50C-407E-A947-70E740481C1C}">
-                    <a14:useLocalDpi xmlns:a14="http://schemas.microsoft.com/office/drawing/2010/main" val="0"/>
-                  </a:ext>
-                </a:extLst>
-              </a:blip>
-              <a:stretch>
-                <a:fillRect/>
-              </a:stretch>
-            </p:blipFill>
-            <p:spPr>
-              <a:xfrm flipH="1">
-                <a:off x="3584963" y="5322139"/>
-                <a:ext cx="1187705" cy="1187705"/>
-              </a:xfrm>
-              <a:prstGeom prst="rect">
-                <a:avLst/>
-              </a:prstGeom>
-            </p:spPr>
-          </p:pic>
-        </p:grpSp>
-        <p:grpSp>
-          <p:nvGrpSpPr>
-            <p:cNvPr id="78" name="Group 77"/>
-            <p:cNvGrpSpPr>
-              <a:grpSpLocks noChangeAspect="1"/>
-            </p:cNvGrpSpPr>
-            <p:nvPr/>
-          </p:nvGrpSpPr>
-          <p:grpSpPr>
+            </a:ln>
+          </p:spPr>
+          <p:style>
+            <a:lnRef idx="2">
+              <a:schemeClr val="accent1">
+                <a:shade val="50000"/>
+              </a:schemeClr>
+            </a:lnRef>
+            <a:fillRef idx="1">
+              <a:schemeClr val="accent1"/>
+            </a:fillRef>
+            <a:effectRef idx="0">
+              <a:schemeClr val="accent1"/>
+            </a:effectRef>
+            <a:fontRef idx="minor">
+              <a:schemeClr val="lt1"/>
+            </a:fontRef>
+          </p:style>
+          <p:txBody>
+            <a:bodyPr rtlCol="0" anchor="ctr"/>
+            <a:lstStyle/>
+            <a:p>
+              <a:pPr algn="ctr"/>
+              <a:endParaRPr lang="en-US"/>
+            </a:p>
+          </p:txBody>
+        </p:sp>
+        <p:pic>
+          <p:nvPicPr>
+            <p:cNvPr id="12" name="Picture 11"/>
+            <p:cNvPicPr>
+              <a:picLocks noChangeAspect="1"/>
+            </p:cNvPicPr>
+            <p:nvPr/>
+          </p:nvPicPr>
+          <p:blipFill>
+            <a:blip r:embed="rId7">
+              <a:extLst>
+                <a:ext uri="{28A0092B-C50C-407E-A947-70E740481C1C}">
+                  <a14:useLocalDpi xmlns:a14="http://schemas.microsoft.com/office/drawing/2010/main" val="0"/>
+                </a:ext>
+              </a:extLst>
+            </a:blip>
+            <a:stretch>
+              <a:fillRect/>
+            </a:stretch>
+          </p:blipFill>
+          <p:spPr>
+            <a:xfrm flipH="1">
+              <a:off x="11107504" y="2496692"/>
+              <a:ext cx="274320" cy="274320"/>
+            </a:xfrm>
+            <a:prstGeom prst="rect">
+              <a:avLst/>
+            </a:prstGeom>
+          </p:spPr>
+        </p:pic>
+        <p:sp>
+          <p:nvSpPr>
+            <p:cNvPr id="80" name="Rectangle 79"/>
+            <p:cNvSpPr/>
+            <p:nvPr/>
+          </p:nvSpPr>
+          <p:spPr>
             <a:xfrm>
-              <a:off x="11362950" y="2391088"/>
-              <a:ext cx="274320" cy="274320"/>
-              <a:chOff x="3584963" y="5322139"/>
-              <a:chExt cx="1187705" cy="1187705"/>
-            </a:xfrm>
-          </p:grpSpPr>
-          <p:sp>
-            <p:nvSpPr>
-              <p:cNvPr id="80" name="Rectangle 79"/>
-              <p:cNvSpPr/>
-              <p:nvPr/>
-            </p:nvSpPr>
-            <p:spPr>
-              <a:xfrm>
-                <a:off x="3864483" y="5372167"/>
-                <a:ext cx="552242" cy="1042419"/>
-              </a:xfrm>
-              <a:prstGeom prst="rect">
-                <a:avLst/>
-              </a:prstGeom>
+              <a:off x="11427510" y="2402643"/>
+              <a:ext cx="127549" cy="240764"/>
+            </a:xfrm>
+            <a:prstGeom prst="rect">
+              <a:avLst/>
+            </a:prstGeom>
+            <a:solidFill>
+              <a:schemeClr val="bg1"/>
+            </a:solidFill>
+            <a:ln>
               <a:solidFill>
                 <a:schemeClr val="bg1"/>
               </a:solidFill>
-              <a:ln>
-                <a:solidFill>
-                  <a:schemeClr val="bg1"/>
-                </a:solidFill>
-              </a:ln>
-            </p:spPr>
-            <p:style>
-              <a:lnRef idx="2">
-                <a:schemeClr val="accent1">
-                  <a:shade val="50000"/>
-                </a:schemeClr>
-              </a:lnRef>
-              <a:fillRef idx="1">
-                <a:schemeClr val="accent1"/>
-              </a:fillRef>
-              <a:effectRef idx="0">
-                <a:schemeClr val="accent1"/>
-              </a:effectRef>
-              <a:fontRef idx="minor">
-                <a:schemeClr val="lt1"/>
-              </a:fontRef>
-            </p:style>
-            <p:txBody>
-              <a:bodyPr rtlCol="0" anchor="ctr"/>
-              <a:lstStyle/>
-              <a:p>
-                <a:pPr algn="ctr"/>
-                <a:endParaRPr lang="en-US"/>
-              </a:p>
-            </p:txBody>
-          </p:sp>
-          <p:pic>
-            <p:nvPicPr>
-              <p:cNvPr id="81" name="Picture 80"/>
-              <p:cNvPicPr>
-                <a:picLocks noChangeAspect="1"/>
-              </p:cNvPicPr>
-              <p:nvPr/>
-            </p:nvPicPr>
-            <p:blipFill>
-              <a:blip r:embed="rId7">
-                <a:extLst>
-                  <a:ext uri="{28A0092B-C50C-407E-A947-70E740481C1C}">
-                    <a14:useLocalDpi xmlns:a14="http://schemas.microsoft.com/office/drawing/2010/main" val="0"/>
-                  </a:ext>
-                </a:extLst>
-              </a:blip>
-              <a:stretch>
-                <a:fillRect/>
-              </a:stretch>
-            </p:blipFill>
-            <p:spPr>
-              <a:xfrm flipH="1">
-                <a:off x="3584963" y="5322139"/>
-                <a:ext cx="1187705" cy="1187705"/>
-              </a:xfrm>
-              <a:prstGeom prst="rect">
-                <a:avLst/>
-              </a:prstGeom>
-            </p:spPr>
-          </p:pic>
-        </p:grpSp>
+            </a:ln>
+          </p:spPr>
+          <p:style>
+            <a:lnRef idx="2">
+              <a:schemeClr val="accent1">
+                <a:shade val="50000"/>
+              </a:schemeClr>
+            </a:lnRef>
+            <a:fillRef idx="1">
+              <a:schemeClr val="accent1"/>
+            </a:fillRef>
+            <a:effectRef idx="0">
+              <a:schemeClr val="accent1"/>
+            </a:effectRef>
+            <a:fontRef idx="minor">
+              <a:schemeClr val="lt1"/>
+            </a:fontRef>
+          </p:style>
+          <p:txBody>
+            <a:bodyPr rtlCol="0" anchor="ctr"/>
+            <a:lstStyle/>
+            <a:p>
+              <a:pPr algn="ctr"/>
+              <a:endParaRPr lang="en-US"/>
+            </a:p>
+          </p:txBody>
+        </p:sp>
+        <p:pic>
+          <p:nvPicPr>
+            <p:cNvPr id="81" name="Picture 80"/>
+            <p:cNvPicPr>
+              <a:picLocks noChangeAspect="1"/>
+            </p:cNvPicPr>
+            <p:nvPr/>
+          </p:nvPicPr>
+          <p:blipFill>
+            <a:blip r:embed="rId7">
+              <a:extLst>
+                <a:ext uri="{28A0092B-C50C-407E-A947-70E740481C1C}">
+                  <a14:useLocalDpi xmlns:a14="http://schemas.microsoft.com/office/drawing/2010/main" val="0"/>
+                </a:ext>
+              </a:extLst>
+            </a:blip>
+            <a:stretch>
+              <a:fillRect/>
+            </a:stretch>
+          </p:blipFill>
+          <p:spPr>
+            <a:xfrm flipH="1">
+              <a:off x="11362950" y="2391088"/>
+              <a:ext cx="274320" cy="274320"/>
+            </a:xfrm>
+            <a:prstGeom prst="rect">
+              <a:avLst/>
+            </a:prstGeom>
+          </p:spPr>
+        </p:pic>
+        <p:sp>
+          <p:nvSpPr>
+            <p:cNvPr id="3" name="Rounded Rectangle 2"/>
+            <p:cNvSpPr/>
+            <p:nvPr/>
+          </p:nvSpPr>
+          <p:spPr>
+            <a:xfrm>
+              <a:off x="3193528" y="1724847"/>
+              <a:ext cx="5759607" cy="2715115"/>
+            </a:xfrm>
+            <a:prstGeom prst="roundRect">
+              <a:avLst/>
+            </a:prstGeom>
+            <a:solidFill>
+              <a:schemeClr val="bg1">
+                <a:alpha val="0"/>
+              </a:schemeClr>
+            </a:solidFill>
+            <a:ln>
+              <a:solidFill>
+                <a:schemeClr val="tx1"/>
+              </a:solidFill>
+            </a:ln>
+          </p:spPr>
+          <p:style>
+            <a:lnRef idx="2">
+              <a:schemeClr val="accent1">
+                <a:shade val="50000"/>
+              </a:schemeClr>
+            </a:lnRef>
+            <a:fillRef idx="1">
+              <a:schemeClr val="accent1"/>
+            </a:fillRef>
+            <a:effectRef idx="0">
+              <a:schemeClr val="accent1"/>
+            </a:effectRef>
+            <a:fontRef idx="minor">
+              <a:schemeClr val="lt1"/>
+            </a:fontRef>
+          </p:style>
+          <p:txBody>
+            <a:bodyPr rtlCol="0" anchor="ctr"/>
+            <a:lstStyle/>
+            <a:p>
+              <a:pPr algn="ctr"/>
+              <a:endParaRPr lang="en-US"/>
+            </a:p>
+          </p:txBody>
+        </p:sp>
       </p:grpSp>
     </p:spTree>
     <p:extLst>
